--- a/Team 01 Final Project.pptx
+++ b/Team 01 Final Project.pptx
@@ -5,7 +5,7 @@
     <p:sldMasterId id="2147483648" r:id="rId1"/>
   </p:sldMasterIdLst>
   <p:notesMasterIdLst>
-    <p:notesMasterId r:id="rId13"/>
+    <p:notesMasterId r:id="rId15"/>
   </p:notesMasterIdLst>
   <p:sldIdLst>
     <p:sldId id="256" r:id="rId2"/>
@@ -15,10 +15,12 @@
     <p:sldId id="287" r:id="rId6"/>
     <p:sldId id="286" r:id="rId7"/>
     <p:sldId id="293" r:id="rId8"/>
-    <p:sldId id="292" r:id="rId9"/>
-    <p:sldId id="288" r:id="rId10"/>
-    <p:sldId id="289" r:id="rId11"/>
-    <p:sldId id="283" r:id="rId12"/>
+    <p:sldId id="294" r:id="rId9"/>
+    <p:sldId id="292" r:id="rId10"/>
+    <p:sldId id="295" r:id="rId11"/>
+    <p:sldId id="288" r:id="rId12"/>
+    <p:sldId id="289" r:id="rId13"/>
+    <p:sldId id="283" r:id="rId14"/>
   </p:sldIdLst>
   <p:sldSz cx="9144000" cy="6858000" type="screen4x3"/>
   <p:notesSz cx="6858000" cy="9144000"/>
@@ -4318,6 +4320,592 @@
           <a:lstStyle/>
           <a:p>
             <a:r>
+              <a:rPr lang="en-US" smtClean="0"/>
+              <a:t>There are ways…</a:t>
+            </a:r>
+            <a:endParaRPr lang="en-US"/>
+          </a:p>
+        </p:txBody>
+      </p:sp>
+      <p:sp>
+        <p:nvSpPr>
+          <p:cNvPr id="3" name="Content Placeholder 2"/>
+          <p:cNvSpPr>
+            <a:spLocks noGrp="1"/>
+          </p:cNvSpPr>
+          <p:nvPr>
+            <p:ph idx="1"/>
+          </p:nvPr>
+        </p:nvSpPr>
+        <p:spPr/>
+        <p:txBody>
+          <a:bodyPr/>
+          <a:lstStyle/>
+          <a:p>
+            <a:r>
+              <a:rPr lang="en-US" smtClean="0"/>
+              <a:t>Link Item to Client that purchased the item</a:t>
+            </a:r>
+          </a:p>
+          <a:p>
+            <a:r>
+              <a:rPr lang="en-US" smtClean="0"/>
+              <a:t>Weighted by the cost of the item X qty</a:t>
+            </a:r>
+            <a:endParaRPr lang="en-US"/>
+          </a:p>
+        </p:txBody>
+      </p:sp>
+      <p:pic>
+        <p:nvPicPr>
+          <p:cNvPr id="4" name="Picture 6" descr="https://i.ytimg.com/vi/YRCzEqkCoiM/maxresdefault.jpg"/>
+          <p:cNvPicPr>
+            <a:picLocks noChangeAspect="1" noChangeArrowheads="1"/>
+          </p:cNvPicPr>
+          <p:nvPr/>
+        </p:nvPicPr>
+        <p:blipFill>
+          <a:blip r:embed="rId2" cstate="print">
+            <a:extLst>
+              <a:ext uri="{28A0092B-C50C-407E-A947-70E740481C1C}">
+                <a14:useLocalDpi xmlns:a14="http://schemas.microsoft.com/office/drawing/2010/main" val="0"/>
+              </a:ext>
+            </a:extLst>
+          </a:blip>
+          <a:srcRect/>
+          <a:stretch>
+            <a:fillRect/>
+          </a:stretch>
+        </p:blipFill>
+        <p:spPr bwMode="auto">
+          <a:xfrm>
+            <a:off x="76200" y="4659709"/>
+            <a:ext cx="3012711" cy="2110581"/>
+          </a:xfrm>
+          <a:prstGeom prst="rect">
+            <a:avLst/>
+          </a:prstGeom>
+          <a:noFill/>
+          <a:extLst>
+            <a:ext uri="{909E8E84-426E-40DD-AFC4-6F175D3DCCD1}">
+              <a14:hiddenFill xmlns:a14="http://schemas.microsoft.com/office/drawing/2010/main">
+                <a:solidFill>
+                  <a:srgbClr val="FFFFFF"/>
+                </a:solidFill>
+              </a14:hiddenFill>
+            </a:ext>
+          </a:extLst>
+        </p:spPr>
+      </p:pic>
+      <p:sp>
+        <p:nvSpPr>
+          <p:cNvPr id="5" name="TextBox 4"/>
+          <p:cNvSpPr txBox="1"/>
+          <p:nvPr/>
+        </p:nvSpPr>
+        <p:spPr>
+          <a:xfrm>
+            <a:off x="8626654" y="6477000"/>
+            <a:ext cx="441146" cy="369332"/>
+          </a:xfrm>
+          <a:prstGeom prst="rect">
+            <a:avLst/>
+          </a:prstGeom>
+          <a:noFill/>
+        </p:spPr>
+        <p:txBody>
+          <a:bodyPr wrap="none" rtlCol="0">
+            <a:spAutoFit/>
+          </a:bodyPr>
+          <a:lstStyle/>
+          <a:p>
+            <a:r>
+              <a:rPr lang="en-US" smtClean="0"/>
+              <a:t>[4]</a:t>
+            </a:r>
+            <a:endParaRPr lang="en-US"/>
+          </a:p>
+        </p:txBody>
+      </p:sp>
+    </p:spTree>
+    <p:extLst>
+      <p:ext uri="{BB962C8B-B14F-4D97-AF65-F5344CB8AC3E}">
+        <p14:creationId xmlns:p14="http://schemas.microsoft.com/office/powerpoint/2010/main" val="1667990771"/>
+      </p:ext>
+    </p:extLst>
+  </p:cSld>
+  <p:clrMapOvr>
+    <a:masterClrMapping/>
+  </p:clrMapOvr>
+</p:sld>
+</file>
+
+<file path=ppt/slides/slide11.xml><?xml version="1.0" encoding="utf-8"?>
+<p:sld xmlns:a="http://schemas.openxmlformats.org/drawingml/2006/main" xmlns:r="http://schemas.openxmlformats.org/officeDocument/2006/relationships" xmlns:p="http://schemas.openxmlformats.org/presentationml/2006/main">
+  <p:cSld>
+    <p:spTree>
+      <p:nvGrpSpPr>
+        <p:cNvPr id="1" name=""/>
+        <p:cNvGrpSpPr/>
+        <p:nvPr/>
+      </p:nvGrpSpPr>
+      <p:grpSpPr>
+        <a:xfrm>
+          <a:off x="0" y="0"/>
+          <a:ext cx="0" cy="0"/>
+          <a:chOff x="0" y="0"/>
+          <a:chExt cx="0" cy="0"/>
+        </a:xfrm>
+      </p:grpSpPr>
+      <p:sp>
+        <p:nvSpPr>
+          <p:cNvPr id="3" name="Content Placeholder 2"/>
+          <p:cNvSpPr>
+            <a:spLocks noGrp="1"/>
+          </p:cNvSpPr>
+          <p:nvPr>
+            <p:ph idx="1"/>
+          </p:nvPr>
+        </p:nvSpPr>
+        <p:spPr>
+          <a:xfrm>
+            <a:off x="304800" y="2057400"/>
+            <a:ext cx="3505200" cy="3551237"/>
+          </a:xfrm>
+        </p:spPr>
+        <p:txBody>
+          <a:bodyPr/>
+          <a:lstStyle/>
+          <a:p>
+            <a:pPr marL="0" indent="0">
+              <a:buNone/>
+            </a:pPr>
+            <a:r>
+              <a:rPr lang="en-US" sz="1050"/>
+              <a:t>4 items to be processed.</a:t>
+            </a:r>
+          </a:p>
+          <a:p>
+            <a:pPr marL="0" indent="0">
+              <a:buNone/>
+            </a:pPr>
+            <a:r>
+              <a:rPr lang="en-US" sz="1050"/>
+              <a:t>4 clients to be processed.</a:t>
+            </a:r>
+          </a:p>
+          <a:p>
+            <a:pPr marL="0" indent="0">
+              <a:buNone/>
+            </a:pPr>
+            <a:endParaRPr lang="en-US" sz="1050"/>
+          </a:p>
+          <a:p>
+            <a:pPr marL="0" indent="0">
+              <a:buNone/>
+            </a:pPr>
+            <a:r>
+              <a:rPr lang="en-US" sz="1050"/>
+              <a:t>  0.000  0.000  0.000  0.000  0.533  0.067  0.476  0.095</a:t>
+            </a:r>
+          </a:p>
+          <a:p>
+            <a:pPr marL="0" indent="0">
+              <a:buNone/>
+            </a:pPr>
+            <a:r>
+              <a:rPr lang="en-US" sz="1050"/>
+              <a:t>  0.000  0.000  0.000  0.000  0.267  0.133  0.238  0.190</a:t>
+            </a:r>
+          </a:p>
+          <a:p>
+            <a:pPr marL="0" indent="0">
+              <a:buNone/>
+            </a:pPr>
+            <a:r>
+              <a:rPr lang="en-US" sz="1050"/>
+              <a:t>  0.000  0.000  0.000  0.000  0.133  0.267  0.190  0.238</a:t>
+            </a:r>
+          </a:p>
+          <a:p>
+            <a:pPr marL="0" indent="0">
+              <a:buNone/>
+            </a:pPr>
+            <a:r>
+              <a:rPr lang="en-US" sz="1050"/>
+              <a:t>  0.000  0.000  0.000  0.000  0.067  0.533  0.095  0.476</a:t>
+            </a:r>
+          </a:p>
+          <a:p>
+            <a:pPr marL="0" indent="0">
+              <a:buNone/>
+            </a:pPr>
+            <a:r>
+              <a:rPr lang="en-US" sz="1050"/>
+              <a:t>  0.381  0.267  0.133  0.048  0.000  0.000  0.000  0.000</a:t>
+            </a:r>
+          </a:p>
+          <a:p>
+            <a:pPr marL="0" indent="0">
+              <a:buNone/>
+            </a:pPr>
+            <a:r>
+              <a:rPr lang="en-US" sz="1050"/>
+              <a:t>  0.048  0.133  0.267  0.381  0.000  0.000  0.000  0.000</a:t>
+            </a:r>
+          </a:p>
+          <a:p>
+            <a:pPr marL="0" indent="0">
+              <a:buNone/>
+            </a:pPr>
+            <a:r>
+              <a:rPr lang="en-US" sz="1050"/>
+              <a:t>  0.476  0.333  0.267  0.095  0.000  0.000  0.000  0.000</a:t>
+            </a:r>
+          </a:p>
+          <a:p>
+            <a:pPr marL="0" indent="0">
+              <a:buNone/>
+            </a:pPr>
+            <a:r>
+              <a:rPr lang="en-US" sz="1050"/>
+              <a:t>  0.095  0.267  0.333  0.476  0.000  0.000  0.000  0.000</a:t>
+            </a:r>
+          </a:p>
+          <a:p>
+            <a:pPr marL="0" indent="0">
+              <a:buNone/>
+            </a:pPr>
+            <a:endParaRPr lang="en-US" sz="1050"/>
+          </a:p>
+          <a:p>
+            <a:pPr marL="0" indent="0">
+              <a:buNone/>
+            </a:pPr>
+            <a:endParaRPr lang="en-US" sz="1050"/>
+          </a:p>
+        </p:txBody>
+      </p:sp>
+      <p:sp>
+        <p:nvSpPr>
+          <p:cNvPr id="4" name="Rectangle 3"/>
+          <p:cNvSpPr/>
+          <p:nvPr/>
+        </p:nvSpPr>
+        <p:spPr>
+          <a:xfrm>
+            <a:off x="4724400" y="2743200"/>
+            <a:ext cx="4572000" cy="3485570"/>
+          </a:xfrm>
+          <a:prstGeom prst="rect">
+            <a:avLst/>
+          </a:prstGeom>
+        </p:spPr>
+        <p:txBody>
+          <a:bodyPr>
+            <a:spAutoFit/>
+          </a:bodyPr>
+          <a:lstStyle/>
+          <a:p>
+            <a:pPr marL="0" indent="0">
+              <a:buNone/>
+            </a:pPr>
+            <a:r>
+              <a:rPr lang="en-US" sz="1050">
+                <a:latin typeface="+mn-lt"/>
+              </a:rPr>
+              <a:t>Initial state of Ranking vector:</a:t>
+            </a:r>
+          </a:p>
+          <a:p>
+            <a:pPr marL="0" indent="0">
+              <a:buNone/>
+            </a:pPr>
+            <a:endParaRPr lang="en-US" sz="1050">
+              <a:latin typeface="+mn-lt"/>
+            </a:endParaRPr>
+          </a:p>
+          <a:p>
+            <a:pPr marL="0" indent="0">
+              <a:buNone/>
+            </a:pPr>
+            <a:r>
+              <a:rPr lang="en-US" sz="1050">
+                <a:latin typeface="+mn-lt"/>
+              </a:rPr>
+              <a:t>   0.12500</a:t>
+            </a:r>
+          </a:p>
+          <a:p>
+            <a:pPr marL="0" indent="0">
+              <a:buNone/>
+            </a:pPr>
+            <a:r>
+              <a:rPr lang="en-US" sz="1050">
+                <a:latin typeface="+mn-lt"/>
+              </a:rPr>
+              <a:t>   0.12500</a:t>
+            </a:r>
+          </a:p>
+          <a:p>
+            <a:pPr marL="0" indent="0">
+              <a:buNone/>
+            </a:pPr>
+            <a:r>
+              <a:rPr lang="en-US" sz="1050">
+                <a:latin typeface="+mn-lt"/>
+              </a:rPr>
+              <a:t>   0.12500</a:t>
+            </a:r>
+          </a:p>
+          <a:p>
+            <a:pPr marL="0" indent="0">
+              <a:buNone/>
+            </a:pPr>
+            <a:r>
+              <a:rPr lang="en-US" sz="1050">
+                <a:latin typeface="+mn-lt"/>
+              </a:rPr>
+              <a:t>   0.12500</a:t>
+            </a:r>
+          </a:p>
+          <a:p>
+            <a:pPr marL="0" indent="0">
+              <a:buNone/>
+            </a:pPr>
+            <a:r>
+              <a:rPr lang="en-US" sz="1050">
+                <a:latin typeface="+mn-lt"/>
+              </a:rPr>
+              <a:t>   0.12500</a:t>
+            </a:r>
+          </a:p>
+          <a:p>
+            <a:pPr marL="0" indent="0">
+              <a:buNone/>
+            </a:pPr>
+            <a:r>
+              <a:rPr lang="en-US" sz="1050">
+                <a:latin typeface="+mn-lt"/>
+              </a:rPr>
+              <a:t>   0.12500</a:t>
+            </a:r>
+          </a:p>
+          <a:p>
+            <a:pPr marL="0" indent="0">
+              <a:buNone/>
+            </a:pPr>
+            <a:r>
+              <a:rPr lang="en-US" sz="1050">
+                <a:latin typeface="+mn-lt"/>
+              </a:rPr>
+              <a:t>   0.12500</a:t>
+            </a:r>
+          </a:p>
+          <a:p>
+            <a:pPr marL="0" indent="0">
+              <a:buNone/>
+            </a:pPr>
+            <a:r>
+              <a:rPr lang="en-US" sz="1050">
+                <a:latin typeface="+mn-lt"/>
+              </a:rPr>
+              <a:t>   0.12500</a:t>
+            </a:r>
+          </a:p>
+          <a:p>
+            <a:pPr marL="0" indent="0">
+              <a:buNone/>
+            </a:pPr>
+            <a:endParaRPr lang="en-US" sz="1050">
+              <a:latin typeface="+mn-lt"/>
+            </a:endParaRPr>
+          </a:p>
+          <a:p>
+            <a:pPr marL="0" indent="0">
+              <a:buNone/>
+            </a:pPr>
+            <a:r>
+              <a:rPr lang="en-US" sz="1050">
+                <a:latin typeface="+mn-lt"/>
+              </a:rPr>
+              <a:t>Final state of Ranking vector:</a:t>
+            </a:r>
+          </a:p>
+          <a:p>
+            <a:pPr marL="0" indent="0">
+              <a:buNone/>
+            </a:pPr>
+            <a:endParaRPr lang="en-US" sz="1050">
+              <a:latin typeface="+mn-lt"/>
+            </a:endParaRPr>
+          </a:p>
+          <a:p>
+            <a:pPr marL="0" indent="0">
+              <a:buNone/>
+            </a:pPr>
+            <a:r>
+              <a:rPr lang="en-US" sz="1050">
+                <a:latin typeface="+mn-lt"/>
+              </a:rPr>
+              <a:t>   0.14278</a:t>
+            </a:r>
+          </a:p>
+          <a:p>
+            <a:pPr marL="0" indent="0">
+              <a:buNone/>
+            </a:pPr>
+            <a:r>
+              <a:rPr lang="en-US" sz="1050">
+                <a:latin typeface="+mn-lt"/>
+              </a:rPr>
+              <a:t>   0.10722</a:t>
+            </a:r>
+          </a:p>
+          <a:p>
+            <a:pPr marL="0" indent="0">
+              <a:buNone/>
+            </a:pPr>
+            <a:r>
+              <a:rPr lang="en-US" sz="1050">
+                <a:latin typeface="+mn-lt"/>
+              </a:rPr>
+              <a:t>   0.10722</a:t>
+            </a:r>
+          </a:p>
+          <a:p>
+            <a:pPr marL="0" indent="0">
+              <a:buNone/>
+            </a:pPr>
+            <a:r>
+              <a:rPr lang="en-US" sz="1050">
+                <a:latin typeface="+mn-lt"/>
+              </a:rPr>
+              <a:t>   0.14278</a:t>
+            </a:r>
+          </a:p>
+          <a:p>
+            <a:pPr marL="0" indent="0">
+              <a:buNone/>
+            </a:pPr>
+            <a:r>
+              <a:rPr lang="en-US" sz="1050">
+                <a:latin typeface="+mn-lt"/>
+              </a:rPr>
+              <a:t>   0.10722</a:t>
+            </a:r>
+          </a:p>
+          <a:p>
+            <a:pPr marL="0" indent="0">
+              <a:buNone/>
+            </a:pPr>
+            <a:r>
+              <a:rPr lang="en-US" sz="1050">
+                <a:latin typeface="+mn-lt"/>
+              </a:rPr>
+              <a:t>   0.10722</a:t>
+            </a:r>
+          </a:p>
+          <a:p>
+            <a:pPr marL="0" indent="0">
+              <a:buNone/>
+            </a:pPr>
+            <a:r>
+              <a:rPr lang="en-US" sz="1050">
+                <a:latin typeface="+mn-lt"/>
+              </a:rPr>
+              <a:t>   0.14278</a:t>
+            </a:r>
+          </a:p>
+          <a:p>
+            <a:pPr marL="0" indent="0">
+              <a:buNone/>
+            </a:pPr>
+            <a:r>
+              <a:rPr lang="en-US" sz="1050">
+                <a:latin typeface="+mn-lt"/>
+              </a:rPr>
+              <a:t>   0.14278</a:t>
+            </a:r>
+          </a:p>
+        </p:txBody>
+      </p:sp>
+      <p:sp>
+        <p:nvSpPr>
+          <p:cNvPr id="5" name="TextBox 4"/>
+          <p:cNvSpPr txBox="1"/>
+          <p:nvPr/>
+        </p:nvSpPr>
+        <p:spPr>
+          <a:xfrm>
+            <a:off x="331694" y="990600"/>
+            <a:ext cx="954107" cy="369332"/>
+          </a:xfrm>
+          <a:prstGeom prst="rect">
+            <a:avLst/>
+          </a:prstGeom>
+          <a:noFill/>
+        </p:spPr>
+        <p:txBody>
+          <a:bodyPr wrap="none" rtlCol="0">
+            <a:spAutoFit/>
+          </a:bodyPr>
+          <a:lstStyle/>
+          <a:p>
+            <a:r>
+              <a:rPr lang="en-US" smtClean="0"/>
+              <a:t>Results</a:t>
+            </a:r>
+            <a:endParaRPr lang="en-US"/>
+          </a:p>
+        </p:txBody>
+      </p:sp>
+    </p:spTree>
+    <p:extLst>
+      <p:ext uri="{BB962C8B-B14F-4D97-AF65-F5344CB8AC3E}">
+        <p14:creationId xmlns:p14="http://schemas.microsoft.com/office/powerpoint/2010/main" val="3057055104"/>
+      </p:ext>
+    </p:extLst>
+  </p:cSld>
+  <p:clrMapOvr>
+    <a:masterClrMapping/>
+  </p:clrMapOvr>
+</p:sld>
+</file>
+
+<file path=ppt/slides/slide12.xml><?xml version="1.0" encoding="utf-8"?>
+<p:sld xmlns:a="http://schemas.openxmlformats.org/drawingml/2006/main" xmlns:r="http://schemas.openxmlformats.org/officeDocument/2006/relationships" xmlns:p="http://schemas.openxmlformats.org/presentationml/2006/main">
+  <p:cSld>
+    <p:spTree>
+      <p:nvGrpSpPr>
+        <p:cNvPr id="1" name=""/>
+        <p:cNvGrpSpPr/>
+        <p:nvPr/>
+      </p:nvGrpSpPr>
+      <p:grpSpPr>
+        <a:xfrm>
+          <a:off x="0" y="0"/>
+          <a:ext cx="0" cy="0"/>
+          <a:chOff x="0" y="0"/>
+          <a:chExt cx="0" cy="0"/>
+        </a:xfrm>
+      </p:grpSpPr>
+      <p:sp>
+        <p:nvSpPr>
+          <p:cNvPr id="2" name="Title 1"/>
+          <p:cNvSpPr>
+            <a:spLocks noGrp="1"/>
+          </p:cNvSpPr>
+          <p:nvPr>
+            <p:ph type="title"/>
+          </p:nvPr>
+        </p:nvSpPr>
+        <p:spPr/>
+        <p:txBody>
+          <a:bodyPr/>
+          <a:lstStyle/>
+          <a:p>
+            <a:r>
               <a:rPr lang="en-US" sz="4000" smtClean="0"/>
               <a:t>The Computed Transition Matrix</a:t>
             </a:r>
@@ -9055,7 +9643,7 @@
 </p:sld>
 </file>
 
-<file path=ppt/slides/slide11.xml><?xml version="1.0" encoding="utf-8"?>
+<file path=ppt/slides/slide13.xml><?xml version="1.0" encoding="utf-8"?>
 <p:sld xmlns:a="http://schemas.openxmlformats.org/drawingml/2006/main" xmlns:r="http://schemas.openxmlformats.org/officeDocument/2006/relationships" xmlns:p="http://schemas.openxmlformats.org/presentationml/2006/main">
   <p:cSld>
     <p:spTree>
@@ -9189,6 +9777,31 @@
             <a:pPr marL="0" indent="0">
               <a:buNone/>
             </a:pPr>
+            <a:r>
+              <a:rPr lang="en-US" sz="1200" smtClean="0"/>
+              <a:t>[4] YouTube.com</a:t>
+            </a:r>
+          </a:p>
+          <a:p>
+            <a:pPr marL="0" indent="0">
+              <a:buNone/>
+            </a:pPr>
+            <a:r>
+              <a:rPr lang="en-US" sz="1200" smtClean="0"/>
+              <a:t>[5] </a:t>
+            </a:r>
+            <a:r>
+              <a:rPr lang="en-US" sz="1200">
+                <a:hlinkClick r:id="rId4"/>
+              </a:rPr>
+              <a:t>www.beanstalkim.com</a:t>
+            </a:r>
+            <a:endParaRPr lang="en-US" sz="1200" smtClean="0"/>
+          </a:p>
+          <a:p>
+            <a:pPr marL="0" indent="0">
+              <a:buNone/>
+            </a:pPr>
             <a:endParaRPr lang="en-US" sz="1200"/>
           </a:p>
           <a:p>
@@ -9239,7 +9852,7 @@
           <p:nvPr/>
         </p:nvPicPr>
         <p:blipFill>
-          <a:blip r:embed="rId4"/>
+          <a:blip r:embed="rId5"/>
           <a:stretch>
             <a:fillRect/>
           </a:stretch>
@@ -15024,7 +15637,12 @@
             <p:ph idx="1"/>
           </p:nvPr>
         </p:nvSpPr>
-        <p:spPr/>
+        <p:spPr>
+          <a:xfrm>
+            <a:off x="685800" y="2163763"/>
+            <a:ext cx="7848600" cy="4160837"/>
+          </a:xfrm>
+        </p:spPr>
         <p:txBody>
           <a:bodyPr/>
           <a:lstStyle/>
@@ -15040,7 +15658,32 @@
           <a:p>
             <a:r>
               <a:rPr lang="en-US" smtClean="0"/>
-              <a:t>What if a Client buys &gt;1 of the same Item?</a:t>
+              <a:t>We can add weights to our domain</a:t>
+            </a:r>
+          </a:p>
+          <a:p>
+            <a:endParaRPr lang="en-US" smtClean="0"/>
+          </a:p>
+          <a:p>
+            <a:r>
+              <a:rPr lang="en-US" smtClean="0"/>
+              <a:t>What if Client </a:t>
+            </a:r>
+            <a:r>
+              <a:rPr lang="en-US" i="1" smtClean="0"/>
+              <a:t>C1</a:t>
+            </a:r>
+            <a:r>
+              <a:rPr lang="en-US" smtClean="0"/>
+              <a:t> buys 10 of Item </a:t>
+            </a:r>
+            <a:r>
+              <a:rPr lang="en-US" i="1" smtClean="0"/>
+              <a:t>I1</a:t>
+            </a:r>
+            <a:r>
+              <a:rPr lang="en-US" smtClean="0"/>
+              <a:t>?</a:t>
             </a:r>
             <a:endParaRPr lang="en-US"/>
           </a:p>
@@ -15078,26 +15721,7 @@
       </p:grpSpPr>
       <p:sp>
         <p:nvSpPr>
-          <p:cNvPr id="3" name="Content Placeholder 2"/>
-          <p:cNvSpPr>
-            <a:spLocks noGrp="1"/>
-          </p:cNvSpPr>
-          <p:nvPr>
-            <p:ph idx="1"/>
-          </p:nvPr>
-        </p:nvSpPr>
-        <p:spPr/>
-        <p:txBody>
-          <a:bodyPr/>
-          <a:lstStyle/>
-          <a:p>
-            <a:endParaRPr lang="en-US"/>
-          </a:p>
-        </p:txBody>
-      </p:sp>
-      <p:sp>
-        <p:nvSpPr>
-          <p:cNvPr id="4" name="Title 1"/>
+          <p:cNvPr id="2" name="Title 1"/>
           <p:cNvSpPr>
             <a:spLocks noGrp="1"/>
           </p:cNvSpPr>
@@ -15107,8 +15731,8 @@
         </p:nvSpPr>
         <p:spPr>
           <a:xfrm>
-            <a:off x="838200" y="838200"/>
-            <a:ext cx="7848600" cy="1143000"/>
+            <a:off x="533400" y="923365"/>
+            <a:ext cx="8153400" cy="762000"/>
           </a:xfrm>
         </p:spPr>
         <p:txBody>
@@ -15116,17 +15740,5191 @@
           <a:lstStyle/>
           <a:p>
             <a:r>
-              <a:rPr lang="en-US" sz="3200" smtClean="0"/>
-              <a:t>Add edges to get from Items to Clients</a:t>
+              <a:rPr lang="en-US" smtClean="0"/>
+              <a:t>Client C1 Buys 10 of Item I1</a:t>
             </a:r>
-            <a:endParaRPr lang="en-US" sz="3200"/>
+            <a:endParaRPr lang="en-US"/>
+          </a:p>
+        </p:txBody>
+      </p:sp>
+      <p:graphicFrame>
+        <p:nvGraphicFramePr>
+          <p:cNvPr id="4" name="Table 3"/>
+          <p:cNvGraphicFramePr>
+            <a:graphicFrameLocks noGrp="1"/>
+          </p:cNvGraphicFramePr>
+          <p:nvPr>
+            <p:extLst>
+              <p:ext uri="{D42A27DB-BD31-4B8C-83A1-F6EECF244321}">
+                <p14:modId xmlns:p14="http://schemas.microsoft.com/office/powerpoint/2010/main" val="3415462125"/>
+              </p:ext>
+            </p:extLst>
+          </p:nvPr>
+        </p:nvGraphicFramePr>
+        <p:xfrm>
+          <a:off x="228600" y="1913965"/>
+          <a:ext cx="5486400" cy="1714500"/>
+        </p:xfrm>
+        <a:graphic>
+          <a:graphicData uri="http://schemas.openxmlformats.org/drawingml/2006/table">
+            <a:tbl>
+              <a:tblPr/>
+              <a:tblGrid>
+                <a:gridCol w="609600"/>
+                <a:gridCol w="609600"/>
+                <a:gridCol w="609600"/>
+                <a:gridCol w="609600"/>
+                <a:gridCol w="609600"/>
+                <a:gridCol w="609600"/>
+                <a:gridCol w="609600"/>
+                <a:gridCol w="609600"/>
+                <a:gridCol w="609600"/>
+              </a:tblGrid>
+              <a:tr h="190500">
+                <a:tc>
+                  <a:txBody>
+                    <a:bodyPr/>
+                    <a:lstStyle/>
+                    <a:p>
+                      <a:pPr algn="l" fontAlgn="b"/>
+                      <a:r>
+                        <a:rPr lang="en-US" sz="1100" b="0" i="0" u="none" strike="noStrike">
+                          <a:solidFill>
+                            <a:srgbClr val="000000"/>
+                          </a:solidFill>
+                          <a:effectLst/>
+                          <a:latin typeface="Calibri" panose="020F0502020204030204" pitchFamily="34" charset="0"/>
+                        </a:rPr>
+                        <a:t> </a:t>
+                      </a:r>
+                    </a:p>
+                  </a:txBody>
+                  <a:tcPr marL="9525" marR="9525" marT="9525" marB="0" anchor="b">
+                    <a:lnL w="6350" cap="flat" cmpd="sng" algn="ctr">
+                      <a:solidFill>
+                        <a:srgbClr val="000000"/>
+                      </a:solidFill>
+                      <a:prstDash val="solid"/>
+                      <a:round/>
+                      <a:headEnd type="none" w="med" len="med"/>
+                      <a:tailEnd type="none" w="med" len="med"/>
+                    </a:lnL>
+                    <a:lnR w="6350" cap="flat" cmpd="sng" algn="ctr">
+                      <a:solidFill>
+                        <a:srgbClr val="000000"/>
+                      </a:solidFill>
+                      <a:prstDash val="solid"/>
+                      <a:round/>
+                      <a:headEnd type="none" w="med" len="med"/>
+                      <a:tailEnd type="none" w="med" len="med"/>
+                    </a:lnR>
+                    <a:lnT w="6350" cap="flat" cmpd="sng" algn="ctr">
+                      <a:solidFill>
+                        <a:srgbClr val="000000"/>
+                      </a:solidFill>
+                      <a:prstDash val="solid"/>
+                      <a:round/>
+                      <a:headEnd type="none" w="med" len="med"/>
+                      <a:tailEnd type="none" w="med" len="med"/>
+                    </a:lnT>
+                    <a:lnB w="6350" cap="flat" cmpd="sng" algn="ctr">
+                      <a:solidFill>
+                        <a:srgbClr val="000000"/>
+                      </a:solidFill>
+                      <a:prstDash val="solid"/>
+                      <a:round/>
+                      <a:headEnd type="none" w="med" len="med"/>
+                      <a:tailEnd type="none" w="med" len="med"/>
+                    </a:lnB>
+                    <a:solidFill>
+                      <a:srgbClr val="B4C6E7"/>
+                    </a:solidFill>
+                  </a:tcPr>
+                </a:tc>
+                <a:tc>
+                  <a:txBody>
+                    <a:bodyPr/>
+                    <a:lstStyle/>
+                    <a:p>
+                      <a:pPr algn="l" fontAlgn="b"/>
+                      <a:r>
+                        <a:rPr lang="en-US" sz="1100" b="0" i="0" u="none" strike="noStrike">
+                          <a:solidFill>
+                            <a:srgbClr val="000000"/>
+                          </a:solidFill>
+                          <a:effectLst/>
+                          <a:latin typeface="Calibri" panose="020F0502020204030204" pitchFamily="34" charset="0"/>
+                        </a:rPr>
+                        <a:t>I1</a:t>
+                      </a:r>
+                    </a:p>
+                  </a:txBody>
+                  <a:tcPr marL="9525" marR="9525" marT="9525" marB="0" anchor="b">
+                    <a:lnL w="6350" cap="flat" cmpd="sng" algn="ctr">
+                      <a:solidFill>
+                        <a:srgbClr val="000000"/>
+                      </a:solidFill>
+                      <a:prstDash val="solid"/>
+                      <a:round/>
+                      <a:headEnd type="none" w="med" len="med"/>
+                      <a:tailEnd type="none" w="med" len="med"/>
+                    </a:lnL>
+                    <a:lnR w="6350" cap="flat" cmpd="sng" algn="ctr">
+                      <a:solidFill>
+                        <a:srgbClr val="000000"/>
+                      </a:solidFill>
+                      <a:prstDash val="solid"/>
+                      <a:round/>
+                      <a:headEnd type="none" w="med" len="med"/>
+                      <a:tailEnd type="none" w="med" len="med"/>
+                    </a:lnR>
+                    <a:lnT w="6350" cap="flat" cmpd="sng" algn="ctr">
+                      <a:solidFill>
+                        <a:srgbClr val="000000"/>
+                      </a:solidFill>
+                      <a:prstDash val="solid"/>
+                      <a:round/>
+                      <a:headEnd type="none" w="med" len="med"/>
+                      <a:tailEnd type="none" w="med" len="med"/>
+                    </a:lnT>
+                    <a:lnB w="6350" cap="flat" cmpd="sng" algn="ctr">
+                      <a:solidFill>
+                        <a:srgbClr val="000000"/>
+                      </a:solidFill>
+                      <a:prstDash val="solid"/>
+                      <a:round/>
+                      <a:headEnd type="none" w="med" len="med"/>
+                      <a:tailEnd type="none" w="med" len="med"/>
+                    </a:lnB>
+                    <a:solidFill>
+                      <a:srgbClr val="B4C6E7"/>
+                    </a:solidFill>
+                  </a:tcPr>
+                </a:tc>
+                <a:tc>
+                  <a:txBody>
+                    <a:bodyPr/>
+                    <a:lstStyle/>
+                    <a:p>
+                      <a:pPr algn="l" fontAlgn="b"/>
+                      <a:r>
+                        <a:rPr lang="en-US" sz="1100" b="0" i="0" u="none" strike="noStrike">
+                          <a:solidFill>
+                            <a:srgbClr val="000000"/>
+                          </a:solidFill>
+                          <a:effectLst/>
+                          <a:latin typeface="Calibri" panose="020F0502020204030204" pitchFamily="34" charset="0"/>
+                        </a:rPr>
+                        <a:t>I2</a:t>
+                      </a:r>
+                    </a:p>
+                  </a:txBody>
+                  <a:tcPr marL="9525" marR="9525" marT="9525" marB="0" anchor="b">
+                    <a:lnL w="6350" cap="flat" cmpd="sng" algn="ctr">
+                      <a:solidFill>
+                        <a:srgbClr val="000000"/>
+                      </a:solidFill>
+                      <a:prstDash val="solid"/>
+                      <a:round/>
+                      <a:headEnd type="none" w="med" len="med"/>
+                      <a:tailEnd type="none" w="med" len="med"/>
+                    </a:lnL>
+                    <a:lnR w="6350" cap="flat" cmpd="sng" algn="ctr">
+                      <a:solidFill>
+                        <a:srgbClr val="000000"/>
+                      </a:solidFill>
+                      <a:prstDash val="solid"/>
+                      <a:round/>
+                      <a:headEnd type="none" w="med" len="med"/>
+                      <a:tailEnd type="none" w="med" len="med"/>
+                    </a:lnR>
+                    <a:lnT w="6350" cap="flat" cmpd="sng" algn="ctr">
+                      <a:solidFill>
+                        <a:srgbClr val="000000"/>
+                      </a:solidFill>
+                      <a:prstDash val="solid"/>
+                      <a:round/>
+                      <a:headEnd type="none" w="med" len="med"/>
+                      <a:tailEnd type="none" w="med" len="med"/>
+                    </a:lnT>
+                    <a:lnB w="6350" cap="flat" cmpd="sng" algn="ctr">
+                      <a:solidFill>
+                        <a:srgbClr val="000000"/>
+                      </a:solidFill>
+                      <a:prstDash val="solid"/>
+                      <a:round/>
+                      <a:headEnd type="none" w="med" len="med"/>
+                      <a:tailEnd type="none" w="med" len="med"/>
+                    </a:lnB>
+                    <a:solidFill>
+                      <a:srgbClr val="B4C6E7"/>
+                    </a:solidFill>
+                  </a:tcPr>
+                </a:tc>
+                <a:tc>
+                  <a:txBody>
+                    <a:bodyPr/>
+                    <a:lstStyle/>
+                    <a:p>
+                      <a:pPr algn="l" fontAlgn="b"/>
+                      <a:r>
+                        <a:rPr lang="en-US" sz="1100" b="0" i="0" u="none" strike="noStrike">
+                          <a:solidFill>
+                            <a:srgbClr val="000000"/>
+                          </a:solidFill>
+                          <a:effectLst/>
+                          <a:latin typeface="Calibri" panose="020F0502020204030204" pitchFamily="34" charset="0"/>
+                        </a:rPr>
+                        <a:t>I3</a:t>
+                      </a:r>
+                    </a:p>
+                  </a:txBody>
+                  <a:tcPr marL="9525" marR="9525" marT="9525" marB="0" anchor="b">
+                    <a:lnL w="6350" cap="flat" cmpd="sng" algn="ctr">
+                      <a:solidFill>
+                        <a:srgbClr val="000000"/>
+                      </a:solidFill>
+                      <a:prstDash val="solid"/>
+                      <a:round/>
+                      <a:headEnd type="none" w="med" len="med"/>
+                      <a:tailEnd type="none" w="med" len="med"/>
+                    </a:lnL>
+                    <a:lnR w="6350" cap="flat" cmpd="sng" algn="ctr">
+                      <a:solidFill>
+                        <a:srgbClr val="000000"/>
+                      </a:solidFill>
+                      <a:prstDash val="solid"/>
+                      <a:round/>
+                      <a:headEnd type="none" w="med" len="med"/>
+                      <a:tailEnd type="none" w="med" len="med"/>
+                    </a:lnR>
+                    <a:lnT w="6350" cap="flat" cmpd="sng" algn="ctr">
+                      <a:solidFill>
+                        <a:srgbClr val="000000"/>
+                      </a:solidFill>
+                      <a:prstDash val="solid"/>
+                      <a:round/>
+                      <a:headEnd type="none" w="med" len="med"/>
+                      <a:tailEnd type="none" w="med" len="med"/>
+                    </a:lnT>
+                    <a:lnB w="6350" cap="flat" cmpd="sng" algn="ctr">
+                      <a:solidFill>
+                        <a:srgbClr val="000000"/>
+                      </a:solidFill>
+                      <a:prstDash val="solid"/>
+                      <a:round/>
+                      <a:headEnd type="none" w="med" len="med"/>
+                      <a:tailEnd type="none" w="med" len="med"/>
+                    </a:lnB>
+                    <a:solidFill>
+                      <a:srgbClr val="B4C6E7"/>
+                    </a:solidFill>
+                  </a:tcPr>
+                </a:tc>
+                <a:tc>
+                  <a:txBody>
+                    <a:bodyPr/>
+                    <a:lstStyle/>
+                    <a:p>
+                      <a:pPr algn="l" fontAlgn="b"/>
+                      <a:r>
+                        <a:rPr lang="en-US" sz="1100" b="0" i="0" u="none" strike="noStrike">
+                          <a:solidFill>
+                            <a:srgbClr val="000000"/>
+                          </a:solidFill>
+                          <a:effectLst/>
+                          <a:latin typeface="Calibri" panose="020F0502020204030204" pitchFamily="34" charset="0"/>
+                        </a:rPr>
+                        <a:t>I4</a:t>
+                      </a:r>
+                    </a:p>
+                  </a:txBody>
+                  <a:tcPr marL="9525" marR="9525" marT="9525" marB="0" anchor="b">
+                    <a:lnL w="6350" cap="flat" cmpd="sng" algn="ctr">
+                      <a:solidFill>
+                        <a:srgbClr val="000000"/>
+                      </a:solidFill>
+                      <a:prstDash val="solid"/>
+                      <a:round/>
+                      <a:headEnd type="none" w="med" len="med"/>
+                      <a:tailEnd type="none" w="med" len="med"/>
+                    </a:lnL>
+                    <a:lnR w="6350" cap="flat" cmpd="sng" algn="ctr">
+                      <a:solidFill>
+                        <a:srgbClr val="000000"/>
+                      </a:solidFill>
+                      <a:prstDash val="solid"/>
+                      <a:round/>
+                      <a:headEnd type="none" w="med" len="med"/>
+                      <a:tailEnd type="none" w="med" len="med"/>
+                    </a:lnR>
+                    <a:lnT w="6350" cap="flat" cmpd="sng" algn="ctr">
+                      <a:solidFill>
+                        <a:srgbClr val="000000"/>
+                      </a:solidFill>
+                      <a:prstDash val="solid"/>
+                      <a:round/>
+                      <a:headEnd type="none" w="med" len="med"/>
+                      <a:tailEnd type="none" w="med" len="med"/>
+                    </a:lnT>
+                    <a:lnB w="6350" cap="flat" cmpd="sng" algn="ctr">
+                      <a:solidFill>
+                        <a:srgbClr val="000000"/>
+                      </a:solidFill>
+                      <a:prstDash val="solid"/>
+                      <a:round/>
+                      <a:headEnd type="none" w="med" len="med"/>
+                      <a:tailEnd type="none" w="med" len="med"/>
+                    </a:lnB>
+                    <a:solidFill>
+                      <a:srgbClr val="B4C6E7"/>
+                    </a:solidFill>
+                  </a:tcPr>
+                </a:tc>
+                <a:tc>
+                  <a:txBody>
+                    <a:bodyPr/>
+                    <a:lstStyle/>
+                    <a:p>
+                      <a:pPr algn="l" fontAlgn="b"/>
+                      <a:r>
+                        <a:rPr lang="en-US" sz="1100" b="0" i="0" u="none" strike="noStrike">
+                          <a:solidFill>
+                            <a:srgbClr val="000000"/>
+                          </a:solidFill>
+                          <a:effectLst/>
+                          <a:latin typeface="Calibri" panose="020F0502020204030204" pitchFamily="34" charset="0"/>
+                        </a:rPr>
+                        <a:t>C1</a:t>
+                      </a:r>
+                    </a:p>
+                  </a:txBody>
+                  <a:tcPr marL="9525" marR="9525" marT="9525" marB="0" anchor="b">
+                    <a:lnL w="6350" cap="flat" cmpd="sng" algn="ctr">
+                      <a:solidFill>
+                        <a:srgbClr val="000000"/>
+                      </a:solidFill>
+                      <a:prstDash val="solid"/>
+                      <a:round/>
+                      <a:headEnd type="none" w="med" len="med"/>
+                      <a:tailEnd type="none" w="med" len="med"/>
+                    </a:lnL>
+                    <a:lnR w="6350" cap="flat" cmpd="sng" algn="ctr">
+                      <a:solidFill>
+                        <a:srgbClr val="000000"/>
+                      </a:solidFill>
+                      <a:prstDash val="solid"/>
+                      <a:round/>
+                      <a:headEnd type="none" w="med" len="med"/>
+                      <a:tailEnd type="none" w="med" len="med"/>
+                    </a:lnR>
+                    <a:lnT w="6350" cap="flat" cmpd="sng" algn="ctr">
+                      <a:solidFill>
+                        <a:srgbClr val="000000"/>
+                      </a:solidFill>
+                      <a:prstDash val="solid"/>
+                      <a:round/>
+                      <a:headEnd type="none" w="med" len="med"/>
+                      <a:tailEnd type="none" w="med" len="med"/>
+                    </a:lnT>
+                    <a:lnB w="6350" cap="flat" cmpd="sng" algn="ctr">
+                      <a:solidFill>
+                        <a:srgbClr val="000000"/>
+                      </a:solidFill>
+                      <a:prstDash val="solid"/>
+                      <a:round/>
+                      <a:headEnd type="none" w="med" len="med"/>
+                      <a:tailEnd type="none" w="med" len="med"/>
+                    </a:lnB>
+                    <a:solidFill>
+                      <a:srgbClr val="B4C6E7"/>
+                    </a:solidFill>
+                  </a:tcPr>
+                </a:tc>
+                <a:tc>
+                  <a:txBody>
+                    <a:bodyPr/>
+                    <a:lstStyle/>
+                    <a:p>
+                      <a:pPr algn="l" fontAlgn="b"/>
+                      <a:r>
+                        <a:rPr lang="en-US" sz="1100" b="0" i="0" u="none" strike="noStrike">
+                          <a:solidFill>
+                            <a:srgbClr val="000000"/>
+                          </a:solidFill>
+                          <a:effectLst/>
+                          <a:latin typeface="Calibri" panose="020F0502020204030204" pitchFamily="34" charset="0"/>
+                        </a:rPr>
+                        <a:t>C2</a:t>
+                      </a:r>
+                    </a:p>
+                  </a:txBody>
+                  <a:tcPr marL="9525" marR="9525" marT="9525" marB="0" anchor="b">
+                    <a:lnL w="6350" cap="flat" cmpd="sng" algn="ctr">
+                      <a:solidFill>
+                        <a:srgbClr val="000000"/>
+                      </a:solidFill>
+                      <a:prstDash val="solid"/>
+                      <a:round/>
+                      <a:headEnd type="none" w="med" len="med"/>
+                      <a:tailEnd type="none" w="med" len="med"/>
+                    </a:lnL>
+                    <a:lnR w="6350" cap="flat" cmpd="sng" algn="ctr">
+                      <a:solidFill>
+                        <a:srgbClr val="000000"/>
+                      </a:solidFill>
+                      <a:prstDash val="solid"/>
+                      <a:round/>
+                      <a:headEnd type="none" w="med" len="med"/>
+                      <a:tailEnd type="none" w="med" len="med"/>
+                    </a:lnR>
+                    <a:lnT w="6350" cap="flat" cmpd="sng" algn="ctr">
+                      <a:solidFill>
+                        <a:srgbClr val="000000"/>
+                      </a:solidFill>
+                      <a:prstDash val="solid"/>
+                      <a:round/>
+                      <a:headEnd type="none" w="med" len="med"/>
+                      <a:tailEnd type="none" w="med" len="med"/>
+                    </a:lnT>
+                    <a:lnB w="6350" cap="flat" cmpd="sng" algn="ctr">
+                      <a:solidFill>
+                        <a:srgbClr val="000000"/>
+                      </a:solidFill>
+                      <a:prstDash val="solid"/>
+                      <a:round/>
+                      <a:headEnd type="none" w="med" len="med"/>
+                      <a:tailEnd type="none" w="med" len="med"/>
+                    </a:lnB>
+                    <a:solidFill>
+                      <a:srgbClr val="B4C6E7"/>
+                    </a:solidFill>
+                  </a:tcPr>
+                </a:tc>
+                <a:tc>
+                  <a:txBody>
+                    <a:bodyPr/>
+                    <a:lstStyle/>
+                    <a:p>
+                      <a:pPr algn="l" fontAlgn="b"/>
+                      <a:r>
+                        <a:rPr lang="en-US" sz="1100" b="0" i="0" u="none" strike="noStrike">
+                          <a:solidFill>
+                            <a:srgbClr val="000000"/>
+                          </a:solidFill>
+                          <a:effectLst/>
+                          <a:latin typeface="Calibri" panose="020F0502020204030204" pitchFamily="34" charset="0"/>
+                        </a:rPr>
+                        <a:t>C3</a:t>
+                      </a:r>
+                    </a:p>
+                  </a:txBody>
+                  <a:tcPr marL="9525" marR="9525" marT="9525" marB="0" anchor="b">
+                    <a:lnL w="6350" cap="flat" cmpd="sng" algn="ctr">
+                      <a:solidFill>
+                        <a:srgbClr val="000000"/>
+                      </a:solidFill>
+                      <a:prstDash val="solid"/>
+                      <a:round/>
+                      <a:headEnd type="none" w="med" len="med"/>
+                      <a:tailEnd type="none" w="med" len="med"/>
+                    </a:lnL>
+                    <a:lnR w="6350" cap="flat" cmpd="sng" algn="ctr">
+                      <a:solidFill>
+                        <a:srgbClr val="000000"/>
+                      </a:solidFill>
+                      <a:prstDash val="solid"/>
+                      <a:round/>
+                      <a:headEnd type="none" w="med" len="med"/>
+                      <a:tailEnd type="none" w="med" len="med"/>
+                    </a:lnR>
+                    <a:lnT w="6350" cap="flat" cmpd="sng" algn="ctr">
+                      <a:solidFill>
+                        <a:srgbClr val="000000"/>
+                      </a:solidFill>
+                      <a:prstDash val="solid"/>
+                      <a:round/>
+                      <a:headEnd type="none" w="med" len="med"/>
+                      <a:tailEnd type="none" w="med" len="med"/>
+                    </a:lnT>
+                    <a:lnB w="6350" cap="flat" cmpd="sng" algn="ctr">
+                      <a:solidFill>
+                        <a:srgbClr val="000000"/>
+                      </a:solidFill>
+                      <a:prstDash val="solid"/>
+                      <a:round/>
+                      <a:headEnd type="none" w="med" len="med"/>
+                      <a:tailEnd type="none" w="med" len="med"/>
+                    </a:lnB>
+                    <a:solidFill>
+                      <a:srgbClr val="B4C6E7"/>
+                    </a:solidFill>
+                  </a:tcPr>
+                </a:tc>
+                <a:tc>
+                  <a:txBody>
+                    <a:bodyPr/>
+                    <a:lstStyle/>
+                    <a:p>
+                      <a:pPr algn="l" fontAlgn="b"/>
+                      <a:r>
+                        <a:rPr lang="en-US" sz="1100" b="0" i="0" u="none" strike="noStrike">
+                          <a:solidFill>
+                            <a:srgbClr val="000000"/>
+                          </a:solidFill>
+                          <a:effectLst/>
+                          <a:latin typeface="Calibri" panose="020F0502020204030204" pitchFamily="34" charset="0"/>
+                        </a:rPr>
+                        <a:t>C4</a:t>
+                      </a:r>
+                    </a:p>
+                  </a:txBody>
+                  <a:tcPr marL="9525" marR="9525" marT="9525" marB="0" anchor="b">
+                    <a:lnL w="6350" cap="flat" cmpd="sng" algn="ctr">
+                      <a:solidFill>
+                        <a:srgbClr val="000000"/>
+                      </a:solidFill>
+                      <a:prstDash val="solid"/>
+                      <a:round/>
+                      <a:headEnd type="none" w="med" len="med"/>
+                      <a:tailEnd type="none" w="med" len="med"/>
+                    </a:lnL>
+                    <a:lnR w="6350" cap="flat" cmpd="sng" algn="ctr">
+                      <a:solidFill>
+                        <a:srgbClr val="000000"/>
+                      </a:solidFill>
+                      <a:prstDash val="solid"/>
+                      <a:round/>
+                      <a:headEnd type="none" w="med" len="med"/>
+                      <a:tailEnd type="none" w="med" len="med"/>
+                    </a:lnR>
+                    <a:lnT w="6350" cap="flat" cmpd="sng" algn="ctr">
+                      <a:solidFill>
+                        <a:srgbClr val="000000"/>
+                      </a:solidFill>
+                      <a:prstDash val="solid"/>
+                      <a:round/>
+                      <a:headEnd type="none" w="med" len="med"/>
+                      <a:tailEnd type="none" w="med" len="med"/>
+                    </a:lnT>
+                    <a:lnB w="6350" cap="flat" cmpd="sng" algn="ctr">
+                      <a:solidFill>
+                        <a:srgbClr val="000000"/>
+                      </a:solidFill>
+                      <a:prstDash val="solid"/>
+                      <a:round/>
+                      <a:headEnd type="none" w="med" len="med"/>
+                      <a:tailEnd type="none" w="med" len="med"/>
+                    </a:lnB>
+                    <a:solidFill>
+                      <a:srgbClr val="B4C6E7"/>
+                    </a:solidFill>
+                  </a:tcPr>
+                </a:tc>
+              </a:tr>
+              <a:tr h="190500">
+                <a:tc>
+                  <a:txBody>
+                    <a:bodyPr/>
+                    <a:lstStyle/>
+                    <a:p>
+                      <a:pPr algn="l" fontAlgn="b"/>
+                      <a:r>
+                        <a:rPr lang="en-US" sz="1100" b="0" i="0" u="none" strike="noStrike">
+                          <a:solidFill>
+                            <a:srgbClr val="000000"/>
+                          </a:solidFill>
+                          <a:effectLst/>
+                          <a:latin typeface="Calibri" panose="020F0502020204030204" pitchFamily="34" charset="0"/>
+                        </a:rPr>
+                        <a:t>I1</a:t>
+                      </a:r>
+                    </a:p>
+                  </a:txBody>
+                  <a:tcPr marL="9525" marR="9525" marT="9525" marB="0" anchor="b">
+                    <a:lnL w="6350" cap="flat" cmpd="sng" algn="ctr">
+                      <a:solidFill>
+                        <a:srgbClr val="000000"/>
+                      </a:solidFill>
+                      <a:prstDash val="solid"/>
+                      <a:round/>
+                      <a:headEnd type="none" w="med" len="med"/>
+                      <a:tailEnd type="none" w="med" len="med"/>
+                    </a:lnL>
+                    <a:lnR w="6350" cap="flat" cmpd="sng" algn="ctr">
+                      <a:solidFill>
+                        <a:srgbClr val="000000"/>
+                      </a:solidFill>
+                      <a:prstDash val="solid"/>
+                      <a:round/>
+                      <a:headEnd type="none" w="med" len="med"/>
+                      <a:tailEnd type="none" w="med" len="med"/>
+                    </a:lnR>
+                    <a:lnT w="6350" cap="flat" cmpd="sng" algn="ctr">
+                      <a:solidFill>
+                        <a:srgbClr val="000000"/>
+                      </a:solidFill>
+                      <a:prstDash val="solid"/>
+                      <a:round/>
+                      <a:headEnd type="none" w="med" len="med"/>
+                      <a:tailEnd type="none" w="med" len="med"/>
+                    </a:lnT>
+                    <a:lnB w="6350" cap="flat" cmpd="sng" algn="ctr">
+                      <a:solidFill>
+                        <a:srgbClr val="000000"/>
+                      </a:solidFill>
+                      <a:prstDash val="solid"/>
+                      <a:round/>
+                      <a:headEnd type="none" w="med" len="med"/>
+                      <a:tailEnd type="none" w="med" len="med"/>
+                    </a:lnB>
+                    <a:solidFill>
+                      <a:srgbClr val="B4C6E7"/>
+                    </a:solidFill>
+                  </a:tcPr>
+                </a:tc>
+                <a:tc>
+                  <a:txBody>
+                    <a:bodyPr/>
+                    <a:lstStyle/>
+                    <a:p>
+                      <a:pPr algn="r" fontAlgn="b"/>
+                      <a:r>
+                        <a:rPr lang="en-US" sz="1100" b="0" i="0" u="none" strike="noStrike">
+                          <a:solidFill>
+                            <a:srgbClr val="000000"/>
+                          </a:solidFill>
+                          <a:effectLst/>
+                          <a:latin typeface="Calibri" panose="020F0502020204030204" pitchFamily="34" charset="0"/>
+                        </a:rPr>
+                        <a:t>0</a:t>
+                      </a:r>
+                    </a:p>
+                  </a:txBody>
+                  <a:tcPr marL="9525" marR="9525" marT="9525" marB="0" anchor="b">
+                    <a:lnL w="6350" cap="flat" cmpd="sng" algn="ctr">
+                      <a:solidFill>
+                        <a:srgbClr val="000000"/>
+                      </a:solidFill>
+                      <a:prstDash val="solid"/>
+                      <a:round/>
+                      <a:headEnd type="none" w="med" len="med"/>
+                      <a:tailEnd type="none" w="med" len="med"/>
+                    </a:lnL>
+                    <a:lnR w="6350" cap="flat" cmpd="sng" algn="ctr">
+                      <a:solidFill>
+                        <a:srgbClr val="000000"/>
+                      </a:solidFill>
+                      <a:prstDash val="solid"/>
+                      <a:round/>
+                      <a:headEnd type="none" w="med" len="med"/>
+                      <a:tailEnd type="none" w="med" len="med"/>
+                    </a:lnR>
+                    <a:lnT w="6350" cap="flat" cmpd="sng" algn="ctr">
+                      <a:solidFill>
+                        <a:srgbClr val="000000"/>
+                      </a:solidFill>
+                      <a:prstDash val="solid"/>
+                      <a:round/>
+                      <a:headEnd type="none" w="med" len="med"/>
+                      <a:tailEnd type="none" w="med" len="med"/>
+                    </a:lnT>
+                    <a:lnB w="6350" cap="flat" cmpd="sng" algn="ctr">
+                      <a:solidFill>
+                        <a:srgbClr val="000000"/>
+                      </a:solidFill>
+                      <a:prstDash val="solid"/>
+                      <a:round/>
+                      <a:headEnd type="none" w="med" len="med"/>
+                      <a:tailEnd type="none" w="med" len="med"/>
+                    </a:lnB>
+                    <a:solidFill>
+                      <a:srgbClr val="7B7B7B"/>
+                    </a:solidFill>
+                  </a:tcPr>
+                </a:tc>
+                <a:tc>
+                  <a:txBody>
+                    <a:bodyPr/>
+                    <a:lstStyle/>
+                    <a:p>
+                      <a:pPr algn="r" fontAlgn="b"/>
+                      <a:r>
+                        <a:rPr lang="en-US" sz="1100" b="0" i="0" u="none" strike="noStrike">
+                          <a:solidFill>
+                            <a:srgbClr val="000000"/>
+                          </a:solidFill>
+                          <a:effectLst/>
+                          <a:latin typeface="Calibri" panose="020F0502020204030204" pitchFamily="34" charset="0"/>
+                        </a:rPr>
+                        <a:t>0</a:t>
+                      </a:r>
+                    </a:p>
+                  </a:txBody>
+                  <a:tcPr marL="9525" marR="9525" marT="9525" marB="0" anchor="b">
+                    <a:lnL w="6350" cap="flat" cmpd="sng" algn="ctr">
+                      <a:solidFill>
+                        <a:srgbClr val="000000"/>
+                      </a:solidFill>
+                      <a:prstDash val="solid"/>
+                      <a:round/>
+                      <a:headEnd type="none" w="med" len="med"/>
+                      <a:tailEnd type="none" w="med" len="med"/>
+                    </a:lnL>
+                    <a:lnR w="6350" cap="flat" cmpd="sng" algn="ctr">
+                      <a:solidFill>
+                        <a:srgbClr val="000000"/>
+                      </a:solidFill>
+                      <a:prstDash val="solid"/>
+                      <a:round/>
+                      <a:headEnd type="none" w="med" len="med"/>
+                      <a:tailEnd type="none" w="med" len="med"/>
+                    </a:lnR>
+                    <a:lnT w="6350" cap="flat" cmpd="sng" algn="ctr">
+                      <a:solidFill>
+                        <a:srgbClr val="000000"/>
+                      </a:solidFill>
+                      <a:prstDash val="solid"/>
+                      <a:round/>
+                      <a:headEnd type="none" w="med" len="med"/>
+                      <a:tailEnd type="none" w="med" len="med"/>
+                    </a:lnT>
+                    <a:lnB w="6350" cap="flat" cmpd="sng" algn="ctr">
+                      <a:solidFill>
+                        <a:srgbClr val="000000"/>
+                      </a:solidFill>
+                      <a:prstDash val="solid"/>
+                      <a:round/>
+                      <a:headEnd type="none" w="med" len="med"/>
+                      <a:tailEnd type="none" w="med" len="med"/>
+                    </a:lnB>
+                    <a:solidFill>
+                      <a:srgbClr val="7B7B7B"/>
+                    </a:solidFill>
+                  </a:tcPr>
+                </a:tc>
+                <a:tc>
+                  <a:txBody>
+                    <a:bodyPr/>
+                    <a:lstStyle/>
+                    <a:p>
+                      <a:pPr algn="r" fontAlgn="b"/>
+                      <a:r>
+                        <a:rPr lang="en-US" sz="1100" b="0" i="0" u="none" strike="noStrike">
+                          <a:solidFill>
+                            <a:srgbClr val="000000"/>
+                          </a:solidFill>
+                          <a:effectLst/>
+                          <a:latin typeface="Calibri" panose="020F0502020204030204" pitchFamily="34" charset="0"/>
+                        </a:rPr>
+                        <a:t>0</a:t>
+                      </a:r>
+                    </a:p>
+                  </a:txBody>
+                  <a:tcPr marL="9525" marR="9525" marT="9525" marB="0" anchor="b">
+                    <a:lnL w="6350" cap="flat" cmpd="sng" algn="ctr">
+                      <a:solidFill>
+                        <a:srgbClr val="000000"/>
+                      </a:solidFill>
+                      <a:prstDash val="solid"/>
+                      <a:round/>
+                      <a:headEnd type="none" w="med" len="med"/>
+                      <a:tailEnd type="none" w="med" len="med"/>
+                    </a:lnL>
+                    <a:lnR w="6350" cap="flat" cmpd="sng" algn="ctr">
+                      <a:solidFill>
+                        <a:srgbClr val="000000"/>
+                      </a:solidFill>
+                      <a:prstDash val="solid"/>
+                      <a:round/>
+                      <a:headEnd type="none" w="med" len="med"/>
+                      <a:tailEnd type="none" w="med" len="med"/>
+                    </a:lnR>
+                    <a:lnT w="6350" cap="flat" cmpd="sng" algn="ctr">
+                      <a:solidFill>
+                        <a:srgbClr val="000000"/>
+                      </a:solidFill>
+                      <a:prstDash val="solid"/>
+                      <a:round/>
+                      <a:headEnd type="none" w="med" len="med"/>
+                      <a:tailEnd type="none" w="med" len="med"/>
+                    </a:lnT>
+                    <a:lnB w="6350" cap="flat" cmpd="sng" algn="ctr">
+                      <a:solidFill>
+                        <a:srgbClr val="000000"/>
+                      </a:solidFill>
+                      <a:prstDash val="solid"/>
+                      <a:round/>
+                      <a:headEnd type="none" w="med" len="med"/>
+                      <a:tailEnd type="none" w="med" len="med"/>
+                    </a:lnB>
+                    <a:solidFill>
+                      <a:srgbClr val="7B7B7B"/>
+                    </a:solidFill>
+                  </a:tcPr>
+                </a:tc>
+                <a:tc>
+                  <a:txBody>
+                    <a:bodyPr/>
+                    <a:lstStyle/>
+                    <a:p>
+                      <a:pPr algn="r" fontAlgn="b"/>
+                      <a:r>
+                        <a:rPr lang="en-US" sz="1100" b="0" i="0" u="none" strike="noStrike">
+                          <a:solidFill>
+                            <a:srgbClr val="000000"/>
+                          </a:solidFill>
+                          <a:effectLst/>
+                          <a:latin typeface="Calibri" panose="020F0502020204030204" pitchFamily="34" charset="0"/>
+                        </a:rPr>
+                        <a:t>0</a:t>
+                      </a:r>
+                    </a:p>
+                  </a:txBody>
+                  <a:tcPr marL="9525" marR="9525" marT="9525" marB="0" anchor="b">
+                    <a:lnL w="6350" cap="flat" cmpd="sng" algn="ctr">
+                      <a:solidFill>
+                        <a:srgbClr val="000000"/>
+                      </a:solidFill>
+                      <a:prstDash val="solid"/>
+                      <a:round/>
+                      <a:headEnd type="none" w="med" len="med"/>
+                      <a:tailEnd type="none" w="med" len="med"/>
+                    </a:lnL>
+                    <a:lnR w="6350" cap="flat" cmpd="sng" algn="ctr">
+                      <a:solidFill>
+                        <a:srgbClr val="000000"/>
+                      </a:solidFill>
+                      <a:prstDash val="solid"/>
+                      <a:round/>
+                      <a:headEnd type="none" w="med" len="med"/>
+                      <a:tailEnd type="none" w="med" len="med"/>
+                    </a:lnR>
+                    <a:lnT w="6350" cap="flat" cmpd="sng" algn="ctr">
+                      <a:solidFill>
+                        <a:srgbClr val="000000"/>
+                      </a:solidFill>
+                      <a:prstDash val="solid"/>
+                      <a:round/>
+                      <a:headEnd type="none" w="med" len="med"/>
+                      <a:tailEnd type="none" w="med" len="med"/>
+                    </a:lnT>
+                    <a:lnB w="6350" cap="flat" cmpd="sng" algn="ctr">
+                      <a:solidFill>
+                        <a:srgbClr val="000000"/>
+                      </a:solidFill>
+                      <a:prstDash val="solid"/>
+                      <a:round/>
+                      <a:headEnd type="none" w="med" len="med"/>
+                      <a:tailEnd type="none" w="med" len="med"/>
+                    </a:lnB>
+                    <a:solidFill>
+                      <a:srgbClr val="7B7B7B"/>
+                    </a:solidFill>
+                  </a:tcPr>
+                </a:tc>
+                <a:tc>
+                  <a:txBody>
+                    <a:bodyPr/>
+                    <a:lstStyle/>
+                    <a:p>
+                      <a:pPr algn="r" fontAlgn="b"/>
+                      <a:r>
+                        <a:rPr lang="en-US" sz="1100" b="0" i="0" u="none" strike="noStrike">
+                          <a:solidFill>
+                            <a:srgbClr val="000000"/>
+                          </a:solidFill>
+                          <a:effectLst/>
+                          <a:latin typeface="Calibri" panose="020F0502020204030204" pitchFamily="34" charset="0"/>
+                        </a:rPr>
+                        <a:t>10./13</a:t>
+                      </a:r>
+                    </a:p>
+                  </a:txBody>
+                  <a:tcPr marL="9525" marR="9525" marT="9525" marB="0" anchor="b">
+                    <a:lnL w="6350" cap="flat" cmpd="sng" algn="ctr">
+                      <a:solidFill>
+                        <a:srgbClr val="000000"/>
+                      </a:solidFill>
+                      <a:prstDash val="solid"/>
+                      <a:round/>
+                      <a:headEnd type="none" w="med" len="med"/>
+                      <a:tailEnd type="none" w="med" len="med"/>
+                    </a:lnL>
+                    <a:lnR w="6350" cap="flat" cmpd="sng" algn="ctr">
+                      <a:solidFill>
+                        <a:srgbClr val="000000"/>
+                      </a:solidFill>
+                      <a:prstDash val="solid"/>
+                      <a:round/>
+                      <a:headEnd type="none" w="med" len="med"/>
+                      <a:tailEnd type="none" w="med" len="med"/>
+                    </a:lnR>
+                    <a:lnT w="6350" cap="flat" cmpd="sng" algn="ctr">
+                      <a:solidFill>
+                        <a:srgbClr val="000000"/>
+                      </a:solidFill>
+                      <a:prstDash val="solid"/>
+                      <a:round/>
+                      <a:headEnd type="none" w="med" len="med"/>
+                      <a:tailEnd type="none" w="med" len="med"/>
+                    </a:lnT>
+                    <a:lnB w="6350" cap="flat" cmpd="sng" algn="ctr">
+                      <a:solidFill>
+                        <a:srgbClr val="000000"/>
+                      </a:solidFill>
+                      <a:prstDash val="solid"/>
+                      <a:round/>
+                      <a:headEnd type="none" w="med" len="med"/>
+                      <a:tailEnd type="none" w="med" len="med"/>
+                    </a:lnB>
+                    <a:solidFill>
+                      <a:srgbClr val="FFFF00"/>
+                    </a:solidFill>
+                  </a:tcPr>
+                </a:tc>
+                <a:tc>
+                  <a:txBody>
+                    <a:bodyPr/>
+                    <a:lstStyle/>
+                    <a:p>
+                      <a:pPr algn="r" fontAlgn="b"/>
+                      <a:r>
+                        <a:rPr lang="en-US" sz="1100" b="0" i="0" u="none" strike="noStrike">
+                          <a:solidFill>
+                            <a:srgbClr val="000000"/>
+                          </a:solidFill>
+                          <a:effectLst/>
+                          <a:latin typeface="Calibri" panose="020F0502020204030204" pitchFamily="34" charset="0"/>
+                        </a:rPr>
+                        <a:t>0.25</a:t>
+                      </a:r>
+                    </a:p>
+                  </a:txBody>
+                  <a:tcPr marL="9525" marR="9525" marT="9525" marB="0" anchor="b">
+                    <a:lnL w="6350" cap="flat" cmpd="sng" algn="ctr">
+                      <a:solidFill>
+                        <a:srgbClr val="000000"/>
+                      </a:solidFill>
+                      <a:prstDash val="solid"/>
+                      <a:round/>
+                      <a:headEnd type="none" w="med" len="med"/>
+                      <a:tailEnd type="none" w="med" len="med"/>
+                    </a:lnL>
+                    <a:lnR w="6350" cap="flat" cmpd="sng" algn="ctr">
+                      <a:solidFill>
+                        <a:srgbClr val="000000"/>
+                      </a:solidFill>
+                      <a:prstDash val="solid"/>
+                      <a:round/>
+                      <a:headEnd type="none" w="med" len="med"/>
+                      <a:tailEnd type="none" w="med" len="med"/>
+                    </a:lnR>
+                    <a:lnT w="6350" cap="flat" cmpd="sng" algn="ctr">
+                      <a:solidFill>
+                        <a:srgbClr val="000000"/>
+                      </a:solidFill>
+                      <a:prstDash val="solid"/>
+                      <a:round/>
+                      <a:headEnd type="none" w="med" len="med"/>
+                      <a:tailEnd type="none" w="med" len="med"/>
+                    </a:lnT>
+                    <a:lnB w="6350" cap="flat" cmpd="sng" algn="ctr">
+                      <a:solidFill>
+                        <a:srgbClr val="000000"/>
+                      </a:solidFill>
+                      <a:prstDash val="solid"/>
+                      <a:round/>
+                      <a:headEnd type="none" w="med" len="med"/>
+                      <a:tailEnd type="none" w="med" len="med"/>
+                    </a:lnB>
+                  </a:tcPr>
+                </a:tc>
+                <a:tc>
+                  <a:txBody>
+                    <a:bodyPr/>
+                    <a:lstStyle/>
+                    <a:p>
+                      <a:pPr algn="r" fontAlgn="b"/>
+                      <a:r>
+                        <a:rPr lang="en-US" sz="1100" b="0" i="0" u="none" strike="noStrike">
+                          <a:solidFill>
+                            <a:srgbClr val="000000"/>
+                          </a:solidFill>
+                          <a:effectLst/>
+                          <a:latin typeface="Calibri" panose="020F0502020204030204" pitchFamily="34" charset="0"/>
+                        </a:rPr>
+                        <a:t>0.25</a:t>
+                      </a:r>
+                    </a:p>
+                  </a:txBody>
+                  <a:tcPr marL="9525" marR="9525" marT="9525" marB="0" anchor="b">
+                    <a:lnL w="6350" cap="flat" cmpd="sng" algn="ctr">
+                      <a:solidFill>
+                        <a:srgbClr val="000000"/>
+                      </a:solidFill>
+                      <a:prstDash val="solid"/>
+                      <a:round/>
+                      <a:headEnd type="none" w="med" len="med"/>
+                      <a:tailEnd type="none" w="med" len="med"/>
+                    </a:lnL>
+                    <a:lnR w="6350" cap="flat" cmpd="sng" algn="ctr">
+                      <a:solidFill>
+                        <a:srgbClr val="000000"/>
+                      </a:solidFill>
+                      <a:prstDash val="solid"/>
+                      <a:round/>
+                      <a:headEnd type="none" w="med" len="med"/>
+                      <a:tailEnd type="none" w="med" len="med"/>
+                    </a:lnR>
+                    <a:lnT w="6350" cap="flat" cmpd="sng" algn="ctr">
+                      <a:solidFill>
+                        <a:srgbClr val="000000"/>
+                      </a:solidFill>
+                      <a:prstDash val="solid"/>
+                      <a:round/>
+                      <a:headEnd type="none" w="med" len="med"/>
+                      <a:tailEnd type="none" w="med" len="med"/>
+                    </a:lnT>
+                    <a:lnB w="6350" cap="flat" cmpd="sng" algn="ctr">
+                      <a:solidFill>
+                        <a:srgbClr val="000000"/>
+                      </a:solidFill>
+                      <a:prstDash val="solid"/>
+                      <a:round/>
+                      <a:headEnd type="none" w="med" len="med"/>
+                      <a:tailEnd type="none" w="med" len="med"/>
+                    </a:lnB>
+                  </a:tcPr>
+                </a:tc>
+                <a:tc>
+                  <a:txBody>
+                    <a:bodyPr/>
+                    <a:lstStyle/>
+                    <a:p>
+                      <a:pPr algn="r" fontAlgn="b"/>
+                      <a:r>
+                        <a:rPr lang="en-US" sz="1100" b="0" i="0" u="none" strike="noStrike">
+                          <a:solidFill>
+                            <a:srgbClr val="000000"/>
+                          </a:solidFill>
+                          <a:effectLst/>
+                          <a:latin typeface="Calibri" panose="020F0502020204030204" pitchFamily="34" charset="0"/>
+                        </a:rPr>
+                        <a:t>0.25</a:t>
+                      </a:r>
+                    </a:p>
+                  </a:txBody>
+                  <a:tcPr marL="9525" marR="9525" marT="9525" marB="0" anchor="b">
+                    <a:lnL w="6350" cap="flat" cmpd="sng" algn="ctr">
+                      <a:solidFill>
+                        <a:srgbClr val="000000"/>
+                      </a:solidFill>
+                      <a:prstDash val="solid"/>
+                      <a:round/>
+                      <a:headEnd type="none" w="med" len="med"/>
+                      <a:tailEnd type="none" w="med" len="med"/>
+                    </a:lnL>
+                    <a:lnR w="6350" cap="flat" cmpd="sng" algn="ctr">
+                      <a:solidFill>
+                        <a:srgbClr val="000000"/>
+                      </a:solidFill>
+                      <a:prstDash val="solid"/>
+                      <a:round/>
+                      <a:headEnd type="none" w="med" len="med"/>
+                      <a:tailEnd type="none" w="med" len="med"/>
+                    </a:lnR>
+                    <a:lnT w="6350" cap="flat" cmpd="sng" algn="ctr">
+                      <a:solidFill>
+                        <a:srgbClr val="000000"/>
+                      </a:solidFill>
+                      <a:prstDash val="solid"/>
+                      <a:round/>
+                      <a:headEnd type="none" w="med" len="med"/>
+                      <a:tailEnd type="none" w="med" len="med"/>
+                    </a:lnT>
+                    <a:lnB w="6350" cap="flat" cmpd="sng" algn="ctr">
+                      <a:solidFill>
+                        <a:srgbClr val="000000"/>
+                      </a:solidFill>
+                      <a:prstDash val="solid"/>
+                      <a:round/>
+                      <a:headEnd type="none" w="med" len="med"/>
+                      <a:tailEnd type="none" w="med" len="med"/>
+                    </a:lnB>
+                  </a:tcPr>
+                </a:tc>
+              </a:tr>
+              <a:tr h="190500">
+                <a:tc>
+                  <a:txBody>
+                    <a:bodyPr/>
+                    <a:lstStyle/>
+                    <a:p>
+                      <a:pPr algn="l" fontAlgn="b"/>
+                      <a:r>
+                        <a:rPr lang="en-US" sz="1100" b="0" i="0" u="none" strike="noStrike">
+                          <a:solidFill>
+                            <a:srgbClr val="000000"/>
+                          </a:solidFill>
+                          <a:effectLst/>
+                          <a:latin typeface="Calibri" panose="020F0502020204030204" pitchFamily="34" charset="0"/>
+                        </a:rPr>
+                        <a:t>I2</a:t>
+                      </a:r>
+                    </a:p>
+                  </a:txBody>
+                  <a:tcPr marL="9525" marR="9525" marT="9525" marB="0" anchor="b">
+                    <a:lnL w="6350" cap="flat" cmpd="sng" algn="ctr">
+                      <a:solidFill>
+                        <a:srgbClr val="000000"/>
+                      </a:solidFill>
+                      <a:prstDash val="solid"/>
+                      <a:round/>
+                      <a:headEnd type="none" w="med" len="med"/>
+                      <a:tailEnd type="none" w="med" len="med"/>
+                    </a:lnL>
+                    <a:lnR w="6350" cap="flat" cmpd="sng" algn="ctr">
+                      <a:solidFill>
+                        <a:srgbClr val="000000"/>
+                      </a:solidFill>
+                      <a:prstDash val="solid"/>
+                      <a:round/>
+                      <a:headEnd type="none" w="med" len="med"/>
+                      <a:tailEnd type="none" w="med" len="med"/>
+                    </a:lnR>
+                    <a:lnT w="6350" cap="flat" cmpd="sng" algn="ctr">
+                      <a:solidFill>
+                        <a:srgbClr val="000000"/>
+                      </a:solidFill>
+                      <a:prstDash val="solid"/>
+                      <a:round/>
+                      <a:headEnd type="none" w="med" len="med"/>
+                      <a:tailEnd type="none" w="med" len="med"/>
+                    </a:lnT>
+                    <a:lnB w="6350" cap="flat" cmpd="sng" algn="ctr">
+                      <a:solidFill>
+                        <a:srgbClr val="000000"/>
+                      </a:solidFill>
+                      <a:prstDash val="solid"/>
+                      <a:round/>
+                      <a:headEnd type="none" w="med" len="med"/>
+                      <a:tailEnd type="none" w="med" len="med"/>
+                    </a:lnB>
+                    <a:solidFill>
+                      <a:srgbClr val="B4C6E7"/>
+                    </a:solidFill>
+                  </a:tcPr>
+                </a:tc>
+                <a:tc>
+                  <a:txBody>
+                    <a:bodyPr/>
+                    <a:lstStyle/>
+                    <a:p>
+                      <a:pPr algn="r" fontAlgn="b"/>
+                      <a:r>
+                        <a:rPr lang="en-US" sz="1100" b="0" i="0" u="none" strike="noStrike">
+                          <a:solidFill>
+                            <a:srgbClr val="000000"/>
+                          </a:solidFill>
+                          <a:effectLst/>
+                          <a:latin typeface="Calibri" panose="020F0502020204030204" pitchFamily="34" charset="0"/>
+                        </a:rPr>
+                        <a:t>0</a:t>
+                      </a:r>
+                    </a:p>
+                  </a:txBody>
+                  <a:tcPr marL="9525" marR="9525" marT="9525" marB="0" anchor="b">
+                    <a:lnL w="6350" cap="flat" cmpd="sng" algn="ctr">
+                      <a:solidFill>
+                        <a:srgbClr val="000000"/>
+                      </a:solidFill>
+                      <a:prstDash val="solid"/>
+                      <a:round/>
+                      <a:headEnd type="none" w="med" len="med"/>
+                      <a:tailEnd type="none" w="med" len="med"/>
+                    </a:lnL>
+                    <a:lnR w="6350" cap="flat" cmpd="sng" algn="ctr">
+                      <a:solidFill>
+                        <a:srgbClr val="000000"/>
+                      </a:solidFill>
+                      <a:prstDash val="solid"/>
+                      <a:round/>
+                      <a:headEnd type="none" w="med" len="med"/>
+                      <a:tailEnd type="none" w="med" len="med"/>
+                    </a:lnR>
+                    <a:lnT w="6350" cap="flat" cmpd="sng" algn="ctr">
+                      <a:solidFill>
+                        <a:srgbClr val="000000"/>
+                      </a:solidFill>
+                      <a:prstDash val="solid"/>
+                      <a:round/>
+                      <a:headEnd type="none" w="med" len="med"/>
+                      <a:tailEnd type="none" w="med" len="med"/>
+                    </a:lnT>
+                    <a:lnB w="6350" cap="flat" cmpd="sng" algn="ctr">
+                      <a:solidFill>
+                        <a:srgbClr val="000000"/>
+                      </a:solidFill>
+                      <a:prstDash val="solid"/>
+                      <a:round/>
+                      <a:headEnd type="none" w="med" len="med"/>
+                      <a:tailEnd type="none" w="med" len="med"/>
+                    </a:lnB>
+                    <a:solidFill>
+                      <a:srgbClr val="7B7B7B"/>
+                    </a:solidFill>
+                  </a:tcPr>
+                </a:tc>
+                <a:tc>
+                  <a:txBody>
+                    <a:bodyPr/>
+                    <a:lstStyle/>
+                    <a:p>
+                      <a:pPr algn="r" fontAlgn="b"/>
+                      <a:r>
+                        <a:rPr lang="en-US" sz="1100" b="0" i="0" u="none" strike="noStrike">
+                          <a:solidFill>
+                            <a:srgbClr val="000000"/>
+                          </a:solidFill>
+                          <a:effectLst/>
+                          <a:latin typeface="Calibri" panose="020F0502020204030204" pitchFamily="34" charset="0"/>
+                        </a:rPr>
+                        <a:t>0</a:t>
+                      </a:r>
+                    </a:p>
+                  </a:txBody>
+                  <a:tcPr marL="9525" marR="9525" marT="9525" marB="0" anchor="b">
+                    <a:lnL w="6350" cap="flat" cmpd="sng" algn="ctr">
+                      <a:solidFill>
+                        <a:srgbClr val="000000"/>
+                      </a:solidFill>
+                      <a:prstDash val="solid"/>
+                      <a:round/>
+                      <a:headEnd type="none" w="med" len="med"/>
+                      <a:tailEnd type="none" w="med" len="med"/>
+                    </a:lnL>
+                    <a:lnR w="6350" cap="flat" cmpd="sng" algn="ctr">
+                      <a:solidFill>
+                        <a:srgbClr val="000000"/>
+                      </a:solidFill>
+                      <a:prstDash val="solid"/>
+                      <a:round/>
+                      <a:headEnd type="none" w="med" len="med"/>
+                      <a:tailEnd type="none" w="med" len="med"/>
+                    </a:lnR>
+                    <a:lnT w="6350" cap="flat" cmpd="sng" algn="ctr">
+                      <a:solidFill>
+                        <a:srgbClr val="000000"/>
+                      </a:solidFill>
+                      <a:prstDash val="solid"/>
+                      <a:round/>
+                      <a:headEnd type="none" w="med" len="med"/>
+                      <a:tailEnd type="none" w="med" len="med"/>
+                    </a:lnT>
+                    <a:lnB w="6350" cap="flat" cmpd="sng" algn="ctr">
+                      <a:solidFill>
+                        <a:srgbClr val="000000"/>
+                      </a:solidFill>
+                      <a:prstDash val="solid"/>
+                      <a:round/>
+                      <a:headEnd type="none" w="med" len="med"/>
+                      <a:tailEnd type="none" w="med" len="med"/>
+                    </a:lnB>
+                    <a:solidFill>
+                      <a:srgbClr val="7B7B7B"/>
+                    </a:solidFill>
+                  </a:tcPr>
+                </a:tc>
+                <a:tc>
+                  <a:txBody>
+                    <a:bodyPr/>
+                    <a:lstStyle/>
+                    <a:p>
+                      <a:pPr algn="r" fontAlgn="b"/>
+                      <a:r>
+                        <a:rPr lang="en-US" sz="1100" b="0" i="0" u="none" strike="noStrike">
+                          <a:solidFill>
+                            <a:srgbClr val="000000"/>
+                          </a:solidFill>
+                          <a:effectLst/>
+                          <a:latin typeface="Calibri" panose="020F0502020204030204" pitchFamily="34" charset="0"/>
+                        </a:rPr>
+                        <a:t>0</a:t>
+                      </a:r>
+                    </a:p>
+                  </a:txBody>
+                  <a:tcPr marL="9525" marR="9525" marT="9525" marB="0" anchor="b">
+                    <a:lnL w="6350" cap="flat" cmpd="sng" algn="ctr">
+                      <a:solidFill>
+                        <a:srgbClr val="000000"/>
+                      </a:solidFill>
+                      <a:prstDash val="solid"/>
+                      <a:round/>
+                      <a:headEnd type="none" w="med" len="med"/>
+                      <a:tailEnd type="none" w="med" len="med"/>
+                    </a:lnL>
+                    <a:lnR w="6350" cap="flat" cmpd="sng" algn="ctr">
+                      <a:solidFill>
+                        <a:srgbClr val="000000"/>
+                      </a:solidFill>
+                      <a:prstDash val="solid"/>
+                      <a:round/>
+                      <a:headEnd type="none" w="med" len="med"/>
+                      <a:tailEnd type="none" w="med" len="med"/>
+                    </a:lnR>
+                    <a:lnT w="6350" cap="flat" cmpd="sng" algn="ctr">
+                      <a:solidFill>
+                        <a:srgbClr val="000000"/>
+                      </a:solidFill>
+                      <a:prstDash val="solid"/>
+                      <a:round/>
+                      <a:headEnd type="none" w="med" len="med"/>
+                      <a:tailEnd type="none" w="med" len="med"/>
+                    </a:lnT>
+                    <a:lnB w="6350" cap="flat" cmpd="sng" algn="ctr">
+                      <a:solidFill>
+                        <a:srgbClr val="000000"/>
+                      </a:solidFill>
+                      <a:prstDash val="solid"/>
+                      <a:round/>
+                      <a:headEnd type="none" w="med" len="med"/>
+                      <a:tailEnd type="none" w="med" len="med"/>
+                    </a:lnB>
+                    <a:solidFill>
+                      <a:srgbClr val="7B7B7B"/>
+                    </a:solidFill>
+                  </a:tcPr>
+                </a:tc>
+                <a:tc>
+                  <a:txBody>
+                    <a:bodyPr/>
+                    <a:lstStyle/>
+                    <a:p>
+                      <a:pPr algn="r" fontAlgn="b"/>
+                      <a:r>
+                        <a:rPr lang="en-US" sz="1100" b="0" i="0" u="none" strike="noStrike">
+                          <a:solidFill>
+                            <a:srgbClr val="000000"/>
+                          </a:solidFill>
+                          <a:effectLst/>
+                          <a:latin typeface="Calibri" panose="020F0502020204030204" pitchFamily="34" charset="0"/>
+                        </a:rPr>
+                        <a:t>0</a:t>
+                      </a:r>
+                    </a:p>
+                  </a:txBody>
+                  <a:tcPr marL="9525" marR="9525" marT="9525" marB="0" anchor="b">
+                    <a:lnL w="6350" cap="flat" cmpd="sng" algn="ctr">
+                      <a:solidFill>
+                        <a:srgbClr val="000000"/>
+                      </a:solidFill>
+                      <a:prstDash val="solid"/>
+                      <a:round/>
+                      <a:headEnd type="none" w="med" len="med"/>
+                      <a:tailEnd type="none" w="med" len="med"/>
+                    </a:lnL>
+                    <a:lnR w="6350" cap="flat" cmpd="sng" algn="ctr">
+                      <a:solidFill>
+                        <a:srgbClr val="000000"/>
+                      </a:solidFill>
+                      <a:prstDash val="solid"/>
+                      <a:round/>
+                      <a:headEnd type="none" w="med" len="med"/>
+                      <a:tailEnd type="none" w="med" len="med"/>
+                    </a:lnR>
+                    <a:lnT w="6350" cap="flat" cmpd="sng" algn="ctr">
+                      <a:solidFill>
+                        <a:srgbClr val="000000"/>
+                      </a:solidFill>
+                      <a:prstDash val="solid"/>
+                      <a:round/>
+                      <a:headEnd type="none" w="med" len="med"/>
+                      <a:tailEnd type="none" w="med" len="med"/>
+                    </a:lnT>
+                    <a:lnB w="6350" cap="flat" cmpd="sng" algn="ctr">
+                      <a:solidFill>
+                        <a:srgbClr val="000000"/>
+                      </a:solidFill>
+                      <a:prstDash val="solid"/>
+                      <a:round/>
+                      <a:headEnd type="none" w="med" len="med"/>
+                      <a:tailEnd type="none" w="med" len="med"/>
+                    </a:lnB>
+                    <a:solidFill>
+                      <a:srgbClr val="7B7B7B"/>
+                    </a:solidFill>
+                  </a:tcPr>
+                </a:tc>
+                <a:tc>
+                  <a:txBody>
+                    <a:bodyPr/>
+                    <a:lstStyle/>
+                    <a:p>
+                      <a:pPr algn="r" fontAlgn="b"/>
+                      <a:r>
+                        <a:rPr lang="en-US" sz="1100" b="0" i="0" u="none" strike="noStrike">
+                          <a:solidFill>
+                            <a:srgbClr val="000000"/>
+                          </a:solidFill>
+                          <a:effectLst/>
+                          <a:latin typeface="Calibri" panose="020F0502020204030204" pitchFamily="34" charset="0"/>
+                        </a:rPr>
+                        <a:t>1./13</a:t>
+                      </a:r>
+                    </a:p>
+                  </a:txBody>
+                  <a:tcPr marL="9525" marR="9525" marT="9525" marB="0" anchor="b">
+                    <a:lnL w="6350" cap="flat" cmpd="sng" algn="ctr">
+                      <a:solidFill>
+                        <a:srgbClr val="000000"/>
+                      </a:solidFill>
+                      <a:prstDash val="solid"/>
+                      <a:round/>
+                      <a:headEnd type="none" w="med" len="med"/>
+                      <a:tailEnd type="none" w="med" len="med"/>
+                    </a:lnL>
+                    <a:lnR w="6350" cap="flat" cmpd="sng" algn="ctr">
+                      <a:solidFill>
+                        <a:srgbClr val="000000"/>
+                      </a:solidFill>
+                      <a:prstDash val="solid"/>
+                      <a:round/>
+                      <a:headEnd type="none" w="med" len="med"/>
+                      <a:tailEnd type="none" w="med" len="med"/>
+                    </a:lnR>
+                    <a:lnT w="6350" cap="flat" cmpd="sng" algn="ctr">
+                      <a:solidFill>
+                        <a:srgbClr val="000000"/>
+                      </a:solidFill>
+                      <a:prstDash val="solid"/>
+                      <a:round/>
+                      <a:headEnd type="none" w="med" len="med"/>
+                      <a:tailEnd type="none" w="med" len="med"/>
+                    </a:lnT>
+                    <a:lnB w="6350" cap="flat" cmpd="sng" algn="ctr">
+                      <a:solidFill>
+                        <a:srgbClr val="000000"/>
+                      </a:solidFill>
+                      <a:prstDash val="solid"/>
+                      <a:round/>
+                      <a:headEnd type="none" w="med" len="med"/>
+                      <a:tailEnd type="none" w="med" len="med"/>
+                    </a:lnB>
+                    <a:solidFill>
+                      <a:srgbClr val="FFFF00"/>
+                    </a:solidFill>
+                  </a:tcPr>
+                </a:tc>
+                <a:tc>
+                  <a:txBody>
+                    <a:bodyPr/>
+                    <a:lstStyle/>
+                    <a:p>
+                      <a:pPr algn="r" fontAlgn="b"/>
+                      <a:r>
+                        <a:rPr lang="en-US" sz="1100" b="0" i="0" u="none" strike="noStrike">
+                          <a:solidFill>
+                            <a:srgbClr val="000000"/>
+                          </a:solidFill>
+                          <a:effectLst/>
+                          <a:latin typeface="Calibri" panose="020F0502020204030204" pitchFamily="34" charset="0"/>
+                        </a:rPr>
+                        <a:t>0.25</a:t>
+                      </a:r>
+                    </a:p>
+                  </a:txBody>
+                  <a:tcPr marL="9525" marR="9525" marT="9525" marB="0" anchor="b">
+                    <a:lnL w="6350" cap="flat" cmpd="sng" algn="ctr">
+                      <a:solidFill>
+                        <a:srgbClr val="000000"/>
+                      </a:solidFill>
+                      <a:prstDash val="solid"/>
+                      <a:round/>
+                      <a:headEnd type="none" w="med" len="med"/>
+                      <a:tailEnd type="none" w="med" len="med"/>
+                    </a:lnL>
+                    <a:lnR w="6350" cap="flat" cmpd="sng" algn="ctr">
+                      <a:solidFill>
+                        <a:srgbClr val="000000"/>
+                      </a:solidFill>
+                      <a:prstDash val="solid"/>
+                      <a:round/>
+                      <a:headEnd type="none" w="med" len="med"/>
+                      <a:tailEnd type="none" w="med" len="med"/>
+                    </a:lnR>
+                    <a:lnT w="6350" cap="flat" cmpd="sng" algn="ctr">
+                      <a:solidFill>
+                        <a:srgbClr val="000000"/>
+                      </a:solidFill>
+                      <a:prstDash val="solid"/>
+                      <a:round/>
+                      <a:headEnd type="none" w="med" len="med"/>
+                      <a:tailEnd type="none" w="med" len="med"/>
+                    </a:lnT>
+                    <a:lnB w="6350" cap="flat" cmpd="sng" algn="ctr">
+                      <a:solidFill>
+                        <a:srgbClr val="000000"/>
+                      </a:solidFill>
+                      <a:prstDash val="solid"/>
+                      <a:round/>
+                      <a:headEnd type="none" w="med" len="med"/>
+                      <a:tailEnd type="none" w="med" len="med"/>
+                    </a:lnB>
+                  </a:tcPr>
+                </a:tc>
+                <a:tc>
+                  <a:txBody>
+                    <a:bodyPr/>
+                    <a:lstStyle/>
+                    <a:p>
+                      <a:pPr algn="r" fontAlgn="b"/>
+                      <a:r>
+                        <a:rPr lang="en-US" sz="1100" b="0" i="0" u="none" strike="noStrike">
+                          <a:solidFill>
+                            <a:srgbClr val="000000"/>
+                          </a:solidFill>
+                          <a:effectLst/>
+                          <a:latin typeface="Calibri" panose="020F0502020204030204" pitchFamily="34" charset="0"/>
+                        </a:rPr>
+                        <a:t>0.25</a:t>
+                      </a:r>
+                    </a:p>
+                  </a:txBody>
+                  <a:tcPr marL="9525" marR="9525" marT="9525" marB="0" anchor="b">
+                    <a:lnL w="6350" cap="flat" cmpd="sng" algn="ctr">
+                      <a:solidFill>
+                        <a:srgbClr val="000000"/>
+                      </a:solidFill>
+                      <a:prstDash val="solid"/>
+                      <a:round/>
+                      <a:headEnd type="none" w="med" len="med"/>
+                      <a:tailEnd type="none" w="med" len="med"/>
+                    </a:lnL>
+                    <a:lnR w="6350" cap="flat" cmpd="sng" algn="ctr">
+                      <a:solidFill>
+                        <a:srgbClr val="000000"/>
+                      </a:solidFill>
+                      <a:prstDash val="solid"/>
+                      <a:round/>
+                      <a:headEnd type="none" w="med" len="med"/>
+                      <a:tailEnd type="none" w="med" len="med"/>
+                    </a:lnR>
+                    <a:lnT w="6350" cap="flat" cmpd="sng" algn="ctr">
+                      <a:solidFill>
+                        <a:srgbClr val="000000"/>
+                      </a:solidFill>
+                      <a:prstDash val="solid"/>
+                      <a:round/>
+                      <a:headEnd type="none" w="med" len="med"/>
+                      <a:tailEnd type="none" w="med" len="med"/>
+                    </a:lnT>
+                    <a:lnB w="6350" cap="flat" cmpd="sng" algn="ctr">
+                      <a:solidFill>
+                        <a:srgbClr val="000000"/>
+                      </a:solidFill>
+                      <a:prstDash val="solid"/>
+                      <a:round/>
+                      <a:headEnd type="none" w="med" len="med"/>
+                      <a:tailEnd type="none" w="med" len="med"/>
+                    </a:lnB>
+                  </a:tcPr>
+                </a:tc>
+                <a:tc>
+                  <a:txBody>
+                    <a:bodyPr/>
+                    <a:lstStyle/>
+                    <a:p>
+                      <a:pPr algn="r" fontAlgn="b"/>
+                      <a:r>
+                        <a:rPr lang="en-US" sz="1100" b="0" i="0" u="none" strike="noStrike">
+                          <a:solidFill>
+                            <a:srgbClr val="000000"/>
+                          </a:solidFill>
+                          <a:effectLst/>
+                          <a:latin typeface="Calibri" panose="020F0502020204030204" pitchFamily="34" charset="0"/>
+                        </a:rPr>
+                        <a:t>0.25</a:t>
+                      </a:r>
+                    </a:p>
+                  </a:txBody>
+                  <a:tcPr marL="9525" marR="9525" marT="9525" marB="0" anchor="b">
+                    <a:lnL w="6350" cap="flat" cmpd="sng" algn="ctr">
+                      <a:solidFill>
+                        <a:srgbClr val="000000"/>
+                      </a:solidFill>
+                      <a:prstDash val="solid"/>
+                      <a:round/>
+                      <a:headEnd type="none" w="med" len="med"/>
+                      <a:tailEnd type="none" w="med" len="med"/>
+                    </a:lnL>
+                    <a:lnR w="6350" cap="flat" cmpd="sng" algn="ctr">
+                      <a:solidFill>
+                        <a:srgbClr val="000000"/>
+                      </a:solidFill>
+                      <a:prstDash val="solid"/>
+                      <a:round/>
+                      <a:headEnd type="none" w="med" len="med"/>
+                      <a:tailEnd type="none" w="med" len="med"/>
+                    </a:lnR>
+                    <a:lnT w="6350" cap="flat" cmpd="sng" algn="ctr">
+                      <a:solidFill>
+                        <a:srgbClr val="000000"/>
+                      </a:solidFill>
+                      <a:prstDash val="solid"/>
+                      <a:round/>
+                      <a:headEnd type="none" w="med" len="med"/>
+                      <a:tailEnd type="none" w="med" len="med"/>
+                    </a:lnT>
+                    <a:lnB w="6350" cap="flat" cmpd="sng" algn="ctr">
+                      <a:solidFill>
+                        <a:srgbClr val="000000"/>
+                      </a:solidFill>
+                      <a:prstDash val="solid"/>
+                      <a:round/>
+                      <a:headEnd type="none" w="med" len="med"/>
+                      <a:tailEnd type="none" w="med" len="med"/>
+                    </a:lnB>
+                  </a:tcPr>
+                </a:tc>
+              </a:tr>
+              <a:tr h="190500">
+                <a:tc>
+                  <a:txBody>
+                    <a:bodyPr/>
+                    <a:lstStyle/>
+                    <a:p>
+                      <a:pPr algn="l" fontAlgn="b"/>
+                      <a:r>
+                        <a:rPr lang="en-US" sz="1100" b="0" i="0" u="none" strike="noStrike">
+                          <a:solidFill>
+                            <a:srgbClr val="000000"/>
+                          </a:solidFill>
+                          <a:effectLst/>
+                          <a:latin typeface="Calibri" panose="020F0502020204030204" pitchFamily="34" charset="0"/>
+                        </a:rPr>
+                        <a:t>I3</a:t>
+                      </a:r>
+                    </a:p>
+                  </a:txBody>
+                  <a:tcPr marL="9525" marR="9525" marT="9525" marB="0" anchor="b">
+                    <a:lnL w="6350" cap="flat" cmpd="sng" algn="ctr">
+                      <a:solidFill>
+                        <a:srgbClr val="000000"/>
+                      </a:solidFill>
+                      <a:prstDash val="solid"/>
+                      <a:round/>
+                      <a:headEnd type="none" w="med" len="med"/>
+                      <a:tailEnd type="none" w="med" len="med"/>
+                    </a:lnL>
+                    <a:lnR w="6350" cap="flat" cmpd="sng" algn="ctr">
+                      <a:solidFill>
+                        <a:srgbClr val="000000"/>
+                      </a:solidFill>
+                      <a:prstDash val="solid"/>
+                      <a:round/>
+                      <a:headEnd type="none" w="med" len="med"/>
+                      <a:tailEnd type="none" w="med" len="med"/>
+                    </a:lnR>
+                    <a:lnT w="6350" cap="flat" cmpd="sng" algn="ctr">
+                      <a:solidFill>
+                        <a:srgbClr val="000000"/>
+                      </a:solidFill>
+                      <a:prstDash val="solid"/>
+                      <a:round/>
+                      <a:headEnd type="none" w="med" len="med"/>
+                      <a:tailEnd type="none" w="med" len="med"/>
+                    </a:lnT>
+                    <a:lnB w="6350" cap="flat" cmpd="sng" algn="ctr">
+                      <a:solidFill>
+                        <a:srgbClr val="000000"/>
+                      </a:solidFill>
+                      <a:prstDash val="solid"/>
+                      <a:round/>
+                      <a:headEnd type="none" w="med" len="med"/>
+                      <a:tailEnd type="none" w="med" len="med"/>
+                    </a:lnB>
+                    <a:solidFill>
+                      <a:srgbClr val="B4C6E7"/>
+                    </a:solidFill>
+                  </a:tcPr>
+                </a:tc>
+                <a:tc>
+                  <a:txBody>
+                    <a:bodyPr/>
+                    <a:lstStyle/>
+                    <a:p>
+                      <a:pPr algn="r" fontAlgn="b"/>
+                      <a:r>
+                        <a:rPr lang="en-US" sz="1100" b="0" i="0" u="none" strike="noStrike">
+                          <a:solidFill>
+                            <a:srgbClr val="000000"/>
+                          </a:solidFill>
+                          <a:effectLst/>
+                          <a:latin typeface="Calibri" panose="020F0502020204030204" pitchFamily="34" charset="0"/>
+                        </a:rPr>
+                        <a:t>0</a:t>
+                      </a:r>
+                    </a:p>
+                  </a:txBody>
+                  <a:tcPr marL="9525" marR="9525" marT="9525" marB="0" anchor="b">
+                    <a:lnL w="6350" cap="flat" cmpd="sng" algn="ctr">
+                      <a:solidFill>
+                        <a:srgbClr val="000000"/>
+                      </a:solidFill>
+                      <a:prstDash val="solid"/>
+                      <a:round/>
+                      <a:headEnd type="none" w="med" len="med"/>
+                      <a:tailEnd type="none" w="med" len="med"/>
+                    </a:lnL>
+                    <a:lnR w="6350" cap="flat" cmpd="sng" algn="ctr">
+                      <a:solidFill>
+                        <a:srgbClr val="000000"/>
+                      </a:solidFill>
+                      <a:prstDash val="solid"/>
+                      <a:round/>
+                      <a:headEnd type="none" w="med" len="med"/>
+                      <a:tailEnd type="none" w="med" len="med"/>
+                    </a:lnR>
+                    <a:lnT w="6350" cap="flat" cmpd="sng" algn="ctr">
+                      <a:solidFill>
+                        <a:srgbClr val="000000"/>
+                      </a:solidFill>
+                      <a:prstDash val="solid"/>
+                      <a:round/>
+                      <a:headEnd type="none" w="med" len="med"/>
+                      <a:tailEnd type="none" w="med" len="med"/>
+                    </a:lnT>
+                    <a:lnB w="6350" cap="flat" cmpd="sng" algn="ctr">
+                      <a:solidFill>
+                        <a:srgbClr val="000000"/>
+                      </a:solidFill>
+                      <a:prstDash val="solid"/>
+                      <a:round/>
+                      <a:headEnd type="none" w="med" len="med"/>
+                      <a:tailEnd type="none" w="med" len="med"/>
+                    </a:lnB>
+                    <a:solidFill>
+                      <a:srgbClr val="7B7B7B"/>
+                    </a:solidFill>
+                  </a:tcPr>
+                </a:tc>
+                <a:tc>
+                  <a:txBody>
+                    <a:bodyPr/>
+                    <a:lstStyle/>
+                    <a:p>
+                      <a:pPr algn="r" fontAlgn="b"/>
+                      <a:r>
+                        <a:rPr lang="en-US" sz="1100" b="0" i="0" u="none" strike="noStrike">
+                          <a:solidFill>
+                            <a:srgbClr val="000000"/>
+                          </a:solidFill>
+                          <a:effectLst/>
+                          <a:latin typeface="Calibri" panose="020F0502020204030204" pitchFamily="34" charset="0"/>
+                        </a:rPr>
+                        <a:t>0</a:t>
+                      </a:r>
+                    </a:p>
+                  </a:txBody>
+                  <a:tcPr marL="9525" marR="9525" marT="9525" marB="0" anchor="b">
+                    <a:lnL w="6350" cap="flat" cmpd="sng" algn="ctr">
+                      <a:solidFill>
+                        <a:srgbClr val="000000"/>
+                      </a:solidFill>
+                      <a:prstDash val="solid"/>
+                      <a:round/>
+                      <a:headEnd type="none" w="med" len="med"/>
+                      <a:tailEnd type="none" w="med" len="med"/>
+                    </a:lnL>
+                    <a:lnR w="6350" cap="flat" cmpd="sng" algn="ctr">
+                      <a:solidFill>
+                        <a:srgbClr val="000000"/>
+                      </a:solidFill>
+                      <a:prstDash val="solid"/>
+                      <a:round/>
+                      <a:headEnd type="none" w="med" len="med"/>
+                      <a:tailEnd type="none" w="med" len="med"/>
+                    </a:lnR>
+                    <a:lnT w="6350" cap="flat" cmpd="sng" algn="ctr">
+                      <a:solidFill>
+                        <a:srgbClr val="000000"/>
+                      </a:solidFill>
+                      <a:prstDash val="solid"/>
+                      <a:round/>
+                      <a:headEnd type="none" w="med" len="med"/>
+                      <a:tailEnd type="none" w="med" len="med"/>
+                    </a:lnT>
+                    <a:lnB w="6350" cap="flat" cmpd="sng" algn="ctr">
+                      <a:solidFill>
+                        <a:srgbClr val="000000"/>
+                      </a:solidFill>
+                      <a:prstDash val="solid"/>
+                      <a:round/>
+                      <a:headEnd type="none" w="med" len="med"/>
+                      <a:tailEnd type="none" w="med" len="med"/>
+                    </a:lnB>
+                    <a:solidFill>
+                      <a:srgbClr val="7B7B7B"/>
+                    </a:solidFill>
+                  </a:tcPr>
+                </a:tc>
+                <a:tc>
+                  <a:txBody>
+                    <a:bodyPr/>
+                    <a:lstStyle/>
+                    <a:p>
+                      <a:pPr algn="r" fontAlgn="b"/>
+                      <a:r>
+                        <a:rPr lang="en-US" sz="1100" b="0" i="0" u="none" strike="noStrike">
+                          <a:solidFill>
+                            <a:srgbClr val="000000"/>
+                          </a:solidFill>
+                          <a:effectLst/>
+                          <a:latin typeface="Calibri" panose="020F0502020204030204" pitchFamily="34" charset="0"/>
+                        </a:rPr>
+                        <a:t>0</a:t>
+                      </a:r>
+                    </a:p>
+                  </a:txBody>
+                  <a:tcPr marL="9525" marR="9525" marT="9525" marB="0" anchor="b">
+                    <a:lnL w="6350" cap="flat" cmpd="sng" algn="ctr">
+                      <a:solidFill>
+                        <a:srgbClr val="000000"/>
+                      </a:solidFill>
+                      <a:prstDash val="solid"/>
+                      <a:round/>
+                      <a:headEnd type="none" w="med" len="med"/>
+                      <a:tailEnd type="none" w="med" len="med"/>
+                    </a:lnL>
+                    <a:lnR w="6350" cap="flat" cmpd="sng" algn="ctr">
+                      <a:solidFill>
+                        <a:srgbClr val="000000"/>
+                      </a:solidFill>
+                      <a:prstDash val="solid"/>
+                      <a:round/>
+                      <a:headEnd type="none" w="med" len="med"/>
+                      <a:tailEnd type="none" w="med" len="med"/>
+                    </a:lnR>
+                    <a:lnT w="6350" cap="flat" cmpd="sng" algn="ctr">
+                      <a:solidFill>
+                        <a:srgbClr val="000000"/>
+                      </a:solidFill>
+                      <a:prstDash val="solid"/>
+                      <a:round/>
+                      <a:headEnd type="none" w="med" len="med"/>
+                      <a:tailEnd type="none" w="med" len="med"/>
+                    </a:lnT>
+                    <a:lnB w="6350" cap="flat" cmpd="sng" algn="ctr">
+                      <a:solidFill>
+                        <a:srgbClr val="000000"/>
+                      </a:solidFill>
+                      <a:prstDash val="solid"/>
+                      <a:round/>
+                      <a:headEnd type="none" w="med" len="med"/>
+                      <a:tailEnd type="none" w="med" len="med"/>
+                    </a:lnB>
+                    <a:solidFill>
+                      <a:srgbClr val="7B7B7B"/>
+                    </a:solidFill>
+                  </a:tcPr>
+                </a:tc>
+                <a:tc>
+                  <a:txBody>
+                    <a:bodyPr/>
+                    <a:lstStyle/>
+                    <a:p>
+                      <a:pPr algn="r" fontAlgn="b"/>
+                      <a:r>
+                        <a:rPr lang="en-US" sz="1100" b="0" i="0" u="none" strike="noStrike">
+                          <a:solidFill>
+                            <a:srgbClr val="000000"/>
+                          </a:solidFill>
+                          <a:effectLst/>
+                          <a:latin typeface="Calibri" panose="020F0502020204030204" pitchFamily="34" charset="0"/>
+                        </a:rPr>
+                        <a:t>0</a:t>
+                      </a:r>
+                    </a:p>
+                  </a:txBody>
+                  <a:tcPr marL="9525" marR="9525" marT="9525" marB="0" anchor="b">
+                    <a:lnL w="6350" cap="flat" cmpd="sng" algn="ctr">
+                      <a:solidFill>
+                        <a:srgbClr val="000000"/>
+                      </a:solidFill>
+                      <a:prstDash val="solid"/>
+                      <a:round/>
+                      <a:headEnd type="none" w="med" len="med"/>
+                      <a:tailEnd type="none" w="med" len="med"/>
+                    </a:lnL>
+                    <a:lnR w="6350" cap="flat" cmpd="sng" algn="ctr">
+                      <a:solidFill>
+                        <a:srgbClr val="000000"/>
+                      </a:solidFill>
+                      <a:prstDash val="solid"/>
+                      <a:round/>
+                      <a:headEnd type="none" w="med" len="med"/>
+                      <a:tailEnd type="none" w="med" len="med"/>
+                    </a:lnR>
+                    <a:lnT w="6350" cap="flat" cmpd="sng" algn="ctr">
+                      <a:solidFill>
+                        <a:srgbClr val="000000"/>
+                      </a:solidFill>
+                      <a:prstDash val="solid"/>
+                      <a:round/>
+                      <a:headEnd type="none" w="med" len="med"/>
+                      <a:tailEnd type="none" w="med" len="med"/>
+                    </a:lnT>
+                    <a:lnB w="6350" cap="flat" cmpd="sng" algn="ctr">
+                      <a:solidFill>
+                        <a:srgbClr val="000000"/>
+                      </a:solidFill>
+                      <a:prstDash val="solid"/>
+                      <a:round/>
+                      <a:headEnd type="none" w="med" len="med"/>
+                      <a:tailEnd type="none" w="med" len="med"/>
+                    </a:lnB>
+                    <a:solidFill>
+                      <a:srgbClr val="7B7B7B"/>
+                    </a:solidFill>
+                  </a:tcPr>
+                </a:tc>
+                <a:tc>
+                  <a:txBody>
+                    <a:bodyPr/>
+                    <a:lstStyle/>
+                    <a:p>
+                      <a:pPr algn="r" fontAlgn="b"/>
+                      <a:r>
+                        <a:rPr lang="en-US" sz="1100" b="0" i="0" u="none" strike="noStrike">
+                          <a:solidFill>
+                            <a:srgbClr val="000000"/>
+                          </a:solidFill>
+                          <a:effectLst/>
+                          <a:latin typeface="Calibri" panose="020F0502020204030204" pitchFamily="34" charset="0"/>
+                        </a:rPr>
+                        <a:t>1./13</a:t>
+                      </a:r>
+                    </a:p>
+                  </a:txBody>
+                  <a:tcPr marL="9525" marR="9525" marT="9525" marB="0" anchor="b">
+                    <a:lnL w="6350" cap="flat" cmpd="sng" algn="ctr">
+                      <a:solidFill>
+                        <a:srgbClr val="000000"/>
+                      </a:solidFill>
+                      <a:prstDash val="solid"/>
+                      <a:round/>
+                      <a:headEnd type="none" w="med" len="med"/>
+                      <a:tailEnd type="none" w="med" len="med"/>
+                    </a:lnL>
+                    <a:lnR w="6350" cap="flat" cmpd="sng" algn="ctr">
+                      <a:solidFill>
+                        <a:srgbClr val="000000"/>
+                      </a:solidFill>
+                      <a:prstDash val="solid"/>
+                      <a:round/>
+                      <a:headEnd type="none" w="med" len="med"/>
+                      <a:tailEnd type="none" w="med" len="med"/>
+                    </a:lnR>
+                    <a:lnT w="6350" cap="flat" cmpd="sng" algn="ctr">
+                      <a:solidFill>
+                        <a:srgbClr val="000000"/>
+                      </a:solidFill>
+                      <a:prstDash val="solid"/>
+                      <a:round/>
+                      <a:headEnd type="none" w="med" len="med"/>
+                      <a:tailEnd type="none" w="med" len="med"/>
+                    </a:lnT>
+                    <a:lnB w="6350" cap="flat" cmpd="sng" algn="ctr">
+                      <a:solidFill>
+                        <a:srgbClr val="000000"/>
+                      </a:solidFill>
+                      <a:prstDash val="solid"/>
+                      <a:round/>
+                      <a:headEnd type="none" w="med" len="med"/>
+                      <a:tailEnd type="none" w="med" len="med"/>
+                    </a:lnB>
+                    <a:solidFill>
+                      <a:srgbClr val="FFFF00"/>
+                    </a:solidFill>
+                  </a:tcPr>
+                </a:tc>
+                <a:tc>
+                  <a:txBody>
+                    <a:bodyPr/>
+                    <a:lstStyle/>
+                    <a:p>
+                      <a:pPr algn="r" fontAlgn="b"/>
+                      <a:r>
+                        <a:rPr lang="en-US" sz="1100" b="0" i="0" u="none" strike="noStrike">
+                          <a:solidFill>
+                            <a:srgbClr val="000000"/>
+                          </a:solidFill>
+                          <a:effectLst/>
+                          <a:latin typeface="Calibri" panose="020F0502020204030204" pitchFamily="34" charset="0"/>
+                        </a:rPr>
+                        <a:t>0.25</a:t>
+                      </a:r>
+                    </a:p>
+                  </a:txBody>
+                  <a:tcPr marL="9525" marR="9525" marT="9525" marB="0" anchor="b">
+                    <a:lnL w="6350" cap="flat" cmpd="sng" algn="ctr">
+                      <a:solidFill>
+                        <a:srgbClr val="000000"/>
+                      </a:solidFill>
+                      <a:prstDash val="solid"/>
+                      <a:round/>
+                      <a:headEnd type="none" w="med" len="med"/>
+                      <a:tailEnd type="none" w="med" len="med"/>
+                    </a:lnL>
+                    <a:lnR w="6350" cap="flat" cmpd="sng" algn="ctr">
+                      <a:solidFill>
+                        <a:srgbClr val="000000"/>
+                      </a:solidFill>
+                      <a:prstDash val="solid"/>
+                      <a:round/>
+                      <a:headEnd type="none" w="med" len="med"/>
+                      <a:tailEnd type="none" w="med" len="med"/>
+                    </a:lnR>
+                    <a:lnT w="6350" cap="flat" cmpd="sng" algn="ctr">
+                      <a:solidFill>
+                        <a:srgbClr val="000000"/>
+                      </a:solidFill>
+                      <a:prstDash val="solid"/>
+                      <a:round/>
+                      <a:headEnd type="none" w="med" len="med"/>
+                      <a:tailEnd type="none" w="med" len="med"/>
+                    </a:lnT>
+                    <a:lnB w="6350" cap="flat" cmpd="sng" algn="ctr">
+                      <a:solidFill>
+                        <a:srgbClr val="000000"/>
+                      </a:solidFill>
+                      <a:prstDash val="solid"/>
+                      <a:round/>
+                      <a:headEnd type="none" w="med" len="med"/>
+                      <a:tailEnd type="none" w="med" len="med"/>
+                    </a:lnB>
+                  </a:tcPr>
+                </a:tc>
+                <a:tc>
+                  <a:txBody>
+                    <a:bodyPr/>
+                    <a:lstStyle/>
+                    <a:p>
+                      <a:pPr algn="r" fontAlgn="b"/>
+                      <a:r>
+                        <a:rPr lang="en-US" sz="1100" b="0" i="0" u="none" strike="noStrike">
+                          <a:solidFill>
+                            <a:srgbClr val="000000"/>
+                          </a:solidFill>
+                          <a:effectLst/>
+                          <a:latin typeface="Calibri" panose="020F0502020204030204" pitchFamily="34" charset="0"/>
+                        </a:rPr>
+                        <a:t>0.25</a:t>
+                      </a:r>
+                    </a:p>
+                  </a:txBody>
+                  <a:tcPr marL="9525" marR="9525" marT="9525" marB="0" anchor="b">
+                    <a:lnL w="6350" cap="flat" cmpd="sng" algn="ctr">
+                      <a:solidFill>
+                        <a:srgbClr val="000000"/>
+                      </a:solidFill>
+                      <a:prstDash val="solid"/>
+                      <a:round/>
+                      <a:headEnd type="none" w="med" len="med"/>
+                      <a:tailEnd type="none" w="med" len="med"/>
+                    </a:lnL>
+                    <a:lnR w="6350" cap="flat" cmpd="sng" algn="ctr">
+                      <a:solidFill>
+                        <a:srgbClr val="000000"/>
+                      </a:solidFill>
+                      <a:prstDash val="solid"/>
+                      <a:round/>
+                      <a:headEnd type="none" w="med" len="med"/>
+                      <a:tailEnd type="none" w="med" len="med"/>
+                    </a:lnR>
+                    <a:lnT w="6350" cap="flat" cmpd="sng" algn="ctr">
+                      <a:solidFill>
+                        <a:srgbClr val="000000"/>
+                      </a:solidFill>
+                      <a:prstDash val="solid"/>
+                      <a:round/>
+                      <a:headEnd type="none" w="med" len="med"/>
+                      <a:tailEnd type="none" w="med" len="med"/>
+                    </a:lnT>
+                    <a:lnB w="6350" cap="flat" cmpd="sng" algn="ctr">
+                      <a:solidFill>
+                        <a:srgbClr val="000000"/>
+                      </a:solidFill>
+                      <a:prstDash val="solid"/>
+                      <a:round/>
+                      <a:headEnd type="none" w="med" len="med"/>
+                      <a:tailEnd type="none" w="med" len="med"/>
+                    </a:lnB>
+                  </a:tcPr>
+                </a:tc>
+                <a:tc>
+                  <a:txBody>
+                    <a:bodyPr/>
+                    <a:lstStyle/>
+                    <a:p>
+                      <a:pPr algn="r" fontAlgn="b"/>
+                      <a:r>
+                        <a:rPr lang="en-US" sz="1100" b="0" i="0" u="none" strike="noStrike">
+                          <a:solidFill>
+                            <a:srgbClr val="000000"/>
+                          </a:solidFill>
+                          <a:effectLst/>
+                          <a:latin typeface="Calibri" panose="020F0502020204030204" pitchFamily="34" charset="0"/>
+                        </a:rPr>
+                        <a:t>0.25</a:t>
+                      </a:r>
+                    </a:p>
+                  </a:txBody>
+                  <a:tcPr marL="9525" marR="9525" marT="9525" marB="0" anchor="b">
+                    <a:lnL w="6350" cap="flat" cmpd="sng" algn="ctr">
+                      <a:solidFill>
+                        <a:srgbClr val="000000"/>
+                      </a:solidFill>
+                      <a:prstDash val="solid"/>
+                      <a:round/>
+                      <a:headEnd type="none" w="med" len="med"/>
+                      <a:tailEnd type="none" w="med" len="med"/>
+                    </a:lnL>
+                    <a:lnR w="6350" cap="flat" cmpd="sng" algn="ctr">
+                      <a:solidFill>
+                        <a:srgbClr val="000000"/>
+                      </a:solidFill>
+                      <a:prstDash val="solid"/>
+                      <a:round/>
+                      <a:headEnd type="none" w="med" len="med"/>
+                      <a:tailEnd type="none" w="med" len="med"/>
+                    </a:lnR>
+                    <a:lnT w="6350" cap="flat" cmpd="sng" algn="ctr">
+                      <a:solidFill>
+                        <a:srgbClr val="000000"/>
+                      </a:solidFill>
+                      <a:prstDash val="solid"/>
+                      <a:round/>
+                      <a:headEnd type="none" w="med" len="med"/>
+                      <a:tailEnd type="none" w="med" len="med"/>
+                    </a:lnT>
+                    <a:lnB w="6350" cap="flat" cmpd="sng" algn="ctr">
+                      <a:solidFill>
+                        <a:srgbClr val="000000"/>
+                      </a:solidFill>
+                      <a:prstDash val="solid"/>
+                      <a:round/>
+                      <a:headEnd type="none" w="med" len="med"/>
+                      <a:tailEnd type="none" w="med" len="med"/>
+                    </a:lnB>
+                  </a:tcPr>
+                </a:tc>
+              </a:tr>
+              <a:tr h="190500">
+                <a:tc>
+                  <a:txBody>
+                    <a:bodyPr/>
+                    <a:lstStyle/>
+                    <a:p>
+                      <a:pPr algn="l" fontAlgn="b"/>
+                      <a:r>
+                        <a:rPr lang="en-US" sz="1100" b="0" i="0" u="none" strike="noStrike">
+                          <a:solidFill>
+                            <a:srgbClr val="000000"/>
+                          </a:solidFill>
+                          <a:effectLst/>
+                          <a:latin typeface="Calibri" panose="020F0502020204030204" pitchFamily="34" charset="0"/>
+                        </a:rPr>
+                        <a:t>I4</a:t>
+                      </a:r>
+                    </a:p>
+                  </a:txBody>
+                  <a:tcPr marL="9525" marR="9525" marT="9525" marB="0" anchor="b">
+                    <a:lnL w="6350" cap="flat" cmpd="sng" algn="ctr">
+                      <a:solidFill>
+                        <a:srgbClr val="000000"/>
+                      </a:solidFill>
+                      <a:prstDash val="solid"/>
+                      <a:round/>
+                      <a:headEnd type="none" w="med" len="med"/>
+                      <a:tailEnd type="none" w="med" len="med"/>
+                    </a:lnL>
+                    <a:lnR w="6350" cap="flat" cmpd="sng" algn="ctr">
+                      <a:solidFill>
+                        <a:srgbClr val="000000"/>
+                      </a:solidFill>
+                      <a:prstDash val="solid"/>
+                      <a:round/>
+                      <a:headEnd type="none" w="med" len="med"/>
+                      <a:tailEnd type="none" w="med" len="med"/>
+                    </a:lnR>
+                    <a:lnT w="6350" cap="flat" cmpd="sng" algn="ctr">
+                      <a:solidFill>
+                        <a:srgbClr val="000000"/>
+                      </a:solidFill>
+                      <a:prstDash val="solid"/>
+                      <a:round/>
+                      <a:headEnd type="none" w="med" len="med"/>
+                      <a:tailEnd type="none" w="med" len="med"/>
+                    </a:lnT>
+                    <a:lnB w="6350" cap="flat" cmpd="sng" algn="ctr">
+                      <a:solidFill>
+                        <a:srgbClr val="000000"/>
+                      </a:solidFill>
+                      <a:prstDash val="solid"/>
+                      <a:round/>
+                      <a:headEnd type="none" w="med" len="med"/>
+                      <a:tailEnd type="none" w="med" len="med"/>
+                    </a:lnB>
+                    <a:solidFill>
+                      <a:srgbClr val="B4C6E7"/>
+                    </a:solidFill>
+                  </a:tcPr>
+                </a:tc>
+                <a:tc>
+                  <a:txBody>
+                    <a:bodyPr/>
+                    <a:lstStyle/>
+                    <a:p>
+                      <a:pPr algn="r" fontAlgn="b"/>
+                      <a:r>
+                        <a:rPr lang="en-US" sz="1100" b="0" i="0" u="none" strike="noStrike">
+                          <a:solidFill>
+                            <a:srgbClr val="000000"/>
+                          </a:solidFill>
+                          <a:effectLst/>
+                          <a:latin typeface="Calibri" panose="020F0502020204030204" pitchFamily="34" charset="0"/>
+                        </a:rPr>
+                        <a:t>0</a:t>
+                      </a:r>
+                    </a:p>
+                  </a:txBody>
+                  <a:tcPr marL="9525" marR="9525" marT="9525" marB="0" anchor="b">
+                    <a:lnL w="6350" cap="flat" cmpd="sng" algn="ctr">
+                      <a:solidFill>
+                        <a:srgbClr val="000000"/>
+                      </a:solidFill>
+                      <a:prstDash val="solid"/>
+                      <a:round/>
+                      <a:headEnd type="none" w="med" len="med"/>
+                      <a:tailEnd type="none" w="med" len="med"/>
+                    </a:lnL>
+                    <a:lnR w="6350" cap="flat" cmpd="sng" algn="ctr">
+                      <a:solidFill>
+                        <a:srgbClr val="000000"/>
+                      </a:solidFill>
+                      <a:prstDash val="solid"/>
+                      <a:round/>
+                      <a:headEnd type="none" w="med" len="med"/>
+                      <a:tailEnd type="none" w="med" len="med"/>
+                    </a:lnR>
+                    <a:lnT w="6350" cap="flat" cmpd="sng" algn="ctr">
+                      <a:solidFill>
+                        <a:srgbClr val="000000"/>
+                      </a:solidFill>
+                      <a:prstDash val="solid"/>
+                      <a:round/>
+                      <a:headEnd type="none" w="med" len="med"/>
+                      <a:tailEnd type="none" w="med" len="med"/>
+                    </a:lnT>
+                    <a:lnB w="6350" cap="flat" cmpd="sng" algn="ctr">
+                      <a:solidFill>
+                        <a:srgbClr val="000000"/>
+                      </a:solidFill>
+                      <a:prstDash val="solid"/>
+                      <a:round/>
+                      <a:headEnd type="none" w="med" len="med"/>
+                      <a:tailEnd type="none" w="med" len="med"/>
+                    </a:lnB>
+                    <a:solidFill>
+                      <a:srgbClr val="7B7B7B"/>
+                    </a:solidFill>
+                  </a:tcPr>
+                </a:tc>
+                <a:tc>
+                  <a:txBody>
+                    <a:bodyPr/>
+                    <a:lstStyle/>
+                    <a:p>
+                      <a:pPr algn="r" fontAlgn="b"/>
+                      <a:r>
+                        <a:rPr lang="en-US" sz="1100" b="0" i="0" u="none" strike="noStrike">
+                          <a:solidFill>
+                            <a:srgbClr val="000000"/>
+                          </a:solidFill>
+                          <a:effectLst/>
+                          <a:latin typeface="Calibri" panose="020F0502020204030204" pitchFamily="34" charset="0"/>
+                        </a:rPr>
+                        <a:t>0</a:t>
+                      </a:r>
+                    </a:p>
+                  </a:txBody>
+                  <a:tcPr marL="9525" marR="9525" marT="9525" marB="0" anchor="b">
+                    <a:lnL w="6350" cap="flat" cmpd="sng" algn="ctr">
+                      <a:solidFill>
+                        <a:srgbClr val="000000"/>
+                      </a:solidFill>
+                      <a:prstDash val="solid"/>
+                      <a:round/>
+                      <a:headEnd type="none" w="med" len="med"/>
+                      <a:tailEnd type="none" w="med" len="med"/>
+                    </a:lnL>
+                    <a:lnR w="6350" cap="flat" cmpd="sng" algn="ctr">
+                      <a:solidFill>
+                        <a:srgbClr val="000000"/>
+                      </a:solidFill>
+                      <a:prstDash val="solid"/>
+                      <a:round/>
+                      <a:headEnd type="none" w="med" len="med"/>
+                      <a:tailEnd type="none" w="med" len="med"/>
+                    </a:lnR>
+                    <a:lnT w="6350" cap="flat" cmpd="sng" algn="ctr">
+                      <a:solidFill>
+                        <a:srgbClr val="000000"/>
+                      </a:solidFill>
+                      <a:prstDash val="solid"/>
+                      <a:round/>
+                      <a:headEnd type="none" w="med" len="med"/>
+                      <a:tailEnd type="none" w="med" len="med"/>
+                    </a:lnT>
+                    <a:lnB w="6350" cap="flat" cmpd="sng" algn="ctr">
+                      <a:solidFill>
+                        <a:srgbClr val="000000"/>
+                      </a:solidFill>
+                      <a:prstDash val="solid"/>
+                      <a:round/>
+                      <a:headEnd type="none" w="med" len="med"/>
+                      <a:tailEnd type="none" w="med" len="med"/>
+                    </a:lnB>
+                    <a:solidFill>
+                      <a:srgbClr val="7B7B7B"/>
+                    </a:solidFill>
+                  </a:tcPr>
+                </a:tc>
+                <a:tc>
+                  <a:txBody>
+                    <a:bodyPr/>
+                    <a:lstStyle/>
+                    <a:p>
+                      <a:pPr algn="r" fontAlgn="b"/>
+                      <a:r>
+                        <a:rPr lang="en-US" sz="1100" b="0" i="0" u="none" strike="noStrike">
+                          <a:solidFill>
+                            <a:srgbClr val="000000"/>
+                          </a:solidFill>
+                          <a:effectLst/>
+                          <a:latin typeface="Calibri" panose="020F0502020204030204" pitchFamily="34" charset="0"/>
+                        </a:rPr>
+                        <a:t>0</a:t>
+                      </a:r>
+                    </a:p>
+                  </a:txBody>
+                  <a:tcPr marL="9525" marR="9525" marT="9525" marB="0" anchor="b">
+                    <a:lnL w="6350" cap="flat" cmpd="sng" algn="ctr">
+                      <a:solidFill>
+                        <a:srgbClr val="000000"/>
+                      </a:solidFill>
+                      <a:prstDash val="solid"/>
+                      <a:round/>
+                      <a:headEnd type="none" w="med" len="med"/>
+                      <a:tailEnd type="none" w="med" len="med"/>
+                    </a:lnL>
+                    <a:lnR w="6350" cap="flat" cmpd="sng" algn="ctr">
+                      <a:solidFill>
+                        <a:srgbClr val="000000"/>
+                      </a:solidFill>
+                      <a:prstDash val="solid"/>
+                      <a:round/>
+                      <a:headEnd type="none" w="med" len="med"/>
+                      <a:tailEnd type="none" w="med" len="med"/>
+                    </a:lnR>
+                    <a:lnT w="6350" cap="flat" cmpd="sng" algn="ctr">
+                      <a:solidFill>
+                        <a:srgbClr val="000000"/>
+                      </a:solidFill>
+                      <a:prstDash val="solid"/>
+                      <a:round/>
+                      <a:headEnd type="none" w="med" len="med"/>
+                      <a:tailEnd type="none" w="med" len="med"/>
+                    </a:lnT>
+                    <a:lnB w="6350" cap="flat" cmpd="sng" algn="ctr">
+                      <a:solidFill>
+                        <a:srgbClr val="000000"/>
+                      </a:solidFill>
+                      <a:prstDash val="solid"/>
+                      <a:round/>
+                      <a:headEnd type="none" w="med" len="med"/>
+                      <a:tailEnd type="none" w="med" len="med"/>
+                    </a:lnB>
+                    <a:solidFill>
+                      <a:srgbClr val="7B7B7B"/>
+                    </a:solidFill>
+                  </a:tcPr>
+                </a:tc>
+                <a:tc>
+                  <a:txBody>
+                    <a:bodyPr/>
+                    <a:lstStyle/>
+                    <a:p>
+                      <a:pPr algn="r" fontAlgn="b"/>
+                      <a:r>
+                        <a:rPr lang="en-US" sz="1100" b="0" i="0" u="none" strike="noStrike">
+                          <a:solidFill>
+                            <a:srgbClr val="000000"/>
+                          </a:solidFill>
+                          <a:effectLst/>
+                          <a:latin typeface="Calibri" panose="020F0502020204030204" pitchFamily="34" charset="0"/>
+                        </a:rPr>
+                        <a:t>0</a:t>
+                      </a:r>
+                    </a:p>
+                  </a:txBody>
+                  <a:tcPr marL="9525" marR="9525" marT="9525" marB="0" anchor="b">
+                    <a:lnL w="6350" cap="flat" cmpd="sng" algn="ctr">
+                      <a:solidFill>
+                        <a:srgbClr val="000000"/>
+                      </a:solidFill>
+                      <a:prstDash val="solid"/>
+                      <a:round/>
+                      <a:headEnd type="none" w="med" len="med"/>
+                      <a:tailEnd type="none" w="med" len="med"/>
+                    </a:lnL>
+                    <a:lnR w="6350" cap="flat" cmpd="sng" algn="ctr">
+                      <a:solidFill>
+                        <a:srgbClr val="000000"/>
+                      </a:solidFill>
+                      <a:prstDash val="solid"/>
+                      <a:round/>
+                      <a:headEnd type="none" w="med" len="med"/>
+                      <a:tailEnd type="none" w="med" len="med"/>
+                    </a:lnR>
+                    <a:lnT w="6350" cap="flat" cmpd="sng" algn="ctr">
+                      <a:solidFill>
+                        <a:srgbClr val="000000"/>
+                      </a:solidFill>
+                      <a:prstDash val="solid"/>
+                      <a:round/>
+                      <a:headEnd type="none" w="med" len="med"/>
+                      <a:tailEnd type="none" w="med" len="med"/>
+                    </a:lnT>
+                    <a:lnB w="6350" cap="flat" cmpd="sng" algn="ctr">
+                      <a:solidFill>
+                        <a:srgbClr val="000000"/>
+                      </a:solidFill>
+                      <a:prstDash val="solid"/>
+                      <a:round/>
+                      <a:headEnd type="none" w="med" len="med"/>
+                      <a:tailEnd type="none" w="med" len="med"/>
+                    </a:lnB>
+                    <a:solidFill>
+                      <a:srgbClr val="7B7B7B"/>
+                    </a:solidFill>
+                  </a:tcPr>
+                </a:tc>
+                <a:tc>
+                  <a:txBody>
+                    <a:bodyPr/>
+                    <a:lstStyle/>
+                    <a:p>
+                      <a:pPr algn="r" fontAlgn="b"/>
+                      <a:r>
+                        <a:rPr lang="en-US" sz="1100" b="0" i="0" u="none" strike="noStrike">
+                          <a:solidFill>
+                            <a:srgbClr val="000000"/>
+                          </a:solidFill>
+                          <a:effectLst/>
+                          <a:latin typeface="Calibri" panose="020F0502020204030204" pitchFamily="34" charset="0"/>
+                        </a:rPr>
+                        <a:t>1./13</a:t>
+                      </a:r>
+                    </a:p>
+                  </a:txBody>
+                  <a:tcPr marL="9525" marR="9525" marT="9525" marB="0" anchor="b">
+                    <a:lnL w="6350" cap="flat" cmpd="sng" algn="ctr">
+                      <a:solidFill>
+                        <a:srgbClr val="000000"/>
+                      </a:solidFill>
+                      <a:prstDash val="solid"/>
+                      <a:round/>
+                      <a:headEnd type="none" w="med" len="med"/>
+                      <a:tailEnd type="none" w="med" len="med"/>
+                    </a:lnL>
+                    <a:lnR w="6350" cap="flat" cmpd="sng" algn="ctr">
+                      <a:solidFill>
+                        <a:srgbClr val="000000"/>
+                      </a:solidFill>
+                      <a:prstDash val="solid"/>
+                      <a:round/>
+                      <a:headEnd type="none" w="med" len="med"/>
+                      <a:tailEnd type="none" w="med" len="med"/>
+                    </a:lnR>
+                    <a:lnT w="6350" cap="flat" cmpd="sng" algn="ctr">
+                      <a:solidFill>
+                        <a:srgbClr val="000000"/>
+                      </a:solidFill>
+                      <a:prstDash val="solid"/>
+                      <a:round/>
+                      <a:headEnd type="none" w="med" len="med"/>
+                      <a:tailEnd type="none" w="med" len="med"/>
+                    </a:lnT>
+                    <a:lnB w="6350" cap="flat" cmpd="sng" algn="ctr">
+                      <a:solidFill>
+                        <a:srgbClr val="000000"/>
+                      </a:solidFill>
+                      <a:prstDash val="solid"/>
+                      <a:round/>
+                      <a:headEnd type="none" w="med" len="med"/>
+                      <a:tailEnd type="none" w="med" len="med"/>
+                    </a:lnB>
+                    <a:solidFill>
+                      <a:srgbClr val="FFFF00"/>
+                    </a:solidFill>
+                  </a:tcPr>
+                </a:tc>
+                <a:tc>
+                  <a:txBody>
+                    <a:bodyPr/>
+                    <a:lstStyle/>
+                    <a:p>
+                      <a:pPr algn="r" fontAlgn="b"/>
+                      <a:r>
+                        <a:rPr lang="en-US" sz="1100" b="0" i="0" u="none" strike="noStrike">
+                          <a:solidFill>
+                            <a:srgbClr val="000000"/>
+                          </a:solidFill>
+                          <a:effectLst/>
+                          <a:latin typeface="Calibri" panose="020F0502020204030204" pitchFamily="34" charset="0"/>
+                        </a:rPr>
+                        <a:t>0.25</a:t>
+                      </a:r>
+                    </a:p>
+                  </a:txBody>
+                  <a:tcPr marL="9525" marR="9525" marT="9525" marB="0" anchor="b">
+                    <a:lnL w="6350" cap="flat" cmpd="sng" algn="ctr">
+                      <a:solidFill>
+                        <a:srgbClr val="000000"/>
+                      </a:solidFill>
+                      <a:prstDash val="solid"/>
+                      <a:round/>
+                      <a:headEnd type="none" w="med" len="med"/>
+                      <a:tailEnd type="none" w="med" len="med"/>
+                    </a:lnL>
+                    <a:lnR w="6350" cap="flat" cmpd="sng" algn="ctr">
+                      <a:solidFill>
+                        <a:srgbClr val="000000"/>
+                      </a:solidFill>
+                      <a:prstDash val="solid"/>
+                      <a:round/>
+                      <a:headEnd type="none" w="med" len="med"/>
+                      <a:tailEnd type="none" w="med" len="med"/>
+                    </a:lnR>
+                    <a:lnT w="6350" cap="flat" cmpd="sng" algn="ctr">
+                      <a:solidFill>
+                        <a:srgbClr val="000000"/>
+                      </a:solidFill>
+                      <a:prstDash val="solid"/>
+                      <a:round/>
+                      <a:headEnd type="none" w="med" len="med"/>
+                      <a:tailEnd type="none" w="med" len="med"/>
+                    </a:lnT>
+                    <a:lnB w="6350" cap="flat" cmpd="sng" algn="ctr">
+                      <a:solidFill>
+                        <a:srgbClr val="000000"/>
+                      </a:solidFill>
+                      <a:prstDash val="solid"/>
+                      <a:round/>
+                      <a:headEnd type="none" w="med" len="med"/>
+                      <a:tailEnd type="none" w="med" len="med"/>
+                    </a:lnB>
+                  </a:tcPr>
+                </a:tc>
+                <a:tc>
+                  <a:txBody>
+                    <a:bodyPr/>
+                    <a:lstStyle/>
+                    <a:p>
+                      <a:pPr algn="r" fontAlgn="b"/>
+                      <a:r>
+                        <a:rPr lang="en-US" sz="1100" b="0" i="0" u="none" strike="noStrike">
+                          <a:solidFill>
+                            <a:srgbClr val="000000"/>
+                          </a:solidFill>
+                          <a:effectLst/>
+                          <a:latin typeface="Calibri" panose="020F0502020204030204" pitchFamily="34" charset="0"/>
+                        </a:rPr>
+                        <a:t>0.25</a:t>
+                      </a:r>
+                    </a:p>
+                  </a:txBody>
+                  <a:tcPr marL="9525" marR="9525" marT="9525" marB="0" anchor="b">
+                    <a:lnL w="6350" cap="flat" cmpd="sng" algn="ctr">
+                      <a:solidFill>
+                        <a:srgbClr val="000000"/>
+                      </a:solidFill>
+                      <a:prstDash val="solid"/>
+                      <a:round/>
+                      <a:headEnd type="none" w="med" len="med"/>
+                      <a:tailEnd type="none" w="med" len="med"/>
+                    </a:lnL>
+                    <a:lnR w="6350" cap="flat" cmpd="sng" algn="ctr">
+                      <a:solidFill>
+                        <a:srgbClr val="000000"/>
+                      </a:solidFill>
+                      <a:prstDash val="solid"/>
+                      <a:round/>
+                      <a:headEnd type="none" w="med" len="med"/>
+                      <a:tailEnd type="none" w="med" len="med"/>
+                    </a:lnR>
+                    <a:lnT w="6350" cap="flat" cmpd="sng" algn="ctr">
+                      <a:solidFill>
+                        <a:srgbClr val="000000"/>
+                      </a:solidFill>
+                      <a:prstDash val="solid"/>
+                      <a:round/>
+                      <a:headEnd type="none" w="med" len="med"/>
+                      <a:tailEnd type="none" w="med" len="med"/>
+                    </a:lnT>
+                    <a:lnB w="6350" cap="flat" cmpd="sng" algn="ctr">
+                      <a:solidFill>
+                        <a:srgbClr val="000000"/>
+                      </a:solidFill>
+                      <a:prstDash val="solid"/>
+                      <a:round/>
+                      <a:headEnd type="none" w="med" len="med"/>
+                      <a:tailEnd type="none" w="med" len="med"/>
+                    </a:lnB>
+                  </a:tcPr>
+                </a:tc>
+                <a:tc>
+                  <a:txBody>
+                    <a:bodyPr/>
+                    <a:lstStyle/>
+                    <a:p>
+                      <a:pPr algn="r" fontAlgn="b"/>
+                      <a:r>
+                        <a:rPr lang="en-US" sz="1100" b="0" i="0" u="none" strike="noStrike">
+                          <a:solidFill>
+                            <a:srgbClr val="000000"/>
+                          </a:solidFill>
+                          <a:effectLst/>
+                          <a:latin typeface="Calibri" panose="020F0502020204030204" pitchFamily="34" charset="0"/>
+                        </a:rPr>
+                        <a:t>0.25</a:t>
+                      </a:r>
+                    </a:p>
+                  </a:txBody>
+                  <a:tcPr marL="9525" marR="9525" marT="9525" marB="0" anchor="b">
+                    <a:lnL w="6350" cap="flat" cmpd="sng" algn="ctr">
+                      <a:solidFill>
+                        <a:srgbClr val="000000"/>
+                      </a:solidFill>
+                      <a:prstDash val="solid"/>
+                      <a:round/>
+                      <a:headEnd type="none" w="med" len="med"/>
+                      <a:tailEnd type="none" w="med" len="med"/>
+                    </a:lnL>
+                    <a:lnR w="6350" cap="flat" cmpd="sng" algn="ctr">
+                      <a:solidFill>
+                        <a:srgbClr val="000000"/>
+                      </a:solidFill>
+                      <a:prstDash val="solid"/>
+                      <a:round/>
+                      <a:headEnd type="none" w="med" len="med"/>
+                      <a:tailEnd type="none" w="med" len="med"/>
+                    </a:lnR>
+                    <a:lnT w="6350" cap="flat" cmpd="sng" algn="ctr">
+                      <a:solidFill>
+                        <a:srgbClr val="000000"/>
+                      </a:solidFill>
+                      <a:prstDash val="solid"/>
+                      <a:round/>
+                      <a:headEnd type="none" w="med" len="med"/>
+                      <a:tailEnd type="none" w="med" len="med"/>
+                    </a:lnT>
+                    <a:lnB w="6350" cap="flat" cmpd="sng" algn="ctr">
+                      <a:solidFill>
+                        <a:srgbClr val="000000"/>
+                      </a:solidFill>
+                      <a:prstDash val="solid"/>
+                      <a:round/>
+                      <a:headEnd type="none" w="med" len="med"/>
+                      <a:tailEnd type="none" w="med" len="med"/>
+                    </a:lnB>
+                  </a:tcPr>
+                </a:tc>
+              </a:tr>
+              <a:tr h="190500">
+                <a:tc>
+                  <a:txBody>
+                    <a:bodyPr/>
+                    <a:lstStyle/>
+                    <a:p>
+                      <a:pPr algn="l" fontAlgn="b"/>
+                      <a:r>
+                        <a:rPr lang="en-US" sz="1100" b="0" i="0" u="none" strike="noStrike">
+                          <a:solidFill>
+                            <a:srgbClr val="000000"/>
+                          </a:solidFill>
+                          <a:effectLst/>
+                          <a:latin typeface="Calibri" panose="020F0502020204030204" pitchFamily="34" charset="0"/>
+                        </a:rPr>
+                        <a:t>C1</a:t>
+                      </a:r>
+                    </a:p>
+                  </a:txBody>
+                  <a:tcPr marL="9525" marR="9525" marT="9525" marB="0" anchor="b">
+                    <a:lnL w="6350" cap="flat" cmpd="sng" algn="ctr">
+                      <a:solidFill>
+                        <a:srgbClr val="000000"/>
+                      </a:solidFill>
+                      <a:prstDash val="solid"/>
+                      <a:round/>
+                      <a:headEnd type="none" w="med" len="med"/>
+                      <a:tailEnd type="none" w="med" len="med"/>
+                    </a:lnL>
+                    <a:lnR w="6350" cap="flat" cmpd="sng" algn="ctr">
+                      <a:solidFill>
+                        <a:srgbClr val="000000"/>
+                      </a:solidFill>
+                      <a:prstDash val="solid"/>
+                      <a:round/>
+                      <a:headEnd type="none" w="med" len="med"/>
+                      <a:tailEnd type="none" w="med" len="med"/>
+                    </a:lnR>
+                    <a:lnT w="6350" cap="flat" cmpd="sng" algn="ctr">
+                      <a:solidFill>
+                        <a:srgbClr val="000000"/>
+                      </a:solidFill>
+                      <a:prstDash val="solid"/>
+                      <a:round/>
+                      <a:headEnd type="none" w="med" len="med"/>
+                      <a:tailEnd type="none" w="med" len="med"/>
+                    </a:lnT>
+                    <a:lnB w="6350" cap="flat" cmpd="sng" algn="ctr">
+                      <a:solidFill>
+                        <a:srgbClr val="000000"/>
+                      </a:solidFill>
+                      <a:prstDash val="solid"/>
+                      <a:round/>
+                      <a:headEnd type="none" w="med" len="med"/>
+                      <a:tailEnd type="none" w="med" len="med"/>
+                    </a:lnB>
+                    <a:solidFill>
+                      <a:srgbClr val="B4C6E7"/>
+                    </a:solidFill>
+                  </a:tcPr>
+                </a:tc>
+                <a:tc>
+                  <a:txBody>
+                    <a:bodyPr/>
+                    <a:lstStyle/>
+                    <a:p>
+                      <a:pPr algn="r" fontAlgn="b"/>
+                      <a:r>
+                        <a:rPr lang="en-US" sz="1100" b="0" i="0" u="none" strike="noStrike">
+                          <a:solidFill>
+                            <a:srgbClr val="000000"/>
+                          </a:solidFill>
+                          <a:effectLst/>
+                          <a:latin typeface="Calibri" panose="020F0502020204030204" pitchFamily="34" charset="0"/>
+                        </a:rPr>
+                        <a:t>0</a:t>
+                      </a:r>
+                    </a:p>
+                  </a:txBody>
+                  <a:tcPr marL="9525" marR="9525" marT="9525" marB="0" anchor="b">
+                    <a:lnL w="6350" cap="flat" cmpd="sng" algn="ctr">
+                      <a:solidFill>
+                        <a:srgbClr val="000000"/>
+                      </a:solidFill>
+                      <a:prstDash val="solid"/>
+                      <a:round/>
+                      <a:headEnd type="none" w="med" len="med"/>
+                      <a:tailEnd type="none" w="med" len="med"/>
+                    </a:lnL>
+                    <a:lnR w="6350" cap="flat" cmpd="sng" algn="ctr">
+                      <a:solidFill>
+                        <a:srgbClr val="000000"/>
+                      </a:solidFill>
+                      <a:prstDash val="solid"/>
+                      <a:round/>
+                      <a:headEnd type="none" w="med" len="med"/>
+                      <a:tailEnd type="none" w="med" len="med"/>
+                    </a:lnR>
+                    <a:lnT w="6350" cap="flat" cmpd="sng" algn="ctr">
+                      <a:solidFill>
+                        <a:srgbClr val="000000"/>
+                      </a:solidFill>
+                      <a:prstDash val="solid"/>
+                      <a:round/>
+                      <a:headEnd type="none" w="med" len="med"/>
+                      <a:tailEnd type="none" w="med" len="med"/>
+                    </a:lnT>
+                    <a:lnB w="6350" cap="flat" cmpd="sng" algn="ctr">
+                      <a:solidFill>
+                        <a:srgbClr val="000000"/>
+                      </a:solidFill>
+                      <a:prstDash val="solid"/>
+                      <a:round/>
+                      <a:headEnd type="none" w="med" len="med"/>
+                      <a:tailEnd type="none" w="med" len="med"/>
+                    </a:lnB>
+                  </a:tcPr>
+                </a:tc>
+                <a:tc>
+                  <a:txBody>
+                    <a:bodyPr/>
+                    <a:lstStyle/>
+                    <a:p>
+                      <a:pPr algn="r" fontAlgn="b"/>
+                      <a:r>
+                        <a:rPr lang="en-US" sz="1100" b="0" i="0" u="none" strike="noStrike">
+                          <a:solidFill>
+                            <a:srgbClr val="000000"/>
+                          </a:solidFill>
+                          <a:effectLst/>
+                          <a:latin typeface="Calibri" panose="020F0502020204030204" pitchFamily="34" charset="0"/>
+                        </a:rPr>
+                        <a:t>0</a:t>
+                      </a:r>
+                    </a:p>
+                  </a:txBody>
+                  <a:tcPr marL="9525" marR="9525" marT="9525" marB="0" anchor="b">
+                    <a:lnL w="6350" cap="flat" cmpd="sng" algn="ctr">
+                      <a:solidFill>
+                        <a:srgbClr val="000000"/>
+                      </a:solidFill>
+                      <a:prstDash val="solid"/>
+                      <a:round/>
+                      <a:headEnd type="none" w="med" len="med"/>
+                      <a:tailEnd type="none" w="med" len="med"/>
+                    </a:lnL>
+                    <a:lnR w="6350" cap="flat" cmpd="sng" algn="ctr">
+                      <a:solidFill>
+                        <a:srgbClr val="000000"/>
+                      </a:solidFill>
+                      <a:prstDash val="solid"/>
+                      <a:round/>
+                      <a:headEnd type="none" w="med" len="med"/>
+                      <a:tailEnd type="none" w="med" len="med"/>
+                    </a:lnR>
+                    <a:lnT w="6350" cap="flat" cmpd="sng" algn="ctr">
+                      <a:solidFill>
+                        <a:srgbClr val="000000"/>
+                      </a:solidFill>
+                      <a:prstDash val="solid"/>
+                      <a:round/>
+                      <a:headEnd type="none" w="med" len="med"/>
+                      <a:tailEnd type="none" w="med" len="med"/>
+                    </a:lnT>
+                    <a:lnB w="6350" cap="flat" cmpd="sng" algn="ctr">
+                      <a:solidFill>
+                        <a:srgbClr val="000000"/>
+                      </a:solidFill>
+                      <a:prstDash val="solid"/>
+                      <a:round/>
+                      <a:headEnd type="none" w="med" len="med"/>
+                      <a:tailEnd type="none" w="med" len="med"/>
+                    </a:lnB>
+                  </a:tcPr>
+                </a:tc>
+                <a:tc>
+                  <a:txBody>
+                    <a:bodyPr/>
+                    <a:lstStyle/>
+                    <a:p>
+                      <a:pPr algn="r" fontAlgn="b"/>
+                      <a:r>
+                        <a:rPr lang="en-US" sz="1100" b="0" i="0" u="none" strike="noStrike">
+                          <a:solidFill>
+                            <a:srgbClr val="000000"/>
+                          </a:solidFill>
+                          <a:effectLst/>
+                          <a:latin typeface="Calibri" panose="020F0502020204030204" pitchFamily="34" charset="0"/>
+                        </a:rPr>
+                        <a:t>0</a:t>
+                      </a:r>
+                    </a:p>
+                  </a:txBody>
+                  <a:tcPr marL="9525" marR="9525" marT="9525" marB="0" anchor="b">
+                    <a:lnL w="6350" cap="flat" cmpd="sng" algn="ctr">
+                      <a:solidFill>
+                        <a:srgbClr val="000000"/>
+                      </a:solidFill>
+                      <a:prstDash val="solid"/>
+                      <a:round/>
+                      <a:headEnd type="none" w="med" len="med"/>
+                      <a:tailEnd type="none" w="med" len="med"/>
+                    </a:lnL>
+                    <a:lnR w="6350" cap="flat" cmpd="sng" algn="ctr">
+                      <a:solidFill>
+                        <a:srgbClr val="000000"/>
+                      </a:solidFill>
+                      <a:prstDash val="solid"/>
+                      <a:round/>
+                      <a:headEnd type="none" w="med" len="med"/>
+                      <a:tailEnd type="none" w="med" len="med"/>
+                    </a:lnR>
+                    <a:lnT w="6350" cap="flat" cmpd="sng" algn="ctr">
+                      <a:solidFill>
+                        <a:srgbClr val="000000"/>
+                      </a:solidFill>
+                      <a:prstDash val="solid"/>
+                      <a:round/>
+                      <a:headEnd type="none" w="med" len="med"/>
+                      <a:tailEnd type="none" w="med" len="med"/>
+                    </a:lnT>
+                    <a:lnB w="6350" cap="flat" cmpd="sng" algn="ctr">
+                      <a:solidFill>
+                        <a:srgbClr val="000000"/>
+                      </a:solidFill>
+                      <a:prstDash val="solid"/>
+                      <a:round/>
+                      <a:headEnd type="none" w="med" len="med"/>
+                      <a:tailEnd type="none" w="med" len="med"/>
+                    </a:lnB>
+                  </a:tcPr>
+                </a:tc>
+                <a:tc>
+                  <a:txBody>
+                    <a:bodyPr/>
+                    <a:lstStyle/>
+                    <a:p>
+                      <a:pPr algn="r" fontAlgn="b"/>
+                      <a:r>
+                        <a:rPr lang="en-US" sz="1100" b="0" i="0" u="none" strike="noStrike">
+                          <a:solidFill>
+                            <a:srgbClr val="000000"/>
+                          </a:solidFill>
+                          <a:effectLst/>
+                          <a:latin typeface="Calibri" panose="020F0502020204030204" pitchFamily="34" charset="0"/>
+                        </a:rPr>
+                        <a:t>0</a:t>
+                      </a:r>
+                    </a:p>
+                  </a:txBody>
+                  <a:tcPr marL="9525" marR="9525" marT="9525" marB="0" anchor="b">
+                    <a:lnL w="6350" cap="flat" cmpd="sng" algn="ctr">
+                      <a:solidFill>
+                        <a:srgbClr val="000000"/>
+                      </a:solidFill>
+                      <a:prstDash val="solid"/>
+                      <a:round/>
+                      <a:headEnd type="none" w="med" len="med"/>
+                      <a:tailEnd type="none" w="med" len="med"/>
+                    </a:lnL>
+                    <a:lnR w="6350" cap="flat" cmpd="sng" algn="ctr">
+                      <a:solidFill>
+                        <a:srgbClr val="000000"/>
+                      </a:solidFill>
+                      <a:prstDash val="solid"/>
+                      <a:round/>
+                      <a:headEnd type="none" w="med" len="med"/>
+                      <a:tailEnd type="none" w="med" len="med"/>
+                    </a:lnR>
+                    <a:lnT w="6350" cap="flat" cmpd="sng" algn="ctr">
+                      <a:solidFill>
+                        <a:srgbClr val="000000"/>
+                      </a:solidFill>
+                      <a:prstDash val="solid"/>
+                      <a:round/>
+                      <a:headEnd type="none" w="med" len="med"/>
+                      <a:tailEnd type="none" w="med" len="med"/>
+                    </a:lnT>
+                    <a:lnB w="6350" cap="flat" cmpd="sng" algn="ctr">
+                      <a:solidFill>
+                        <a:srgbClr val="000000"/>
+                      </a:solidFill>
+                      <a:prstDash val="solid"/>
+                      <a:round/>
+                      <a:headEnd type="none" w="med" len="med"/>
+                      <a:tailEnd type="none" w="med" len="med"/>
+                    </a:lnB>
+                  </a:tcPr>
+                </a:tc>
+                <a:tc>
+                  <a:txBody>
+                    <a:bodyPr/>
+                    <a:lstStyle/>
+                    <a:p>
+                      <a:pPr algn="r" fontAlgn="b"/>
+                      <a:r>
+                        <a:rPr lang="en-US" sz="1100" b="0" i="0" u="none" strike="noStrike">
+                          <a:solidFill>
+                            <a:srgbClr val="000000"/>
+                          </a:solidFill>
+                          <a:effectLst/>
+                          <a:latin typeface="Calibri" panose="020F0502020204030204" pitchFamily="34" charset="0"/>
+                        </a:rPr>
+                        <a:t>0</a:t>
+                      </a:r>
+                    </a:p>
+                  </a:txBody>
+                  <a:tcPr marL="9525" marR="9525" marT="9525" marB="0" anchor="b">
+                    <a:lnL w="6350" cap="flat" cmpd="sng" algn="ctr">
+                      <a:solidFill>
+                        <a:srgbClr val="000000"/>
+                      </a:solidFill>
+                      <a:prstDash val="solid"/>
+                      <a:round/>
+                      <a:headEnd type="none" w="med" len="med"/>
+                      <a:tailEnd type="none" w="med" len="med"/>
+                    </a:lnL>
+                    <a:lnR w="6350" cap="flat" cmpd="sng" algn="ctr">
+                      <a:solidFill>
+                        <a:srgbClr val="000000"/>
+                      </a:solidFill>
+                      <a:prstDash val="solid"/>
+                      <a:round/>
+                      <a:headEnd type="none" w="med" len="med"/>
+                      <a:tailEnd type="none" w="med" len="med"/>
+                    </a:lnR>
+                    <a:lnT w="6350" cap="flat" cmpd="sng" algn="ctr">
+                      <a:solidFill>
+                        <a:srgbClr val="000000"/>
+                      </a:solidFill>
+                      <a:prstDash val="solid"/>
+                      <a:round/>
+                      <a:headEnd type="none" w="med" len="med"/>
+                      <a:tailEnd type="none" w="med" len="med"/>
+                    </a:lnT>
+                    <a:lnB w="6350" cap="flat" cmpd="sng" algn="ctr">
+                      <a:solidFill>
+                        <a:srgbClr val="000000"/>
+                      </a:solidFill>
+                      <a:prstDash val="solid"/>
+                      <a:round/>
+                      <a:headEnd type="none" w="med" len="med"/>
+                      <a:tailEnd type="none" w="med" len="med"/>
+                    </a:lnB>
+                    <a:solidFill>
+                      <a:srgbClr val="7B7B7B"/>
+                    </a:solidFill>
+                  </a:tcPr>
+                </a:tc>
+                <a:tc>
+                  <a:txBody>
+                    <a:bodyPr/>
+                    <a:lstStyle/>
+                    <a:p>
+                      <a:pPr algn="r" fontAlgn="b"/>
+                      <a:r>
+                        <a:rPr lang="en-US" sz="1100" b="0" i="0" u="none" strike="noStrike">
+                          <a:solidFill>
+                            <a:srgbClr val="000000"/>
+                          </a:solidFill>
+                          <a:effectLst/>
+                          <a:latin typeface="Calibri" panose="020F0502020204030204" pitchFamily="34" charset="0"/>
+                        </a:rPr>
+                        <a:t>0</a:t>
+                      </a:r>
+                    </a:p>
+                  </a:txBody>
+                  <a:tcPr marL="9525" marR="9525" marT="9525" marB="0" anchor="b">
+                    <a:lnL w="6350" cap="flat" cmpd="sng" algn="ctr">
+                      <a:solidFill>
+                        <a:srgbClr val="000000"/>
+                      </a:solidFill>
+                      <a:prstDash val="solid"/>
+                      <a:round/>
+                      <a:headEnd type="none" w="med" len="med"/>
+                      <a:tailEnd type="none" w="med" len="med"/>
+                    </a:lnL>
+                    <a:lnR w="6350" cap="flat" cmpd="sng" algn="ctr">
+                      <a:solidFill>
+                        <a:srgbClr val="000000"/>
+                      </a:solidFill>
+                      <a:prstDash val="solid"/>
+                      <a:round/>
+                      <a:headEnd type="none" w="med" len="med"/>
+                      <a:tailEnd type="none" w="med" len="med"/>
+                    </a:lnR>
+                    <a:lnT w="6350" cap="flat" cmpd="sng" algn="ctr">
+                      <a:solidFill>
+                        <a:srgbClr val="000000"/>
+                      </a:solidFill>
+                      <a:prstDash val="solid"/>
+                      <a:round/>
+                      <a:headEnd type="none" w="med" len="med"/>
+                      <a:tailEnd type="none" w="med" len="med"/>
+                    </a:lnT>
+                    <a:lnB w="6350" cap="flat" cmpd="sng" algn="ctr">
+                      <a:solidFill>
+                        <a:srgbClr val="000000"/>
+                      </a:solidFill>
+                      <a:prstDash val="solid"/>
+                      <a:round/>
+                      <a:headEnd type="none" w="med" len="med"/>
+                      <a:tailEnd type="none" w="med" len="med"/>
+                    </a:lnB>
+                    <a:solidFill>
+                      <a:srgbClr val="7B7B7B"/>
+                    </a:solidFill>
+                  </a:tcPr>
+                </a:tc>
+                <a:tc>
+                  <a:txBody>
+                    <a:bodyPr/>
+                    <a:lstStyle/>
+                    <a:p>
+                      <a:pPr algn="r" fontAlgn="b"/>
+                      <a:r>
+                        <a:rPr lang="en-US" sz="1100" b="0" i="0" u="none" strike="noStrike">
+                          <a:solidFill>
+                            <a:srgbClr val="000000"/>
+                          </a:solidFill>
+                          <a:effectLst/>
+                          <a:latin typeface="Calibri" panose="020F0502020204030204" pitchFamily="34" charset="0"/>
+                        </a:rPr>
+                        <a:t>0</a:t>
+                      </a:r>
+                    </a:p>
+                  </a:txBody>
+                  <a:tcPr marL="9525" marR="9525" marT="9525" marB="0" anchor="b">
+                    <a:lnL w="6350" cap="flat" cmpd="sng" algn="ctr">
+                      <a:solidFill>
+                        <a:srgbClr val="000000"/>
+                      </a:solidFill>
+                      <a:prstDash val="solid"/>
+                      <a:round/>
+                      <a:headEnd type="none" w="med" len="med"/>
+                      <a:tailEnd type="none" w="med" len="med"/>
+                    </a:lnL>
+                    <a:lnR w="6350" cap="flat" cmpd="sng" algn="ctr">
+                      <a:solidFill>
+                        <a:srgbClr val="000000"/>
+                      </a:solidFill>
+                      <a:prstDash val="solid"/>
+                      <a:round/>
+                      <a:headEnd type="none" w="med" len="med"/>
+                      <a:tailEnd type="none" w="med" len="med"/>
+                    </a:lnR>
+                    <a:lnT w="6350" cap="flat" cmpd="sng" algn="ctr">
+                      <a:solidFill>
+                        <a:srgbClr val="000000"/>
+                      </a:solidFill>
+                      <a:prstDash val="solid"/>
+                      <a:round/>
+                      <a:headEnd type="none" w="med" len="med"/>
+                      <a:tailEnd type="none" w="med" len="med"/>
+                    </a:lnT>
+                    <a:lnB w="6350" cap="flat" cmpd="sng" algn="ctr">
+                      <a:solidFill>
+                        <a:srgbClr val="000000"/>
+                      </a:solidFill>
+                      <a:prstDash val="solid"/>
+                      <a:round/>
+                      <a:headEnd type="none" w="med" len="med"/>
+                      <a:tailEnd type="none" w="med" len="med"/>
+                    </a:lnB>
+                    <a:solidFill>
+                      <a:srgbClr val="7B7B7B"/>
+                    </a:solidFill>
+                  </a:tcPr>
+                </a:tc>
+                <a:tc>
+                  <a:txBody>
+                    <a:bodyPr/>
+                    <a:lstStyle/>
+                    <a:p>
+                      <a:pPr algn="r" fontAlgn="b"/>
+                      <a:r>
+                        <a:rPr lang="en-US" sz="1100" b="0" i="0" u="none" strike="noStrike">
+                          <a:solidFill>
+                            <a:srgbClr val="000000"/>
+                          </a:solidFill>
+                          <a:effectLst/>
+                          <a:latin typeface="Calibri" panose="020F0502020204030204" pitchFamily="34" charset="0"/>
+                        </a:rPr>
+                        <a:t>0</a:t>
+                      </a:r>
+                    </a:p>
+                  </a:txBody>
+                  <a:tcPr marL="9525" marR="9525" marT="9525" marB="0" anchor="b">
+                    <a:lnL w="6350" cap="flat" cmpd="sng" algn="ctr">
+                      <a:solidFill>
+                        <a:srgbClr val="000000"/>
+                      </a:solidFill>
+                      <a:prstDash val="solid"/>
+                      <a:round/>
+                      <a:headEnd type="none" w="med" len="med"/>
+                      <a:tailEnd type="none" w="med" len="med"/>
+                    </a:lnL>
+                    <a:lnR w="6350" cap="flat" cmpd="sng" algn="ctr">
+                      <a:solidFill>
+                        <a:srgbClr val="000000"/>
+                      </a:solidFill>
+                      <a:prstDash val="solid"/>
+                      <a:round/>
+                      <a:headEnd type="none" w="med" len="med"/>
+                      <a:tailEnd type="none" w="med" len="med"/>
+                    </a:lnR>
+                    <a:lnT w="6350" cap="flat" cmpd="sng" algn="ctr">
+                      <a:solidFill>
+                        <a:srgbClr val="000000"/>
+                      </a:solidFill>
+                      <a:prstDash val="solid"/>
+                      <a:round/>
+                      <a:headEnd type="none" w="med" len="med"/>
+                      <a:tailEnd type="none" w="med" len="med"/>
+                    </a:lnT>
+                    <a:lnB w="6350" cap="flat" cmpd="sng" algn="ctr">
+                      <a:solidFill>
+                        <a:srgbClr val="000000"/>
+                      </a:solidFill>
+                      <a:prstDash val="solid"/>
+                      <a:round/>
+                      <a:headEnd type="none" w="med" len="med"/>
+                      <a:tailEnd type="none" w="med" len="med"/>
+                    </a:lnB>
+                    <a:solidFill>
+                      <a:srgbClr val="7B7B7B"/>
+                    </a:solidFill>
+                  </a:tcPr>
+                </a:tc>
+              </a:tr>
+              <a:tr h="190500">
+                <a:tc>
+                  <a:txBody>
+                    <a:bodyPr/>
+                    <a:lstStyle/>
+                    <a:p>
+                      <a:pPr algn="l" fontAlgn="b"/>
+                      <a:r>
+                        <a:rPr lang="en-US" sz="1100" b="0" i="0" u="none" strike="noStrike">
+                          <a:solidFill>
+                            <a:srgbClr val="000000"/>
+                          </a:solidFill>
+                          <a:effectLst/>
+                          <a:latin typeface="Calibri" panose="020F0502020204030204" pitchFamily="34" charset="0"/>
+                        </a:rPr>
+                        <a:t>C2</a:t>
+                      </a:r>
+                    </a:p>
+                  </a:txBody>
+                  <a:tcPr marL="9525" marR="9525" marT="9525" marB="0" anchor="b">
+                    <a:lnL w="6350" cap="flat" cmpd="sng" algn="ctr">
+                      <a:solidFill>
+                        <a:srgbClr val="000000"/>
+                      </a:solidFill>
+                      <a:prstDash val="solid"/>
+                      <a:round/>
+                      <a:headEnd type="none" w="med" len="med"/>
+                      <a:tailEnd type="none" w="med" len="med"/>
+                    </a:lnL>
+                    <a:lnR w="6350" cap="flat" cmpd="sng" algn="ctr">
+                      <a:solidFill>
+                        <a:srgbClr val="000000"/>
+                      </a:solidFill>
+                      <a:prstDash val="solid"/>
+                      <a:round/>
+                      <a:headEnd type="none" w="med" len="med"/>
+                      <a:tailEnd type="none" w="med" len="med"/>
+                    </a:lnR>
+                    <a:lnT w="6350" cap="flat" cmpd="sng" algn="ctr">
+                      <a:solidFill>
+                        <a:srgbClr val="000000"/>
+                      </a:solidFill>
+                      <a:prstDash val="solid"/>
+                      <a:round/>
+                      <a:headEnd type="none" w="med" len="med"/>
+                      <a:tailEnd type="none" w="med" len="med"/>
+                    </a:lnT>
+                    <a:lnB w="6350" cap="flat" cmpd="sng" algn="ctr">
+                      <a:solidFill>
+                        <a:srgbClr val="000000"/>
+                      </a:solidFill>
+                      <a:prstDash val="solid"/>
+                      <a:round/>
+                      <a:headEnd type="none" w="med" len="med"/>
+                      <a:tailEnd type="none" w="med" len="med"/>
+                    </a:lnB>
+                    <a:solidFill>
+                      <a:srgbClr val="B4C6E7"/>
+                    </a:solidFill>
+                  </a:tcPr>
+                </a:tc>
+                <a:tc>
+                  <a:txBody>
+                    <a:bodyPr/>
+                    <a:lstStyle/>
+                    <a:p>
+                      <a:pPr algn="r" fontAlgn="b"/>
+                      <a:r>
+                        <a:rPr lang="en-US" sz="1100" b="0" i="0" u="none" strike="noStrike">
+                          <a:solidFill>
+                            <a:srgbClr val="000000"/>
+                          </a:solidFill>
+                          <a:effectLst/>
+                          <a:latin typeface="Calibri" panose="020F0502020204030204" pitchFamily="34" charset="0"/>
+                        </a:rPr>
+                        <a:t>0</a:t>
+                      </a:r>
+                    </a:p>
+                  </a:txBody>
+                  <a:tcPr marL="9525" marR="9525" marT="9525" marB="0" anchor="b">
+                    <a:lnL w="6350" cap="flat" cmpd="sng" algn="ctr">
+                      <a:solidFill>
+                        <a:srgbClr val="000000"/>
+                      </a:solidFill>
+                      <a:prstDash val="solid"/>
+                      <a:round/>
+                      <a:headEnd type="none" w="med" len="med"/>
+                      <a:tailEnd type="none" w="med" len="med"/>
+                    </a:lnL>
+                    <a:lnR w="6350" cap="flat" cmpd="sng" algn="ctr">
+                      <a:solidFill>
+                        <a:srgbClr val="000000"/>
+                      </a:solidFill>
+                      <a:prstDash val="solid"/>
+                      <a:round/>
+                      <a:headEnd type="none" w="med" len="med"/>
+                      <a:tailEnd type="none" w="med" len="med"/>
+                    </a:lnR>
+                    <a:lnT w="6350" cap="flat" cmpd="sng" algn="ctr">
+                      <a:solidFill>
+                        <a:srgbClr val="000000"/>
+                      </a:solidFill>
+                      <a:prstDash val="solid"/>
+                      <a:round/>
+                      <a:headEnd type="none" w="med" len="med"/>
+                      <a:tailEnd type="none" w="med" len="med"/>
+                    </a:lnT>
+                    <a:lnB w="6350" cap="flat" cmpd="sng" algn="ctr">
+                      <a:solidFill>
+                        <a:srgbClr val="000000"/>
+                      </a:solidFill>
+                      <a:prstDash val="solid"/>
+                      <a:round/>
+                      <a:headEnd type="none" w="med" len="med"/>
+                      <a:tailEnd type="none" w="med" len="med"/>
+                    </a:lnB>
+                  </a:tcPr>
+                </a:tc>
+                <a:tc>
+                  <a:txBody>
+                    <a:bodyPr/>
+                    <a:lstStyle/>
+                    <a:p>
+                      <a:pPr algn="r" fontAlgn="b"/>
+                      <a:r>
+                        <a:rPr lang="en-US" sz="1100" b="0" i="0" u="none" strike="noStrike">
+                          <a:solidFill>
+                            <a:srgbClr val="000000"/>
+                          </a:solidFill>
+                          <a:effectLst/>
+                          <a:latin typeface="Calibri" panose="020F0502020204030204" pitchFamily="34" charset="0"/>
+                        </a:rPr>
+                        <a:t>0</a:t>
+                      </a:r>
+                    </a:p>
+                  </a:txBody>
+                  <a:tcPr marL="9525" marR="9525" marT="9525" marB="0" anchor="b">
+                    <a:lnL w="6350" cap="flat" cmpd="sng" algn="ctr">
+                      <a:solidFill>
+                        <a:srgbClr val="000000"/>
+                      </a:solidFill>
+                      <a:prstDash val="solid"/>
+                      <a:round/>
+                      <a:headEnd type="none" w="med" len="med"/>
+                      <a:tailEnd type="none" w="med" len="med"/>
+                    </a:lnL>
+                    <a:lnR w="6350" cap="flat" cmpd="sng" algn="ctr">
+                      <a:solidFill>
+                        <a:srgbClr val="000000"/>
+                      </a:solidFill>
+                      <a:prstDash val="solid"/>
+                      <a:round/>
+                      <a:headEnd type="none" w="med" len="med"/>
+                      <a:tailEnd type="none" w="med" len="med"/>
+                    </a:lnR>
+                    <a:lnT w="6350" cap="flat" cmpd="sng" algn="ctr">
+                      <a:solidFill>
+                        <a:srgbClr val="000000"/>
+                      </a:solidFill>
+                      <a:prstDash val="solid"/>
+                      <a:round/>
+                      <a:headEnd type="none" w="med" len="med"/>
+                      <a:tailEnd type="none" w="med" len="med"/>
+                    </a:lnT>
+                    <a:lnB w="6350" cap="flat" cmpd="sng" algn="ctr">
+                      <a:solidFill>
+                        <a:srgbClr val="000000"/>
+                      </a:solidFill>
+                      <a:prstDash val="solid"/>
+                      <a:round/>
+                      <a:headEnd type="none" w="med" len="med"/>
+                      <a:tailEnd type="none" w="med" len="med"/>
+                    </a:lnB>
+                  </a:tcPr>
+                </a:tc>
+                <a:tc>
+                  <a:txBody>
+                    <a:bodyPr/>
+                    <a:lstStyle/>
+                    <a:p>
+                      <a:pPr algn="r" fontAlgn="b"/>
+                      <a:r>
+                        <a:rPr lang="en-US" sz="1100" b="0" i="0" u="none" strike="noStrike">
+                          <a:solidFill>
+                            <a:srgbClr val="000000"/>
+                          </a:solidFill>
+                          <a:effectLst/>
+                          <a:latin typeface="Calibri" panose="020F0502020204030204" pitchFamily="34" charset="0"/>
+                        </a:rPr>
+                        <a:t>0</a:t>
+                      </a:r>
+                    </a:p>
+                  </a:txBody>
+                  <a:tcPr marL="9525" marR="9525" marT="9525" marB="0" anchor="b">
+                    <a:lnL w="6350" cap="flat" cmpd="sng" algn="ctr">
+                      <a:solidFill>
+                        <a:srgbClr val="000000"/>
+                      </a:solidFill>
+                      <a:prstDash val="solid"/>
+                      <a:round/>
+                      <a:headEnd type="none" w="med" len="med"/>
+                      <a:tailEnd type="none" w="med" len="med"/>
+                    </a:lnL>
+                    <a:lnR w="6350" cap="flat" cmpd="sng" algn="ctr">
+                      <a:solidFill>
+                        <a:srgbClr val="000000"/>
+                      </a:solidFill>
+                      <a:prstDash val="solid"/>
+                      <a:round/>
+                      <a:headEnd type="none" w="med" len="med"/>
+                      <a:tailEnd type="none" w="med" len="med"/>
+                    </a:lnR>
+                    <a:lnT w="6350" cap="flat" cmpd="sng" algn="ctr">
+                      <a:solidFill>
+                        <a:srgbClr val="000000"/>
+                      </a:solidFill>
+                      <a:prstDash val="solid"/>
+                      <a:round/>
+                      <a:headEnd type="none" w="med" len="med"/>
+                      <a:tailEnd type="none" w="med" len="med"/>
+                    </a:lnT>
+                    <a:lnB w="6350" cap="flat" cmpd="sng" algn="ctr">
+                      <a:solidFill>
+                        <a:srgbClr val="000000"/>
+                      </a:solidFill>
+                      <a:prstDash val="solid"/>
+                      <a:round/>
+                      <a:headEnd type="none" w="med" len="med"/>
+                      <a:tailEnd type="none" w="med" len="med"/>
+                    </a:lnB>
+                  </a:tcPr>
+                </a:tc>
+                <a:tc>
+                  <a:txBody>
+                    <a:bodyPr/>
+                    <a:lstStyle/>
+                    <a:p>
+                      <a:pPr algn="r" fontAlgn="b"/>
+                      <a:r>
+                        <a:rPr lang="en-US" sz="1100" b="0" i="0" u="none" strike="noStrike">
+                          <a:solidFill>
+                            <a:srgbClr val="000000"/>
+                          </a:solidFill>
+                          <a:effectLst/>
+                          <a:latin typeface="Calibri" panose="020F0502020204030204" pitchFamily="34" charset="0"/>
+                        </a:rPr>
+                        <a:t>0</a:t>
+                      </a:r>
+                    </a:p>
+                  </a:txBody>
+                  <a:tcPr marL="9525" marR="9525" marT="9525" marB="0" anchor="b">
+                    <a:lnL w="6350" cap="flat" cmpd="sng" algn="ctr">
+                      <a:solidFill>
+                        <a:srgbClr val="000000"/>
+                      </a:solidFill>
+                      <a:prstDash val="solid"/>
+                      <a:round/>
+                      <a:headEnd type="none" w="med" len="med"/>
+                      <a:tailEnd type="none" w="med" len="med"/>
+                    </a:lnL>
+                    <a:lnR w="6350" cap="flat" cmpd="sng" algn="ctr">
+                      <a:solidFill>
+                        <a:srgbClr val="000000"/>
+                      </a:solidFill>
+                      <a:prstDash val="solid"/>
+                      <a:round/>
+                      <a:headEnd type="none" w="med" len="med"/>
+                      <a:tailEnd type="none" w="med" len="med"/>
+                    </a:lnR>
+                    <a:lnT w="6350" cap="flat" cmpd="sng" algn="ctr">
+                      <a:solidFill>
+                        <a:srgbClr val="000000"/>
+                      </a:solidFill>
+                      <a:prstDash val="solid"/>
+                      <a:round/>
+                      <a:headEnd type="none" w="med" len="med"/>
+                      <a:tailEnd type="none" w="med" len="med"/>
+                    </a:lnT>
+                    <a:lnB w="6350" cap="flat" cmpd="sng" algn="ctr">
+                      <a:solidFill>
+                        <a:srgbClr val="000000"/>
+                      </a:solidFill>
+                      <a:prstDash val="solid"/>
+                      <a:round/>
+                      <a:headEnd type="none" w="med" len="med"/>
+                      <a:tailEnd type="none" w="med" len="med"/>
+                    </a:lnB>
+                  </a:tcPr>
+                </a:tc>
+                <a:tc>
+                  <a:txBody>
+                    <a:bodyPr/>
+                    <a:lstStyle/>
+                    <a:p>
+                      <a:pPr algn="r" fontAlgn="b"/>
+                      <a:r>
+                        <a:rPr lang="en-US" sz="1100" b="0" i="0" u="none" strike="noStrike">
+                          <a:solidFill>
+                            <a:srgbClr val="000000"/>
+                          </a:solidFill>
+                          <a:effectLst/>
+                          <a:latin typeface="Calibri" panose="020F0502020204030204" pitchFamily="34" charset="0"/>
+                        </a:rPr>
+                        <a:t>0</a:t>
+                      </a:r>
+                    </a:p>
+                  </a:txBody>
+                  <a:tcPr marL="9525" marR="9525" marT="9525" marB="0" anchor="b">
+                    <a:lnL w="6350" cap="flat" cmpd="sng" algn="ctr">
+                      <a:solidFill>
+                        <a:srgbClr val="000000"/>
+                      </a:solidFill>
+                      <a:prstDash val="solid"/>
+                      <a:round/>
+                      <a:headEnd type="none" w="med" len="med"/>
+                      <a:tailEnd type="none" w="med" len="med"/>
+                    </a:lnL>
+                    <a:lnR w="6350" cap="flat" cmpd="sng" algn="ctr">
+                      <a:solidFill>
+                        <a:srgbClr val="000000"/>
+                      </a:solidFill>
+                      <a:prstDash val="solid"/>
+                      <a:round/>
+                      <a:headEnd type="none" w="med" len="med"/>
+                      <a:tailEnd type="none" w="med" len="med"/>
+                    </a:lnR>
+                    <a:lnT w="6350" cap="flat" cmpd="sng" algn="ctr">
+                      <a:solidFill>
+                        <a:srgbClr val="000000"/>
+                      </a:solidFill>
+                      <a:prstDash val="solid"/>
+                      <a:round/>
+                      <a:headEnd type="none" w="med" len="med"/>
+                      <a:tailEnd type="none" w="med" len="med"/>
+                    </a:lnT>
+                    <a:lnB w="6350" cap="flat" cmpd="sng" algn="ctr">
+                      <a:solidFill>
+                        <a:srgbClr val="000000"/>
+                      </a:solidFill>
+                      <a:prstDash val="solid"/>
+                      <a:round/>
+                      <a:headEnd type="none" w="med" len="med"/>
+                      <a:tailEnd type="none" w="med" len="med"/>
+                    </a:lnB>
+                    <a:solidFill>
+                      <a:srgbClr val="7B7B7B"/>
+                    </a:solidFill>
+                  </a:tcPr>
+                </a:tc>
+                <a:tc>
+                  <a:txBody>
+                    <a:bodyPr/>
+                    <a:lstStyle/>
+                    <a:p>
+                      <a:pPr algn="r" fontAlgn="b"/>
+                      <a:r>
+                        <a:rPr lang="en-US" sz="1100" b="0" i="0" u="none" strike="noStrike">
+                          <a:solidFill>
+                            <a:srgbClr val="000000"/>
+                          </a:solidFill>
+                          <a:effectLst/>
+                          <a:latin typeface="Calibri" panose="020F0502020204030204" pitchFamily="34" charset="0"/>
+                        </a:rPr>
+                        <a:t>0</a:t>
+                      </a:r>
+                    </a:p>
+                  </a:txBody>
+                  <a:tcPr marL="9525" marR="9525" marT="9525" marB="0" anchor="b">
+                    <a:lnL w="6350" cap="flat" cmpd="sng" algn="ctr">
+                      <a:solidFill>
+                        <a:srgbClr val="000000"/>
+                      </a:solidFill>
+                      <a:prstDash val="solid"/>
+                      <a:round/>
+                      <a:headEnd type="none" w="med" len="med"/>
+                      <a:tailEnd type="none" w="med" len="med"/>
+                    </a:lnL>
+                    <a:lnR w="6350" cap="flat" cmpd="sng" algn="ctr">
+                      <a:solidFill>
+                        <a:srgbClr val="000000"/>
+                      </a:solidFill>
+                      <a:prstDash val="solid"/>
+                      <a:round/>
+                      <a:headEnd type="none" w="med" len="med"/>
+                      <a:tailEnd type="none" w="med" len="med"/>
+                    </a:lnR>
+                    <a:lnT w="6350" cap="flat" cmpd="sng" algn="ctr">
+                      <a:solidFill>
+                        <a:srgbClr val="000000"/>
+                      </a:solidFill>
+                      <a:prstDash val="solid"/>
+                      <a:round/>
+                      <a:headEnd type="none" w="med" len="med"/>
+                      <a:tailEnd type="none" w="med" len="med"/>
+                    </a:lnT>
+                    <a:lnB w="6350" cap="flat" cmpd="sng" algn="ctr">
+                      <a:solidFill>
+                        <a:srgbClr val="000000"/>
+                      </a:solidFill>
+                      <a:prstDash val="solid"/>
+                      <a:round/>
+                      <a:headEnd type="none" w="med" len="med"/>
+                      <a:tailEnd type="none" w="med" len="med"/>
+                    </a:lnB>
+                    <a:solidFill>
+                      <a:srgbClr val="7B7B7B"/>
+                    </a:solidFill>
+                  </a:tcPr>
+                </a:tc>
+                <a:tc>
+                  <a:txBody>
+                    <a:bodyPr/>
+                    <a:lstStyle/>
+                    <a:p>
+                      <a:pPr algn="r" fontAlgn="b"/>
+                      <a:r>
+                        <a:rPr lang="en-US" sz="1100" b="0" i="0" u="none" strike="noStrike">
+                          <a:solidFill>
+                            <a:srgbClr val="000000"/>
+                          </a:solidFill>
+                          <a:effectLst/>
+                          <a:latin typeface="Calibri" panose="020F0502020204030204" pitchFamily="34" charset="0"/>
+                        </a:rPr>
+                        <a:t>0</a:t>
+                      </a:r>
+                    </a:p>
+                  </a:txBody>
+                  <a:tcPr marL="9525" marR="9525" marT="9525" marB="0" anchor="b">
+                    <a:lnL w="6350" cap="flat" cmpd="sng" algn="ctr">
+                      <a:solidFill>
+                        <a:srgbClr val="000000"/>
+                      </a:solidFill>
+                      <a:prstDash val="solid"/>
+                      <a:round/>
+                      <a:headEnd type="none" w="med" len="med"/>
+                      <a:tailEnd type="none" w="med" len="med"/>
+                    </a:lnL>
+                    <a:lnR w="6350" cap="flat" cmpd="sng" algn="ctr">
+                      <a:solidFill>
+                        <a:srgbClr val="000000"/>
+                      </a:solidFill>
+                      <a:prstDash val="solid"/>
+                      <a:round/>
+                      <a:headEnd type="none" w="med" len="med"/>
+                      <a:tailEnd type="none" w="med" len="med"/>
+                    </a:lnR>
+                    <a:lnT w="6350" cap="flat" cmpd="sng" algn="ctr">
+                      <a:solidFill>
+                        <a:srgbClr val="000000"/>
+                      </a:solidFill>
+                      <a:prstDash val="solid"/>
+                      <a:round/>
+                      <a:headEnd type="none" w="med" len="med"/>
+                      <a:tailEnd type="none" w="med" len="med"/>
+                    </a:lnT>
+                    <a:lnB w="6350" cap="flat" cmpd="sng" algn="ctr">
+                      <a:solidFill>
+                        <a:srgbClr val="000000"/>
+                      </a:solidFill>
+                      <a:prstDash val="solid"/>
+                      <a:round/>
+                      <a:headEnd type="none" w="med" len="med"/>
+                      <a:tailEnd type="none" w="med" len="med"/>
+                    </a:lnB>
+                    <a:solidFill>
+                      <a:srgbClr val="7B7B7B"/>
+                    </a:solidFill>
+                  </a:tcPr>
+                </a:tc>
+                <a:tc>
+                  <a:txBody>
+                    <a:bodyPr/>
+                    <a:lstStyle/>
+                    <a:p>
+                      <a:pPr algn="r" fontAlgn="b"/>
+                      <a:r>
+                        <a:rPr lang="en-US" sz="1100" b="0" i="0" u="none" strike="noStrike">
+                          <a:solidFill>
+                            <a:srgbClr val="000000"/>
+                          </a:solidFill>
+                          <a:effectLst/>
+                          <a:latin typeface="Calibri" panose="020F0502020204030204" pitchFamily="34" charset="0"/>
+                        </a:rPr>
+                        <a:t>0</a:t>
+                      </a:r>
+                    </a:p>
+                  </a:txBody>
+                  <a:tcPr marL="9525" marR="9525" marT="9525" marB="0" anchor="b">
+                    <a:lnL w="6350" cap="flat" cmpd="sng" algn="ctr">
+                      <a:solidFill>
+                        <a:srgbClr val="000000"/>
+                      </a:solidFill>
+                      <a:prstDash val="solid"/>
+                      <a:round/>
+                      <a:headEnd type="none" w="med" len="med"/>
+                      <a:tailEnd type="none" w="med" len="med"/>
+                    </a:lnL>
+                    <a:lnR w="6350" cap="flat" cmpd="sng" algn="ctr">
+                      <a:solidFill>
+                        <a:srgbClr val="000000"/>
+                      </a:solidFill>
+                      <a:prstDash val="solid"/>
+                      <a:round/>
+                      <a:headEnd type="none" w="med" len="med"/>
+                      <a:tailEnd type="none" w="med" len="med"/>
+                    </a:lnR>
+                    <a:lnT w="6350" cap="flat" cmpd="sng" algn="ctr">
+                      <a:solidFill>
+                        <a:srgbClr val="000000"/>
+                      </a:solidFill>
+                      <a:prstDash val="solid"/>
+                      <a:round/>
+                      <a:headEnd type="none" w="med" len="med"/>
+                      <a:tailEnd type="none" w="med" len="med"/>
+                    </a:lnT>
+                    <a:lnB w="6350" cap="flat" cmpd="sng" algn="ctr">
+                      <a:solidFill>
+                        <a:srgbClr val="000000"/>
+                      </a:solidFill>
+                      <a:prstDash val="solid"/>
+                      <a:round/>
+                      <a:headEnd type="none" w="med" len="med"/>
+                      <a:tailEnd type="none" w="med" len="med"/>
+                    </a:lnB>
+                    <a:solidFill>
+                      <a:srgbClr val="7B7B7B"/>
+                    </a:solidFill>
+                  </a:tcPr>
+                </a:tc>
+              </a:tr>
+              <a:tr h="190500">
+                <a:tc>
+                  <a:txBody>
+                    <a:bodyPr/>
+                    <a:lstStyle/>
+                    <a:p>
+                      <a:pPr algn="l" fontAlgn="b"/>
+                      <a:r>
+                        <a:rPr lang="en-US" sz="1100" b="0" i="0" u="none" strike="noStrike">
+                          <a:solidFill>
+                            <a:srgbClr val="000000"/>
+                          </a:solidFill>
+                          <a:effectLst/>
+                          <a:latin typeface="Calibri" panose="020F0502020204030204" pitchFamily="34" charset="0"/>
+                        </a:rPr>
+                        <a:t>C3</a:t>
+                      </a:r>
+                    </a:p>
+                  </a:txBody>
+                  <a:tcPr marL="9525" marR="9525" marT="9525" marB="0" anchor="b">
+                    <a:lnL w="6350" cap="flat" cmpd="sng" algn="ctr">
+                      <a:solidFill>
+                        <a:srgbClr val="000000"/>
+                      </a:solidFill>
+                      <a:prstDash val="solid"/>
+                      <a:round/>
+                      <a:headEnd type="none" w="med" len="med"/>
+                      <a:tailEnd type="none" w="med" len="med"/>
+                    </a:lnL>
+                    <a:lnR w="6350" cap="flat" cmpd="sng" algn="ctr">
+                      <a:solidFill>
+                        <a:srgbClr val="000000"/>
+                      </a:solidFill>
+                      <a:prstDash val="solid"/>
+                      <a:round/>
+                      <a:headEnd type="none" w="med" len="med"/>
+                      <a:tailEnd type="none" w="med" len="med"/>
+                    </a:lnR>
+                    <a:lnT w="6350" cap="flat" cmpd="sng" algn="ctr">
+                      <a:solidFill>
+                        <a:srgbClr val="000000"/>
+                      </a:solidFill>
+                      <a:prstDash val="solid"/>
+                      <a:round/>
+                      <a:headEnd type="none" w="med" len="med"/>
+                      <a:tailEnd type="none" w="med" len="med"/>
+                    </a:lnT>
+                    <a:lnB w="6350" cap="flat" cmpd="sng" algn="ctr">
+                      <a:solidFill>
+                        <a:srgbClr val="000000"/>
+                      </a:solidFill>
+                      <a:prstDash val="solid"/>
+                      <a:round/>
+                      <a:headEnd type="none" w="med" len="med"/>
+                      <a:tailEnd type="none" w="med" len="med"/>
+                    </a:lnB>
+                    <a:solidFill>
+                      <a:srgbClr val="B4C6E7"/>
+                    </a:solidFill>
+                  </a:tcPr>
+                </a:tc>
+                <a:tc>
+                  <a:txBody>
+                    <a:bodyPr/>
+                    <a:lstStyle/>
+                    <a:p>
+                      <a:pPr algn="r" fontAlgn="b"/>
+                      <a:r>
+                        <a:rPr lang="en-US" sz="1100" b="0" i="0" u="none" strike="noStrike">
+                          <a:solidFill>
+                            <a:srgbClr val="000000"/>
+                          </a:solidFill>
+                          <a:effectLst/>
+                          <a:latin typeface="Calibri" panose="020F0502020204030204" pitchFamily="34" charset="0"/>
+                        </a:rPr>
+                        <a:t>0</a:t>
+                      </a:r>
+                    </a:p>
+                  </a:txBody>
+                  <a:tcPr marL="9525" marR="9525" marT="9525" marB="0" anchor="b">
+                    <a:lnL w="6350" cap="flat" cmpd="sng" algn="ctr">
+                      <a:solidFill>
+                        <a:srgbClr val="000000"/>
+                      </a:solidFill>
+                      <a:prstDash val="solid"/>
+                      <a:round/>
+                      <a:headEnd type="none" w="med" len="med"/>
+                      <a:tailEnd type="none" w="med" len="med"/>
+                    </a:lnL>
+                    <a:lnR w="6350" cap="flat" cmpd="sng" algn="ctr">
+                      <a:solidFill>
+                        <a:srgbClr val="000000"/>
+                      </a:solidFill>
+                      <a:prstDash val="solid"/>
+                      <a:round/>
+                      <a:headEnd type="none" w="med" len="med"/>
+                      <a:tailEnd type="none" w="med" len="med"/>
+                    </a:lnR>
+                    <a:lnT w="6350" cap="flat" cmpd="sng" algn="ctr">
+                      <a:solidFill>
+                        <a:srgbClr val="000000"/>
+                      </a:solidFill>
+                      <a:prstDash val="solid"/>
+                      <a:round/>
+                      <a:headEnd type="none" w="med" len="med"/>
+                      <a:tailEnd type="none" w="med" len="med"/>
+                    </a:lnT>
+                    <a:lnB w="6350" cap="flat" cmpd="sng" algn="ctr">
+                      <a:solidFill>
+                        <a:srgbClr val="000000"/>
+                      </a:solidFill>
+                      <a:prstDash val="solid"/>
+                      <a:round/>
+                      <a:headEnd type="none" w="med" len="med"/>
+                      <a:tailEnd type="none" w="med" len="med"/>
+                    </a:lnB>
+                  </a:tcPr>
+                </a:tc>
+                <a:tc>
+                  <a:txBody>
+                    <a:bodyPr/>
+                    <a:lstStyle/>
+                    <a:p>
+                      <a:pPr algn="r" fontAlgn="b"/>
+                      <a:r>
+                        <a:rPr lang="en-US" sz="1100" b="0" i="0" u="none" strike="noStrike">
+                          <a:solidFill>
+                            <a:srgbClr val="000000"/>
+                          </a:solidFill>
+                          <a:effectLst/>
+                          <a:latin typeface="Calibri" panose="020F0502020204030204" pitchFamily="34" charset="0"/>
+                        </a:rPr>
+                        <a:t>0</a:t>
+                      </a:r>
+                    </a:p>
+                  </a:txBody>
+                  <a:tcPr marL="9525" marR="9525" marT="9525" marB="0" anchor="b">
+                    <a:lnL w="6350" cap="flat" cmpd="sng" algn="ctr">
+                      <a:solidFill>
+                        <a:srgbClr val="000000"/>
+                      </a:solidFill>
+                      <a:prstDash val="solid"/>
+                      <a:round/>
+                      <a:headEnd type="none" w="med" len="med"/>
+                      <a:tailEnd type="none" w="med" len="med"/>
+                    </a:lnL>
+                    <a:lnR w="6350" cap="flat" cmpd="sng" algn="ctr">
+                      <a:solidFill>
+                        <a:srgbClr val="000000"/>
+                      </a:solidFill>
+                      <a:prstDash val="solid"/>
+                      <a:round/>
+                      <a:headEnd type="none" w="med" len="med"/>
+                      <a:tailEnd type="none" w="med" len="med"/>
+                    </a:lnR>
+                    <a:lnT w="6350" cap="flat" cmpd="sng" algn="ctr">
+                      <a:solidFill>
+                        <a:srgbClr val="000000"/>
+                      </a:solidFill>
+                      <a:prstDash val="solid"/>
+                      <a:round/>
+                      <a:headEnd type="none" w="med" len="med"/>
+                      <a:tailEnd type="none" w="med" len="med"/>
+                    </a:lnT>
+                    <a:lnB w="6350" cap="flat" cmpd="sng" algn="ctr">
+                      <a:solidFill>
+                        <a:srgbClr val="000000"/>
+                      </a:solidFill>
+                      <a:prstDash val="solid"/>
+                      <a:round/>
+                      <a:headEnd type="none" w="med" len="med"/>
+                      <a:tailEnd type="none" w="med" len="med"/>
+                    </a:lnB>
+                  </a:tcPr>
+                </a:tc>
+                <a:tc>
+                  <a:txBody>
+                    <a:bodyPr/>
+                    <a:lstStyle/>
+                    <a:p>
+                      <a:pPr algn="r" fontAlgn="b"/>
+                      <a:r>
+                        <a:rPr lang="en-US" sz="1100" b="0" i="0" u="none" strike="noStrike">
+                          <a:solidFill>
+                            <a:srgbClr val="000000"/>
+                          </a:solidFill>
+                          <a:effectLst/>
+                          <a:latin typeface="Calibri" panose="020F0502020204030204" pitchFamily="34" charset="0"/>
+                        </a:rPr>
+                        <a:t>0</a:t>
+                      </a:r>
+                    </a:p>
+                  </a:txBody>
+                  <a:tcPr marL="9525" marR="9525" marT="9525" marB="0" anchor="b">
+                    <a:lnL w="6350" cap="flat" cmpd="sng" algn="ctr">
+                      <a:solidFill>
+                        <a:srgbClr val="000000"/>
+                      </a:solidFill>
+                      <a:prstDash val="solid"/>
+                      <a:round/>
+                      <a:headEnd type="none" w="med" len="med"/>
+                      <a:tailEnd type="none" w="med" len="med"/>
+                    </a:lnL>
+                    <a:lnR w="6350" cap="flat" cmpd="sng" algn="ctr">
+                      <a:solidFill>
+                        <a:srgbClr val="000000"/>
+                      </a:solidFill>
+                      <a:prstDash val="solid"/>
+                      <a:round/>
+                      <a:headEnd type="none" w="med" len="med"/>
+                      <a:tailEnd type="none" w="med" len="med"/>
+                    </a:lnR>
+                    <a:lnT w="6350" cap="flat" cmpd="sng" algn="ctr">
+                      <a:solidFill>
+                        <a:srgbClr val="000000"/>
+                      </a:solidFill>
+                      <a:prstDash val="solid"/>
+                      <a:round/>
+                      <a:headEnd type="none" w="med" len="med"/>
+                      <a:tailEnd type="none" w="med" len="med"/>
+                    </a:lnT>
+                    <a:lnB w="6350" cap="flat" cmpd="sng" algn="ctr">
+                      <a:solidFill>
+                        <a:srgbClr val="000000"/>
+                      </a:solidFill>
+                      <a:prstDash val="solid"/>
+                      <a:round/>
+                      <a:headEnd type="none" w="med" len="med"/>
+                      <a:tailEnd type="none" w="med" len="med"/>
+                    </a:lnB>
+                  </a:tcPr>
+                </a:tc>
+                <a:tc>
+                  <a:txBody>
+                    <a:bodyPr/>
+                    <a:lstStyle/>
+                    <a:p>
+                      <a:pPr algn="r" fontAlgn="b"/>
+                      <a:r>
+                        <a:rPr lang="en-US" sz="1100" b="0" i="0" u="none" strike="noStrike">
+                          <a:solidFill>
+                            <a:srgbClr val="000000"/>
+                          </a:solidFill>
+                          <a:effectLst/>
+                          <a:latin typeface="Calibri" panose="020F0502020204030204" pitchFamily="34" charset="0"/>
+                        </a:rPr>
+                        <a:t>0</a:t>
+                      </a:r>
+                    </a:p>
+                  </a:txBody>
+                  <a:tcPr marL="9525" marR="9525" marT="9525" marB="0" anchor="b">
+                    <a:lnL w="6350" cap="flat" cmpd="sng" algn="ctr">
+                      <a:solidFill>
+                        <a:srgbClr val="000000"/>
+                      </a:solidFill>
+                      <a:prstDash val="solid"/>
+                      <a:round/>
+                      <a:headEnd type="none" w="med" len="med"/>
+                      <a:tailEnd type="none" w="med" len="med"/>
+                    </a:lnL>
+                    <a:lnR w="6350" cap="flat" cmpd="sng" algn="ctr">
+                      <a:solidFill>
+                        <a:srgbClr val="000000"/>
+                      </a:solidFill>
+                      <a:prstDash val="solid"/>
+                      <a:round/>
+                      <a:headEnd type="none" w="med" len="med"/>
+                      <a:tailEnd type="none" w="med" len="med"/>
+                    </a:lnR>
+                    <a:lnT w="6350" cap="flat" cmpd="sng" algn="ctr">
+                      <a:solidFill>
+                        <a:srgbClr val="000000"/>
+                      </a:solidFill>
+                      <a:prstDash val="solid"/>
+                      <a:round/>
+                      <a:headEnd type="none" w="med" len="med"/>
+                      <a:tailEnd type="none" w="med" len="med"/>
+                    </a:lnT>
+                    <a:lnB w="6350" cap="flat" cmpd="sng" algn="ctr">
+                      <a:solidFill>
+                        <a:srgbClr val="000000"/>
+                      </a:solidFill>
+                      <a:prstDash val="solid"/>
+                      <a:round/>
+                      <a:headEnd type="none" w="med" len="med"/>
+                      <a:tailEnd type="none" w="med" len="med"/>
+                    </a:lnB>
+                  </a:tcPr>
+                </a:tc>
+                <a:tc>
+                  <a:txBody>
+                    <a:bodyPr/>
+                    <a:lstStyle/>
+                    <a:p>
+                      <a:pPr algn="r" fontAlgn="b"/>
+                      <a:r>
+                        <a:rPr lang="en-US" sz="1100" b="0" i="0" u="none" strike="noStrike">
+                          <a:solidFill>
+                            <a:srgbClr val="000000"/>
+                          </a:solidFill>
+                          <a:effectLst/>
+                          <a:latin typeface="Calibri" panose="020F0502020204030204" pitchFamily="34" charset="0"/>
+                        </a:rPr>
+                        <a:t>0</a:t>
+                      </a:r>
+                    </a:p>
+                  </a:txBody>
+                  <a:tcPr marL="9525" marR="9525" marT="9525" marB="0" anchor="b">
+                    <a:lnL w="6350" cap="flat" cmpd="sng" algn="ctr">
+                      <a:solidFill>
+                        <a:srgbClr val="000000"/>
+                      </a:solidFill>
+                      <a:prstDash val="solid"/>
+                      <a:round/>
+                      <a:headEnd type="none" w="med" len="med"/>
+                      <a:tailEnd type="none" w="med" len="med"/>
+                    </a:lnL>
+                    <a:lnR w="6350" cap="flat" cmpd="sng" algn="ctr">
+                      <a:solidFill>
+                        <a:srgbClr val="000000"/>
+                      </a:solidFill>
+                      <a:prstDash val="solid"/>
+                      <a:round/>
+                      <a:headEnd type="none" w="med" len="med"/>
+                      <a:tailEnd type="none" w="med" len="med"/>
+                    </a:lnR>
+                    <a:lnT w="6350" cap="flat" cmpd="sng" algn="ctr">
+                      <a:solidFill>
+                        <a:srgbClr val="000000"/>
+                      </a:solidFill>
+                      <a:prstDash val="solid"/>
+                      <a:round/>
+                      <a:headEnd type="none" w="med" len="med"/>
+                      <a:tailEnd type="none" w="med" len="med"/>
+                    </a:lnT>
+                    <a:lnB w="6350" cap="flat" cmpd="sng" algn="ctr">
+                      <a:solidFill>
+                        <a:srgbClr val="000000"/>
+                      </a:solidFill>
+                      <a:prstDash val="solid"/>
+                      <a:round/>
+                      <a:headEnd type="none" w="med" len="med"/>
+                      <a:tailEnd type="none" w="med" len="med"/>
+                    </a:lnB>
+                    <a:solidFill>
+                      <a:srgbClr val="7B7B7B"/>
+                    </a:solidFill>
+                  </a:tcPr>
+                </a:tc>
+                <a:tc>
+                  <a:txBody>
+                    <a:bodyPr/>
+                    <a:lstStyle/>
+                    <a:p>
+                      <a:pPr algn="r" fontAlgn="b"/>
+                      <a:r>
+                        <a:rPr lang="en-US" sz="1100" b="0" i="0" u="none" strike="noStrike">
+                          <a:solidFill>
+                            <a:srgbClr val="000000"/>
+                          </a:solidFill>
+                          <a:effectLst/>
+                          <a:latin typeface="Calibri" panose="020F0502020204030204" pitchFamily="34" charset="0"/>
+                        </a:rPr>
+                        <a:t>0</a:t>
+                      </a:r>
+                    </a:p>
+                  </a:txBody>
+                  <a:tcPr marL="9525" marR="9525" marT="9525" marB="0" anchor="b">
+                    <a:lnL w="6350" cap="flat" cmpd="sng" algn="ctr">
+                      <a:solidFill>
+                        <a:srgbClr val="000000"/>
+                      </a:solidFill>
+                      <a:prstDash val="solid"/>
+                      <a:round/>
+                      <a:headEnd type="none" w="med" len="med"/>
+                      <a:tailEnd type="none" w="med" len="med"/>
+                    </a:lnL>
+                    <a:lnR w="6350" cap="flat" cmpd="sng" algn="ctr">
+                      <a:solidFill>
+                        <a:srgbClr val="000000"/>
+                      </a:solidFill>
+                      <a:prstDash val="solid"/>
+                      <a:round/>
+                      <a:headEnd type="none" w="med" len="med"/>
+                      <a:tailEnd type="none" w="med" len="med"/>
+                    </a:lnR>
+                    <a:lnT w="6350" cap="flat" cmpd="sng" algn="ctr">
+                      <a:solidFill>
+                        <a:srgbClr val="000000"/>
+                      </a:solidFill>
+                      <a:prstDash val="solid"/>
+                      <a:round/>
+                      <a:headEnd type="none" w="med" len="med"/>
+                      <a:tailEnd type="none" w="med" len="med"/>
+                    </a:lnT>
+                    <a:lnB w="6350" cap="flat" cmpd="sng" algn="ctr">
+                      <a:solidFill>
+                        <a:srgbClr val="000000"/>
+                      </a:solidFill>
+                      <a:prstDash val="solid"/>
+                      <a:round/>
+                      <a:headEnd type="none" w="med" len="med"/>
+                      <a:tailEnd type="none" w="med" len="med"/>
+                    </a:lnB>
+                    <a:solidFill>
+                      <a:srgbClr val="7B7B7B"/>
+                    </a:solidFill>
+                  </a:tcPr>
+                </a:tc>
+                <a:tc>
+                  <a:txBody>
+                    <a:bodyPr/>
+                    <a:lstStyle/>
+                    <a:p>
+                      <a:pPr algn="r" fontAlgn="b"/>
+                      <a:r>
+                        <a:rPr lang="en-US" sz="1100" b="0" i="0" u="none" strike="noStrike">
+                          <a:solidFill>
+                            <a:srgbClr val="000000"/>
+                          </a:solidFill>
+                          <a:effectLst/>
+                          <a:latin typeface="Calibri" panose="020F0502020204030204" pitchFamily="34" charset="0"/>
+                        </a:rPr>
+                        <a:t>0</a:t>
+                      </a:r>
+                    </a:p>
+                  </a:txBody>
+                  <a:tcPr marL="9525" marR="9525" marT="9525" marB="0" anchor="b">
+                    <a:lnL w="6350" cap="flat" cmpd="sng" algn="ctr">
+                      <a:solidFill>
+                        <a:srgbClr val="000000"/>
+                      </a:solidFill>
+                      <a:prstDash val="solid"/>
+                      <a:round/>
+                      <a:headEnd type="none" w="med" len="med"/>
+                      <a:tailEnd type="none" w="med" len="med"/>
+                    </a:lnL>
+                    <a:lnR w="6350" cap="flat" cmpd="sng" algn="ctr">
+                      <a:solidFill>
+                        <a:srgbClr val="000000"/>
+                      </a:solidFill>
+                      <a:prstDash val="solid"/>
+                      <a:round/>
+                      <a:headEnd type="none" w="med" len="med"/>
+                      <a:tailEnd type="none" w="med" len="med"/>
+                    </a:lnR>
+                    <a:lnT w="6350" cap="flat" cmpd="sng" algn="ctr">
+                      <a:solidFill>
+                        <a:srgbClr val="000000"/>
+                      </a:solidFill>
+                      <a:prstDash val="solid"/>
+                      <a:round/>
+                      <a:headEnd type="none" w="med" len="med"/>
+                      <a:tailEnd type="none" w="med" len="med"/>
+                    </a:lnT>
+                    <a:lnB w="6350" cap="flat" cmpd="sng" algn="ctr">
+                      <a:solidFill>
+                        <a:srgbClr val="000000"/>
+                      </a:solidFill>
+                      <a:prstDash val="solid"/>
+                      <a:round/>
+                      <a:headEnd type="none" w="med" len="med"/>
+                      <a:tailEnd type="none" w="med" len="med"/>
+                    </a:lnB>
+                    <a:solidFill>
+                      <a:srgbClr val="7B7B7B"/>
+                    </a:solidFill>
+                  </a:tcPr>
+                </a:tc>
+                <a:tc>
+                  <a:txBody>
+                    <a:bodyPr/>
+                    <a:lstStyle/>
+                    <a:p>
+                      <a:pPr algn="r" fontAlgn="b"/>
+                      <a:r>
+                        <a:rPr lang="en-US" sz="1100" b="0" i="0" u="none" strike="noStrike">
+                          <a:solidFill>
+                            <a:srgbClr val="000000"/>
+                          </a:solidFill>
+                          <a:effectLst/>
+                          <a:latin typeface="Calibri" panose="020F0502020204030204" pitchFamily="34" charset="0"/>
+                        </a:rPr>
+                        <a:t>0</a:t>
+                      </a:r>
+                    </a:p>
+                  </a:txBody>
+                  <a:tcPr marL="9525" marR="9525" marT="9525" marB="0" anchor="b">
+                    <a:lnL w="6350" cap="flat" cmpd="sng" algn="ctr">
+                      <a:solidFill>
+                        <a:srgbClr val="000000"/>
+                      </a:solidFill>
+                      <a:prstDash val="solid"/>
+                      <a:round/>
+                      <a:headEnd type="none" w="med" len="med"/>
+                      <a:tailEnd type="none" w="med" len="med"/>
+                    </a:lnL>
+                    <a:lnR w="6350" cap="flat" cmpd="sng" algn="ctr">
+                      <a:solidFill>
+                        <a:srgbClr val="000000"/>
+                      </a:solidFill>
+                      <a:prstDash val="solid"/>
+                      <a:round/>
+                      <a:headEnd type="none" w="med" len="med"/>
+                      <a:tailEnd type="none" w="med" len="med"/>
+                    </a:lnR>
+                    <a:lnT w="6350" cap="flat" cmpd="sng" algn="ctr">
+                      <a:solidFill>
+                        <a:srgbClr val="000000"/>
+                      </a:solidFill>
+                      <a:prstDash val="solid"/>
+                      <a:round/>
+                      <a:headEnd type="none" w="med" len="med"/>
+                      <a:tailEnd type="none" w="med" len="med"/>
+                    </a:lnT>
+                    <a:lnB w="6350" cap="flat" cmpd="sng" algn="ctr">
+                      <a:solidFill>
+                        <a:srgbClr val="000000"/>
+                      </a:solidFill>
+                      <a:prstDash val="solid"/>
+                      <a:round/>
+                      <a:headEnd type="none" w="med" len="med"/>
+                      <a:tailEnd type="none" w="med" len="med"/>
+                    </a:lnB>
+                    <a:solidFill>
+                      <a:srgbClr val="7B7B7B"/>
+                    </a:solidFill>
+                  </a:tcPr>
+                </a:tc>
+              </a:tr>
+              <a:tr h="190500">
+                <a:tc>
+                  <a:txBody>
+                    <a:bodyPr/>
+                    <a:lstStyle/>
+                    <a:p>
+                      <a:pPr algn="l" fontAlgn="b"/>
+                      <a:r>
+                        <a:rPr lang="en-US" sz="1100" b="0" i="0" u="none" strike="noStrike">
+                          <a:solidFill>
+                            <a:srgbClr val="000000"/>
+                          </a:solidFill>
+                          <a:effectLst/>
+                          <a:latin typeface="Calibri" panose="020F0502020204030204" pitchFamily="34" charset="0"/>
+                        </a:rPr>
+                        <a:t>C4</a:t>
+                      </a:r>
+                    </a:p>
+                  </a:txBody>
+                  <a:tcPr marL="9525" marR="9525" marT="9525" marB="0" anchor="b">
+                    <a:lnL w="6350" cap="flat" cmpd="sng" algn="ctr">
+                      <a:solidFill>
+                        <a:srgbClr val="000000"/>
+                      </a:solidFill>
+                      <a:prstDash val="solid"/>
+                      <a:round/>
+                      <a:headEnd type="none" w="med" len="med"/>
+                      <a:tailEnd type="none" w="med" len="med"/>
+                    </a:lnL>
+                    <a:lnR w="6350" cap="flat" cmpd="sng" algn="ctr">
+                      <a:solidFill>
+                        <a:srgbClr val="000000"/>
+                      </a:solidFill>
+                      <a:prstDash val="solid"/>
+                      <a:round/>
+                      <a:headEnd type="none" w="med" len="med"/>
+                      <a:tailEnd type="none" w="med" len="med"/>
+                    </a:lnR>
+                    <a:lnT w="6350" cap="flat" cmpd="sng" algn="ctr">
+                      <a:solidFill>
+                        <a:srgbClr val="000000"/>
+                      </a:solidFill>
+                      <a:prstDash val="solid"/>
+                      <a:round/>
+                      <a:headEnd type="none" w="med" len="med"/>
+                      <a:tailEnd type="none" w="med" len="med"/>
+                    </a:lnT>
+                    <a:lnB w="6350" cap="flat" cmpd="sng" algn="ctr">
+                      <a:solidFill>
+                        <a:srgbClr val="000000"/>
+                      </a:solidFill>
+                      <a:prstDash val="solid"/>
+                      <a:round/>
+                      <a:headEnd type="none" w="med" len="med"/>
+                      <a:tailEnd type="none" w="med" len="med"/>
+                    </a:lnB>
+                    <a:solidFill>
+                      <a:srgbClr val="B4C6E7"/>
+                    </a:solidFill>
+                  </a:tcPr>
+                </a:tc>
+                <a:tc>
+                  <a:txBody>
+                    <a:bodyPr/>
+                    <a:lstStyle/>
+                    <a:p>
+                      <a:pPr algn="r" fontAlgn="b"/>
+                      <a:r>
+                        <a:rPr lang="en-US" sz="1100" b="0" i="0" u="none" strike="noStrike">
+                          <a:solidFill>
+                            <a:srgbClr val="000000"/>
+                          </a:solidFill>
+                          <a:effectLst/>
+                          <a:latin typeface="Calibri" panose="020F0502020204030204" pitchFamily="34" charset="0"/>
+                        </a:rPr>
+                        <a:t>0</a:t>
+                      </a:r>
+                    </a:p>
+                  </a:txBody>
+                  <a:tcPr marL="9525" marR="9525" marT="9525" marB="0" anchor="b">
+                    <a:lnL w="6350" cap="flat" cmpd="sng" algn="ctr">
+                      <a:solidFill>
+                        <a:srgbClr val="000000"/>
+                      </a:solidFill>
+                      <a:prstDash val="solid"/>
+                      <a:round/>
+                      <a:headEnd type="none" w="med" len="med"/>
+                      <a:tailEnd type="none" w="med" len="med"/>
+                    </a:lnL>
+                    <a:lnR w="6350" cap="flat" cmpd="sng" algn="ctr">
+                      <a:solidFill>
+                        <a:srgbClr val="000000"/>
+                      </a:solidFill>
+                      <a:prstDash val="solid"/>
+                      <a:round/>
+                      <a:headEnd type="none" w="med" len="med"/>
+                      <a:tailEnd type="none" w="med" len="med"/>
+                    </a:lnR>
+                    <a:lnT w="6350" cap="flat" cmpd="sng" algn="ctr">
+                      <a:solidFill>
+                        <a:srgbClr val="000000"/>
+                      </a:solidFill>
+                      <a:prstDash val="solid"/>
+                      <a:round/>
+                      <a:headEnd type="none" w="med" len="med"/>
+                      <a:tailEnd type="none" w="med" len="med"/>
+                    </a:lnT>
+                    <a:lnB w="6350" cap="flat" cmpd="sng" algn="ctr">
+                      <a:solidFill>
+                        <a:srgbClr val="000000"/>
+                      </a:solidFill>
+                      <a:prstDash val="solid"/>
+                      <a:round/>
+                      <a:headEnd type="none" w="med" len="med"/>
+                      <a:tailEnd type="none" w="med" len="med"/>
+                    </a:lnB>
+                  </a:tcPr>
+                </a:tc>
+                <a:tc>
+                  <a:txBody>
+                    <a:bodyPr/>
+                    <a:lstStyle/>
+                    <a:p>
+                      <a:pPr algn="r" fontAlgn="b"/>
+                      <a:r>
+                        <a:rPr lang="en-US" sz="1100" b="0" i="0" u="none" strike="noStrike">
+                          <a:solidFill>
+                            <a:srgbClr val="000000"/>
+                          </a:solidFill>
+                          <a:effectLst/>
+                          <a:latin typeface="Calibri" panose="020F0502020204030204" pitchFamily="34" charset="0"/>
+                        </a:rPr>
+                        <a:t>0</a:t>
+                      </a:r>
+                    </a:p>
+                  </a:txBody>
+                  <a:tcPr marL="9525" marR="9525" marT="9525" marB="0" anchor="b">
+                    <a:lnL w="6350" cap="flat" cmpd="sng" algn="ctr">
+                      <a:solidFill>
+                        <a:srgbClr val="000000"/>
+                      </a:solidFill>
+                      <a:prstDash val="solid"/>
+                      <a:round/>
+                      <a:headEnd type="none" w="med" len="med"/>
+                      <a:tailEnd type="none" w="med" len="med"/>
+                    </a:lnL>
+                    <a:lnR w="6350" cap="flat" cmpd="sng" algn="ctr">
+                      <a:solidFill>
+                        <a:srgbClr val="000000"/>
+                      </a:solidFill>
+                      <a:prstDash val="solid"/>
+                      <a:round/>
+                      <a:headEnd type="none" w="med" len="med"/>
+                      <a:tailEnd type="none" w="med" len="med"/>
+                    </a:lnR>
+                    <a:lnT w="6350" cap="flat" cmpd="sng" algn="ctr">
+                      <a:solidFill>
+                        <a:srgbClr val="000000"/>
+                      </a:solidFill>
+                      <a:prstDash val="solid"/>
+                      <a:round/>
+                      <a:headEnd type="none" w="med" len="med"/>
+                      <a:tailEnd type="none" w="med" len="med"/>
+                    </a:lnT>
+                    <a:lnB w="6350" cap="flat" cmpd="sng" algn="ctr">
+                      <a:solidFill>
+                        <a:srgbClr val="000000"/>
+                      </a:solidFill>
+                      <a:prstDash val="solid"/>
+                      <a:round/>
+                      <a:headEnd type="none" w="med" len="med"/>
+                      <a:tailEnd type="none" w="med" len="med"/>
+                    </a:lnB>
+                  </a:tcPr>
+                </a:tc>
+                <a:tc>
+                  <a:txBody>
+                    <a:bodyPr/>
+                    <a:lstStyle/>
+                    <a:p>
+                      <a:pPr algn="r" fontAlgn="b"/>
+                      <a:r>
+                        <a:rPr lang="en-US" sz="1100" b="0" i="0" u="none" strike="noStrike">
+                          <a:solidFill>
+                            <a:srgbClr val="000000"/>
+                          </a:solidFill>
+                          <a:effectLst/>
+                          <a:latin typeface="Calibri" panose="020F0502020204030204" pitchFamily="34" charset="0"/>
+                        </a:rPr>
+                        <a:t>0</a:t>
+                      </a:r>
+                    </a:p>
+                  </a:txBody>
+                  <a:tcPr marL="9525" marR="9525" marT="9525" marB="0" anchor="b">
+                    <a:lnL w="6350" cap="flat" cmpd="sng" algn="ctr">
+                      <a:solidFill>
+                        <a:srgbClr val="000000"/>
+                      </a:solidFill>
+                      <a:prstDash val="solid"/>
+                      <a:round/>
+                      <a:headEnd type="none" w="med" len="med"/>
+                      <a:tailEnd type="none" w="med" len="med"/>
+                    </a:lnL>
+                    <a:lnR w="6350" cap="flat" cmpd="sng" algn="ctr">
+                      <a:solidFill>
+                        <a:srgbClr val="000000"/>
+                      </a:solidFill>
+                      <a:prstDash val="solid"/>
+                      <a:round/>
+                      <a:headEnd type="none" w="med" len="med"/>
+                      <a:tailEnd type="none" w="med" len="med"/>
+                    </a:lnR>
+                    <a:lnT w="6350" cap="flat" cmpd="sng" algn="ctr">
+                      <a:solidFill>
+                        <a:srgbClr val="000000"/>
+                      </a:solidFill>
+                      <a:prstDash val="solid"/>
+                      <a:round/>
+                      <a:headEnd type="none" w="med" len="med"/>
+                      <a:tailEnd type="none" w="med" len="med"/>
+                    </a:lnT>
+                    <a:lnB w="6350" cap="flat" cmpd="sng" algn="ctr">
+                      <a:solidFill>
+                        <a:srgbClr val="000000"/>
+                      </a:solidFill>
+                      <a:prstDash val="solid"/>
+                      <a:round/>
+                      <a:headEnd type="none" w="med" len="med"/>
+                      <a:tailEnd type="none" w="med" len="med"/>
+                    </a:lnB>
+                  </a:tcPr>
+                </a:tc>
+                <a:tc>
+                  <a:txBody>
+                    <a:bodyPr/>
+                    <a:lstStyle/>
+                    <a:p>
+                      <a:pPr algn="r" fontAlgn="b"/>
+                      <a:r>
+                        <a:rPr lang="en-US" sz="1100" b="0" i="0" u="none" strike="noStrike">
+                          <a:solidFill>
+                            <a:srgbClr val="000000"/>
+                          </a:solidFill>
+                          <a:effectLst/>
+                          <a:latin typeface="Calibri" panose="020F0502020204030204" pitchFamily="34" charset="0"/>
+                        </a:rPr>
+                        <a:t>0</a:t>
+                      </a:r>
+                    </a:p>
+                  </a:txBody>
+                  <a:tcPr marL="9525" marR="9525" marT="9525" marB="0" anchor="b">
+                    <a:lnL w="6350" cap="flat" cmpd="sng" algn="ctr">
+                      <a:solidFill>
+                        <a:srgbClr val="000000"/>
+                      </a:solidFill>
+                      <a:prstDash val="solid"/>
+                      <a:round/>
+                      <a:headEnd type="none" w="med" len="med"/>
+                      <a:tailEnd type="none" w="med" len="med"/>
+                    </a:lnL>
+                    <a:lnR w="6350" cap="flat" cmpd="sng" algn="ctr">
+                      <a:solidFill>
+                        <a:srgbClr val="000000"/>
+                      </a:solidFill>
+                      <a:prstDash val="solid"/>
+                      <a:round/>
+                      <a:headEnd type="none" w="med" len="med"/>
+                      <a:tailEnd type="none" w="med" len="med"/>
+                    </a:lnR>
+                    <a:lnT w="6350" cap="flat" cmpd="sng" algn="ctr">
+                      <a:solidFill>
+                        <a:srgbClr val="000000"/>
+                      </a:solidFill>
+                      <a:prstDash val="solid"/>
+                      <a:round/>
+                      <a:headEnd type="none" w="med" len="med"/>
+                      <a:tailEnd type="none" w="med" len="med"/>
+                    </a:lnT>
+                    <a:lnB w="6350" cap="flat" cmpd="sng" algn="ctr">
+                      <a:solidFill>
+                        <a:srgbClr val="000000"/>
+                      </a:solidFill>
+                      <a:prstDash val="solid"/>
+                      <a:round/>
+                      <a:headEnd type="none" w="med" len="med"/>
+                      <a:tailEnd type="none" w="med" len="med"/>
+                    </a:lnB>
+                  </a:tcPr>
+                </a:tc>
+                <a:tc>
+                  <a:txBody>
+                    <a:bodyPr/>
+                    <a:lstStyle/>
+                    <a:p>
+                      <a:pPr algn="r" fontAlgn="b"/>
+                      <a:r>
+                        <a:rPr lang="en-US" sz="1100" b="0" i="0" u="none" strike="noStrike">
+                          <a:solidFill>
+                            <a:srgbClr val="000000"/>
+                          </a:solidFill>
+                          <a:effectLst/>
+                          <a:latin typeface="Calibri" panose="020F0502020204030204" pitchFamily="34" charset="0"/>
+                        </a:rPr>
+                        <a:t>0</a:t>
+                      </a:r>
+                    </a:p>
+                  </a:txBody>
+                  <a:tcPr marL="9525" marR="9525" marT="9525" marB="0" anchor="b">
+                    <a:lnL w="6350" cap="flat" cmpd="sng" algn="ctr">
+                      <a:solidFill>
+                        <a:srgbClr val="000000"/>
+                      </a:solidFill>
+                      <a:prstDash val="solid"/>
+                      <a:round/>
+                      <a:headEnd type="none" w="med" len="med"/>
+                      <a:tailEnd type="none" w="med" len="med"/>
+                    </a:lnL>
+                    <a:lnR w="6350" cap="flat" cmpd="sng" algn="ctr">
+                      <a:solidFill>
+                        <a:srgbClr val="000000"/>
+                      </a:solidFill>
+                      <a:prstDash val="solid"/>
+                      <a:round/>
+                      <a:headEnd type="none" w="med" len="med"/>
+                      <a:tailEnd type="none" w="med" len="med"/>
+                    </a:lnR>
+                    <a:lnT w="6350" cap="flat" cmpd="sng" algn="ctr">
+                      <a:solidFill>
+                        <a:srgbClr val="000000"/>
+                      </a:solidFill>
+                      <a:prstDash val="solid"/>
+                      <a:round/>
+                      <a:headEnd type="none" w="med" len="med"/>
+                      <a:tailEnd type="none" w="med" len="med"/>
+                    </a:lnT>
+                    <a:lnB w="6350" cap="flat" cmpd="sng" algn="ctr">
+                      <a:solidFill>
+                        <a:srgbClr val="000000"/>
+                      </a:solidFill>
+                      <a:prstDash val="solid"/>
+                      <a:round/>
+                      <a:headEnd type="none" w="med" len="med"/>
+                      <a:tailEnd type="none" w="med" len="med"/>
+                    </a:lnB>
+                    <a:solidFill>
+                      <a:srgbClr val="7B7B7B"/>
+                    </a:solidFill>
+                  </a:tcPr>
+                </a:tc>
+                <a:tc>
+                  <a:txBody>
+                    <a:bodyPr/>
+                    <a:lstStyle/>
+                    <a:p>
+                      <a:pPr algn="r" fontAlgn="b"/>
+                      <a:r>
+                        <a:rPr lang="en-US" sz="1100" b="0" i="0" u="none" strike="noStrike">
+                          <a:solidFill>
+                            <a:srgbClr val="000000"/>
+                          </a:solidFill>
+                          <a:effectLst/>
+                          <a:latin typeface="Calibri" panose="020F0502020204030204" pitchFamily="34" charset="0"/>
+                        </a:rPr>
+                        <a:t>0</a:t>
+                      </a:r>
+                    </a:p>
+                  </a:txBody>
+                  <a:tcPr marL="9525" marR="9525" marT="9525" marB="0" anchor="b">
+                    <a:lnL w="6350" cap="flat" cmpd="sng" algn="ctr">
+                      <a:solidFill>
+                        <a:srgbClr val="000000"/>
+                      </a:solidFill>
+                      <a:prstDash val="solid"/>
+                      <a:round/>
+                      <a:headEnd type="none" w="med" len="med"/>
+                      <a:tailEnd type="none" w="med" len="med"/>
+                    </a:lnL>
+                    <a:lnR w="6350" cap="flat" cmpd="sng" algn="ctr">
+                      <a:solidFill>
+                        <a:srgbClr val="000000"/>
+                      </a:solidFill>
+                      <a:prstDash val="solid"/>
+                      <a:round/>
+                      <a:headEnd type="none" w="med" len="med"/>
+                      <a:tailEnd type="none" w="med" len="med"/>
+                    </a:lnR>
+                    <a:lnT w="6350" cap="flat" cmpd="sng" algn="ctr">
+                      <a:solidFill>
+                        <a:srgbClr val="000000"/>
+                      </a:solidFill>
+                      <a:prstDash val="solid"/>
+                      <a:round/>
+                      <a:headEnd type="none" w="med" len="med"/>
+                      <a:tailEnd type="none" w="med" len="med"/>
+                    </a:lnT>
+                    <a:lnB w="6350" cap="flat" cmpd="sng" algn="ctr">
+                      <a:solidFill>
+                        <a:srgbClr val="000000"/>
+                      </a:solidFill>
+                      <a:prstDash val="solid"/>
+                      <a:round/>
+                      <a:headEnd type="none" w="med" len="med"/>
+                      <a:tailEnd type="none" w="med" len="med"/>
+                    </a:lnB>
+                    <a:solidFill>
+                      <a:srgbClr val="7B7B7B"/>
+                    </a:solidFill>
+                  </a:tcPr>
+                </a:tc>
+                <a:tc>
+                  <a:txBody>
+                    <a:bodyPr/>
+                    <a:lstStyle/>
+                    <a:p>
+                      <a:pPr algn="r" fontAlgn="b"/>
+                      <a:r>
+                        <a:rPr lang="en-US" sz="1100" b="0" i="0" u="none" strike="noStrike">
+                          <a:solidFill>
+                            <a:srgbClr val="000000"/>
+                          </a:solidFill>
+                          <a:effectLst/>
+                          <a:latin typeface="Calibri" panose="020F0502020204030204" pitchFamily="34" charset="0"/>
+                        </a:rPr>
+                        <a:t>0</a:t>
+                      </a:r>
+                    </a:p>
+                  </a:txBody>
+                  <a:tcPr marL="9525" marR="9525" marT="9525" marB="0" anchor="b">
+                    <a:lnL w="6350" cap="flat" cmpd="sng" algn="ctr">
+                      <a:solidFill>
+                        <a:srgbClr val="000000"/>
+                      </a:solidFill>
+                      <a:prstDash val="solid"/>
+                      <a:round/>
+                      <a:headEnd type="none" w="med" len="med"/>
+                      <a:tailEnd type="none" w="med" len="med"/>
+                    </a:lnL>
+                    <a:lnR w="6350" cap="flat" cmpd="sng" algn="ctr">
+                      <a:solidFill>
+                        <a:srgbClr val="000000"/>
+                      </a:solidFill>
+                      <a:prstDash val="solid"/>
+                      <a:round/>
+                      <a:headEnd type="none" w="med" len="med"/>
+                      <a:tailEnd type="none" w="med" len="med"/>
+                    </a:lnR>
+                    <a:lnT w="6350" cap="flat" cmpd="sng" algn="ctr">
+                      <a:solidFill>
+                        <a:srgbClr val="000000"/>
+                      </a:solidFill>
+                      <a:prstDash val="solid"/>
+                      <a:round/>
+                      <a:headEnd type="none" w="med" len="med"/>
+                      <a:tailEnd type="none" w="med" len="med"/>
+                    </a:lnT>
+                    <a:lnB w="6350" cap="flat" cmpd="sng" algn="ctr">
+                      <a:solidFill>
+                        <a:srgbClr val="000000"/>
+                      </a:solidFill>
+                      <a:prstDash val="solid"/>
+                      <a:round/>
+                      <a:headEnd type="none" w="med" len="med"/>
+                      <a:tailEnd type="none" w="med" len="med"/>
+                    </a:lnB>
+                    <a:solidFill>
+                      <a:srgbClr val="7B7B7B"/>
+                    </a:solidFill>
+                  </a:tcPr>
+                </a:tc>
+                <a:tc>
+                  <a:txBody>
+                    <a:bodyPr/>
+                    <a:lstStyle/>
+                    <a:p>
+                      <a:pPr algn="r" fontAlgn="b"/>
+                      <a:r>
+                        <a:rPr lang="en-US" sz="1100" b="0" i="0" u="none" strike="noStrike">
+                          <a:solidFill>
+                            <a:srgbClr val="000000"/>
+                          </a:solidFill>
+                          <a:effectLst/>
+                          <a:latin typeface="Calibri" panose="020F0502020204030204" pitchFamily="34" charset="0"/>
+                        </a:rPr>
+                        <a:t>0</a:t>
+                      </a:r>
+                    </a:p>
+                  </a:txBody>
+                  <a:tcPr marL="9525" marR="9525" marT="9525" marB="0" anchor="b">
+                    <a:lnL w="6350" cap="flat" cmpd="sng" algn="ctr">
+                      <a:solidFill>
+                        <a:srgbClr val="000000"/>
+                      </a:solidFill>
+                      <a:prstDash val="solid"/>
+                      <a:round/>
+                      <a:headEnd type="none" w="med" len="med"/>
+                      <a:tailEnd type="none" w="med" len="med"/>
+                    </a:lnL>
+                    <a:lnR w="6350" cap="flat" cmpd="sng" algn="ctr">
+                      <a:solidFill>
+                        <a:srgbClr val="000000"/>
+                      </a:solidFill>
+                      <a:prstDash val="solid"/>
+                      <a:round/>
+                      <a:headEnd type="none" w="med" len="med"/>
+                      <a:tailEnd type="none" w="med" len="med"/>
+                    </a:lnR>
+                    <a:lnT w="6350" cap="flat" cmpd="sng" algn="ctr">
+                      <a:solidFill>
+                        <a:srgbClr val="000000"/>
+                      </a:solidFill>
+                      <a:prstDash val="solid"/>
+                      <a:round/>
+                      <a:headEnd type="none" w="med" len="med"/>
+                      <a:tailEnd type="none" w="med" len="med"/>
+                    </a:lnT>
+                    <a:lnB w="6350" cap="flat" cmpd="sng" algn="ctr">
+                      <a:solidFill>
+                        <a:srgbClr val="000000"/>
+                      </a:solidFill>
+                      <a:prstDash val="solid"/>
+                      <a:round/>
+                      <a:headEnd type="none" w="med" len="med"/>
+                      <a:tailEnd type="none" w="med" len="med"/>
+                    </a:lnB>
+                    <a:solidFill>
+                      <a:srgbClr val="7B7B7B"/>
+                    </a:solidFill>
+                  </a:tcPr>
+                </a:tc>
+              </a:tr>
+            </a:tbl>
+          </a:graphicData>
+        </a:graphic>
+      </p:graphicFrame>
+      <p:sp>
+        <p:nvSpPr>
+          <p:cNvPr id="5" name="Rectangle 4"/>
+          <p:cNvSpPr/>
+          <p:nvPr/>
+        </p:nvSpPr>
+        <p:spPr>
+          <a:xfrm>
+            <a:off x="4724400" y="3848100"/>
+            <a:ext cx="4114800" cy="2862322"/>
+          </a:xfrm>
+          <a:prstGeom prst="rect">
+            <a:avLst/>
+          </a:prstGeom>
+        </p:spPr>
+        <p:txBody>
+          <a:bodyPr wrap="square">
+            <a:spAutoFit/>
+          </a:bodyPr>
+          <a:lstStyle/>
+          <a:p>
+            <a:r>
+              <a:rPr lang="en-US" smtClean="0">
+                <a:solidFill>
+                  <a:srgbClr val="000000"/>
+                </a:solidFill>
+                <a:latin typeface="Courier New" panose="02070309020205020404" pitchFamily="49" charset="0"/>
+                <a:cs typeface="Courier New" panose="02070309020205020404" pitchFamily="49" charset="0"/>
+              </a:rPr>
+              <a:t>Computed Ranking </a:t>
+            </a:r>
+            <a:r>
+              <a:rPr lang="en-US">
+                <a:solidFill>
+                  <a:srgbClr val="000000"/>
+                </a:solidFill>
+                <a:latin typeface="Courier New" panose="02070309020205020404" pitchFamily="49" charset="0"/>
+                <a:cs typeface="Courier New" panose="02070309020205020404" pitchFamily="49" charset="0"/>
+              </a:rPr>
+              <a:t>vector:</a:t>
+            </a:r>
+          </a:p>
+          <a:p>
+            <a:endParaRPr lang="en-US">
+              <a:latin typeface="Courier New" panose="02070309020205020404" pitchFamily="49" charset="0"/>
+              <a:cs typeface="Courier New" panose="02070309020205020404" pitchFamily="49" charset="0"/>
+            </a:endParaRPr>
+          </a:p>
+          <a:p>
+            <a:r>
+              <a:rPr lang="en-US">
+                <a:solidFill>
+                  <a:srgbClr val="000000"/>
+                </a:solidFill>
+                <a:latin typeface="Courier New" panose="02070309020205020404" pitchFamily="49" charset="0"/>
+                <a:cs typeface="Courier New" panose="02070309020205020404" pitchFamily="49" charset="0"/>
+              </a:rPr>
+              <a:t>   </a:t>
+            </a:r>
+            <a:r>
+              <a:rPr lang="en-US" smtClean="0">
+                <a:solidFill>
+                  <a:srgbClr val="000000"/>
+                </a:solidFill>
+                <a:latin typeface="Courier New" panose="02070309020205020404" pitchFamily="49" charset="0"/>
+                <a:cs typeface="Courier New" panose="02070309020205020404" pitchFamily="49" charset="0"/>
+              </a:rPr>
+              <a:t>I1 0.13046</a:t>
+            </a:r>
+            <a:endParaRPr lang="en-US">
+              <a:solidFill>
+                <a:srgbClr val="000000"/>
+              </a:solidFill>
+              <a:latin typeface="Courier New" panose="02070309020205020404" pitchFamily="49" charset="0"/>
+              <a:cs typeface="Courier New" panose="02070309020205020404" pitchFamily="49" charset="0"/>
+            </a:endParaRPr>
+          </a:p>
+          <a:p>
+            <a:r>
+              <a:rPr lang="en-US">
+                <a:solidFill>
+                  <a:srgbClr val="000000"/>
+                </a:solidFill>
+                <a:latin typeface="Courier New" panose="02070309020205020404" pitchFamily="49" charset="0"/>
+                <a:cs typeface="Courier New" panose="02070309020205020404" pitchFamily="49" charset="0"/>
+              </a:rPr>
+              <a:t>   </a:t>
+            </a:r>
+            <a:r>
+              <a:rPr lang="en-US" smtClean="0">
+                <a:solidFill>
+                  <a:srgbClr val="000000"/>
+                </a:solidFill>
+                <a:latin typeface="Courier New" panose="02070309020205020404" pitchFamily="49" charset="0"/>
+                <a:cs typeface="Courier New" panose="02070309020205020404" pitchFamily="49" charset="0"/>
+              </a:rPr>
+              <a:t>I2 0.11943</a:t>
+            </a:r>
+            <a:endParaRPr lang="en-US">
+              <a:solidFill>
+                <a:srgbClr val="000000"/>
+              </a:solidFill>
+              <a:latin typeface="Courier New" panose="02070309020205020404" pitchFamily="49" charset="0"/>
+              <a:cs typeface="Courier New" panose="02070309020205020404" pitchFamily="49" charset="0"/>
+            </a:endParaRPr>
+          </a:p>
+          <a:p>
+            <a:r>
+              <a:rPr lang="en-US">
+                <a:solidFill>
+                  <a:srgbClr val="000000"/>
+                </a:solidFill>
+                <a:latin typeface="Courier New" panose="02070309020205020404" pitchFamily="49" charset="0"/>
+                <a:cs typeface="Courier New" panose="02070309020205020404" pitchFamily="49" charset="0"/>
+              </a:rPr>
+              <a:t>   </a:t>
+            </a:r>
+            <a:r>
+              <a:rPr lang="en-US" smtClean="0">
+                <a:solidFill>
+                  <a:srgbClr val="000000"/>
+                </a:solidFill>
+                <a:latin typeface="Courier New" panose="02070309020205020404" pitchFamily="49" charset="0"/>
+                <a:cs typeface="Courier New" panose="02070309020205020404" pitchFamily="49" charset="0"/>
+              </a:rPr>
+              <a:t>I3 0.11943</a:t>
+            </a:r>
+            <a:endParaRPr lang="en-US">
+              <a:solidFill>
+                <a:srgbClr val="000000"/>
+              </a:solidFill>
+              <a:latin typeface="Courier New" panose="02070309020205020404" pitchFamily="49" charset="0"/>
+              <a:cs typeface="Courier New" panose="02070309020205020404" pitchFamily="49" charset="0"/>
+            </a:endParaRPr>
+          </a:p>
+          <a:p>
+            <a:r>
+              <a:rPr lang="en-US">
+                <a:solidFill>
+                  <a:srgbClr val="000000"/>
+                </a:solidFill>
+                <a:latin typeface="Courier New" panose="02070309020205020404" pitchFamily="49" charset="0"/>
+                <a:cs typeface="Courier New" panose="02070309020205020404" pitchFamily="49" charset="0"/>
+              </a:rPr>
+              <a:t>   </a:t>
+            </a:r>
+            <a:r>
+              <a:rPr lang="en-US" smtClean="0">
+                <a:solidFill>
+                  <a:srgbClr val="000000"/>
+                </a:solidFill>
+                <a:latin typeface="Courier New" panose="02070309020205020404" pitchFamily="49" charset="0"/>
+                <a:cs typeface="Courier New" panose="02070309020205020404" pitchFamily="49" charset="0"/>
+              </a:rPr>
+              <a:t>I4 0.11943</a:t>
+            </a:r>
+            <a:endParaRPr lang="en-US">
+              <a:solidFill>
+                <a:srgbClr val="000000"/>
+              </a:solidFill>
+              <a:latin typeface="Courier New" panose="02070309020205020404" pitchFamily="49" charset="0"/>
+              <a:cs typeface="Courier New" panose="02070309020205020404" pitchFamily="49" charset="0"/>
+            </a:endParaRPr>
+          </a:p>
+          <a:p>
+            <a:r>
+              <a:rPr lang="en-US">
+                <a:solidFill>
+                  <a:srgbClr val="000000"/>
+                </a:solidFill>
+                <a:latin typeface="Courier New" panose="02070309020205020404" pitchFamily="49" charset="0"/>
+                <a:cs typeface="Courier New" panose="02070309020205020404" pitchFamily="49" charset="0"/>
+              </a:rPr>
+              <a:t>   </a:t>
+            </a:r>
+            <a:r>
+              <a:rPr lang="en-US" smtClean="0">
+                <a:solidFill>
+                  <a:srgbClr val="000000"/>
+                </a:solidFill>
+                <a:latin typeface="Courier New" panose="02070309020205020404" pitchFamily="49" charset="0"/>
+                <a:cs typeface="Courier New" panose="02070309020205020404" pitchFamily="49" charset="0"/>
+              </a:rPr>
+              <a:t>C1 0.10625</a:t>
+            </a:r>
+            <a:endParaRPr lang="en-US">
+              <a:solidFill>
+                <a:srgbClr val="000000"/>
+              </a:solidFill>
+              <a:latin typeface="Courier New" panose="02070309020205020404" pitchFamily="49" charset="0"/>
+              <a:cs typeface="Courier New" panose="02070309020205020404" pitchFamily="49" charset="0"/>
+            </a:endParaRPr>
+          </a:p>
+          <a:p>
+            <a:r>
+              <a:rPr lang="en-US">
+                <a:solidFill>
+                  <a:srgbClr val="000000"/>
+                </a:solidFill>
+                <a:latin typeface="Courier New" panose="02070309020205020404" pitchFamily="49" charset="0"/>
+                <a:cs typeface="Courier New" panose="02070309020205020404" pitchFamily="49" charset="0"/>
+              </a:rPr>
+              <a:t>   </a:t>
+            </a:r>
+            <a:r>
+              <a:rPr lang="en-US" smtClean="0">
+                <a:solidFill>
+                  <a:srgbClr val="000000"/>
+                </a:solidFill>
+                <a:latin typeface="Courier New" panose="02070309020205020404" pitchFamily="49" charset="0"/>
+                <a:cs typeface="Courier New" panose="02070309020205020404" pitchFamily="49" charset="0"/>
+              </a:rPr>
+              <a:t>C2 0.10625</a:t>
+            </a:r>
+            <a:endParaRPr lang="en-US">
+              <a:solidFill>
+                <a:srgbClr val="000000"/>
+              </a:solidFill>
+              <a:latin typeface="Courier New" panose="02070309020205020404" pitchFamily="49" charset="0"/>
+              <a:cs typeface="Courier New" panose="02070309020205020404" pitchFamily="49" charset="0"/>
+            </a:endParaRPr>
+          </a:p>
+          <a:p>
+            <a:r>
+              <a:rPr lang="en-US">
+                <a:solidFill>
+                  <a:srgbClr val="000000"/>
+                </a:solidFill>
+                <a:latin typeface="Courier New" panose="02070309020205020404" pitchFamily="49" charset="0"/>
+                <a:cs typeface="Courier New" panose="02070309020205020404" pitchFamily="49" charset="0"/>
+              </a:rPr>
+              <a:t>   </a:t>
+            </a:r>
+            <a:r>
+              <a:rPr lang="en-US" smtClean="0">
+                <a:solidFill>
+                  <a:srgbClr val="000000"/>
+                </a:solidFill>
+                <a:latin typeface="Courier New" panose="02070309020205020404" pitchFamily="49" charset="0"/>
+                <a:cs typeface="Courier New" panose="02070309020205020404" pitchFamily="49" charset="0"/>
+              </a:rPr>
+              <a:t>C3 0.10625</a:t>
+            </a:r>
+            <a:endParaRPr lang="en-US">
+              <a:solidFill>
+                <a:srgbClr val="000000"/>
+              </a:solidFill>
+              <a:latin typeface="Courier New" panose="02070309020205020404" pitchFamily="49" charset="0"/>
+              <a:cs typeface="Courier New" panose="02070309020205020404" pitchFamily="49" charset="0"/>
+            </a:endParaRPr>
+          </a:p>
+          <a:p>
+            <a:r>
+              <a:rPr lang="en-US">
+                <a:solidFill>
+                  <a:srgbClr val="000000"/>
+                </a:solidFill>
+                <a:latin typeface="Courier New" panose="02070309020205020404" pitchFamily="49" charset="0"/>
+                <a:cs typeface="Courier New" panose="02070309020205020404" pitchFamily="49" charset="0"/>
+              </a:rPr>
+              <a:t>   </a:t>
+            </a:r>
+            <a:r>
+              <a:rPr lang="en-US" smtClean="0">
+                <a:solidFill>
+                  <a:srgbClr val="000000"/>
+                </a:solidFill>
+                <a:latin typeface="Courier New" panose="02070309020205020404" pitchFamily="49" charset="0"/>
+                <a:cs typeface="Courier New" panose="02070309020205020404" pitchFamily="49" charset="0"/>
+              </a:rPr>
+              <a:t>C4 0.10625</a:t>
+            </a:r>
+            <a:endParaRPr lang="en-US">
+              <a:latin typeface="Courier New" panose="02070309020205020404" pitchFamily="49" charset="0"/>
+              <a:cs typeface="Courier New" panose="02070309020205020404" pitchFamily="49" charset="0"/>
+            </a:endParaRPr>
+          </a:p>
+        </p:txBody>
+      </p:sp>
+      <p:sp>
+        <p:nvSpPr>
+          <p:cNvPr id="6" name="TextBox 5"/>
+          <p:cNvSpPr txBox="1"/>
+          <p:nvPr/>
+        </p:nvSpPr>
+        <p:spPr>
+          <a:xfrm>
+            <a:off x="76200" y="4495800"/>
+            <a:ext cx="4648200" cy="923330"/>
+          </a:xfrm>
+          <a:prstGeom prst="rect">
+            <a:avLst/>
+          </a:prstGeom>
+          <a:gradFill>
+            <a:gsLst>
+              <a:gs pos="0">
+                <a:schemeClr val="accent1">
+                  <a:lumMod val="5000"/>
+                  <a:lumOff val="95000"/>
+                </a:schemeClr>
+              </a:gs>
+              <a:gs pos="74000">
+                <a:schemeClr val="accent1">
+                  <a:lumMod val="45000"/>
+                  <a:lumOff val="55000"/>
+                </a:schemeClr>
+              </a:gs>
+              <a:gs pos="83000">
+                <a:schemeClr val="accent1">
+                  <a:lumMod val="45000"/>
+                  <a:lumOff val="55000"/>
+                </a:schemeClr>
+              </a:gs>
+              <a:gs pos="100000">
+                <a:schemeClr val="accent1">
+                  <a:lumMod val="30000"/>
+                  <a:lumOff val="70000"/>
+                </a:schemeClr>
+              </a:gs>
+            </a:gsLst>
+            <a:lin ang="5400000" scaled="1"/>
+          </a:gradFill>
+        </p:spPr>
+        <p:txBody>
+          <a:bodyPr wrap="square" rtlCol="0">
+            <a:spAutoFit/>
+          </a:bodyPr>
+          <a:lstStyle/>
+          <a:p>
+            <a:r>
+              <a:rPr lang="en-US" smtClean="0"/>
+              <a:t>This still generates uniform ranks</a:t>
+            </a:r>
+          </a:p>
+          <a:p>
+            <a:r>
+              <a:rPr lang="en-US" smtClean="0"/>
+              <a:t>for all Clients because the damping factor is the only way we traverse client nodes.</a:t>
+            </a:r>
+            <a:endParaRPr lang="en-US"/>
           </a:p>
         </p:txBody>
       </p:sp>
     </p:spTree>
     <p:extLst>
       <p:ext uri="{BB962C8B-B14F-4D97-AF65-F5344CB8AC3E}">
-        <p14:creationId xmlns:p14="http://schemas.microsoft.com/office/powerpoint/2010/main" val="3538272681"/>
+        <p14:creationId xmlns:p14="http://schemas.microsoft.com/office/powerpoint/2010/main" val="3798641000"/>
       </p:ext>
     </p:extLst>
   </p:cSld>
@@ -15165,377 +20963,125 @@
         </p:nvSpPr>
         <p:spPr>
           <a:xfrm>
-            <a:off x="304800" y="2057400"/>
-            <a:ext cx="3505200" cy="3551237"/>
+            <a:off x="685800" y="2163763"/>
+            <a:ext cx="8153400" cy="3551237"/>
           </a:xfrm>
         </p:spPr>
         <p:txBody>
           <a:bodyPr/>
           <a:lstStyle/>
           <a:p>
-            <a:pPr marL="0" indent="0">
-              <a:buNone/>
-            </a:pPr>
             <a:r>
-              <a:rPr lang="en-US" sz="1050"/>
-              <a:t>4 items to be processed.</a:t>
+              <a:rPr lang="en-US" smtClean="0"/>
+              <a:t>There is no organic link from Item to Client</a:t>
             </a:r>
           </a:p>
           <a:p>
-            <a:pPr marL="0" indent="0">
-              <a:buNone/>
-            </a:pPr>
-            <a:r>
-              <a:rPr lang="en-US" sz="1050"/>
-              <a:t>4 clients to be processed.</a:t>
-            </a:r>
+            <a:endParaRPr lang="en-US"/>
           </a:p>
           <a:p>
-            <a:pPr marL="0" indent="0">
-              <a:buNone/>
-            </a:pPr>
-            <a:endParaRPr lang="en-US" sz="1050"/>
-          </a:p>
-          <a:p>
-            <a:pPr marL="0" indent="0">
-              <a:buNone/>
-            </a:pPr>
             <a:r>
-              <a:rPr lang="en-US" sz="1050"/>
-              <a:t>  0.000  0.000  0.000  0.000  0.533  0.067  0.476  0.095</a:t>
+              <a:rPr lang="en-US" smtClean="0"/>
+              <a:t>Items do not ‘vote for’ Clients</a:t>
             </a:r>
-          </a:p>
-          <a:p>
-            <a:pPr marL="0" indent="0">
-              <a:buNone/>
-            </a:pPr>
-            <a:r>
-              <a:rPr lang="en-US" sz="1050"/>
-              <a:t>  0.000  0.000  0.000  0.000  0.267  0.133  0.238  0.190</a:t>
-            </a:r>
-          </a:p>
-          <a:p>
-            <a:pPr marL="0" indent="0">
-              <a:buNone/>
-            </a:pPr>
-            <a:r>
-              <a:rPr lang="en-US" sz="1050"/>
-              <a:t>  0.000  0.000  0.000  0.000  0.133  0.267  0.190  0.238</a:t>
-            </a:r>
-          </a:p>
-          <a:p>
-            <a:pPr marL="0" indent="0">
-              <a:buNone/>
-            </a:pPr>
-            <a:r>
-              <a:rPr lang="en-US" sz="1050"/>
-              <a:t>  0.000  0.000  0.000  0.000  0.067  0.533  0.095  0.476</a:t>
-            </a:r>
-          </a:p>
-          <a:p>
-            <a:pPr marL="0" indent="0">
-              <a:buNone/>
-            </a:pPr>
-            <a:r>
-              <a:rPr lang="en-US" sz="1050"/>
-              <a:t>  0.381  0.267  0.133  0.048  0.000  0.000  0.000  0.000</a:t>
-            </a:r>
-          </a:p>
-          <a:p>
-            <a:pPr marL="0" indent="0">
-              <a:buNone/>
-            </a:pPr>
-            <a:r>
-              <a:rPr lang="en-US" sz="1050"/>
-              <a:t>  0.048  0.133  0.267  0.381  0.000  0.000  0.000  0.000</a:t>
-            </a:r>
-          </a:p>
-          <a:p>
-            <a:pPr marL="0" indent="0">
-              <a:buNone/>
-            </a:pPr>
-            <a:r>
-              <a:rPr lang="en-US" sz="1050"/>
-              <a:t>  0.476  0.333  0.267  0.095  0.000  0.000  0.000  0.000</a:t>
-            </a:r>
-          </a:p>
-          <a:p>
-            <a:pPr marL="0" indent="0">
-              <a:buNone/>
-            </a:pPr>
-            <a:r>
-              <a:rPr lang="en-US" sz="1050"/>
-              <a:t>  0.095  0.267  0.333  0.476  0.000  0.000  0.000  0.000</a:t>
-            </a:r>
-          </a:p>
-          <a:p>
-            <a:pPr marL="0" indent="0">
-              <a:buNone/>
-            </a:pPr>
-            <a:endParaRPr lang="en-US" sz="1050"/>
-          </a:p>
-          <a:p>
-            <a:pPr marL="0" indent="0">
-              <a:buNone/>
-            </a:pPr>
-            <a:endParaRPr lang="en-US" sz="1050"/>
+            <a:endParaRPr lang="en-US"/>
           </a:p>
         </p:txBody>
       </p:sp>
       <p:sp>
         <p:nvSpPr>
-          <p:cNvPr id="4" name="Rectangle 3"/>
-          <p:cNvSpPr/>
-          <p:nvPr/>
+          <p:cNvPr id="4" name="Title 1"/>
+          <p:cNvSpPr>
+            <a:spLocks noGrp="1"/>
+          </p:cNvSpPr>
+          <p:nvPr>
+            <p:ph type="title"/>
+          </p:nvPr>
         </p:nvSpPr>
         <p:spPr>
           <a:xfrm>
-            <a:off x="4724400" y="2743200"/>
-            <a:ext cx="4572000" cy="3485570"/>
+            <a:off x="609600" y="762000"/>
+            <a:ext cx="7848600" cy="1143000"/>
+          </a:xfrm>
+        </p:spPr>
+        <p:txBody>
+          <a:bodyPr/>
+          <a:lstStyle/>
+          <a:p>
+            <a:r>
+              <a:rPr lang="en-US" sz="3200" smtClean="0"/>
+              <a:t>We need </a:t>
+            </a:r>
+            <a:r>
+              <a:rPr lang="en-US" sz="3200" smtClean="0"/>
+              <a:t>directed edges </a:t>
+            </a:r>
+            <a:br>
+              <a:rPr lang="en-US" sz="3200" smtClean="0"/>
+            </a:br>
+            <a:r>
+              <a:rPr lang="en-US" sz="3200" smtClean="0"/>
+              <a:t>from </a:t>
+            </a:r>
+            <a:r>
+              <a:rPr lang="en-US" sz="3200" smtClean="0"/>
+              <a:t>Items to Clients</a:t>
+            </a:r>
+            <a:endParaRPr lang="en-US" sz="3200"/>
+          </a:p>
+        </p:txBody>
+      </p:sp>
+      <p:pic>
+        <p:nvPicPr>
+          <p:cNvPr id="4104" name="Picture 8" descr="https://www.beanstalkim.com/wp-content/uploads/2014/11/bad-news-Futurama.jpeg"/>
+          <p:cNvPicPr>
+            <a:picLocks noChangeAspect="1" noChangeArrowheads="1"/>
+          </p:cNvPicPr>
+          <p:nvPr/>
+        </p:nvPicPr>
+        <p:blipFill>
+          <a:blip r:embed="rId2">
+            <a:extLst>
+              <a:ext uri="{28A0092B-C50C-407E-A947-70E740481C1C}">
+                <a14:useLocalDpi xmlns:a14="http://schemas.microsoft.com/office/drawing/2010/main" val="0"/>
+              </a:ext>
+            </a:extLst>
+          </a:blip>
+          <a:srcRect/>
+          <a:stretch>
+            <a:fillRect/>
+          </a:stretch>
+        </p:blipFill>
+        <p:spPr bwMode="auto">
+          <a:xfrm>
+            <a:off x="76200" y="5029200"/>
+            <a:ext cx="2619375" cy="1743076"/>
           </a:xfrm>
           <a:prstGeom prst="rect">
             <a:avLst/>
           </a:prstGeom>
+          <a:noFill/>
+          <a:extLst>
+            <a:ext uri="{909E8E84-426E-40DD-AFC4-6F175D3DCCD1}">
+              <a14:hiddenFill xmlns:a14="http://schemas.microsoft.com/office/drawing/2010/main">
+                <a:solidFill>
+                  <a:srgbClr val="FFFFFF"/>
+                </a:solidFill>
+              </a14:hiddenFill>
+            </a:ext>
+          </a:extLst>
         </p:spPr>
-        <p:txBody>
-          <a:bodyPr>
-            <a:spAutoFit/>
-          </a:bodyPr>
-          <a:lstStyle/>
-          <a:p>
-            <a:pPr marL="0" indent="0">
-              <a:buNone/>
-            </a:pPr>
-            <a:r>
-              <a:rPr lang="en-US" sz="1050">
-                <a:latin typeface="+mn-lt"/>
-              </a:rPr>
-              <a:t>Initial state of Ranking vector:</a:t>
-            </a:r>
-          </a:p>
-          <a:p>
-            <a:pPr marL="0" indent="0">
-              <a:buNone/>
-            </a:pPr>
-            <a:endParaRPr lang="en-US" sz="1050">
-              <a:latin typeface="+mn-lt"/>
-            </a:endParaRPr>
-          </a:p>
-          <a:p>
-            <a:pPr marL="0" indent="0">
-              <a:buNone/>
-            </a:pPr>
-            <a:r>
-              <a:rPr lang="en-US" sz="1050">
-                <a:latin typeface="+mn-lt"/>
-              </a:rPr>
-              <a:t>   0.12500</a:t>
-            </a:r>
-          </a:p>
-          <a:p>
-            <a:pPr marL="0" indent="0">
-              <a:buNone/>
-            </a:pPr>
-            <a:r>
-              <a:rPr lang="en-US" sz="1050">
-                <a:latin typeface="+mn-lt"/>
-              </a:rPr>
-              <a:t>   0.12500</a:t>
-            </a:r>
-          </a:p>
-          <a:p>
-            <a:pPr marL="0" indent="0">
-              <a:buNone/>
-            </a:pPr>
-            <a:r>
-              <a:rPr lang="en-US" sz="1050">
-                <a:latin typeface="+mn-lt"/>
-              </a:rPr>
-              <a:t>   0.12500</a:t>
-            </a:r>
-          </a:p>
-          <a:p>
-            <a:pPr marL="0" indent="0">
-              <a:buNone/>
-            </a:pPr>
-            <a:r>
-              <a:rPr lang="en-US" sz="1050">
-                <a:latin typeface="+mn-lt"/>
-              </a:rPr>
-              <a:t>   0.12500</a:t>
-            </a:r>
-          </a:p>
-          <a:p>
-            <a:pPr marL="0" indent="0">
-              <a:buNone/>
-            </a:pPr>
-            <a:r>
-              <a:rPr lang="en-US" sz="1050">
-                <a:latin typeface="+mn-lt"/>
-              </a:rPr>
-              <a:t>   0.12500</a:t>
-            </a:r>
-          </a:p>
-          <a:p>
-            <a:pPr marL="0" indent="0">
-              <a:buNone/>
-            </a:pPr>
-            <a:r>
-              <a:rPr lang="en-US" sz="1050">
-                <a:latin typeface="+mn-lt"/>
-              </a:rPr>
-              <a:t>   0.12500</a:t>
-            </a:r>
-          </a:p>
-          <a:p>
-            <a:pPr marL="0" indent="0">
-              <a:buNone/>
-            </a:pPr>
-            <a:r>
-              <a:rPr lang="en-US" sz="1050">
-                <a:latin typeface="+mn-lt"/>
-              </a:rPr>
-              <a:t>   0.12500</a:t>
-            </a:r>
-          </a:p>
-          <a:p>
-            <a:pPr marL="0" indent="0">
-              <a:buNone/>
-            </a:pPr>
-            <a:r>
-              <a:rPr lang="en-US" sz="1050">
-                <a:latin typeface="+mn-lt"/>
-              </a:rPr>
-              <a:t>   0.12500</a:t>
-            </a:r>
-          </a:p>
-          <a:p>
-            <a:pPr marL="0" indent="0">
-              <a:buNone/>
-            </a:pPr>
-            <a:endParaRPr lang="en-US" sz="1050">
-              <a:latin typeface="+mn-lt"/>
-            </a:endParaRPr>
-          </a:p>
-          <a:p>
-            <a:pPr marL="0" indent="0">
-              <a:buNone/>
-            </a:pPr>
-            <a:r>
-              <a:rPr lang="en-US" sz="1050">
-                <a:latin typeface="+mn-lt"/>
-              </a:rPr>
-              <a:t>Final state of Ranking vector:</a:t>
-            </a:r>
-          </a:p>
-          <a:p>
-            <a:pPr marL="0" indent="0">
-              <a:buNone/>
-            </a:pPr>
-            <a:endParaRPr lang="en-US" sz="1050">
-              <a:latin typeface="+mn-lt"/>
-            </a:endParaRPr>
-          </a:p>
-          <a:p>
-            <a:pPr marL="0" indent="0">
-              <a:buNone/>
-            </a:pPr>
-            <a:r>
-              <a:rPr lang="en-US" sz="1050">
-                <a:latin typeface="+mn-lt"/>
-              </a:rPr>
-              <a:t>   0.14278</a:t>
-            </a:r>
-          </a:p>
-          <a:p>
-            <a:pPr marL="0" indent="0">
-              <a:buNone/>
-            </a:pPr>
-            <a:r>
-              <a:rPr lang="en-US" sz="1050">
-                <a:latin typeface="+mn-lt"/>
-              </a:rPr>
-              <a:t>   0.10722</a:t>
-            </a:r>
-          </a:p>
-          <a:p>
-            <a:pPr marL="0" indent="0">
-              <a:buNone/>
-            </a:pPr>
-            <a:r>
-              <a:rPr lang="en-US" sz="1050">
-                <a:latin typeface="+mn-lt"/>
-              </a:rPr>
-              <a:t>   0.10722</a:t>
-            </a:r>
-          </a:p>
-          <a:p>
-            <a:pPr marL="0" indent="0">
-              <a:buNone/>
-            </a:pPr>
-            <a:r>
-              <a:rPr lang="en-US" sz="1050">
-                <a:latin typeface="+mn-lt"/>
-              </a:rPr>
-              <a:t>   0.14278</a:t>
-            </a:r>
-          </a:p>
-          <a:p>
-            <a:pPr marL="0" indent="0">
-              <a:buNone/>
-            </a:pPr>
-            <a:r>
-              <a:rPr lang="en-US" sz="1050">
-                <a:latin typeface="+mn-lt"/>
-              </a:rPr>
-              <a:t>   0.10722</a:t>
-            </a:r>
-          </a:p>
-          <a:p>
-            <a:pPr marL="0" indent="0">
-              <a:buNone/>
-            </a:pPr>
-            <a:r>
-              <a:rPr lang="en-US" sz="1050">
-                <a:latin typeface="+mn-lt"/>
-              </a:rPr>
-              <a:t>   0.10722</a:t>
-            </a:r>
-          </a:p>
-          <a:p>
-            <a:pPr marL="0" indent="0">
-              <a:buNone/>
-            </a:pPr>
-            <a:r>
-              <a:rPr lang="en-US" sz="1050">
-                <a:latin typeface="+mn-lt"/>
-              </a:rPr>
-              <a:t>   0.14278</a:t>
-            </a:r>
-          </a:p>
-          <a:p>
-            <a:pPr marL="0" indent="0">
-              <a:buNone/>
-            </a:pPr>
-            <a:r>
-              <a:rPr lang="en-US" sz="1050">
-                <a:latin typeface="+mn-lt"/>
-              </a:rPr>
-              <a:t>   0.14278</a:t>
-            </a:r>
-          </a:p>
-        </p:txBody>
-      </p:sp>
+      </p:pic>
       <p:sp>
         <p:nvSpPr>
-          <p:cNvPr id="5" name="TextBox 4"/>
+          <p:cNvPr id="7" name="TextBox 6"/>
           <p:cNvSpPr txBox="1"/>
           <p:nvPr/>
         </p:nvSpPr>
         <p:spPr>
           <a:xfrm>
-            <a:off x="331694" y="990600"/>
-            <a:ext cx="954107" cy="369332"/>
+            <a:off x="8610600" y="6400800"/>
+            <a:ext cx="441146" cy="369332"/>
           </a:xfrm>
           <a:prstGeom prst="rect">
             <a:avLst/>
@@ -15550,7 +21096,7 @@
           <a:p>
             <a:r>
               <a:rPr lang="en-US" smtClean="0"/>
-              <a:t>Results</a:t>
+              <a:t>[5]</a:t>
             </a:r>
             <a:endParaRPr lang="en-US"/>
           </a:p>
@@ -15559,7 +21105,7 @@
     </p:spTree>
     <p:extLst>
       <p:ext uri="{BB962C8B-B14F-4D97-AF65-F5344CB8AC3E}">
-        <p14:creationId xmlns:p14="http://schemas.microsoft.com/office/powerpoint/2010/main" val="3057055104"/>
+        <p14:creationId xmlns:p14="http://schemas.microsoft.com/office/powerpoint/2010/main" val="3538272681"/>
       </p:ext>
     </p:extLst>
   </p:cSld>

--- a/Team 01 Final Project.pptx
+++ b/Team 01 Final Project.pptx
@@ -150,7 +150,7 @@
   </p:defaultTextStyle>
   <p:extLst>
     <p:ext uri="{EFAFB233-063F-42B5-8137-9DF3F51BA10A}">
-      <p15:sldGuideLst xmlns:p15="http://schemas.microsoft.com/office/powerpoint/2012/main" xmlns="">
+      <p15:sldGuideLst xmlns:p15="http://schemas.microsoft.com/office/powerpoint/2012/main">
         <p15:guide id="1" orient="horz" pos="2160">
           <p15:clr>
             <a:srgbClr val="A4A3A4"/>
@@ -4325,11 +4325,7 @@
           <a:p>
             <a:r>
               <a:rPr lang="en-US" smtClean="0"/>
-              <a:t>There are </a:t>
-            </a:r>
-            <a:r>
-              <a:rPr lang="en-US" smtClean="0"/>
-              <a:t>ways to add edges…</a:t>
+              <a:t>There are ways to add edges…</a:t>
             </a:r>
             <a:endParaRPr lang="en-US"/>
           </a:p>
@@ -4357,42 +4353,13 @@
           <a:p>
             <a:r>
               <a:rPr lang="en-US" smtClean="0"/>
-              <a:t>Link Item </a:t>
+              <a:t>Link Item back to Clients that purchased that item.</a:t>
             </a:r>
-            <a:r>
-              <a:rPr lang="en-US" smtClean="0"/>
-              <a:t>back to Clients </a:t>
-            </a:r>
-            <a:r>
-              <a:rPr lang="en-US" smtClean="0"/>
-              <a:t>that purchased </a:t>
-            </a:r>
-            <a:r>
-              <a:rPr lang="en-US" smtClean="0"/>
-              <a:t>that item.</a:t>
-            </a:r>
-            <a:endParaRPr lang="en-US" smtClean="0"/>
           </a:p>
           <a:p>
             <a:r>
               <a:rPr lang="en-US" smtClean="0"/>
-              <a:t>Weighted by </a:t>
-            </a:r>
-            <a:r>
-              <a:rPr lang="en-US" smtClean="0"/>
-              <a:t>(</a:t>
-            </a:r>
-            <a:r>
-              <a:rPr lang="en-US" smtClean="0"/>
-              <a:t>cost </a:t>
-            </a:r>
-            <a:r>
-              <a:rPr lang="en-US" smtClean="0"/>
-              <a:t>of the item X </a:t>
-            </a:r>
-            <a:r>
-              <a:rPr lang="en-US" smtClean="0"/>
-              <a:t>qty)</a:t>
+              <a:t>Weighted by (cost of the item X qty)</a:t>
             </a:r>
             <a:endParaRPr lang="en-US"/>
           </a:p>
@@ -4551,17 +4518,7 @@
                 <a:latin typeface="Courier New" panose="02070309020205020404" pitchFamily="49" charset="0"/>
                 <a:cs typeface="Courier New" panose="02070309020205020404" pitchFamily="49" charset="0"/>
               </a:rPr>
-              <a:t>Computed Ranking </a:t>
-            </a:r>
-            <a:r>
-              <a:rPr lang="en-US">
-                <a:solidFill>
-                  <a:srgbClr val="000000"/>
-                </a:solidFill>
-                <a:latin typeface="Courier New" panose="02070309020205020404" pitchFamily="49" charset="0"/>
-                <a:cs typeface="Courier New" panose="02070309020205020404" pitchFamily="49" charset="0"/>
-              </a:rPr>
-              <a:t>vector</a:t>
+              <a:t>Computed Ranking vector</a:t>
             </a:r>
             <a:r>
               <a:rPr lang="en-US" smtClean="0">
@@ -14517,8 +14474,8 @@
         </p:nvSpPr>
         <p:spPr>
           <a:xfrm>
-            <a:off x="703729" y="1828800"/>
-            <a:ext cx="7848600" cy="1417637"/>
+            <a:off x="457200" y="1705194"/>
+            <a:ext cx="7848600" cy="2028606"/>
           </a:xfrm>
         </p:spPr>
         <p:txBody>
@@ -14609,12 +14566,37 @@
               <a:t>[5] </a:t>
             </a:r>
             <a:r>
-              <a:rPr lang="en-US" sz="1200">
+              <a:rPr lang="en-US" sz="1200" smtClean="0">
                 <a:hlinkClick r:id="rId4"/>
               </a:rPr>
-              <a:t>www.beanstalkim.com</a:t>
+              <a:t>www.beanstalkim.com\</a:t>
             </a:r>
             <a:endParaRPr lang="en-US" sz="1200" smtClean="0"/>
+          </a:p>
+          <a:p>
+            <a:pPr marL="0" indent="0">
+              <a:buNone/>
+            </a:pPr>
+            <a:r>
+              <a:rPr lang="en-US" sz="1200"/>
+              <a:t>[6</a:t>
+            </a:r>
+            <a:r>
+              <a:rPr lang="en-US" sz="1200"/>
+              <a:t>] </a:t>
+            </a:r>
+            <a:r>
+              <a:rPr lang="en-US" sz="1200"/>
+              <a:t>"MS&amp;E 233 Lecture 8: Applications of PageRank to Recommendation Systems." </a:t>
+            </a:r>
+            <a:r>
+              <a:rPr lang="en-US" sz="1200" i="1"/>
+              <a:t>MS&amp;E 233 Lecture 8: Applications of PageRank to Recommendation Systems</a:t>
+            </a:r>
+            <a:r>
+              <a:rPr lang="en-US" sz="1200"/>
+              <a:t>. Ed. Ashish Goel. Stanford University. Web. 13 Apr. 2016. </a:t>
+            </a:r>
           </a:p>
           <a:p>
             <a:pPr marL="0" indent="0">
@@ -15101,7 +15083,7 @@
         </p:blipFill>
         <p:spPr>
           <a:xfrm>
-            <a:off x="3886200" y="4411196"/>
+            <a:off x="3124200" y="4429125"/>
             <a:ext cx="5172075" cy="2428875"/>
           </a:xfrm>
           <a:prstGeom prst="rect">
@@ -19928,6 +19910,36 @@
           </a:graphicData>
         </a:graphic>
       </p:graphicFrame>
+      <p:sp>
+        <p:nvSpPr>
+          <p:cNvPr id="3" name="TextBox 2"/>
+          <p:cNvSpPr txBox="1"/>
+          <p:nvPr/>
+        </p:nvSpPr>
+        <p:spPr>
+          <a:xfrm>
+            <a:off x="8702854" y="6457292"/>
+            <a:ext cx="441146" cy="369332"/>
+          </a:xfrm>
+          <a:prstGeom prst="rect">
+            <a:avLst/>
+          </a:prstGeom>
+          <a:noFill/>
+        </p:spPr>
+        <p:txBody>
+          <a:bodyPr wrap="none" rtlCol="0">
+            <a:spAutoFit/>
+          </a:bodyPr>
+          <a:lstStyle/>
+          <a:p>
+            <a:r>
+              <a:rPr lang="en-US" smtClean="0"/>
+              <a:t>[6]</a:t>
+            </a:r>
+            <a:endParaRPr lang="en-US"/>
+          </a:p>
+        </p:txBody>
+      </p:sp>
     </p:spTree>
     <p:extLst>
       <p:ext uri="{BB962C8B-B14F-4D97-AF65-F5344CB8AC3E}">

--- a/Team 01 Final Project.pptx
+++ b/Team 01 Final Project.pptx
@@ -14579,15 +14579,7 @@
             </a:pPr>
             <a:r>
               <a:rPr lang="en-US" sz="1200"/>
-              <a:t>[6</a:t>
-            </a:r>
-            <a:r>
-              <a:rPr lang="en-US" sz="1200"/>
-              <a:t>] </a:t>
-            </a:r>
-            <a:r>
-              <a:rPr lang="en-US" sz="1200"/>
-              <a:t>"MS&amp;E 233 Lecture 8: Applications of PageRank to Recommendation Systems." </a:t>
+              <a:t>[6] "MS&amp;E 233 Lecture 8: Applications of PageRank to Recommendation Systems." </a:t>
             </a:r>
             <a:r>
               <a:rPr lang="en-US" sz="1200" i="1"/>

--- a/Team 01 Final Project.pptx
+++ b/Team 01 Final Project.pptx
@@ -5,7 +5,7 @@
     <p:sldMasterId id="2147483648" r:id="rId1"/>
   </p:sldMasterIdLst>
   <p:notesMasterIdLst>
-    <p:notesMasterId r:id="rId14"/>
+    <p:notesMasterId r:id="rId16"/>
   </p:notesMasterIdLst>
   <p:sldIdLst>
     <p:sldId id="256" r:id="rId2"/>
@@ -19,7 +19,9 @@
     <p:sldId id="292" r:id="rId10"/>
     <p:sldId id="295" r:id="rId11"/>
     <p:sldId id="296" r:id="rId12"/>
-    <p:sldId id="283" r:id="rId13"/>
+    <p:sldId id="298" r:id="rId13"/>
+    <p:sldId id="297" r:id="rId14"/>
+    <p:sldId id="283" r:id="rId15"/>
   </p:sldIdLst>
   <p:sldSz cx="9144000" cy="6858000" type="screen4x3"/>
   <p:notesSz cx="6858000" cy="9144000"/>
@@ -14437,6 +14439,1103 @@
       </p:grpSpPr>
       <p:sp>
         <p:nvSpPr>
+          <p:cNvPr id="2" name="Title 1"/>
+          <p:cNvSpPr>
+            <a:spLocks noGrp="1"/>
+          </p:cNvSpPr>
+          <p:nvPr>
+            <p:ph type="title"/>
+          </p:nvPr>
+        </p:nvSpPr>
+        <p:spPr/>
+        <p:txBody>
+          <a:bodyPr/>
+          <a:lstStyle/>
+          <a:p>
+            <a:r>
+              <a:rPr lang="en-US" smtClean="0"/>
+              <a:t>Real-World Data</a:t>
+            </a:r>
+            <a:endParaRPr lang="en-US"/>
+          </a:p>
+        </p:txBody>
+      </p:sp>
+      <p:sp>
+        <p:nvSpPr>
+          <p:cNvPr id="3" name="Content Placeholder 2"/>
+          <p:cNvSpPr>
+            <a:spLocks noGrp="1"/>
+          </p:cNvSpPr>
+          <p:nvPr>
+            <p:ph idx="1"/>
+          </p:nvPr>
+        </p:nvSpPr>
+        <p:spPr/>
+        <p:txBody>
+          <a:bodyPr/>
+          <a:lstStyle/>
+          <a:p>
+            <a:r>
+              <a:rPr lang="en-US" smtClean="0"/>
+              <a:t>78 Items</a:t>
+            </a:r>
+          </a:p>
+          <a:p>
+            <a:r>
+              <a:rPr lang="en-US" smtClean="0"/>
+              <a:t>26 Clients</a:t>
+            </a:r>
+          </a:p>
+          <a:p>
+            <a:r>
+              <a:rPr lang="en-US" smtClean="0"/>
+              <a:t>134 Transactions</a:t>
+            </a:r>
+          </a:p>
+          <a:p>
+            <a:pPr marL="0" indent="0">
+              <a:buNone/>
+            </a:pPr>
+            <a:endParaRPr lang="en-US" smtClean="0"/>
+          </a:p>
+          <a:p>
+            <a:r>
+              <a:rPr lang="en-US" smtClean="0"/>
+              <a:t>99 X 99 Transition Matrix</a:t>
+            </a:r>
+          </a:p>
+          <a:p>
+            <a:endParaRPr lang="en-US"/>
+          </a:p>
+        </p:txBody>
+      </p:sp>
+    </p:spTree>
+    <p:extLst>
+      <p:ext uri="{BB962C8B-B14F-4D97-AF65-F5344CB8AC3E}">
+        <p14:creationId xmlns:p14="http://schemas.microsoft.com/office/powerpoint/2010/main" val="1732474454"/>
+      </p:ext>
+    </p:extLst>
+  </p:cSld>
+  <p:clrMapOvr>
+    <a:masterClrMapping/>
+  </p:clrMapOvr>
+</p:sld>
+</file>
+
+<file path=ppt/slides/slide13.xml><?xml version="1.0" encoding="utf-8"?>
+<p:sld xmlns:a="http://schemas.openxmlformats.org/drawingml/2006/main" xmlns:r="http://schemas.openxmlformats.org/officeDocument/2006/relationships" xmlns:p="http://schemas.openxmlformats.org/presentationml/2006/main">
+  <p:cSld>
+    <p:spTree>
+      <p:nvGrpSpPr>
+        <p:cNvPr id="1" name=""/>
+        <p:cNvGrpSpPr/>
+        <p:nvPr/>
+      </p:nvGrpSpPr>
+      <p:grpSpPr>
+        <a:xfrm>
+          <a:off x="0" y="0"/>
+          <a:ext cx="0" cy="0"/>
+          <a:chOff x="0" y="0"/>
+          <a:chExt cx="0" cy="0"/>
+        </a:xfrm>
+      </p:grpSpPr>
+      <p:sp>
+        <p:nvSpPr>
+          <p:cNvPr id="2" name="Title 1"/>
+          <p:cNvSpPr>
+            <a:spLocks noGrp="1"/>
+          </p:cNvSpPr>
+          <p:nvPr>
+            <p:ph type="title"/>
+          </p:nvPr>
+        </p:nvSpPr>
+        <p:spPr>
+          <a:xfrm>
+            <a:off x="685800" y="914400"/>
+            <a:ext cx="7848600" cy="762000"/>
+          </a:xfrm>
+        </p:spPr>
+        <p:txBody>
+          <a:bodyPr/>
+          <a:lstStyle/>
+          <a:p>
+            <a:r>
+              <a:rPr lang="en-US" sz="3200" smtClean="0"/>
+              <a:t>Ranking Vector for 26 Clients, 78 Items</a:t>
+            </a:r>
+            <a:endParaRPr lang="en-US" sz="3200"/>
+          </a:p>
+        </p:txBody>
+      </p:sp>
+      <p:sp>
+        <p:nvSpPr>
+          <p:cNvPr id="3" name="Content Placeholder 2"/>
+          <p:cNvSpPr>
+            <a:spLocks noGrp="1"/>
+          </p:cNvSpPr>
+          <p:nvPr>
+            <p:ph idx="1"/>
+          </p:nvPr>
+        </p:nvSpPr>
+        <p:spPr>
+          <a:xfrm>
+            <a:off x="685800" y="1752600"/>
+            <a:ext cx="7848600" cy="4618037"/>
+          </a:xfrm>
+        </p:spPr>
+        <p:txBody>
+          <a:bodyPr numCol="4"/>
+          <a:lstStyle/>
+          <a:p>
+            <a:pPr marL="0" indent="0">
+              <a:buNone/>
+            </a:pPr>
+            <a:r>
+              <a:rPr lang="en-US" sz="1000"/>
+              <a:t>0.008603</a:t>
+            </a:r>
+          </a:p>
+          <a:p>
+            <a:pPr marL="0" indent="0">
+              <a:buNone/>
+            </a:pPr>
+            <a:r>
+              <a:rPr lang="en-US" sz="1000"/>
+              <a:t>0.008594</a:t>
+            </a:r>
+          </a:p>
+          <a:p>
+            <a:pPr marL="0" indent="0">
+              <a:buNone/>
+            </a:pPr>
+            <a:r>
+              <a:rPr lang="en-US" sz="1000"/>
+              <a:t>0.008586</a:t>
+            </a:r>
+          </a:p>
+          <a:p>
+            <a:pPr marL="0" indent="0">
+              <a:buNone/>
+            </a:pPr>
+            <a:r>
+              <a:rPr lang="en-US" sz="1000"/>
+              <a:t>0.008586</a:t>
+            </a:r>
+          </a:p>
+          <a:p>
+            <a:pPr marL="0" indent="0">
+              <a:buNone/>
+            </a:pPr>
+            <a:r>
+              <a:rPr lang="en-US" sz="1000"/>
+              <a:t>0.008587</a:t>
+            </a:r>
+          </a:p>
+          <a:p>
+            <a:pPr marL="0" indent="0">
+              <a:buNone/>
+            </a:pPr>
+            <a:r>
+              <a:rPr lang="en-US" sz="1000"/>
+              <a:t>0.008586</a:t>
+            </a:r>
+          </a:p>
+          <a:p>
+            <a:pPr marL="0" indent="0">
+              <a:buNone/>
+            </a:pPr>
+            <a:r>
+              <a:rPr lang="en-US" sz="1000"/>
+              <a:t>0.008586</a:t>
+            </a:r>
+          </a:p>
+          <a:p>
+            <a:pPr marL="0" indent="0">
+              <a:buNone/>
+            </a:pPr>
+            <a:r>
+              <a:rPr lang="en-US" sz="1000"/>
+              <a:t>0.008586</a:t>
+            </a:r>
+          </a:p>
+          <a:p>
+            <a:pPr marL="0" indent="0">
+              <a:buNone/>
+            </a:pPr>
+            <a:r>
+              <a:rPr lang="en-US" sz="1000"/>
+              <a:t>0.008586</a:t>
+            </a:r>
+          </a:p>
+          <a:p>
+            <a:pPr marL="0" indent="0">
+              <a:buNone/>
+            </a:pPr>
+            <a:r>
+              <a:rPr lang="en-US" sz="1000"/>
+              <a:t>0.008593</a:t>
+            </a:r>
+          </a:p>
+          <a:p>
+            <a:pPr marL="0" indent="0">
+              <a:buNone/>
+            </a:pPr>
+            <a:r>
+              <a:rPr lang="en-US" sz="1000"/>
+              <a:t>0.008596</a:t>
+            </a:r>
+          </a:p>
+          <a:p>
+            <a:pPr marL="0" indent="0">
+              <a:buNone/>
+            </a:pPr>
+            <a:r>
+              <a:rPr lang="en-US" sz="1000"/>
+              <a:t>0.008593</a:t>
+            </a:r>
+          </a:p>
+          <a:p>
+            <a:pPr marL="0" indent="0">
+              <a:buNone/>
+            </a:pPr>
+            <a:r>
+              <a:rPr lang="en-US" sz="1000"/>
+              <a:t>0.008586</a:t>
+            </a:r>
+          </a:p>
+          <a:p>
+            <a:pPr marL="0" indent="0">
+              <a:buNone/>
+            </a:pPr>
+            <a:r>
+              <a:rPr lang="en-US" sz="1000"/>
+              <a:t>0.008598</a:t>
+            </a:r>
+          </a:p>
+          <a:p>
+            <a:pPr marL="0" indent="0">
+              <a:buNone/>
+            </a:pPr>
+            <a:r>
+              <a:rPr lang="en-US" sz="1000"/>
+              <a:t>0.008595</a:t>
+            </a:r>
+          </a:p>
+          <a:p>
+            <a:pPr marL="0" indent="0">
+              <a:buNone/>
+            </a:pPr>
+            <a:r>
+              <a:rPr lang="en-US" sz="1000"/>
+              <a:t>0.008586</a:t>
+            </a:r>
+          </a:p>
+          <a:p>
+            <a:pPr marL="0" indent="0">
+              <a:buNone/>
+            </a:pPr>
+            <a:r>
+              <a:rPr lang="en-US" sz="1000"/>
+              <a:t>0.008586</a:t>
+            </a:r>
+          </a:p>
+          <a:p>
+            <a:pPr marL="0" indent="0">
+              <a:buNone/>
+            </a:pPr>
+            <a:r>
+              <a:rPr lang="en-US" sz="1000"/>
+              <a:t>0.008586</a:t>
+            </a:r>
+          </a:p>
+          <a:p>
+            <a:pPr marL="0" indent="0">
+              <a:buNone/>
+            </a:pPr>
+            <a:r>
+              <a:rPr lang="en-US" sz="1000"/>
+              <a:t>0.008600</a:t>
+            </a:r>
+          </a:p>
+          <a:p>
+            <a:pPr marL="0" indent="0">
+              <a:buNone/>
+            </a:pPr>
+            <a:r>
+              <a:rPr lang="en-US" sz="1000"/>
+              <a:t>0.008586</a:t>
+            </a:r>
+          </a:p>
+          <a:p>
+            <a:pPr marL="0" indent="0">
+              <a:buNone/>
+            </a:pPr>
+            <a:r>
+              <a:rPr lang="en-US" sz="1000"/>
+              <a:t>0.008586</a:t>
+            </a:r>
+          </a:p>
+          <a:p>
+            <a:pPr marL="0" indent="0">
+              <a:buNone/>
+            </a:pPr>
+            <a:r>
+              <a:rPr lang="en-US" sz="1000"/>
+              <a:t>0.008591</a:t>
+            </a:r>
+          </a:p>
+          <a:p>
+            <a:pPr marL="0" indent="0">
+              <a:buNone/>
+            </a:pPr>
+            <a:r>
+              <a:rPr lang="en-US" sz="1000"/>
+              <a:t>0.008593</a:t>
+            </a:r>
+          </a:p>
+          <a:p>
+            <a:pPr marL="0" indent="0">
+              <a:buNone/>
+            </a:pPr>
+            <a:r>
+              <a:rPr lang="en-US" sz="1000"/>
+              <a:t>0.008595</a:t>
+            </a:r>
+          </a:p>
+          <a:p>
+            <a:pPr marL="0" indent="0">
+              <a:buNone/>
+            </a:pPr>
+            <a:r>
+              <a:rPr lang="en-US" sz="1000"/>
+              <a:t>0.008586</a:t>
+            </a:r>
+          </a:p>
+          <a:p>
+            <a:pPr marL="0" indent="0">
+              <a:buNone/>
+            </a:pPr>
+            <a:r>
+              <a:rPr lang="en-US" sz="1000"/>
+              <a:t>0.008587</a:t>
+            </a:r>
+          </a:p>
+          <a:p>
+            <a:pPr marL="0" indent="0">
+              <a:buNone/>
+            </a:pPr>
+            <a:r>
+              <a:rPr lang="en-US" sz="1000"/>
+              <a:t>0.008589</a:t>
+            </a:r>
+          </a:p>
+          <a:p>
+            <a:pPr marL="0" indent="0">
+              <a:buNone/>
+            </a:pPr>
+            <a:r>
+              <a:rPr lang="en-US" sz="1000"/>
+              <a:t>0.008586</a:t>
+            </a:r>
+          </a:p>
+          <a:p>
+            <a:pPr marL="0" indent="0">
+              <a:buNone/>
+            </a:pPr>
+            <a:r>
+              <a:rPr lang="en-US" sz="1000"/>
+              <a:t>0.008586</a:t>
+            </a:r>
+          </a:p>
+          <a:p>
+            <a:pPr marL="0" indent="0">
+              <a:buNone/>
+            </a:pPr>
+            <a:r>
+              <a:rPr lang="en-US" sz="1000"/>
+              <a:t>0.008586</a:t>
+            </a:r>
+          </a:p>
+          <a:p>
+            <a:pPr marL="0" indent="0">
+              <a:buNone/>
+            </a:pPr>
+            <a:r>
+              <a:rPr lang="en-US" sz="1000"/>
+              <a:t>0.008593</a:t>
+            </a:r>
+          </a:p>
+          <a:p>
+            <a:pPr marL="0" indent="0">
+              <a:buNone/>
+            </a:pPr>
+            <a:r>
+              <a:rPr lang="en-US" sz="1000"/>
+              <a:t>0.008592</a:t>
+            </a:r>
+          </a:p>
+          <a:p>
+            <a:pPr marL="0" indent="0">
+              <a:buNone/>
+            </a:pPr>
+            <a:r>
+              <a:rPr lang="en-US" sz="1000"/>
+              <a:t>0.008589</a:t>
+            </a:r>
+          </a:p>
+          <a:p>
+            <a:pPr marL="0" indent="0">
+              <a:buNone/>
+            </a:pPr>
+            <a:r>
+              <a:rPr lang="en-US" sz="1000"/>
+              <a:t>0.008586</a:t>
+            </a:r>
+          </a:p>
+          <a:p>
+            <a:pPr marL="0" indent="0">
+              <a:buNone/>
+            </a:pPr>
+            <a:r>
+              <a:rPr lang="en-US" sz="1000"/>
+              <a:t>0.008586</a:t>
+            </a:r>
+          </a:p>
+          <a:p>
+            <a:pPr marL="0" indent="0">
+              <a:buNone/>
+            </a:pPr>
+            <a:r>
+              <a:rPr lang="en-US" sz="1000"/>
+              <a:t>0.008586</a:t>
+            </a:r>
+          </a:p>
+          <a:p>
+            <a:pPr marL="0" indent="0">
+              <a:buNone/>
+            </a:pPr>
+            <a:r>
+              <a:rPr lang="en-US" sz="1000"/>
+              <a:t>0.008586</a:t>
+            </a:r>
+          </a:p>
+          <a:p>
+            <a:pPr marL="0" indent="0">
+              <a:buNone/>
+            </a:pPr>
+            <a:r>
+              <a:rPr lang="en-US" sz="1000"/>
+              <a:t>0.008589</a:t>
+            </a:r>
+          </a:p>
+          <a:p>
+            <a:pPr marL="0" indent="0">
+              <a:buNone/>
+            </a:pPr>
+            <a:r>
+              <a:rPr lang="en-US" sz="1000"/>
+              <a:t>0.008586</a:t>
+            </a:r>
+          </a:p>
+          <a:p>
+            <a:pPr marL="0" indent="0">
+              <a:buNone/>
+            </a:pPr>
+            <a:r>
+              <a:rPr lang="en-US" sz="1000"/>
+              <a:t>0.008594</a:t>
+            </a:r>
+          </a:p>
+          <a:p>
+            <a:pPr marL="0" indent="0">
+              <a:buNone/>
+            </a:pPr>
+            <a:r>
+              <a:rPr lang="en-US" sz="1000"/>
+              <a:t>0.008586</a:t>
+            </a:r>
+          </a:p>
+          <a:p>
+            <a:pPr marL="0" indent="0">
+              <a:buNone/>
+            </a:pPr>
+            <a:r>
+              <a:rPr lang="en-US" sz="1000"/>
+              <a:t>0.008609</a:t>
+            </a:r>
+          </a:p>
+          <a:p>
+            <a:pPr marL="0" indent="0">
+              <a:buNone/>
+            </a:pPr>
+            <a:r>
+              <a:rPr lang="en-US" sz="1000"/>
+              <a:t>0.008593</a:t>
+            </a:r>
+          </a:p>
+          <a:p>
+            <a:pPr marL="0" indent="0">
+              <a:buNone/>
+            </a:pPr>
+            <a:r>
+              <a:rPr lang="en-US" sz="1000"/>
+              <a:t>0.008586</a:t>
+            </a:r>
+          </a:p>
+          <a:p>
+            <a:pPr marL="0" indent="0">
+              <a:buNone/>
+            </a:pPr>
+            <a:r>
+              <a:rPr lang="en-US" sz="1000"/>
+              <a:t>0.008616</a:t>
+            </a:r>
+          </a:p>
+          <a:p>
+            <a:pPr marL="0" indent="0">
+              <a:buNone/>
+            </a:pPr>
+            <a:r>
+              <a:rPr lang="en-US" sz="1000"/>
+              <a:t>0.008586</a:t>
+            </a:r>
+          </a:p>
+          <a:p>
+            <a:pPr marL="0" indent="0">
+              <a:buNone/>
+            </a:pPr>
+            <a:r>
+              <a:rPr lang="en-US" sz="1000"/>
+              <a:t>0.008586</a:t>
+            </a:r>
+          </a:p>
+          <a:p>
+            <a:pPr marL="0" indent="0">
+              <a:buNone/>
+            </a:pPr>
+            <a:r>
+              <a:rPr lang="en-US" sz="1000"/>
+              <a:t>0.008586</a:t>
+            </a:r>
+          </a:p>
+          <a:p>
+            <a:pPr marL="0" indent="0">
+              <a:buNone/>
+            </a:pPr>
+            <a:r>
+              <a:rPr lang="en-US" sz="1000"/>
+              <a:t>0.008586</a:t>
+            </a:r>
+          </a:p>
+          <a:p>
+            <a:pPr marL="0" indent="0">
+              <a:buNone/>
+            </a:pPr>
+            <a:r>
+              <a:rPr lang="en-US" sz="1000"/>
+              <a:t>0.008588</a:t>
+            </a:r>
+          </a:p>
+          <a:p>
+            <a:pPr marL="0" indent="0">
+              <a:buNone/>
+            </a:pPr>
+            <a:r>
+              <a:rPr lang="en-US" sz="1000"/>
+              <a:t>0.008586</a:t>
+            </a:r>
+          </a:p>
+          <a:p>
+            <a:pPr marL="0" indent="0">
+              <a:buNone/>
+            </a:pPr>
+            <a:r>
+              <a:rPr lang="en-US" sz="1000"/>
+              <a:t>0.008586</a:t>
+            </a:r>
+          </a:p>
+          <a:p>
+            <a:pPr marL="0" indent="0">
+              <a:buNone/>
+            </a:pPr>
+            <a:r>
+              <a:rPr lang="en-US" sz="1000"/>
+              <a:t>0.008591</a:t>
+            </a:r>
+          </a:p>
+          <a:p>
+            <a:pPr marL="0" indent="0">
+              <a:buNone/>
+            </a:pPr>
+            <a:r>
+              <a:rPr lang="en-US" sz="1000"/>
+              <a:t>0.008594</a:t>
+            </a:r>
+          </a:p>
+          <a:p>
+            <a:pPr marL="0" indent="0">
+              <a:buNone/>
+            </a:pPr>
+            <a:r>
+              <a:rPr lang="en-US" sz="1000"/>
+              <a:t>0.008586</a:t>
+            </a:r>
+          </a:p>
+          <a:p>
+            <a:pPr marL="0" indent="0">
+              <a:buNone/>
+            </a:pPr>
+            <a:r>
+              <a:rPr lang="en-US" sz="1000"/>
+              <a:t>0.008586</a:t>
+            </a:r>
+          </a:p>
+          <a:p>
+            <a:pPr marL="0" indent="0">
+              <a:buNone/>
+            </a:pPr>
+            <a:r>
+              <a:rPr lang="en-US" sz="1000"/>
+              <a:t>0.008586</a:t>
+            </a:r>
+          </a:p>
+          <a:p>
+            <a:pPr marL="0" indent="0">
+              <a:buNone/>
+            </a:pPr>
+            <a:r>
+              <a:rPr lang="en-US" sz="1000"/>
+              <a:t>0.008602</a:t>
+            </a:r>
+          </a:p>
+          <a:p>
+            <a:pPr marL="0" indent="0">
+              <a:buNone/>
+            </a:pPr>
+            <a:r>
+              <a:rPr lang="en-US" sz="1000"/>
+              <a:t>0.008595</a:t>
+            </a:r>
+          </a:p>
+          <a:p>
+            <a:pPr marL="0" indent="0">
+              <a:buNone/>
+            </a:pPr>
+            <a:r>
+              <a:rPr lang="en-US" sz="1000"/>
+              <a:t>0.008586</a:t>
+            </a:r>
+          </a:p>
+          <a:p>
+            <a:pPr marL="0" indent="0">
+              <a:buNone/>
+            </a:pPr>
+            <a:r>
+              <a:rPr lang="en-US" sz="1000"/>
+              <a:t>0.008586</a:t>
+            </a:r>
+          </a:p>
+          <a:p>
+            <a:pPr marL="0" indent="0">
+              <a:buNone/>
+            </a:pPr>
+            <a:r>
+              <a:rPr lang="en-US" sz="1000"/>
+              <a:t>0.008596</a:t>
+            </a:r>
+          </a:p>
+          <a:p>
+            <a:pPr marL="0" indent="0">
+              <a:buNone/>
+            </a:pPr>
+            <a:r>
+              <a:rPr lang="en-US" sz="1000"/>
+              <a:t>0.008586</a:t>
+            </a:r>
+          </a:p>
+          <a:p>
+            <a:pPr marL="0" indent="0">
+              <a:buNone/>
+            </a:pPr>
+            <a:r>
+              <a:rPr lang="en-US" sz="1000"/>
+              <a:t>0.008586</a:t>
+            </a:r>
+          </a:p>
+          <a:p>
+            <a:pPr marL="0" indent="0">
+              <a:buNone/>
+            </a:pPr>
+            <a:r>
+              <a:rPr lang="en-US" sz="1000"/>
+              <a:t>0.008586</a:t>
+            </a:r>
+          </a:p>
+          <a:p>
+            <a:pPr marL="0" indent="0">
+              <a:buNone/>
+            </a:pPr>
+            <a:r>
+              <a:rPr lang="en-US" sz="1000"/>
+              <a:t>0.008586</a:t>
+            </a:r>
+          </a:p>
+          <a:p>
+            <a:pPr marL="0" indent="0">
+              <a:buNone/>
+            </a:pPr>
+            <a:r>
+              <a:rPr lang="en-US" sz="1000"/>
+              <a:t>0.008586</a:t>
+            </a:r>
+          </a:p>
+          <a:p>
+            <a:pPr marL="0" indent="0">
+              <a:buNone/>
+            </a:pPr>
+            <a:r>
+              <a:rPr lang="en-US" sz="1000"/>
+              <a:t>0.008586</a:t>
+            </a:r>
+          </a:p>
+          <a:p>
+            <a:pPr marL="0" indent="0">
+              <a:buNone/>
+            </a:pPr>
+            <a:r>
+              <a:rPr lang="en-US" sz="1000"/>
+              <a:t>0.008586</a:t>
+            </a:r>
+          </a:p>
+          <a:p>
+            <a:pPr marL="0" indent="0">
+              <a:buNone/>
+            </a:pPr>
+            <a:r>
+              <a:rPr lang="en-US" sz="1000"/>
+              <a:t>0.008586</a:t>
+            </a:r>
+          </a:p>
+          <a:p>
+            <a:pPr marL="0" indent="0">
+              <a:buNone/>
+            </a:pPr>
+            <a:r>
+              <a:rPr lang="en-US" sz="1000"/>
+              <a:t>0.008586</a:t>
+            </a:r>
+          </a:p>
+          <a:p>
+            <a:pPr marL="0" indent="0">
+              <a:buNone/>
+            </a:pPr>
+            <a:r>
+              <a:rPr lang="en-US" sz="1000"/>
+              <a:t>0.008586</a:t>
+            </a:r>
+          </a:p>
+          <a:p>
+            <a:pPr marL="0" indent="0">
+              <a:buNone/>
+            </a:pPr>
+            <a:r>
+              <a:rPr lang="en-US" sz="1000"/>
+              <a:t>0.008586</a:t>
+            </a:r>
+          </a:p>
+          <a:p>
+            <a:pPr marL="0" indent="0">
+              <a:buNone/>
+            </a:pPr>
+            <a:r>
+              <a:rPr lang="en-US" sz="1000"/>
+              <a:t>0.008589</a:t>
+            </a:r>
+          </a:p>
+          <a:p>
+            <a:pPr marL="0" indent="0">
+              <a:buNone/>
+            </a:pPr>
+            <a:r>
+              <a:rPr lang="en-US" sz="1000"/>
+              <a:t>0.008586</a:t>
+            </a:r>
+          </a:p>
+          <a:p>
+            <a:pPr marL="0" indent="0">
+              <a:buNone/>
+            </a:pPr>
+            <a:r>
+              <a:rPr lang="en-US" sz="1000"/>
+              <a:t>0.008609</a:t>
+            </a:r>
+          </a:p>
+          <a:p>
+            <a:pPr marL="0" indent="0">
+              <a:buNone/>
+            </a:pPr>
+            <a:r>
+              <a:rPr lang="en-US" sz="1000"/>
+              <a:t>0.008640</a:t>
+            </a:r>
+          </a:p>
+          <a:p>
+            <a:pPr marL="0" indent="0">
+              <a:buNone/>
+            </a:pPr>
+            <a:r>
+              <a:rPr lang="en-US" sz="1000"/>
+              <a:t>0.008591</a:t>
+            </a:r>
+          </a:p>
+          <a:p>
+            <a:pPr marL="0" indent="0">
+              <a:buNone/>
+            </a:pPr>
+            <a:r>
+              <a:rPr lang="en-US" sz="1000"/>
+              <a:t>0.008589</a:t>
+            </a:r>
+          </a:p>
+          <a:p>
+            <a:pPr marL="0" indent="0">
+              <a:buNone/>
+            </a:pPr>
+            <a:r>
+              <a:rPr lang="en-US" sz="1000"/>
+              <a:t>0.008587</a:t>
+            </a:r>
+          </a:p>
+          <a:p>
+            <a:pPr marL="0" indent="0">
+              <a:buNone/>
+            </a:pPr>
+            <a:r>
+              <a:rPr lang="en-US" sz="1000"/>
+              <a:t>0.008618</a:t>
+            </a:r>
+          </a:p>
+          <a:p>
+            <a:pPr marL="0" indent="0">
+              <a:buNone/>
+            </a:pPr>
+            <a:r>
+              <a:rPr lang="en-US" sz="1000"/>
+              <a:t>0.008623</a:t>
+            </a:r>
+          </a:p>
+          <a:p>
+            <a:pPr marL="0" indent="0">
+              <a:buNone/>
+            </a:pPr>
+            <a:r>
+              <a:rPr lang="en-US" sz="1000"/>
+              <a:t>0.008586</a:t>
+            </a:r>
+          </a:p>
+          <a:p>
+            <a:pPr marL="0" indent="0">
+              <a:buNone/>
+            </a:pPr>
+            <a:r>
+              <a:rPr lang="en-US" sz="1000"/>
+              <a:t>0.008586</a:t>
+            </a:r>
+          </a:p>
+          <a:p>
+            <a:pPr marL="0" indent="0">
+              <a:buNone/>
+            </a:pPr>
+            <a:r>
+              <a:rPr lang="en-US" sz="1000"/>
+              <a:t>0.008586</a:t>
+            </a:r>
+          </a:p>
+          <a:p>
+            <a:pPr marL="0" indent="0">
+              <a:buNone/>
+            </a:pPr>
+            <a:r>
+              <a:rPr lang="en-US" sz="1000"/>
+              <a:t>0.008642</a:t>
+            </a:r>
+          </a:p>
+          <a:p>
+            <a:pPr marL="0" indent="0">
+              <a:buNone/>
+            </a:pPr>
+            <a:r>
+              <a:rPr lang="en-US" sz="1000"/>
+              <a:t>0.008635</a:t>
+            </a:r>
+          </a:p>
+          <a:p>
+            <a:pPr marL="0" indent="0">
+              <a:buNone/>
+            </a:pPr>
+            <a:r>
+              <a:rPr lang="en-US" sz="1000"/>
+              <a:t>0.008594</a:t>
+            </a:r>
+          </a:p>
+          <a:p>
+            <a:pPr marL="0" indent="0">
+              <a:buNone/>
+            </a:pPr>
+            <a:r>
+              <a:rPr lang="en-US" sz="1000"/>
+              <a:t>0.008600</a:t>
+            </a:r>
+          </a:p>
+          <a:p>
+            <a:pPr marL="0" indent="0">
+              <a:buNone/>
+            </a:pPr>
+            <a:r>
+              <a:rPr lang="en-US" sz="1000"/>
+              <a:t>0.008597</a:t>
+            </a:r>
+          </a:p>
+          <a:p>
+            <a:pPr marL="0" indent="0">
+              <a:buNone/>
+            </a:pPr>
+            <a:r>
+              <a:rPr lang="en-US" sz="1000"/>
+              <a:t>0.008587</a:t>
+            </a:r>
+          </a:p>
+          <a:p>
+            <a:pPr marL="0" indent="0">
+              <a:buNone/>
+            </a:pPr>
+            <a:r>
+              <a:rPr lang="en-US" sz="1000"/>
+              <a:t>0.008604</a:t>
+            </a:r>
+          </a:p>
+          <a:p>
+            <a:pPr marL="0" indent="0">
+              <a:buNone/>
+            </a:pPr>
+            <a:r>
+              <a:rPr lang="en-US" sz="1000"/>
+              <a:t>0.008594</a:t>
+            </a:r>
+          </a:p>
+          <a:p>
+            <a:pPr marL="0" indent="0">
+              <a:buNone/>
+            </a:pPr>
+            <a:r>
+              <a:rPr lang="en-US" sz="1000"/>
+              <a:t>0.008594</a:t>
+            </a:r>
+          </a:p>
+          <a:p>
+            <a:pPr marL="0" indent="0">
+              <a:buNone/>
+            </a:pPr>
+            <a:r>
+              <a:rPr lang="en-US" sz="1000"/>
+              <a:t>0.008596</a:t>
+            </a:r>
+          </a:p>
+          <a:p>
+            <a:pPr marL="0" indent="0">
+              <a:buNone/>
+            </a:pPr>
+            <a:r>
+              <a:rPr lang="en-US" sz="1000"/>
+              <a:t>0.008586</a:t>
+            </a:r>
+          </a:p>
+          <a:p>
+            <a:pPr marL="0" indent="0">
+              <a:buNone/>
+            </a:pPr>
+            <a:r>
+              <a:rPr lang="en-US" sz="1000"/>
+              <a:t>0.008586</a:t>
+            </a:r>
+          </a:p>
+          <a:p>
+            <a:pPr marL="0" indent="0">
+              <a:buNone/>
+            </a:pPr>
+            <a:r>
+              <a:rPr lang="en-US" sz="1000"/>
+              <a:t>0.008626</a:t>
+            </a:r>
+          </a:p>
+          <a:p>
+            <a:pPr marL="0" indent="0">
+              <a:buNone/>
+            </a:pPr>
+            <a:r>
+              <a:rPr lang="en-US" sz="1000"/>
+              <a:t>0.008636</a:t>
+            </a:r>
+            <a:endParaRPr lang="en-US" sz="1000"/>
+          </a:p>
+        </p:txBody>
+      </p:sp>
+    </p:spTree>
+    <p:extLst>
+      <p:ext uri="{BB962C8B-B14F-4D97-AF65-F5344CB8AC3E}">
+        <p14:creationId xmlns:p14="http://schemas.microsoft.com/office/powerpoint/2010/main" val="1238484034"/>
+      </p:ext>
+    </p:extLst>
+  </p:cSld>
+  <p:clrMapOvr>
+    <a:masterClrMapping/>
+  </p:clrMapOvr>
+</p:sld>
+</file>
+
+<file path=ppt/slides/slide14.xml><?xml version="1.0" encoding="utf-8"?>
+<p:sld xmlns:a="http://schemas.openxmlformats.org/drawingml/2006/main" xmlns:r="http://schemas.openxmlformats.org/officeDocument/2006/relationships" xmlns:p="http://schemas.openxmlformats.org/presentationml/2006/main">
+  <p:cSld>
+    <p:spTree>
+      <p:nvGrpSpPr>
+        <p:cNvPr id="1" name=""/>
+        <p:cNvGrpSpPr/>
+        <p:nvPr/>
+      </p:nvGrpSpPr>
+      <p:grpSpPr>
+        <a:xfrm>
+          <a:off x="0" y="0"/>
+          <a:ext cx="0" cy="0"/>
+          <a:chOff x="0" y="0"/>
+          <a:chExt cx="0" cy="0"/>
+        </a:xfrm>
+      </p:grpSpPr>
+      <p:pic>
+        <p:nvPicPr>
+          <p:cNvPr id="3" name="Picture 2"/>
+          <p:cNvPicPr>
+            <a:picLocks noChangeAspect="1"/>
+          </p:cNvPicPr>
+          <p:nvPr/>
+        </p:nvPicPr>
+        <p:blipFill>
+          <a:blip r:embed="rId2"/>
+          <a:stretch>
+            <a:fillRect/>
+          </a:stretch>
+        </p:blipFill>
+        <p:spPr>
+          <a:xfrm>
+            <a:off x="3581400" y="3733800"/>
+            <a:ext cx="5467350" cy="2933700"/>
+          </a:xfrm>
+          <a:prstGeom prst="rect">
+            <a:avLst/>
+          </a:prstGeom>
+        </p:spPr>
+      </p:pic>
+      <p:sp>
+        <p:nvSpPr>
           <p:cNvPr id="28674" name="Title 1"/>
           <p:cNvSpPr>
             <a:spLocks noGrp="1"/>
@@ -14514,13 +15613,13 @@
             </a:r>
             <a:r>
               <a:rPr lang="en-US" sz="1200">
-                <a:hlinkClick r:id="rId2"/>
+                <a:hlinkClick r:id="rId3"/>
               </a:rPr>
               <a:t>http://</a:t>
             </a:r>
             <a:r>
               <a:rPr lang="en-US" sz="1200" smtClean="0">
-                <a:hlinkClick r:id="rId2"/>
+                <a:hlinkClick r:id="rId3"/>
               </a:rPr>
               <a:t>www.ams.org/samplings/feature-column/fcarc-pagerank</a:t>
             </a:r>
@@ -14536,13 +15635,13 @@
             </a:r>
             <a:r>
               <a:rPr lang="en-US" sz="1200">
-                <a:hlinkClick r:id="rId3"/>
+                <a:hlinkClick r:id="rId4"/>
               </a:rPr>
               <a:t>https://</a:t>
             </a:r>
             <a:r>
               <a:rPr lang="en-US" sz="1200" smtClean="0">
-                <a:hlinkClick r:id="rId3"/>
+                <a:hlinkClick r:id="rId4"/>
               </a:rPr>
               <a:t>en.wikipedia.org/wiki/PageRank</a:t>
             </a:r>
@@ -14567,7 +15666,7 @@
             </a:r>
             <a:r>
               <a:rPr lang="en-US" sz="1200" smtClean="0">
-                <a:hlinkClick r:id="rId4"/>
+                <a:hlinkClick r:id="rId5"/>
               </a:rPr>
               <a:t>www.beanstalkim.com\</a:t>
             </a:r>
@@ -14589,6 +15688,22 @@
               <a:rPr lang="en-US" sz="1200"/>
               <a:t>. Ed. Ashish Goel. Stanford University. Web. 13 Apr. 2016. </a:t>
             </a:r>
+            <a:endParaRPr lang="en-US" sz="1200" smtClean="0"/>
+          </a:p>
+          <a:p>
+            <a:pPr marL="0" indent="0">
+              <a:buNone/>
+            </a:pPr>
+            <a:r>
+              <a:rPr lang="en-US" sz="1200" smtClean="0"/>
+              <a:t>[7] Google.com</a:t>
+            </a:r>
+          </a:p>
+          <a:p>
+            <a:pPr marL="0" indent="0">
+              <a:buNone/>
+            </a:pPr>
+            <a:endParaRPr lang="en-US" sz="1200"/>
           </a:p>
           <a:p>
             <a:pPr marL="0" indent="0">
@@ -14635,30 +15750,6 @@
           </a:p>
         </p:txBody>
       </p:sp>
-      <p:pic>
-        <p:nvPicPr>
-          <p:cNvPr id="3" name="Picture 2"/>
-          <p:cNvPicPr>
-            <a:picLocks noChangeAspect="1"/>
-          </p:cNvPicPr>
-          <p:nvPr/>
-        </p:nvPicPr>
-        <p:blipFill>
-          <a:blip r:embed="rId5"/>
-          <a:stretch>
-            <a:fillRect/>
-          </a:stretch>
-        </p:blipFill>
-        <p:spPr>
-          <a:xfrm>
-            <a:off x="3581400" y="3733800"/>
-            <a:ext cx="5467350" cy="2933700"/>
-          </a:xfrm>
-          <a:prstGeom prst="rect">
-            <a:avLst/>
-          </a:prstGeom>
-        </p:spPr>
-      </p:pic>
       <p:sp>
         <p:nvSpPr>
           <p:cNvPr id="4" name="Rectangle 3"/>
@@ -14783,7 +15874,7 @@
         </p:blipFill>
         <p:spPr>
           <a:xfrm>
-            <a:off x="3205162" y="2190750"/>
+            <a:off x="4191000" y="2190750"/>
             <a:ext cx="2733675" cy="2476500"/>
           </a:xfrm>
           <a:prstGeom prst="rect">
@@ -14799,8 +15890,8 @@
         </p:nvSpPr>
         <p:spPr>
           <a:xfrm>
-            <a:off x="8686800" y="6336268"/>
-            <a:ext cx="441146" cy="369332"/>
+            <a:off x="8318133" y="6325671"/>
+            <a:ext cx="633507" cy="369332"/>
           </a:xfrm>
           <a:prstGeom prst="rect">
             <a:avLst/>
@@ -14815,12 +15906,64 @@
           <a:p>
             <a:r>
               <a:rPr lang="en-US" smtClean="0"/>
-              <a:t>[2]</a:t>
+              <a:t>[</a:t>
+            </a:r>
+            <a:r>
+              <a:rPr lang="en-US" smtClean="0"/>
+              <a:t>2,7]</a:t>
             </a:r>
             <a:endParaRPr lang="en-US"/>
           </a:p>
         </p:txBody>
       </p:sp>
+      <p:pic>
+        <p:nvPicPr>
+          <p:cNvPr id="6" name="Picture 5"/>
+          <p:cNvPicPr>
+            <a:picLocks noChangeAspect="1"/>
+          </p:cNvPicPr>
+          <p:nvPr/>
+        </p:nvPicPr>
+        <p:blipFill>
+          <a:blip r:embed="rId3"/>
+          <a:stretch>
+            <a:fillRect/>
+          </a:stretch>
+        </p:blipFill>
+        <p:spPr>
+          <a:xfrm>
+            <a:off x="1856520" y="941754"/>
+            <a:ext cx="1352550" cy="1133475"/>
+          </a:xfrm>
+          <a:prstGeom prst="rect">
+            <a:avLst/>
+          </a:prstGeom>
+        </p:spPr>
+      </p:pic>
+      <p:pic>
+        <p:nvPicPr>
+          <p:cNvPr id="7" name="Picture 6"/>
+          <p:cNvPicPr>
+            <a:picLocks noChangeAspect="1"/>
+          </p:cNvPicPr>
+          <p:nvPr/>
+        </p:nvPicPr>
+        <p:blipFill>
+          <a:blip r:embed="rId4"/>
+          <a:stretch>
+            <a:fillRect/>
+          </a:stretch>
+        </p:blipFill>
+        <p:spPr>
+          <a:xfrm>
+            <a:off x="76200" y="3429000"/>
+            <a:ext cx="3649066" cy="3081337"/>
+          </a:xfrm>
+          <a:prstGeom prst="rect">
+            <a:avLst/>
+          </a:prstGeom>
+        </p:spPr>
+      </p:pic>
     </p:spTree>
     <p:extLst>
       <p:ext uri="{BB962C8B-B14F-4D97-AF65-F5344CB8AC3E}">
@@ -15052,10 +16195,10 @@
           <a:lstStyle/>
           <a:p>
             <a:r>
-              <a:rPr lang="en-US" smtClean="0"/>
+              <a:rPr lang="en-US" sz="3600" smtClean="0"/>
               <a:t>Transition Matrix from Previous Slide</a:t>
             </a:r>
-            <a:endParaRPr lang="en-US"/>
+            <a:endParaRPr lang="en-US" sz="3600"/>
           </a:p>
         </p:txBody>
       </p:sp>

--- a/Team 01 Final Project.pptx
+++ b/Team 01 Final Project.pptx
@@ -4002,8 +4002,8 @@
         </p:nvSpPr>
         <p:spPr>
           <a:xfrm>
-            <a:off x="6248400" y="2362200"/>
-            <a:ext cx="2743200" cy="1752600"/>
+            <a:off x="5694363" y="2133600"/>
+            <a:ext cx="2743200" cy="762000"/>
           </a:xfrm>
         </p:spPr>
         <p:txBody>
@@ -4012,14 +4012,14 @@
           <a:p>
             <a:pPr eaLnBrk="1" hangingPunct="1"/>
             <a:r>
-              <a:rPr lang="en-US" altLang="en-US" dirty="0" smtClean="0"/>
+              <a:rPr lang="en-US" altLang="en-US" sz="2000" dirty="0" smtClean="0"/>
               <a:t>Final Project</a:t>
             </a:r>
           </a:p>
           <a:p>
             <a:pPr eaLnBrk="1" hangingPunct="1"/>
             <a:r>
-              <a:rPr lang="en-US" altLang="en-US" dirty="0" smtClean="0"/>
+              <a:rPr lang="en-US" altLang="en-US" sz="2000" dirty="0" smtClean="0"/>
               <a:t>Team 01</a:t>
             </a:r>
           </a:p>
@@ -4048,14 +4048,14 @@
           <a:p>
             <a:pPr eaLnBrk="1" hangingPunct="1"/>
             <a:r>
-              <a:rPr lang="en-US" altLang="en-US" sz="3200" dirty="0" smtClean="0"/>
+              <a:rPr lang="en-US" altLang="en-US" sz="1800" dirty="0" smtClean="0"/>
               <a:t>CS 7081</a:t>
             </a:r>
             <a:br>
-              <a:rPr lang="en-US" altLang="en-US" sz="3200" dirty="0" smtClean="0"/>
+              <a:rPr lang="en-US" altLang="en-US" sz="1800" dirty="0" smtClean="0"/>
             </a:br>
             <a:r>
-              <a:rPr lang="en-US" altLang="en-US" sz="3200" dirty="0" smtClean="0"/>
+              <a:rPr lang="en-US" altLang="en-US" sz="1800" dirty="0" smtClean="0"/>
               <a:t>Advanced Algorithms</a:t>
             </a:r>
           </a:p>
@@ -4140,7 +4140,7 @@
         </p:nvSpPr>
         <p:spPr>
           <a:xfrm>
-            <a:off x="5656263" y="4823936"/>
+            <a:off x="6068858" y="4999672"/>
             <a:ext cx="2819400" cy="1477328"/>
           </a:xfrm>
           <a:prstGeom prst="rect">
@@ -4284,8 +4284,8 @@
         </p:nvSpPr>
         <p:spPr>
           <a:xfrm>
-            <a:off x="76199" y="2133600"/>
-            <a:ext cx="4572000" cy="646331"/>
+            <a:off x="32396" y="968386"/>
+            <a:ext cx="4572000" cy="1569660"/>
           </a:xfrm>
           <a:prstGeom prst="rect">
             <a:avLst/>
@@ -4303,14 +4303,14 @@
               </a:spcBef>
             </a:pPr>
             <a:r>
-              <a:rPr lang="en-US" b="1">
+              <a:rPr lang="en-US" sz="3200" b="1">
                 <a:latin typeface="Calibri" panose="020F0502020204030204" pitchFamily="34" charset="0"/>
                 <a:ea typeface="Calibri" panose="020F0502020204030204" pitchFamily="34" charset="0"/>
                 <a:cs typeface="Times New Roman" panose="02020603050405020304" pitchFamily="18" charset="0"/>
               </a:rPr>
               <a:t>Extending Page Rank to Rank Entities That Are Not Directly Related</a:t>
             </a:r>
-            <a:endParaRPr lang="en-US" sz="1200">
+            <a:endParaRPr lang="en-US" sz="2000">
               <a:effectLst/>
               <a:latin typeface="Calibri" panose="020F0502020204030204" pitchFamily="34" charset="0"/>
               <a:ea typeface="Calibri" panose="020F0502020204030204" pitchFamily="34" charset="0"/>
@@ -16572,7 +16572,7 @@
           <a:graphicData uri="http://schemas.openxmlformats.org/presentationml/2006/ole">
             <mc:AlternateContent xmlns:mc="http://schemas.openxmlformats.org/markup-compatibility/2006">
               <mc:Choice xmlns:v="urn:schemas-microsoft-com:vml" Requires="v">
-                <p:oleObj spid="_x0000_s1042" name="Worksheet" r:id="rId3" imgW="8077245" imgH="4962600" progId="Excel.Sheet.12">
+                <p:oleObj spid="_x0000_s1050" name="Worksheet" r:id="rId3" imgW="8077245" imgH="4962600" progId="Excel.Sheet.12">
                   <p:embed/>
                 </p:oleObj>
               </mc:Choice>
@@ -21980,30 +21980,6 @@
           </a:p>
         </p:txBody>
       </p:sp>
-      <p:pic>
-        <p:nvPicPr>
-          <p:cNvPr id="4" name="Picture 3"/>
-          <p:cNvPicPr>
-            <a:picLocks noChangeAspect="1"/>
-          </p:cNvPicPr>
-          <p:nvPr/>
-        </p:nvPicPr>
-        <p:blipFill>
-          <a:blip r:embed="rId2"/>
-          <a:stretch>
-            <a:fillRect/>
-          </a:stretch>
-        </p:blipFill>
-        <p:spPr>
-          <a:xfrm>
-            <a:off x="4191000" y="2190750"/>
-            <a:ext cx="2733675" cy="2476500"/>
-          </a:xfrm>
-          <a:prstGeom prst="rect">
-            <a:avLst/>
-          </a:prstGeom>
-        </p:spPr>
-      </p:pic>
       <p:sp>
         <p:nvSpPr>
           <p:cNvPr id="5" name="TextBox 4"/>
@@ -22043,7 +22019,7 @@
           <p:nvPr/>
         </p:nvPicPr>
         <p:blipFill>
-          <a:blip r:embed="rId3"/>
+          <a:blip r:embed="rId2"/>
           <a:stretch>
             <a:fillRect/>
           </a:stretch>
@@ -22067,7 +22043,7 @@
           <p:nvPr/>
         </p:nvPicPr>
         <p:blipFill>
-          <a:blip r:embed="rId4"/>
+          <a:blip r:embed="rId3"/>
           <a:stretch>
             <a:fillRect/>
           </a:stretch>
@@ -22076,6 +22052,30 @@
           <a:xfrm>
             <a:off x="76200" y="3429000"/>
             <a:ext cx="3649066" cy="3081337"/>
+          </a:xfrm>
+          <a:prstGeom prst="rect">
+            <a:avLst/>
+          </a:prstGeom>
+        </p:spPr>
+      </p:pic>
+      <p:pic>
+        <p:nvPicPr>
+          <p:cNvPr id="3" name="Picture 2"/>
+          <p:cNvPicPr>
+            <a:picLocks noChangeAspect="1"/>
+          </p:cNvPicPr>
+          <p:nvPr/>
+        </p:nvPicPr>
+        <p:blipFill>
+          <a:blip r:embed="rId4"/>
+          <a:stretch>
+            <a:fillRect/>
+          </a:stretch>
+        </p:blipFill>
+        <p:spPr>
+          <a:xfrm>
+            <a:off x="4191000" y="2286000"/>
+            <a:ext cx="4629150" cy="3267075"/>
           </a:xfrm>
           <a:prstGeom prst="rect">
             <a:avLst/>
@@ -22092,6 +22092,13 @@
   <p:clrMapOvr>
     <a:masterClrMapping/>
   </p:clrMapOvr>
+  <p:timing>
+    <p:tnLst>
+      <p:par>
+        <p:cTn id="1" dur="indefinite" restart="never" nodeType="tmRoot"/>
+      </p:par>
+    </p:tnLst>
+  </p:timing>
 </p:sld>
 </file>
 
@@ -22129,7 +22136,26 @@
           <a:p>
             <a:r>
               <a:rPr lang="en-US" dirty="0" smtClean="0"/>
-              <a:t>Page Rank: compute the ranking vector</a:t>
+              <a:t>Page Rank</a:t>
+            </a:r>
+            <a:r>
+              <a:rPr lang="en-US" smtClean="0"/>
+              <a:t>: </a:t>
+            </a:r>
+            <a:r>
+              <a:rPr lang="en-US" smtClean="0"/>
+              <a:t/>
+            </a:r>
+            <a:br>
+              <a:rPr lang="en-US" smtClean="0"/>
+            </a:br>
+            <a:r>
+              <a:rPr lang="en-US" smtClean="0"/>
+              <a:t>compute </a:t>
+            </a:r>
+            <a:r>
+              <a:rPr lang="en-US" dirty="0" smtClean="0"/>
+              <a:t>the ranking vector</a:t>
             </a:r>
             <a:endParaRPr lang="en-US" dirty="0"/>
           </a:p>
@@ -22193,6 +22219,13 @@
   <p:clrMapOvr>
     <a:masterClrMapping/>
   </p:clrMapOvr>
+  <p:timing>
+    <p:tnLst>
+      <p:par>
+        <p:cTn id="1" dur="indefinite" restart="never" nodeType="tmRoot"/>
+      </p:par>
+    </p:tnLst>
+  </p:timing>
 </p:sld>
 </file>
 
@@ -22230,7 +22263,15 @@
           <a:p>
             <a:r>
               <a:rPr lang="en-US" dirty="0" smtClean="0"/>
-              <a:t>Apply Page Rank to </a:t>
+              <a:t>Apply Page </a:t>
+            </a:r>
+            <a:r>
+              <a:rPr lang="en-US" smtClean="0"/>
+              <a:t>Rank </a:t>
+            </a:r>
+            <a:r>
+              <a:rPr lang="en-US" smtClean="0"/>
+              <a:t>to this… </a:t>
             </a:r>
             <a:endParaRPr lang="en-US" dirty="0"/>
           </a:p>
@@ -22298,8 +22339,8 @@
         </p:nvSpPr>
         <p:spPr>
           <a:xfrm>
-            <a:off x="1295400" y="5715000"/>
-            <a:ext cx="6870214" cy="923330"/>
+            <a:off x="2133600" y="5943600"/>
+            <a:ext cx="4596130" cy="369332"/>
           </a:xfrm>
           <a:prstGeom prst="rect">
             <a:avLst/>
@@ -22312,23 +22353,22 @@
           </a:bodyPr>
           <a:lstStyle/>
           <a:p>
+            <a:pPr algn="ctr"/>
             <a:r>
-              <a:rPr lang="en-US" dirty="0" smtClean="0"/>
-              <a:t>These ‘links’ are organic: clients link to items by purchasing them.</a:t>
+              <a:rPr lang="en-US" b="1" smtClean="0">
+                <a:solidFill>
+                  <a:srgbClr val="FF0000"/>
+                </a:solidFill>
+              </a:rPr>
+              <a:t>There </a:t>
             </a:r>
-          </a:p>
-          <a:p>
-            <a:endParaRPr lang="en-US" dirty="0" smtClean="0"/>
-          </a:p>
-          <a:p>
-            <a:pPr algn="ctr"/>
             <a:r>
               <a:rPr lang="en-US" b="1" dirty="0" smtClean="0">
                 <a:solidFill>
                   <a:srgbClr val="FF0000"/>
                 </a:solidFill>
               </a:rPr>
-              <a:t>There are no links from Items to Clients!</a:t>
+              <a:t>are no links from Items to Clients!</a:t>
             </a:r>
             <a:endParaRPr lang="en-US" b="1" dirty="0">
               <a:solidFill>
@@ -22346,8 +22386,8 @@
         </p:nvSpPr>
         <p:spPr>
           <a:xfrm>
-            <a:off x="875241" y="3110092"/>
-            <a:ext cx="1714500" cy="923330"/>
+            <a:off x="152400" y="3110092"/>
+            <a:ext cx="2437341" cy="923330"/>
           </a:xfrm>
           <a:prstGeom prst="rect">
             <a:avLst/>
@@ -22362,17 +22402,51 @@
           <a:p>
             <a:r>
               <a:rPr lang="en-US" smtClean="0"/>
-              <a:t>Every </a:t>
-            </a:r>
-            <a:r>
-              <a:rPr lang="en-US" smtClean="0"/>
-              <a:t>client </a:t>
+              <a:t>In this example, every client </a:t>
             </a:r>
             <a:r>
               <a:rPr lang="en-US" dirty="0" smtClean="0"/>
               <a:t>has purchased every Item</a:t>
             </a:r>
             <a:endParaRPr lang="en-US" dirty="0"/>
+          </a:p>
+        </p:txBody>
+      </p:sp>
+      <p:sp>
+        <p:nvSpPr>
+          <p:cNvPr id="3" name="TextBox 2"/>
+          <p:cNvSpPr txBox="1"/>
+          <p:nvPr/>
+        </p:nvSpPr>
+        <p:spPr>
+          <a:xfrm>
+            <a:off x="1219200" y="5391834"/>
+            <a:ext cx="6870214" cy="369332"/>
+          </a:xfrm>
+          <a:prstGeom prst="rect">
+            <a:avLst/>
+          </a:prstGeom>
+          <a:noFill/>
+        </p:spPr>
+        <p:txBody>
+          <a:bodyPr wrap="none" rtlCol="0">
+            <a:spAutoFit/>
+          </a:bodyPr>
+          <a:lstStyle/>
+          <a:p>
+            <a:r>
+              <a:rPr lang="en-US"/>
+              <a:t>These ‘links’ are organic: clients link to items by purchasing </a:t>
+            </a:r>
+            <a:r>
+              <a:rPr lang="en-US"/>
+              <a:t>them</a:t>
+            </a:r>
+            <a:r>
+              <a:rPr lang="en-US" smtClean="0"/>
+              <a:t>.</a:t>
+            </a:r>
+            <a:endParaRPr lang="en-US"/>
           </a:p>
         </p:txBody>
       </p:sp>
@@ -22386,6 +22460,130 @@
   <p:clrMapOvr>
     <a:masterClrMapping/>
   </p:clrMapOvr>
+  <p:timing>
+    <p:tnLst>
+      <p:par>
+        <p:cTn id="1" dur="indefinite" restart="never" nodeType="tmRoot">
+          <p:childTnLst>
+            <p:seq concurrent="1" nextAc="seek">
+              <p:cTn id="2" dur="indefinite" nodeType="mainSeq">
+                <p:childTnLst>
+                  <p:par>
+                    <p:cTn id="3" fill="hold">
+                      <p:stCondLst>
+                        <p:cond delay="indefinite"/>
+                      </p:stCondLst>
+                      <p:childTnLst>
+                        <p:par>
+                          <p:cTn id="4" fill="hold">
+                            <p:stCondLst>
+                              <p:cond delay="0"/>
+                            </p:stCondLst>
+                            <p:childTnLst>
+                              <p:par>
+                                <p:cTn id="5" presetID="2" presetClass="entr" presetSubtype="4" fill="hold" grpId="0" nodeType="clickEffect">
+                                  <p:stCondLst>
+                                    <p:cond delay="0"/>
+                                  </p:stCondLst>
+                                  <p:childTnLst>
+                                    <p:set>
+                                      <p:cBhvr>
+                                        <p:cTn id="6" dur="1" fill="hold">
+                                          <p:stCondLst>
+                                            <p:cond delay="0"/>
+                                          </p:stCondLst>
+                                        </p:cTn>
+                                        <p:tgtEl>
+                                          <p:spTgt spid="6"/>
+                                        </p:tgtEl>
+                                        <p:attrNameLst>
+                                          <p:attrName>style.visibility</p:attrName>
+                                        </p:attrNameLst>
+                                      </p:cBhvr>
+                                      <p:to>
+                                        <p:strVal val="visible"/>
+                                      </p:to>
+                                    </p:set>
+                                    <p:anim calcmode="lin" valueType="num">
+                                      <p:cBhvr additive="base">
+                                        <p:cTn id="7" dur="3000" fill="hold"/>
+                                        <p:tgtEl>
+                                          <p:spTgt spid="6"/>
+                                        </p:tgtEl>
+                                        <p:attrNameLst>
+                                          <p:attrName>ppt_x</p:attrName>
+                                        </p:attrNameLst>
+                                      </p:cBhvr>
+                                      <p:tavLst>
+                                        <p:tav tm="0">
+                                          <p:val>
+                                            <p:strVal val="#ppt_x"/>
+                                          </p:val>
+                                        </p:tav>
+                                        <p:tav tm="100000">
+                                          <p:val>
+                                            <p:strVal val="#ppt_x"/>
+                                          </p:val>
+                                        </p:tav>
+                                      </p:tavLst>
+                                    </p:anim>
+                                    <p:anim calcmode="lin" valueType="num">
+                                      <p:cBhvr additive="base">
+                                        <p:cTn id="8" dur="3000" fill="hold"/>
+                                        <p:tgtEl>
+                                          <p:spTgt spid="6"/>
+                                        </p:tgtEl>
+                                        <p:attrNameLst>
+                                          <p:attrName>ppt_y</p:attrName>
+                                        </p:attrNameLst>
+                                      </p:cBhvr>
+                                      <p:tavLst>
+                                        <p:tav tm="0">
+                                          <p:val>
+                                            <p:strVal val="1+#ppt_h/2"/>
+                                          </p:val>
+                                        </p:tav>
+                                        <p:tav tm="100000">
+                                          <p:val>
+                                            <p:strVal val="#ppt_y"/>
+                                          </p:val>
+                                        </p:tav>
+                                      </p:tavLst>
+                                    </p:anim>
+                                  </p:childTnLst>
+                                </p:cTn>
+                              </p:par>
+                            </p:childTnLst>
+                          </p:cTn>
+                        </p:par>
+                      </p:childTnLst>
+                    </p:cTn>
+                  </p:par>
+                </p:childTnLst>
+              </p:cTn>
+              <p:prevCondLst>
+                <p:cond evt="onPrev" delay="0">
+                  <p:tgtEl>
+                    <p:sldTgt/>
+                  </p:tgtEl>
+                </p:cond>
+              </p:prevCondLst>
+              <p:nextCondLst>
+                <p:cond evt="onNext" delay="0">
+                  <p:tgtEl>
+                    <p:sldTgt/>
+                  </p:tgtEl>
+                </p:cond>
+              </p:nextCondLst>
+            </p:seq>
+          </p:childTnLst>
+        </p:cTn>
+      </p:par>
+    </p:tnLst>
+    <p:bldLst>
+      <p:bldP spid="6" grpId="0"/>
+    </p:bldLst>
+  </p:timing>
 </p:sld>
 </file>
 
@@ -27424,6 +27622,13 @@
   <p:clrMapOvr>
     <a:masterClrMapping/>
   </p:clrMapOvr>
+  <p:timing>
+    <p:tnLst>
+      <p:par>
+        <p:cTn id="1" dur="indefinite" restart="never" nodeType="tmRoot"/>
+      </p:par>
+    </p:tnLst>
+  </p:timing>
 </p:sld>
 </file>
 
@@ -33285,6 +33490,30 @@
           </a:p>
         </p:txBody>
       </p:sp>
+      <p:pic>
+        <p:nvPicPr>
+          <p:cNvPr id="2" name="Picture 1"/>
+          <p:cNvPicPr>
+            <a:picLocks noChangeAspect="1"/>
+          </p:cNvPicPr>
+          <p:nvPr/>
+        </p:nvPicPr>
+        <p:blipFill>
+          <a:blip r:embed="rId3"/>
+          <a:stretch>
+            <a:fillRect/>
+          </a:stretch>
+        </p:blipFill>
+        <p:spPr>
+          <a:xfrm>
+            <a:off x="3238500" y="4191000"/>
+            <a:ext cx="5067300" cy="2333625"/>
+          </a:xfrm>
+          <a:prstGeom prst="rect">
+            <a:avLst/>
+          </a:prstGeom>
+        </p:spPr>
+      </p:pic>
     </p:spTree>
     <p:extLst>
       <p:ext uri="{BB962C8B-B14F-4D97-AF65-F5344CB8AC3E}">

--- a/Team 01 Final Project.pptx
+++ b/Team 01 Final Project.pptx
@@ -16572,7 +16572,7 @@
           <a:graphicData uri="http://schemas.openxmlformats.org/presentationml/2006/ole">
             <mc:AlternateContent xmlns:mc="http://schemas.openxmlformats.org/markup-compatibility/2006">
               <mc:Choice xmlns:v="urn:schemas-microsoft-com:vml" Requires="v">
-                <p:oleObj spid="_x0000_s1050" name="Worksheet" r:id="rId3" imgW="8077245" imgH="4962600" progId="Excel.Sheet.12">
+                <p:oleObj spid="_x0000_s1056" name="Worksheet" r:id="rId3" imgW="8077245" imgH="4962600" progId="Excel.Sheet.12">
                   <p:embed/>
                 </p:oleObj>
               </mc:Choice>
@@ -22339,8 +22339,8 @@
         </p:nvSpPr>
         <p:spPr>
           <a:xfrm>
-            <a:off x="2133600" y="5943600"/>
-            <a:ext cx="4596130" cy="369332"/>
+            <a:off x="2107208" y="5899488"/>
+            <a:ext cx="4801314" cy="369332"/>
           </a:xfrm>
           <a:prstGeom prst="rect">
             <a:avLst/>
@@ -22368,7 +22368,31 @@
                   <a:srgbClr val="FF0000"/>
                 </a:solidFill>
               </a:rPr>
-              <a:t>are no links from Items to Clients!</a:t>
+              <a:t>are </a:t>
+            </a:r>
+            <a:r>
+              <a:rPr lang="en-US" b="1" smtClean="0">
+                <a:solidFill>
+                  <a:srgbClr val="FF0000"/>
+                </a:solidFill>
+              </a:rPr>
+              <a:t>no </a:t>
+            </a:r>
+            <a:r>
+              <a:rPr lang="en-US" b="1" smtClean="0">
+                <a:solidFill>
+                  <a:srgbClr val="FF0000"/>
+                </a:solidFill>
+              </a:rPr>
+              <a:t>edges </a:t>
+            </a:r>
+            <a:r>
+              <a:rPr lang="en-US" b="1" dirty="0" smtClean="0">
+                <a:solidFill>
+                  <a:srgbClr val="FF0000"/>
+                </a:solidFill>
+              </a:rPr>
+              <a:t>from Items to Clients!</a:t>
             </a:r>
             <a:endParaRPr lang="en-US" b="1" dirty="0">
               <a:solidFill>
@@ -22481,14 +22505,190 @@
                             </p:stCondLst>
                             <p:childTnLst>
                               <p:par>
-                                <p:cTn id="5" presetID="2" presetClass="entr" presetSubtype="4" fill="hold" grpId="0" nodeType="clickEffect">
+                                <p:cTn id="5" presetID="10" presetClass="entr" presetSubtype="0" fill="hold" nodeType="clickEffect">
+                                  <p:stCondLst>
+                                    <p:cond delay="1000"/>
+                                  </p:stCondLst>
+                                  <p:childTnLst>
+                                    <p:set>
+                                      <p:cBhvr>
+                                        <p:cTn id="6" dur="1" fill="hold">
+                                          <p:stCondLst>
+                                            <p:cond delay="0"/>
+                                          </p:stCondLst>
+                                        </p:cTn>
+                                        <p:tgtEl>
+                                          <p:spTgt spid="4"/>
+                                        </p:tgtEl>
+                                        <p:attrNameLst>
+                                          <p:attrName>style.visibility</p:attrName>
+                                        </p:attrNameLst>
+                                      </p:cBhvr>
+                                      <p:to>
+                                        <p:strVal val="visible"/>
+                                      </p:to>
+                                    </p:set>
+                                    <p:animEffect transition="in" filter="fade">
+                                      <p:cBhvr>
+                                        <p:cTn id="7" dur="1000"/>
+                                        <p:tgtEl>
+                                          <p:spTgt spid="4"/>
+                                        </p:tgtEl>
+                                      </p:cBhvr>
+                                    </p:animEffect>
+                                  </p:childTnLst>
+                                </p:cTn>
+                              </p:par>
+                            </p:childTnLst>
+                          </p:cTn>
+                        </p:par>
+                        <p:par>
+                          <p:cTn id="8" fill="hold">
+                            <p:stCondLst>
+                              <p:cond delay="2000"/>
+                            </p:stCondLst>
+                            <p:childTnLst>
+                              <p:par>
+                                <p:cTn id="9" presetID="10" presetClass="entr" presetSubtype="0" fill="hold" grpId="0" nodeType="afterEffect">
                                   <p:stCondLst>
                                     <p:cond delay="0"/>
                                   </p:stCondLst>
                                   <p:childTnLst>
                                     <p:set>
                                       <p:cBhvr>
-                                        <p:cTn id="6" dur="1" fill="hold">
+                                        <p:cTn id="10" dur="1" fill="hold">
+                                          <p:stCondLst>
+                                            <p:cond delay="0"/>
+                                          </p:stCondLst>
+                                        </p:cTn>
+                                        <p:tgtEl>
+                                          <p:spTgt spid="7"/>
+                                        </p:tgtEl>
+                                        <p:attrNameLst>
+                                          <p:attrName>style.visibility</p:attrName>
+                                        </p:attrNameLst>
+                                      </p:cBhvr>
+                                      <p:to>
+                                        <p:strVal val="visible"/>
+                                      </p:to>
+                                    </p:set>
+                                    <p:animEffect transition="in" filter="fade">
+                                      <p:cBhvr>
+                                        <p:cTn id="11" dur="5000"/>
+                                        <p:tgtEl>
+                                          <p:spTgt spid="7"/>
+                                        </p:tgtEl>
+                                      </p:cBhvr>
+                                    </p:animEffect>
+                                  </p:childTnLst>
+                                </p:cTn>
+                              </p:par>
+                            </p:childTnLst>
+                          </p:cTn>
+                        </p:par>
+                        <p:par>
+                          <p:cTn id="12" fill="hold">
+                            <p:stCondLst>
+                              <p:cond delay="7000"/>
+                            </p:stCondLst>
+                            <p:childTnLst>
+                              <p:par>
+                                <p:cTn id="13" presetID="10" presetClass="entr" presetSubtype="0" fill="hold" grpId="0" nodeType="afterEffect">
+                                  <p:stCondLst>
+                                    <p:cond delay="5000"/>
+                                  </p:stCondLst>
+                                  <p:childTnLst>
+                                    <p:set>
+                                      <p:cBhvr>
+                                        <p:cTn id="14" dur="1" fill="hold">
+                                          <p:stCondLst>
+                                            <p:cond delay="0"/>
+                                          </p:stCondLst>
+                                        </p:cTn>
+                                        <p:tgtEl>
+                                          <p:spTgt spid="5"/>
+                                        </p:tgtEl>
+                                        <p:attrNameLst>
+                                          <p:attrName>style.visibility</p:attrName>
+                                        </p:attrNameLst>
+                                      </p:cBhvr>
+                                      <p:to>
+                                        <p:strVal val="visible"/>
+                                      </p:to>
+                                    </p:set>
+                                    <p:animEffect transition="in" filter="fade">
+                                      <p:cBhvr>
+                                        <p:cTn id="15" dur="500"/>
+                                        <p:tgtEl>
+                                          <p:spTgt spid="5"/>
+                                        </p:tgtEl>
+                                      </p:cBhvr>
+                                    </p:animEffect>
+                                  </p:childTnLst>
+                                </p:cTn>
+                              </p:par>
+                            </p:childTnLst>
+                          </p:cTn>
+                        </p:par>
+                        <p:par>
+                          <p:cTn id="16" fill="hold">
+                            <p:stCondLst>
+                              <p:cond delay="12500"/>
+                            </p:stCondLst>
+                            <p:childTnLst>
+                              <p:par>
+                                <p:cTn id="17" presetID="10" presetClass="entr" presetSubtype="0" fill="hold" grpId="0" nodeType="afterEffect">
+                                  <p:stCondLst>
+                                    <p:cond delay="5000"/>
+                                  </p:stCondLst>
+                                  <p:childTnLst>
+                                    <p:set>
+                                      <p:cBhvr>
+                                        <p:cTn id="18" dur="1" fill="hold">
+                                          <p:stCondLst>
+                                            <p:cond delay="0"/>
+                                          </p:stCondLst>
+                                        </p:cTn>
+                                        <p:tgtEl>
+                                          <p:spTgt spid="3"/>
+                                        </p:tgtEl>
+                                        <p:attrNameLst>
+                                          <p:attrName>style.visibility</p:attrName>
+                                        </p:attrNameLst>
+                                      </p:cBhvr>
+                                      <p:to>
+                                        <p:strVal val="visible"/>
+                                      </p:to>
+                                    </p:set>
+                                    <p:animEffect transition="in" filter="fade">
+                                      <p:cBhvr>
+                                        <p:cTn id="19" dur="2000"/>
+                                        <p:tgtEl>
+                                          <p:spTgt spid="3"/>
+                                        </p:tgtEl>
+                                      </p:cBhvr>
+                                    </p:animEffect>
+                                  </p:childTnLst>
+                                </p:cTn>
+                              </p:par>
+                            </p:childTnLst>
+                          </p:cTn>
+                        </p:par>
+                        <p:par>
+                          <p:cTn id="20" fill="hold">
+                            <p:stCondLst>
+                              <p:cond delay="19500"/>
+                            </p:stCondLst>
+                            <p:childTnLst>
+                              <p:par>
+                                <p:cTn id="21" presetID="2" presetClass="entr" presetSubtype="4" fill="hold" grpId="0" nodeType="afterEffect">
+                                  <p:stCondLst>
+                                    <p:cond delay="10000"/>
+                                  </p:stCondLst>
+                                  <p:childTnLst>
+                                    <p:set>
+                                      <p:cBhvr>
+                                        <p:cTn id="22" dur="1" fill="hold">
                                           <p:stCondLst>
                                             <p:cond delay="0"/>
                                           </p:stCondLst>
@@ -22506,7 +22706,7 @@
                                     </p:set>
                                     <p:anim calcmode="lin" valueType="num">
                                       <p:cBhvr additive="base">
-                                        <p:cTn id="7" dur="3000" fill="hold"/>
+                                        <p:cTn id="23" dur="3000" fill="hold"/>
                                         <p:tgtEl>
                                           <p:spTgt spid="6"/>
                                         </p:tgtEl>
@@ -22529,7 +22729,7 @@
                                     </p:anim>
                                     <p:anim calcmode="lin" valueType="num">
                                       <p:cBhvr additive="base">
-                                        <p:cTn id="8" dur="3000" fill="hold"/>
+                                        <p:cTn id="24" dur="3000" fill="hold"/>
                                         <p:tgtEl>
                                           <p:spTgt spid="6"/>
                                         </p:tgtEl>
@@ -22581,7 +22781,10 @@
       </p:par>
     </p:tnLst>
     <p:bldLst>
+      <p:bldP spid="5" grpId="0"/>
       <p:bldP spid="6" grpId="0"/>
+      <p:bldP spid="7" grpId="0"/>
+      <p:bldP spid="3" grpId="0"/>
     </p:bldLst>
   </p:timing>
 </p:sld>
@@ -27958,6 +28161,30 @@
           </a:prstGeom>
         </p:spPr>
       </p:pic>
+      <p:pic>
+        <p:nvPicPr>
+          <p:cNvPr id="8" name="Picture 7"/>
+          <p:cNvPicPr>
+            <a:picLocks noChangeAspect="1"/>
+          </p:cNvPicPr>
+          <p:nvPr/>
+        </p:nvPicPr>
+        <p:blipFill>
+          <a:blip r:embed="rId3"/>
+          <a:stretch>
+            <a:fillRect/>
+          </a:stretch>
+        </p:blipFill>
+        <p:spPr>
+          <a:xfrm>
+            <a:off x="19538" y="5275812"/>
+            <a:ext cx="2838450" cy="542925"/>
+          </a:xfrm>
+          <a:prstGeom prst="rect">
+            <a:avLst/>
+          </a:prstGeom>
+        </p:spPr>
+      </p:pic>
     </p:spTree>
     <p:extLst>
       <p:ext uri="{BB962C8B-B14F-4D97-AF65-F5344CB8AC3E}">
@@ -27968,6 +28195,13 @@
   <p:clrMapOvr>
     <a:masterClrMapping/>
   </p:clrMapOvr>
+  <p:timing>
+    <p:tnLst>
+      <p:par>
+        <p:cTn id="1" dur="indefinite" restart="never" nodeType="tmRoot"/>
+      </p:par>
+    </p:tnLst>
+  </p:timing>
 </p:sld>
 </file>
 
@@ -28083,6 +28317,13 @@
   <p:clrMapOvr>
     <a:masterClrMapping/>
   </p:clrMapOvr>
+  <p:timing>
+    <p:tnLst>
+      <p:par>
+        <p:cTn id="1" dur="indefinite" restart="never" nodeType="tmRoot"/>
+      </p:par>
+    </p:tnLst>
+  </p:timing>
 </p:sld>
 </file>
 
@@ -33327,6 +33568,13 @@
   <p:clrMapOvr>
     <a:masterClrMapping/>
   </p:clrMapOvr>
+  <p:timing>
+    <p:tnLst>
+      <p:par>
+        <p:cTn id="1" dur="indefinite" restart="never" nodeType="tmRoot"/>
+      </p:par>
+    </p:tnLst>
+  </p:timing>
 </p:sld>
 </file>
 

--- a/Team 01 Final Project.pptx
+++ b/Team 01 Final Project.pptx
@@ -5,7 +5,7 @@
     <p:sldMasterId id="2147483648" r:id="rId1"/>
   </p:sldMasterIdLst>
   <p:notesMasterIdLst>
-    <p:notesMasterId r:id="rId19"/>
+    <p:notesMasterId r:id="rId22"/>
   </p:notesMasterIdLst>
   <p:sldIdLst>
     <p:sldId id="256" r:id="rId2"/>
@@ -20,11 +20,14 @@
     <p:sldId id="295" r:id="rId11"/>
     <p:sldId id="296" r:id="rId12"/>
     <p:sldId id="298" r:id="rId13"/>
-    <p:sldId id="297" r:id="rId14"/>
-    <p:sldId id="299" r:id="rId15"/>
-    <p:sldId id="300" r:id="rId16"/>
-    <p:sldId id="301" r:id="rId17"/>
-    <p:sldId id="283" r:id="rId18"/>
+    <p:sldId id="302" r:id="rId14"/>
+    <p:sldId id="297" r:id="rId15"/>
+    <p:sldId id="299" r:id="rId16"/>
+    <p:sldId id="300" r:id="rId17"/>
+    <p:sldId id="303" r:id="rId18"/>
+    <p:sldId id="301" r:id="rId19"/>
+    <p:sldId id="283" r:id="rId20"/>
+    <p:sldId id="304" r:id="rId21"/>
   </p:sldIdLst>
   <p:sldSz cx="9144000" cy="6858000" type="screen4x3"/>
   <p:notesSz cx="6858000" cy="9144000"/>
@@ -4488,6 +4491,60 @@
           </a:p>
         </p:txBody>
       </p:sp>
+      <p:pic>
+        <p:nvPicPr>
+          <p:cNvPr id="6" name="Picture 5"/>
+          <p:cNvPicPr>
+            <a:picLocks noChangeAspect="1"/>
+          </p:cNvPicPr>
+          <p:nvPr/>
+        </p:nvPicPr>
+        <p:blipFill>
+          <a:blip r:embed="rId3"/>
+          <a:stretch>
+            <a:fillRect/>
+          </a:stretch>
+        </p:blipFill>
+        <p:spPr>
+          <a:xfrm>
+            <a:off x="3543723" y="4143375"/>
+            <a:ext cx="5067300" cy="2333625"/>
+          </a:xfrm>
+          <a:prstGeom prst="rect">
+            <a:avLst/>
+          </a:prstGeom>
+        </p:spPr>
+      </p:pic>
+      <p:sp>
+        <p:nvSpPr>
+          <p:cNvPr id="7" name="TextBox 6"/>
+          <p:cNvSpPr txBox="1"/>
+          <p:nvPr/>
+        </p:nvSpPr>
+        <p:spPr>
+          <a:xfrm rot="21282138">
+            <a:off x="5275186" y="4742041"/>
+            <a:ext cx="1800493" cy="369332"/>
+          </a:xfrm>
+          <a:prstGeom prst="rect">
+            <a:avLst/>
+          </a:prstGeom>
+          <a:noFill/>
+        </p:spPr>
+        <p:txBody>
+          <a:bodyPr wrap="none" rtlCol="0">
+            <a:spAutoFit/>
+          </a:bodyPr>
+          <a:lstStyle/>
+          <a:p>
+            <a:r>
+              <a:rPr lang="en-US" smtClean="0"/>
+              <a:t>Cost X Quantity</a:t>
+            </a:r>
+            <a:endParaRPr lang="en-US"/>
+          </a:p>
+        </p:txBody>
+      </p:sp>
     </p:spTree>
     <p:extLst>
       <p:ext uri="{BB962C8B-B14F-4D97-AF65-F5344CB8AC3E}">
@@ -4498,6 +4555,13 @@
   <p:clrMapOvr>
     <a:masterClrMapping/>
   </p:clrMapOvr>
+  <p:timing>
+    <p:tnLst>
+      <p:par>
+        <p:cTn id="1" dur="indefinite" restart="never" nodeType="tmRoot"/>
+      </p:par>
+    </p:tnLst>
+  </p:timing>
 </p:sld>
 </file>
 
@@ -14551,6 +14615,13 @@
   <p:clrMapOvr>
     <a:masterClrMapping/>
   </p:clrMapOvr>
+  <p:timing>
+    <p:tnLst>
+      <p:par>
+        <p:cTn id="1" dur="indefinite" restart="never" nodeType="tmRoot"/>
+      </p:par>
+    </p:tnLst>
+  </p:timing>
 </p:sld>
 </file>
 
@@ -14581,7 +14652,12 @@
             <p:ph type="title"/>
           </p:nvPr>
         </p:nvSpPr>
-        <p:spPr/>
+        <p:spPr>
+          <a:xfrm>
+            <a:off x="685800" y="914400"/>
+            <a:ext cx="7848600" cy="685800"/>
+          </a:xfrm>
+        </p:spPr>
         <p:txBody>
           <a:bodyPr/>
           <a:lstStyle/>
@@ -14610,8 +14686,12 @@
           <a:lstStyle/>
           <a:p>
             <a:r>
+              <a:rPr lang="en-US" smtClean="0"/>
+              <a:t>73 </a:t>
+            </a:r>
+            <a:r>
               <a:rPr lang="en-US" dirty="0" smtClean="0"/>
-              <a:t>78 Items</a:t>
+              <a:t>Items</a:t>
             </a:r>
           </a:p>
           <a:p>
@@ -14635,14 +14715,51 @@
           <a:p>
             <a:r>
               <a:rPr lang="en-US" dirty="0" smtClean="0"/>
-              <a:t>99 X 99 Transition Matrix</a:t>
+              <a:t>99 X 99 </a:t>
             </a:r>
+            <a:r>
+              <a:rPr lang="en-US" smtClean="0"/>
+              <a:t>Transition </a:t>
+            </a:r>
+            <a:r>
+              <a:rPr lang="en-US" smtClean="0"/>
+              <a:t>Matrix </a:t>
+            </a:r>
+            <a:r>
+              <a:rPr lang="en-US" sz="2000" smtClean="0"/>
+              <a:t>(too big for a slide)</a:t>
+            </a:r>
+            <a:endParaRPr lang="en-US" dirty="0" smtClean="0"/>
           </a:p>
           <a:p>
             <a:endParaRPr lang="en-US" dirty="0"/>
           </a:p>
         </p:txBody>
       </p:sp>
+      <p:pic>
+        <p:nvPicPr>
+          <p:cNvPr id="5" name="Picture 4"/>
+          <p:cNvPicPr>
+            <a:picLocks noChangeAspect="1"/>
+          </p:cNvPicPr>
+          <p:nvPr/>
+        </p:nvPicPr>
+        <p:blipFill>
+          <a:blip r:embed="rId2"/>
+          <a:stretch>
+            <a:fillRect/>
+          </a:stretch>
+        </p:blipFill>
+        <p:spPr>
+          <a:xfrm>
+            <a:off x="5181600" y="1752600"/>
+            <a:ext cx="3596653" cy="2343150"/>
+          </a:xfrm>
+          <a:prstGeom prst="rect">
+            <a:avLst/>
+          </a:prstGeom>
+        </p:spPr>
+      </p:pic>
     </p:spTree>
     <p:extLst>
       <p:ext uri="{BB962C8B-B14F-4D97-AF65-F5344CB8AC3E}">
@@ -14653,10 +14770,153 @@
   <p:clrMapOvr>
     <a:masterClrMapping/>
   </p:clrMapOvr>
+  <p:timing>
+    <p:tnLst>
+      <p:par>
+        <p:cTn id="1" dur="indefinite" restart="never" nodeType="tmRoot"/>
+      </p:par>
+    </p:tnLst>
+  </p:timing>
 </p:sld>
 </file>
 
 <file path=ppt/slides/slide13.xml><?xml version="1.0" encoding="utf-8"?>
+<p:sld xmlns:a="http://schemas.openxmlformats.org/drawingml/2006/main" xmlns:r="http://schemas.openxmlformats.org/officeDocument/2006/relationships" xmlns:p="http://schemas.openxmlformats.org/presentationml/2006/main">
+  <p:cSld>
+    <p:spTree>
+      <p:nvGrpSpPr>
+        <p:cNvPr id="1" name=""/>
+        <p:cNvGrpSpPr/>
+        <p:nvPr/>
+      </p:nvGrpSpPr>
+      <p:grpSpPr>
+        <a:xfrm>
+          <a:off x="0" y="0"/>
+          <a:ext cx="0" cy="0"/>
+          <a:chOff x="0" y="0"/>
+          <a:chExt cx="0" cy="0"/>
+        </a:xfrm>
+      </p:grpSpPr>
+      <p:sp>
+        <p:nvSpPr>
+          <p:cNvPr id="2" name="Title 1"/>
+          <p:cNvSpPr>
+            <a:spLocks noGrp="1"/>
+          </p:cNvSpPr>
+          <p:nvPr>
+            <p:ph type="title"/>
+          </p:nvPr>
+        </p:nvSpPr>
+        <p:spPr>
+          <a:xfrm>
+            <a:off x="685800" y="914400"/>
+            <a:ext cx="7848600" cy="685800"/>
+          </a:xfrm>
+        </p:spPr>
+        <p:txBody>
+          <a:bodyPr/>
+          <a:lstStyle/>
+          <a:p>
+            <a:r>
+              <a:rPr lang="en-US" dirty="0" smtClean="0"/>
+              <a:t>Real-World Data</a:t>
+            </a:r>
+            <a:endParaRPr lang="en-US" dirty="0"/>
+          </a:p>
+        </p:txBody>
+      </p:sp>
+      <p:pic>
+        <p:nvPicPr>
+          <p:cNvPr id="4" name="Picture 3"/>
+          <p:cNvPicPr>
+            <a:picLocks noChangeAspect="1"/>
+          </p:cNvPicPr>
+          <p:nvPr/>
+        </p:nvPicPr>
+        <p:blipFill>
+          <a:blip r:embed="rId2"/>
+          <a:stretch>
+            <a:fillRect/>
+          </a:stretch>
+        </p:blipFill>
+        <p:spPr>
+          <a:xfrm>
+            <a:off x="219075" y="2057400"/>
+            <a:ext cx="8782050" cy="2371725"/>
+          </a:xfrm>
+          <a:prstGeom prst="rect">
+            <a:avLst/>
+          </a:prstGeom>
+        </p:spPr>
+      </p:pic>
+      <p:sp>
+        <p:nvSpPr>
+          <p:cNvPr id="3" name="Content Placeholder 2"/>
+          <p:cNvSpPr>
+            <a:spLocks noGrp="1"/>
+          </p:cNvSpPr>
+          <p:nvPr>
+            <p:ph idx="1"/>
+          </p:nvPr>
+        </p:nvSpPr>
+        <p:spPr>
+          <a:xfrm>
+            <a:off x="685800" y="4724400"/>
+            <a:ext cx="7848600" cy="609600"/>
+          </a:xfrm>
+        </p:spPr>
+        <p:txBody>
+          <a:bodyPr/>
+          <a:lstStyle/>
+          <a:p>
+            <a:pPr marL="0" indent="0">
+              <a:buNone/>
+            </a:pPr>
+            <a:r>
+              <a:rPr lang="en-US" smtClean="0"/>
+              <a:t>99 </a:t>
+            </a:r>
+            <a:r>
+              <a:rPr lang="en-US" dirty="0" smtClean="0"/>
+              <a:t>X 99 </a:t>
+            </a:r>
+            <a:r>
+              <a:rPr lang="en-US" smtClean="0"/>
+              <a:t>Transition </a:t>
+            </a:r>
+            <a:r>
+              <a:rPr lang="en-US" smtClean="0"/>
+              <a:t>Matrix </a:t>
+            </a:r>
+            <a:r>
+              <a:rPr lang="en-US" sz="2000" smtClean="0"/>
+              <a:t>(too big for a slide)</a:t>
+            </a:r>
+            <a:endParaRPr lang="en-US" dirty="0"/>
+          </a:p>
+        </p:txBody>
+      </p:sp>
+    </p:spTree>
+    <p:extLst>
+      <p:ext uri="{BB962C8B-B14F-4D97-AF65-F5344CB8AC3E}">
+        <p14:creationId xmlns:p14="http://schemas.microsoft.com/office/powerpoint/2010/main" val="4262924258"/>
+      </p:ext>
+    </p:extLst>
+  </p:cSld>
+  <p:clrMapOvr>
+    <a:masterClrMapping/>
+  </p:clrMapOvr>
+  <p:timing>
+    <p:tnLst>
+      <p:par>
+        <p:cTn id="1" dur="indefinite" restart="never" nodeType="tmRoot"/>
+      </p:par>
+    </p:tnLst>
+  </p:timing>
+</p:sld>
+</file>
+
+<file path=ppt/slides/slide14.xml><?xml version="1.0" encoding="utf-8"?>
 <p:sld xmlns:a="http://schemas.openxmlformats.org/drawingml/2006/main" xmlns:r="http://schemas.openxmlformats.org/officeDocument/2006/relationships" xmlns:p="http://schemas.openxmlformats.org/presentationml/2006/main">
   <p:cSld>
     <p:spTree>
@@ -16502,10 +16762,17 @@
   <p:clrMapOvr>
     <a:masterClrMapping/>
   </p:clrMapOvr>
+  <p:timing>
+    <p:tnLst>
+      <p:par>
+        <p:cTn id="1" dur="indefinite" restart="never" nodeType="tmRoot"/>
+      </p:par>
+    </p:tnLst>
+  </p:timing>
 </p:sld>
 </file>
 
-<file path=ppt/slides/slide14.xml><?xml version="1.0" encoding="utf-8"?>
+<file path=ppt/slides/slide15.xml><?xml version="1.0" encoding="utf-8"?>
 <p:sld xmlns:a="http://schemas.openxmlformats.org/drawingml/2006/main" xmlns:r="http://schemas.openxmlformats.org/officeDocument/2006/relationships" xmlns:p="http://schemas.openxmlformats.org/presentationml/2006/main">
   <p:cSld>
     <p:spTree>
@@ -16572,7 +16839,7 @@
           <a:graphicData uri="http://schemas.openxmlformats.org/presentationml/2006/ole">
             <mc:AlternateContent xmlns:mc="http://schemas.openxmlformats.org/markup-compatibility/2006">
               <mc:Choice xmlns:v="urn:schemas-microsoft-com:vml" Requires="v">
-                <p:oleObj spid="_x0000_s1056" name="Worksheet" r:id="rId3" imgW="8077245" imgH="4962600" progId="Excel.Sheet.12">
+                <p:oleObj spid="_x0000_s1066" name="Worksheet" r:id="rId3" imgW="8077245" imgH="4962600" progId="Excel.Sheet.12">
                   <p:embed/>
                 </p:oleObj>
               </mc:Choice>
@@ -16617,10 +16884,17 @@
   <p:clrMapOvr>
     <a:masterClrMapping/>
   </p:clrMapOvr>
+  <p:timing>
+    <p:tnLst>
+      <p:par>
+        <p:cTn id="1" dur="indefinite" restart="never" nodeType="tmRoot"/>
+      </p:par>
+    </p:tnLst>
+  </p:timing>
 </p:sld>
 </file>
 
-<file path=ppt/slides/slide15.xml><?xml version="1.0" encoding="utf-8"?>
+<file path=ppt/slides/slide16.xml><?xml version="1.0" encoding="utf-8"?>
 <p:sld xmlns:a="http://schemas.openxmlformats.org/drawingml/2006/main" xmlns:r="http://schemas.openxmlformats.org/officeDocument/2006/relationships" xmlns:p="http://schemas.openxmlformats.org/presentationml/2006/main">
   <p:cSld>
     <p:spTree>
@@ -21520,10 +21794,4921 @@
   <p:clrMapOvr>
     <a:masterClrMapping/>
   </p:clrMapOvr>
+  <p:timing>
+    <p:tnLst>
+      <p:par>
+        <p:cTn id="1" dur="indefinite" restart="never" nodeType="tmRoot"/>
+      </p:par>
+    </p:tnLst>
+  </p:timing>
 </p:sld>
 </file>
 
-<file path=ppt/slides/slide16.xml><?xml version="1.0" encoding="utf-8"?>
+<file path=ppt/slides/slide17.xml><?xml version="1.0" encoding="utf-8"?>
+<p:sld xmlns:a="http://schemas.openxmlformats.org/drawingml/2006/main" xmlns:r="http://schemas.openxmlformats.org/officeDocument/2006/relationships" xmlns:p="http://schemas.openxmlformats.org/presentationml/2006/main">
+  <p:cSld>
+    <p:spTree>
+      <p:nvGrpSpPr>
+        <p:cNvPr id="1" name=""/>
+        <p:cNvGrpSpPr/>
+        <p:nvPr/>
+      </p:nvGrpSpPr>
+      <p:grpSpPr>
+        <a:xfrm>
+          <a:off x="0" y="0"/>
+          <a:ext cx="0" cy="0"/>
+          <a:chOff x="0" y="0"/>
+          <a:chExt cx="0" cy="0"/>
+        </a:xfrm>
+      </p:grpSpPr>
+      <p:sp>
+        <p:nvSpPr>
+          <p:cNvPr id="2" name="Title 1"/>
+          <p:cNvSpPr>
+            <a:spLocks noGrp="1"/>
+          </p:cNvSpPr>
+          <p:nvPr>
+            <p:ph type="title"/>
+          </p:nvPr>
+        </p:nvSpPr>
+        <p:spPr/>
+        <p:txBody>
+          <a:bodyPr/>
+          <a:lstStyle/>
+          <a:p>
+            <a:r>
+              <a:rPr lang="en-US" smtClean="0"/>
+              <a:t>How else did we do?</a:t>
+            </a:r>
+            <a:endParaRPr lang="en-US"/>
+          </a:p>
+        </p:txBody>
+      </p:sp>
+      <p:graphicFrame>
+        <p:nvGraphicFramePr>
+          <p:cNvPr id="5" name="Table 4"/>
+          <p:cNvGraphicFramePr>
+            <a:graphicFrameLocks noGrp="1"/>
+          </p:cNvGraphicFramePr>
+          <p:nvPr>
+            <p:extLst>
+              <p:ext uri="{D42A27DB-BD31-4B8C-83A1-F6EECF244321}">
+                <p14:modId xmlns:p14="http://schemas.microsoft.com/office/powerpoint/2010/main" val="1446498088"/>
+              </p:ext>
+            </p:extLst>
+          </p:nvPr>
+        </p:nvGraphicFramePr>
+        <p:xfrm>
+          <a:off x="4953000" y="2209800"/>
+          <a:ext cx="3121581" cy="3551229"/>
+        </p:xfrm>
+        <a:graphic>
+          <a:graphicData uri="http://schemas.openxmlformats.org/drawingml/2006/table">
+            <a:tbl>
+              <a:tblPr/>
+              <a:tblGrid>
+                <a:gridCol w="420592"/>
+                <a:gridCol w="569552"/>
+                <a:gridCol w="587076"/>
+                <a:gridCol w="729464"/>
+                <a:gridCol w="814897"/>
+              </a:tblGrid>
+              <a:tr h="131527">
+                <a:tc>
+                  <a:txBody>
+                    <a:bodyPr/>
+                    <a:lstStyle/>
+                    <a:p>
+                      <a:pPr algn="l" fontAlgn="b"/>
+                      <a:endParaRPr lang="en-US" sz="800" b="0" i="0" u="none" strike="noStrike">
+                        <a:solidFill>
+                          <a:srgbClr val="000000"/>
+                        </a:solidFill>
+                        <a:effectLst/>
+                        <a:latin typeface="Calibri" panose="020F0502020204030204" pitchFamily="34" charset="0"/>
+                      </a:endParaRPr>
+                    </a:p>
+                  </a:txBody>
+                  <a:tcPr marL="6576" marR="6576" marT="6576" marB="0" anchor="b">
+                    <a:lnL>
+                      <a:noFill/>
+                    </a:lnL>
+                    <a:lnR>
+                      <a:noFill/>
+                    </a:lnR>
+                    <a:lnT>
+                      <a:noFill/>
+                    </a:lnT>
+                    <a:lnB>
+                      <a:noFill/>
+                    </a:lnB>
+                  </a:tcPr>
+                </a:tc>
+                <a:tc>
+                  <a:txBody>
+                    <a:bodyPr/>
+                    <a:lstStyle/>
+                    <a:p>
+                      <a:pPr algn="l" fontAlgn="b"/>
+                      <a:r>
+                        <a:rPr lang="en-US" sz="800" b="1" i="0" u="none" strike="noStrike">
+                          <a:solidFill>
+                            <a:srgbClr val="FFFFFF"/>
+                          </a:solidFill>
+                          <a:effectLst/>
+                          <a:latin typeface="Calibri" panose="020F0502020204030204" pitchFamily="34" charset="0"/>
+                        </a:rPr>
+                        <a:t>Last Name</a:t>
+                      </a:r>
+                    </a:p>
+                  </a:txBody>
+                  <a:tcPr marL="6576" marR="6576" marT="6576" marB="0" anchor="b">
+                    <a:lnL>
+                      <a:noFill/>
+                    </a:lnL>
+                    <a:lnR>
+                      <a:noFill/>
+                    </a:lnR>
+                    <a:lnT w="12700" cap="flat" cmpd="sng" algn="ctr">
+                      <a:solidFill>
+                        <a:srgbClr val="000000"/>
+                      </a:solidFill>
+                      <a:prstDash val="solid"/>
+                      <a:round/>
+                      <a:headEnd type="none" w="med" len="med"/>
+                      <a:tailEnd type="none" w="med" len="med"/>
+                    </a:lnT>
+                    <a:lnB w="12700" cap="flat" cmpd="sng" algn="ctr">
+                      <a:solidFill>
+                        <a:srgbClr val="000000"/>
+                      </a:solidFill>
+                      <a:prstDash val="solid"/>
+                      <a:round/>
+                      <a:headEnd type="none" w="med" len="med"/>
+                      <a:tailEnd type="none" w="med" len="med"/>
+                    </a:lnB>
+                    <a:solidFill>
+                      <a:srgbClr val="FFC000"/>
+                    </a:solidFill>
+                  </a:tcPr>
+                </a:tc>
+                <a:tc>
+                  <a:txBody>
+                    <a:bodyPr/>
+                    <a:lstStyle/>
+                    <a:p>
+                      <a:pPr algn="l" fontAlgn="b"/>
+                      <a:r>
+                        <a:rPr lang="en-US" sz="800" b="1" i="0" u="none" strike="noStrike">
+                          <a:solidFill>
+                            <a:srgbClr val="FFFFFF"/>
+                          </a:solidFill>
+                          <a:effectLst/>
+                          <a:latin typeface="Calibri" panose="020F0502020204030204" pitchFamily="34" charset="0"/>
+                        </a:rPr>
+                        <a:t>First Name</a:t>
+                      </a:r>
+                    </a:p>
+                  </a:txBody>
+                  <a:tcPr marL="6576" marR="6576" marT="6576" marB="0" anchor="b">
+                    <a:lnL>
+                      <a:noFill/>
+                    </a:lnL>
+                    <a:lnR>
+                      <a:noFill/>
+                    </a:lnR>
+                    <a:lnT w="12700" cap="flat" cmpd="sng" algn="ctr">
+                      <a:solidFill>
+                        <a:srgbClr val="000000"/>
+                      </a:solidFill>
+                      <a:prstDash val="solid"/>
+                      <a:round/>
+                      <a:headEnd type="none" w="med" len="med"/>
+                      <a:tailEnd type="none" w="med" len="med"/>
+                    </a:lnT>
+                    <a:lnB w="12700" cap="flat" cmpd="sng" algn="ctr">
+                      <a:solidFill>
+                        <a:srgbClr val="000000"/>
+                      </a:solidFill>
+                      <a:prstDash val="solid"/>
+                      <a:round/>
+                      <a:headEnd type="none" w="med" len="med"/>
+                      <a:tailEnd type="none" w="med" len="med"/>
+                    </a:lnB>
+                    <a:solidFill>
+                      <a:srgbClr val="FFC000"/>
+                    </a:solidFill>
+                  </a:tcPr>
+                </a:tc>
+                <a:tc>
+                  <a:txBody>
+                    <a:bodyPr/>
+                    <a:lstStyle/>
+                    <a:p>
+                      <a:pPr algn="l" fontAlgn="b"/>
+                      <a:r>
+                        <a:rPr lang="en-US" sz="800" b="1" i="0" u="none" strike="noStrike">
+                          <a:solidFill>
+                            <a:srgbClr val="FFFFFF"/>
+                          </a:solidFill>
+                          <a:effectLst/>
+                          <a:latin typeface="Calibri" panose="020F0502020204030204" pitchFamily="34" charset="0"/>
+                        </a:rPr>
+                        <a:t>Amount Spent</a:t>
+                      </a:r>
+                    </a:p>
+                  </a:txBody>
+                  <a:tcPr marL="6576" marR="6576" marT="6576" marB="0" anchor="b">
+                    <a:lnL>
+                      <a:noFill/>
+                    </a:lnL>
+                    <a:lnR>
+                      <a:noFill/>
+                    </a:lnR>
+                    <a:lnT w="12700" cap="flat" cmpd="sng" algn="ctr">
+                      <a:solidFill>
+                        <a:srgbClr val="000000"/>
+                      </a:solidFill>
+                      <a:prstDash val="solid"/>
+                      <a:round/>
+                      <a:headEnd type="none" w="med" len="med"/>
+                      <a:tailEnd type="none" w="med" len="med"/>
+                    </a:lnT>
+                    <a:lnB w="12700" cap="flat" cmpd="sng" algn="ctr">
+                      <a:solidFill>
+                        <a:srgbClr val="000000"/>
+                      </a:solidFill>
+                      <a:prstDash val="solid"/>
+                      <a:round/>
+                      <a:headEnd type="none" w="med" len="med"/>
+                      <a:tailEnd type="none" w="med" len="med"/>
+                    </a:lnB>
+                    <a:solidFill>
+                      <a:srgbClr val="FFC000"/>
+                    </a:solidFill>
+                  </a:tcPr>
+                </a:tc>
+                <a:tc>
+                  <a:txBody>
+                    <a:bodyPr/>
+                    <a:lstStyle/>
+                    <a:p>
+                      <a:pPr algn="l" fontAlgn="b"/>
+                      <a:r>
+                        <a:rPr lang="en-US" sz="800" b="1" i="0" u="none" strike="noStrike">
+                          <a:solidFill>
+                            <a:srgbClr val="FFFFFF"/>
+                          </a:solidFill>
+                          <a:effectLst/>
+                          <a:latin typeface="Calibri" panose="020F0502020204030204" pitchFamily="34" charset="0"/>
+                        </a:rPr>
+                        <a:t>Items Purchased</a:t>
+                      </a:r>
+                    </a:p>
+                  </a:txBody>
+                  <a:tcPr marL="6576" marR="6576" marT="6576" marB="0" anchor="b">
+                    <a:lnL>
+                      <a:noFill/>
+                    </a:lnL>
+                    <a:lnR>
+                      <a:noFill/>
+                    </a:lnR>
+                    <a:lnT w="12700" cap="flat" cmpd="sng" algn="ctr">
+                      <a:solidFill>
+                        <a:srgbClr val="000000"/>
+                      </a:solidFill>
+                      <a:prstDash val="solid"/>
+                      <a:round/>
+                      <a:headEnd type="none" w="med" len="med"/>
+                      <a:tailEnd type="none" w="med" len="med"/>
+                    </a:lnT>
+                    <a:lnB w="12700" cap="flat" cmpd="sng" algn="ctr">
+                      <a:solidFill>
+                        <a:srgbClr val="000000"/>
+                      </a:solidFill>
+                      <a:prstDash val="solid"/>
+                      <a:round/>
+                      <a:headEnd type="none" w="med" len="med"/>
+                      <a:tailEnd type="none" w="med" len="med"/>
+                    </a:lnB>
+                    <a:solidFill>
+                      <a:srgbClr val="FFC000"/>
+                    </a:solidFill>
+                  </a:tcPr>
+                </a:tc>
+              </a:tr>
+              <a:tr h="131527">
+                <a:tc>
+                  <a:txBody>
+                    <a:bodyPr/>
+                    <a:lstStyle/>
+                    <a:p>
+                      <a:pPr algn="l" fontAlgn="b"/>
+                      <a:r>
+                        <a:rPr lang="en-US" sz="800" b="0" i="0" u="none" strike="noStrike">
+                          <a:solidFill>
+                            <a:srgbClr val="000000"/>
+                          </a:solidFill>
+                          <a:effectLst/>
+                          <a:latin typeface="Calibri" panose="020F0502020204030204" pitchFamily="34" charset="0"/>
+                        </a:rPr>
+                        <a:t>C1</a:t>
+                      </a:r>
+                    </a:p>
+                  </a:txBody>
+                  <a:tcPr marL="6576" marR="6576" marT="6576" marB="0" anchor="b">
+                    <a:lnL>
+                      <a:noFill/>
+                    </a:lnL>
+                    <a:lnR>
+                      <a:noFill/>
+                    </a:lnR>
+                    <a:lnT>
+                      <a:noFill/>
+                    </a:lnT>
+                    <a:lnB>
+                      <a:noFill/>
+                    </a:lnB>
+                  </a:tcPr>
+                </a:tc>
+                <a:tc>
+                  <a:txBody>
+                    <a:bodyPr/>
+                    <a:lstStyle/>
+                    <a:p>
+                      <a:pPr algn="l" fontAlgn="ctr"/>
+                      <a:r>
+                        <a:rPr lang="en-US" sz="800" b="0" i="0" u="none" strike="noStrike">
+                          <a:solidFill>
+                            <a:srgbClr val="000000"/>
+                          </a:solidFill>
+                          <a:effectLst/>
+                          <a:latin typeface="Calibri" panose="020F0502020204030204" pitchFamily="34" charset="0"/>
+                        </a:rPr>
+                        <a:t>Peterson</a:t>
+                      </a:r>
+                    </a:p>
+                  </a:txBody>
+                  <a:tcPr marL="6576" marR="6576" marT="6576" marB="0" anchor="ctr">
+                    <a:lnL>
+                      <a:noFill/>
+                    </a:lnL>
+                    <a:lnR>
+                      <a:noFill/>
+                    </a:lnR>
+                    <a:lnT w="12700" cap="flat" cmpd="sng" algn="ctr">
+                      <a:solidFill>
+                        <a:srgbClr val="000000"/>
+                      </a:solidFill>
+                      <a:prstDash val="solid"/>
+                      <a:round/>
+                      <a:headEnd type="none" w="med" len="med"/>
+                      <a:tailEnd type="none" w="med" len="med"/>
+                    </a:lnT>
+                    <a:lnB>
+                      <a:noFill/>
+                    </a:lnB>
+                    <a:solidFill>
+                      <a:srgbClr val="D9D9D9"/>
+                    </a:solidFill>
+                  </a:tcPr>
+                </a:tc>
+                <a:tc>
+                  <a:txBody>
+                    <a:bodyPr/>
+                    <a:lstStyle/>
+                    <a:p>
+                      <a:pPr algn="l" fontAlgn="ctr"/>
+                      <a:r>
+                        <a:rPr lang="en-US" sz="800" b="0" i="0" u="none" strike="noStrike">
+                          <a:solidFill>
+                            <a:srgbClr val="000000"/>
+                          </a:solidFill>
+                          <a:effectLst/>
+                          <a:latin typeface="Calibri" panose="020F0502020204030204" pitchFamily="34" charset="0"/>
+                        </a:rPr>
+                        <a:t>Rose</a:t>
+                      </a:r>
+                    </a:p>
+                  </a:txBody>
+                  <a:tcPr marL="6576" marR="6576" marT="6576" marB="0" anchor="ctr">
+                    <a:lnL>
+                      <a:noFill/>
+                    </a:lnL>
+                    <a:lnR>
+                      <a:noFill/>
+                    </a:lnR>
+                    <a:lnT w="12700" cap="flat" cmpd="sng" algn="ctr">
+                      <a:solidFill>
+                        <a:srgbClr val="000000"/>
+                      </a:solidFill>
+                      <a:prstDash val="solid"/>
+                      <a:round/>
+                      <a:headEnd type="none" w="med" len="med"/>
+                      <a:tailEnd type="none" w="med" len="med"/>
+                    </a:lnT>
+                    <a:lnB>
+                      <a:noFill/>
+                    </a:lnB>
+                    <a:solidFill>
+                      <a:srgbClr val="D9D9D9"/>
+                    </a:solidFill>
+                  </a:tcPr>
+                </a:tc>
+                <a:tc>
+                  <a:txBody>
+                    <a:bodyPr/>
+                    <a:lstStyle/>
+                    <a:p>
+                      <a:pPr algn="r" fontAlgn="ctr"/>
+                      <a:r>
+                        <a:rPr lang="en-US" sz="800" b="0" i="0" u="none" strike="noStrike">
+                          <a:solidFill>
+                            <a:srgbClr val="000000"/>
+                          </a:solidFill>
+                          <a:effectLst/>
+                          <a:latin typeface="Calibri" panose="020F0502020204030204" pitchFamily="34" charset="0"/>
+                        </a:rPr>
+                        <a:t>3000</a:t>
+                      </a:r>
+                    </a:p>
+                  </a:txBody>
+                  <a:tcPr marL="6576" marR="6576" marT="6576" marB="0" anchor="ctr">
+                    <a:lnL>
+                      <a:noFill/>
+                    </a:lnL>
+                    <a:lnR>
+                      <a:noFill/>
+                    </a:lnR>
+                    <a:lnT w="12700" cap="flat" cmpd="sng" algn="ctr">
+                      <a:solidFill>
+                        <a:srgbClr val="000000"/>
+                      </a:solidFill>
+                      <a:prstDash val="solid"/>
+                      <a:round/>
+                      <a:headEnd type="none" w="med" len="med"/>
+                      <a:tailEnd type="none" w="med" len="med"/>
+                    </a:lnT>
+                    <a:lnB>
+                      <a:noFill/>
+                    </a:lnB>
+                    <a:solidFill>
+                      <a:srgbClr val="D9D9D9"/>
+                    </a:solidFill>
+                  </a:tcPr>
+                </a:tc>
+                <a:tc>
+                  <a:txBody>
+                    <a:bodyPr/>
+                    <a:lstStyle/>
+                    <a:p>
+                      <a:pPr algn="r" fontAlgn="ctr"/>
+                      <a:r>
+                        <a:rPr lang="en-US" sz="800" b="0" i="0" u="none" strike="noStrike">
+                          <a:solidFill>
+                            <a:srgbClr val="000000"/>
+                          </a:solidFill>
+                          <a:effectLst/>
+                          <a:latin typeface="Calibri" panose="020F0502020204030204" pitchFamily="34" charset="0"/>
+                        </a:rPr>
+                        <a:t>1</a:t>
+                      </a:r>
+                    </a:p>
+                  </a:txBody>
+                  <a:tcPr marL="6576" marR="6576" marT="6576" marB="0" anchor="ctr">
+                    <a:lnL>
+                      <a:noFill/>
+                    </a:lnL>
+                    <a:lnR>
+                      <a:noFill/>
+                    </a:lnR>
+                    <a:lnT w="12700" cap="flat" cmpd="sng" algn="ctr">
+                      <a:solidFill>
+                        <a:srgbClr val="000000"/>
+                      </a:solidFill>
+                      <a:prstDash val="solid"/>
+                      <a:round/>
+                      <a:headEnd type="none" w="med" len="med"/>
+                      <a:tailEnd type="none" w="med" len="med"/>
+                    </a:lnT>
+                    <a:lnB>
+                      <a:noFill/>
+                    </a:lnB>
+                    <a:solidFill>
+                      <a:srgbClr val="D9D9D9"/>
+                    </a:solidFill>
+                  </a:tcPr>
+                </a:tc>
+              </a:tr>
+              <a:tr h="131527">
+                <a:tc>
+                  <a:txBody>
+                    <a:bodyPr/>
+                    <a:lstStyle/>
+                    <a:p>
+                      <a:pPr algn="l" fontAlgn="b"/>
+                      <a:r>
+                        <a:rPr lang="en-US" sz="800" b="0" i="0" u="none" strike="noStrike">
+                          <a:solidFill>
+                            <a:srgbClr val="000000"/>
+                          </a:solidFill>
+                          <a:effectLst/>
+                          <a:latin typeface="Calibri" panose="020F0502020204030204" pitchFamily="34" charset="0"/>
+                        </a:rPr>
+                        <a:t>C2</a:t>
+                      </a:r>
+                    </a:p>
+                  </a:txBody>
+                  <a:tcPr marL="6576" marR="6576" marT="6576" marB="0" anchor="b">
+                    <a:lnL>
+                      <a:noFill/>
+                    </a:lnL>
+                    <a:lnR>
+                      <a:noFill/>
+                    </a:lnR>
+                    <a:lnT>
+                      <a:noFill/>
+                    </a:lnT>
+                    <a:lnB>
+                      <a:noFill/>
+                    </a:lnB>
+                  </a:tcPr>
+                </a:tc>
+                <a:tc>
+                  <a:txBody>
+                    <a:bodyPr/>
+                    <a:lstStyle/>
+                    <a:p>
+                      <a:pPr algn="l" fontAlgn="ctr"/>
+                      <a:r>
+                        <a:rPr lang="en-US" sz="800" b="0" i="0" u="none" strike="noStrike">
+                          <a:solidFill>
+                            <a:srgbClr val="000000"/>
+                          </a:solidFill>
+                          <a:effectLst/>
+                          <a:latin typeface="Calibri" panose="020F0502020204030204" pitchFamily="34" charset="0"/>
+                        </a:rPr>
+                        <a:t>Tillar</a:t>
+                      </a:r>
+                    </a:p>
+                  </a:txBody>
+                  <a:tcPr marL="6576" marR="6576" marT="6576" marB="0" anchor="ctr">
+                    <a:lnL>
+                      <a:noFill/>
+                    </a:lnL>
+                    <a:lnR>
+                      <a:noFill/>
+                    </a:lnR>
+                    <a:lnT>
+                      <a:noFill/>
+                    </a:lnT>
+                    <a:lnB>
+                      <a:noFill/>
+                    </a:lnB>
+                  </a:tcPr>
+                </a:tc>
+                <a:tc>
+                  <a:txBody>
+                    <a:bodyPr/>
+                    <a:lstStyle/>
+                    <a:p>
+                      <a:pPr algn="l" fontAlgn="ctr"/>
+                      <a:r>
+                        <a:rPr lang="en-US" sz="800" b="0" i="0" u="none" strike="noStrike">
+                          <a:solidFill>
+                            <a:srgbClr val="000000"/>
+                          </a:solidFill>
+                          <a:effectLst/>
+                          <a:latin typeface="Calibri" panose="020F0502020204030204" pitchFamily="34" charset="0"/>
+                        </a:rPr>
+                        <a:t>R</a:t>
+                      </a:r>
+                    </a:p>
+                  </a:txBody>
+                  <a:tcPr marL="6576" marR="6576" marT="6576" marB="0" anchor="ctr">
+                    <a:lnL>
+                      <a:noFill/>
+                    </a:lnL>
+                    <a:lnR>
+                      <a:noFill/>
+                    </a:lnR>
+                    <a:lnT>
+                      <a:noFill/>
+                    </a:lnT>
+                    <a:lnB>
+                      <a:noFill/>
+                    </a:lnB>
+                  </a:tcPr>
+                </a:tc>
+                <a:tc>
+                  <a:txBody>
+                    <a:bodyPr/>
+                    <a:lstStyle/>
+                    <a:p>
+                      <a:pPr algn="r" fontAlgn="ctr"/>
+                      <a:r>
+                        <a:rPr lang="en-US" sz="800" b="0" i="0" u="none" strike="noStrike">
+                          <a:solidFill>
+                            <a:srgbClr val="000000"/>
+                          </a:solidFill>
+                          <a:effectLst/>
+                          <a:latin typeface="Calibri" panose="020F0502020204030204" pitchFamily="34" charset="0"/>
+                        </a:rPr>
+                        <a:t>158</a:t>
+                      </a:r>
+                    </a:p>
+                  </a:txBody>
+                  <a:tcPr marL="6576" marR="6576" marT="6576" marB="0" anchor="ctr">
+                    <a:lnL>
+                      <a:noFill/>
+                    </a:lnL>
+                    <a:lnR>
+                      <a:noFill/>
+                    </a:lnR>
+                    <a:lnT>
+                      <a:noFill/>
+                    </a:lnT>
+                    <a:lnB>
+                      <a:noFill/>
+                    </a:lnB>
+                  </a:tcPr>
+                </a:tc>
+                <a:tc>
+                  <a:txBody>
+                    <a:bodyPr/>
+                    <a:lstStyle/>
+                    <a:p>
+                      <a:pPr algn="r" fontAlgn="ctr"/>
+                      <a:r>
+                        <a:rPr lang="en-US" sz="800" b="0" i="0" u="none" strike="noStrike">
+                          <a:solidFill>
+                            <a:srgbClr val="000000"/>
+                          </a:solidFill>
+                          <a:effectLst/>
+                          <a:latin typeface="Calibri" panose="020F0502020204030204" pitchFamily="34" charset="0"/>
+                        </a:rPr>
+                        <a:t>1</a:t>
+                      </a:r>
+                    </a:p>
+                  </a:txBody>
+                  <a:tcPr marL="6576" marR="6576" marT="6576" marB="0" anchor="ctr">
+                    <a:lnL>
+                      <a:noFill/>
+                    </a:lnL>
+                    <a:lnR>
+                      <a:noFill/>
+                    </a:lnR>
+                    <a:lnT>
+                      <a:noFill/>
+                    </a:lnT>
+                    <a:lnB>
+                      <a:noFill/>
+                    </a:lnB>
+                  </a:tcPr>
+                </a:tc>
+              </a:tr>
+              <a:tr h="131527">
+                <a:tc>
+                  <a:txBody>
+                    <a:bodyPr/>
+                    <a:lstStyle/>
+                    <a:p>
+                      <a:pPr algn="l" fontAlgn="b"/>
+                      <a:r>
+                        <a:rPr lang="en-US" sz="800" b="0" i="0" u="none" strike="noStrike">
+                          <a:solidFill>
+                            <a:srgbClr val="000000"/>
+                          </a:solidFill>
+                          <a:effectLst/>
+                          <a:latin typeface="Calibri" panose="020F0502020204030204" pitchFamily="34" charset="0"/>
+                        </a:rPr>
+                        <a:t>C3</a:t>
+                      </a:r>
+                    </a:p>
+                  </a:txBody>
+                  <a:tcPr marL="6576" marR="6576" marT="6576" marB="0" anchor="b">
+                    <a:lnL>
+                      <a:noFill/>
+                    </a:lnL>
+                    <a:lnR>
+                      <a:noFill/>
+                    </a:lnR>
+                    <a:lnT>
+                      <a:noFill/>
+                    </a:lnT>
+                    <a:lnB>
+                      <a:noFill/>
+                    </a:lnB>
+                  </a:tcPr>
+                </a:tc>
+                <a:tc>
+                  <a:txBody>
+                    <a:bodyPr/>
+                    <a:lstStyle/>
+                    <a:p>
+                      <a:pPr algn="l" fontAlgn="ctr"/>
+                      <a:r>
+                        <a:rPr lang="en-US" sz="800" b="0" i="0" u="none" strike="noStrike">
+                          <a:solidFill>
+                            <a:srgbClr val="000000"/>
+                          </a:solidFill>
+                          <a:effectLst/>
+                          <a:latin typeface="Calibri" panose="020F0502020204030204" pitchFamily="34" charset="0"/>
+                        </a:rPr>
+                        <a:t>Walker</a:t>
+                      </a:r>
+                    </a:p>
+                  </a:txBody>
+                  <a:tcPr marL="6576" marR="6576" marT="6576" marB="0" anchor="ctr">
+                    <a:lnL>
+                      <a:noFill/>
+                    </a:lnL>
+                    <a:lnR>
+                      <a:noFill/>
+                    </a:lnR>
+                    <a:lnT>
+                      <a:noFill/>
+                    </a:lnT>
+                    <a:lnB>
+                      <a:noFill/>
+                    </a:lnB>
+                    <a:solidFill>
+                      <a:srgbClr val="D9D9D9"/>
+                    </a:solidFill>
+                  </a:tcPr>
+                </a:tc>
+                <a:tc>
+                  <a:txBody>
+                    <a:bodyPr/>
+                    <a:lstStyle/>
+                    <a:p>
+                      <a:pPr algn="l" fontAlgn="ctr"/>
+                      <a:r>
+                        <a:rPr lang="en-US" sz="800" b="0" i="0" u="none" strike="noStrike">
+                          <a:solidFill>
+                            <a:srgbClr val="000000"/>
+                          </a:solidFill>
+                          <a:effectLst/>
+                          <a:latin typeface="Calibri" panose="020F0502020204030204" pitchFamily="34" charset="0"/>
+                        </a:rPr>
+                        <a:t>Rick</a:t>
+                      </a:r>
+                    </a:p>
+                  </a:txBody>
+                  <a:tcPr marL="6576" marR="6576" marT="6576" marB="0" anchor="ctr">
+                    <a:lnL>
+                      <a:noFill/>
+                    </a:lnL>
+                    <a:lnR>
+                      <a:noFill/>
+                    </a:lnR>
+                    <a:lnT>
+                      <a:noFill/>
+                    </a:lnT>
+                    <a:lnB>
+                      <a:noFill/>
+                    </a:lnB>
+                    <a:solidFill>
+                      <a:srgbClr val="D9D9D9"/>
+                    </a:solidFill>
+                  </a:tcPr>
+                </a:tc>
+                <a:tc>
+                  <a:txBody>
+                    <a:bodyPr/>
+                    <a:lstStyle/>
+                    <a:p>
+                      <a:pPr algn="r" fontAlgn="ctr"/>
+                      <a:r>
+                        <a:rPr lang="en-US" sz="800" b="0" i="0" u="none" strike="noStrike">
+                          <a:solidFill>
+                            <a:srgbClr val="000000"/>
+                          </a:solidFill>
+                          <a:effectLst/>
+                          <a:latin typeface="Calibri" panose="020F0502020204030204" pitchFamily="34" charset="0"/>
+                        </a:rPr>
+                        <a:t>45</a:t>
+                      </a:r>
+                    </a:p>
+                  </a:txBody>
+                  <a:tcPr marL="6576" marR="6576" marT="6576" marB="0" anchor="ctr">
+                    <a:lnL>
+                      <a:noFill/>
+                    </a:lnL>
+                    <a:lnR>
+                      <a:noFill/>
+                    </a:lnR>
+                    <a:lnT>
+                      <a:noFill/>
+                    </a:lnT>
+                    <a:lnB>
+                      <a:noFill/>
+                    </a:lnB>
+                    <a:solidFill>
+                      <a:srgbClr val="D9D9D9"/>
+                    </a:solidFill>
+                  </a:tcPr>
+                </a:tc>
+                <a:tc>
+                  <a:txBody>
+                    <a:bodyPr/>
+                    <a:lstStyle/>
+                    <a:p>
+                      <a:pPr algn="r" fontAlgn="ctr"/>
+                      <a:r>
+                        <a:rPr lang="en-US" sz="800" b="0" i="0" u="none" strike="noStrike">
+                          <a:solidFill>
+                            <a:srgbClr val="000000"/>
+                          </a:solidFill>
+                          <a:effectLst/>
+                          <a:latin typeface="Calibri" panose="020F0502020204030204" pitchFamily="34" charset="0"/>
+                        </a:rPr>
+                        <a:t>1</a:t>
+                      </a:r>
+                    </a:p>
+                  </a:txBody>
+                  <a:tcPr marL="6576" marR="6576" marT="6576" marB="0" anchor="ctr">
+                    <a:lnL>
+                      <a:noFill/>
+                    </a:lnL>
+                    <a:lnR>
+                      <a:noFill/>
+                    </a:lnR>
+                    <a:lnT>
+                      <a:noFill/>
+                    </a:lnT>
+                    <a:lnB>
+                      <a:noFill/>
+                    </a:lnB>
+                    <a:solidFill>
+                      <a:srgbClr val="D9D9D9"/>
+                    </a:solidFill>
+                  </a:tcPr>
+                </a:tc>
+              </a:tr>
+              <a:tr h="131527">
+                <a:tc>
+                  <a:txBody>
+                    <a:bodyPr/>
+                    <a:lstStyle/>
+                    <a:p>
+                      <a:pPr algn="l" fontAlgn="b"/>
+                      <a:r>
+                        <a:rPr lang="en-US" sz="800" b="0" i="0" u="none" strike="noStrike">
+                          <a:solidFill>
+                            <a:srgbClr val="000000"/>
+                          </a:solidFill>
+                          <a:effectLst/>
+                          <a:latin typeface="Calibri" panose="020F0502020204030204" pitchFamily="34" charset="0"/>
+                        </a:rPr>
+                        <a:t>C4</a:t>
+                      </a:r>
+                    </a:p>
+                  </a:txBody>
+                  <a:tcPr marL="6576" marR="6576" marT="6576" marB="0" anchor="b">
+                    <a:lnL>
+                      <a:noFill/>
+                    </a:lnL>
+                    <a:lnR>
+                      <a:noFill/>
+                    </a:lnR>
+                    <a:lnT>
+                      <a:noFill/>
+                    </a:lnT>
+                    <a:lnB>
+                      <a:noFill/>
+                    </a:lnB>
+                  </a:tcPr>
+                </a:tc>
+                <a:tc>
+                  <a:txBody>
+                    <a:bodyPr/>
+                    <a:lstStyle/>
+                    <a:p>
+                      <a:pPr algn="l" fontAlgn="ctr"/>
+                      <a:r>
+                        <a:rPr lang="en-US" sz="800" b="0" i="0" u="none" strike="noStrike">
+                          <a:solidFill>
+                            <a:srgbClr val="000000"/>
+                          </a:solidFill>
+                          <a:effectLst/>
+                          <a:latin typeface="Calibri" panose="020F0502020204030204" pitchFamily="34" charset="0"/>
+                        </a:rPr>
+                        <a:t>Reisert</a:t>
+                      </a:r>
+                    </a:p>
+                  </a:txBody>
+                  <a:tcPr marL="6576" marR="6576" marT="6576" marB="0" anchor="ctr">
+                    <a:lnL>
+                      <a:noFill/>
+                    </a:lnL>
+                    <a:lnR>
+                      <a:noFill/>
+                    </a:lnR>
+                    <a:lnT>
+                      <a:noFill/>
+                    </a:lnT>
+                    <a:lnB>
+                      <a:noFill/>
+                    </a:lnB>
+                  </a:tcPr>
+                </a:tc>
+                <a:tc>
+                  <a:txBody>
+                    <a:bodyPr/>
+                    <a:lstStyle/>
+                    <a:p>
+                      <a:pPr algn="l" fontAlgn="ctr"/>
+                      <a:r>
+                        <a:rPr lang="en-US" sz="800" b="0" i="0" u="none" strike="noStrike">
+                          <a:solidFill>
+                            <a:srgbClr val="000000"/>
+                          </a:solidFill>
+                          <a:effectLst/>
+                          <a:latin typeface="Calibri" panose="020F0502020204030204" pitchFamily="34" charset="0"/>
+                        </a:rPr>
+                        <a:t>James</a:t>
+                      </a:r>
+                    </a:p>
+                  </a:txBody>
+                  <a:tcPr marL="6576" marR="6576" marT="6576" marB="0" anchor="ctr">
+                    <a:lnL>
+                      <a:noFill/>
+                    </a:lnL>
+                    <a:lnR>
+                      <a:noFill/>
+                    </a:lnR>
+                    <a:lnT>
+                      <a:noFill/>
+                    </a:lnT>
+                    <a:lnB>
+                      <a:noFill/>
+                    </a:lnB>
+                  </a:tcPr>
+                </a:tc>
+                <a:tc>
+                  <a:txBody>
+                    <a:bodyPr/>
+                    <a:lstStyle/>
+                    <a:p>
+                      <a:pPr algn="r" fontAlgn="ctr"/>
+                      <a:r>
+                        <a:rPr lang="en-US" sz="800" b="0" i="0" u="none" strike="noStrike">
+                          <a:solidFill>
+                            <a:srgbClr val="000000"/>
+                          </a:solidFill>
+                          <a:effectLst/>
+                          <a:latin typeface="Calibri" panose="020F0502020204030204" pitchFamily="34" charset="0"/>
+                        </a:rPr>
+                        <a:t>35</a:t>
+                      </a:r>
+                    </a:p>
+                  </a:txBody>
+                  <a:tcPr marL="6576" marR="6576" marT="6576" marB="0" anchor="ctr">
+                    <a:lnL>
+                      <a:noFill/>
+                    </a:lnL>
+                    <a:lnR>
+                      <a:noFill/>
+                    </a:lnR>
+                    <a:lnT>
+                      <a:noFill/>
+                    </a:lnT>
+                    <a:lnB>
+                      <a:noFill/>
+                    </a:lnB>
+                  </a:tcPr>
+                </a:tc>
+                <a:tc>
+                  <a:txBody>
+                    <a:bodyPr/>
+                    <a:lstStyle/>
+                    <a:p>
+                      <a:pPr algn="r" fontAlgn="ctr"/>
+                      <a:r>
+                        <a:rPr lang="en-US" sz="800" b="0" i="0" u="none" strike="noStrike">
+                          <a:solidFill>
+                            <a:srgbClr val="000000"/>
+                          </a:solidFill>
+                          <a:effectLst/>
+                          <a:latin typeface="Calibri" panose="020F0502020204030204" pitchFamily="34" charset="0"/>
+                        </a:rPr>
+                        <a:t>1</a:t>
+                      </a:r>
+                    </a:p>
+                  </a:txBody>
+                  <a:tcPr marL="6576" marR="6576" marT="6576" marB="0" anchor="ctr">
+                    <a:lnL>
+                      <a:noFill/>
+                    </a:lnL>
+                    <a:lnR>
+                      <a:noFill/>
+                    </a:lnR>
+                    <a:lnT>
+                      <a:noFill/>
+                    </a:lnT>
+                    <a:lnB>
+                      <a:noFill/>
+                    </a:lnB>
+                  </a:tcPr>
+                </a:tc>
+              </a:tr>
+              <a:tr h="131527">
+                <a:tc>
+                  <a:txBody>
+                    <a:bodyPr/>
+                    <a:lstStyle/>
+                    <a:p>
+                      <a:pPr algn="l" fontAlgn="b"/>
+                      <a:r>
+                        <a:rPr lang="en-US" sz="800" b="0" i="0" u="none" strike="noStrike">
+                          <a:solidFill>
+                            <a:srgbClr val="000000"/>
+                          </a:solidFill>
+                          <a:effectLst/>
+                          <a:latin typeface="Calibri" panose="020F0502020204030204" pitchFamily="34" charset="0"/>
+                        </a:rPr>
+                        <a:t>C5</a:t>
+                      </a:r>
+                    </a:p>
+                  </a:txBody>
+                  <a:tcPr marL="6576" marR="6576" marT="6576" marB="0" anchor="b">
+                    <a:lnL>
+                      <a:noFill/>
+                    </a:lnL>
+                    <a:lnR>
+                      <a:noFill/>
+                    </a:lnR>
+                    <a:lnT>
+                      <a:noFill/>
+                    </a:lnT>
+                    <a:lnB>
+                      <a:noFill/>
+                    </a:lnB>
+                  </a:tcPr>
+                </a:tc>
+                <a:tc>
+                  <a:txBody>
+                    <a:bodyPr/>
+                    <a:lstStyle/>
+                    <a:p>
+                      <a:pPr algn="l" fontAlgn="ctr"/>
+                      <a:r>
+                        <a:rPr lang="en-US" sz="800" b="0" i="0" u="none" strike="noStrike">
+                          <a:solidFill>
+                            <a:srgbClr val="000000"/>
+                          </a:solidFill>
+                          <a:effectLst/>
+                          <a:latin typeface="Calibri" panose="020F0502020204030204" pitchFamily="34" charset="0"/>
+                        </a:rPr>
+                        <a:t>Jones</a:t>
+                      </a:r>
+                    </a:p>
+                  </a:txBody>
+                  <a:tcPr marL="6576" marR="6576" marT="6576" marB="0" anchor="ctr">
+                    <a:lnL>
+                      <a:noFill/>
+                    </a:lnL>
+                    <a:lnR>
+                      <a:noFill/>
+                    </a:lnR>
+                    <a:lnT>
+                      <a:noFill/>
+                    </a:lnT>
+                    <a:lnB>
+                      <a:noFill/>
+                    </a:lnB>
+                    <a:solidFill>
+                      <a:srgbClr val="D9D9D9"/>
+                    </a:solidFill>
+                  </a:tcPr>
+                </a:tc>
+                <a:tc>
+                  <a:txBody>
+                    <a:bodyPr/>
+                    <a:lstStyle/>
+                    <a:p>
+                      <a:pPr algn="l" fontAlgn="ctr"/>
+                      <a:r>
+                        <a:rPr lang="en-US" sz="800" b="0" i="0" u="none" strike="noStrike">
+                          <a:solidFill>
+                            <a:srgbClr val="000000"/>
+                          </a:solidFill>
+                          <a:effectLst/>
+                          <a:latin typeface="Calibri" panose="020F0502020204030204" pitchFamily="34" charset="0"/>
+                        </a:rPr>
+                        <a:t>Loretta</a:t>
+                      </a:r>
+                    </a:p>
+                  </a:txBody>
+                  <a:tcPr marL="6576" marR="6576" marT="6576" marB="0" anchor="ctr">
+                    <a:lnL>
+                      <a:noFill/>
+                    </a:lnL>
+                    <a:lnR>
+                      <a:noFill/>
+                    </a:lnR>
+                    <a:lnT>
+                      <a:noFill/>
+                    </a:lnT>
+                    <a:lnB>
+                      <a:noFill/>
+                    </a:lnB>
+                    <a:solidFill>
+                      <a:srgbClr val="D9D9D9"/>
+                    </a:solidFill>
+                  </a:tcPr>
+                </a:tc>
+                <a:tc>
+                  <a:txBody>
+                    <a:bodyPr/>
+                    <a:lstStyle/>
+                    <a:p>
+                      <a:pPr algn="r" fontAlgn="ctr"/>
+                      <a:r>
+                        <a:rPr lang="en-US" sz="800" b="0" i="0" u="none" strike="noStrike">
+                          <a:solidFill>
+                            <a:srgbClr val="000000"/>
+                          </a:solidFill>
+                          <a:effectLst/>
+                          <a:latin typeface="Calibri" panose="020F0502020204030204" pitchFamily="34" charset="0"/>
+                        </a:rPr>
+                        <a:t>34</a:t>
+                      </a:r>
+                    </a:p>
+                  </a:txBody>
+                  <a:tcPr marL="6576" marR="6576" marT="6576" marB="0" anchor="ctr">
+                    <a:lnL>
+                      <a:noFill/>
+                    </a:lnL>
+                    <a:lnR>
+                      <a:noFill/>
+                    </a:lnR>
+                    <a:lnT>
+                      <a:noFill/>
+                    </a:lnT>
+                    <a:lnB>
+                      <a:noFill/>
+                    </a:lnB>
+                    <a:solidFill>
+                      <a:srgbClr val="D9D9D9"/>
+                    </a:solidFill>
+                  </a:tcPr>
+                </a:tc>
+                <a:tc>
+                  <a:txBody>
+                    <a:bodyPr/>
+                    <a:lstStyle/>
+                    <a:p>
+                      <a:pPr algn="r" fontAlgn="ctr"/>
+                      <a:r>
+                        <a:rPr lang="en-US" sz="800" b="0" i="0" u="none" strike="noStrike">
+                          <a:solidFill>
+                            <a:srgbClr val="000000"/>
+                          </a:solidFill>
+                          <a:effectLst/>
+                          <a:latin typeface="Calibri" panose="020F0502020204030204" pitchFamily="34" charset="0"/>
+                        </a:rPr>
+                        <a:t>1</a:t>
+                      </a:r>
+                    </a:p>
+                  </a:txBody>
+                  <a:tcPr marL="6576" marR="6576" marT="6576" marB="0" anchor="ctr">
+                    <a:lnL>
+                      <a:noFill/>
+                    </a:lnL>
+                    <a:lnR>
+                      <a:noFill/>
+                    </a:lnR>
+                    <a:lnT>
+                      <a:noFill/>
+                    </a:lnT>
+                    <a:lnB>
+                      <a:noFill/>
+                    </a:lnB>
+                    <a:solidFill>
+                      <a:srgbClr val="D9D9D9"/>
+                    </a:solidFill>
+                  </a:tcPr>
+                </a:tc>
+              </a:tr>
+              <a:tr h="131527">
+                <a:tc>
+                  <a:txBody>
+                    <a:bodyPr/>
+                    <a:lstStyle/>
+                    <a:p>
+                      <a:pPr algn="l" fontAlgn="b"/>
+                      <a:r>
+                        <a:rPr lang="en-US" sz="800" b="0" i="0" u="none" strike="noStrike">
+                          <a:solidFill>
+                            <a:srgbClr val="000000"/>
+                          </a:solidFill>
+                          <a:effectLst/>
+                          <a:latin typeface="Calibri" panose="020F0502020204030204" pitchFamily="34" charset="0"/>
+                        </a:rPr>
+                        <a:t>C6</a:t>
+                      </a:r>
+                    </a:p>
+                  </a:txBody>
+                  <a:tcPr marL="6576" marR="6576" marT="6576" marB="0" anchor="b">
+                    <a:lnL>
+                      <a:noFill/>
+                    </a:lnL>
+                    <a:lnR>
+                      <a:noFill/>
+                    </a:lnR>
+                    <a:lnT>
+                      <a:noFill/>
+                    </a:lnT>
+                    <a:lnB>
+                      <a:noFill/>
+                    </a:lnB>
+                  </a:tcPr>
+                </a:tc>
+                <a:tc>
+                  <a:txBody>
+                    <a:bodyPr/>
+                    <a:lstStyle/>
+                    <a:p>
+                      <a:pPr algn="l" fontAlgn="ctr"/>
+                      <a:r>
+                        <a:rPr lang="en-US" sz="800" b="0" i="0" u="none" strike="noStrike">
+                          <a:solidFill>
+                            <a:srgbClr val="000000"/>
+                          </a:solidFill>
+                          <a:effectLst/>
+                          <a:latin typeface="Calibri" panose="020F0502020204030204" pitchFamily="34" charset="0"/>
+                        </a:rPr>
+                        <a:t>Wilburn</a:t>
+                      </a:r>
+                    </a:p>
+                  </a:txBody>
+                  <a:tcPr marL="6576" marR="6576" marT="6576" marB="0" anchor="ctr">
+                    <a:lnL>
+                      <a:noFill/>
+                    </a:lnL>
+                    <a:lnR>
+                      <a:noFill/>
+                    </a:lnR>
+                    <a:lnT>
+                      <a:noFill/>
+                    </a:lnT>
+                    <a:lnB>
+                      <a:noFill/>
+                    </a:lnB>
+                  </a:tcPr>
+                </a:tc>
+                <a:tc>
+                  <a:txBody>
+                    <a:bodyPr/>
+                    <a:lstStyle/>
+                    <a:p>
+                      <a:pPr algn="l" fontAlgn="ctr"/>
+                      <a:r>
+                        <a:rPr lang="en-US" sz="800" b="0" i="0" u="none" strike="noStrike">
+                          <a:solidFill>
+                            <a:srgbClr val="000000"/>
+                          </a:solidFill>
+                          <a:effectLst/>
+                          <a:latin typeface="Calibri" panose="020F0502020204030204" pitchFamily="34" charset="0"/>
+                        </a:rPr>
+                        <a:t>Louise</a:t>
+                      </a:r>
+                    </a:p>
+                  </a:txBody>
+                  <a:tcPr marL="6576" marR="6576" marT="6576" marB="0" anchor="ctr">
+                    <a:lnL>
+                      <a:noFill/>
+                    </a:lnL>
+                    <a:lnR>
+                      <a:noFill/>
+                    </a:lnR>
+                    <a:lnT>
+                      <a:noFill/>
+                    </a:lnT>
+                    <a:lnB>
+                      <a:noFill/>
+                    </a:lnB>
+                  </a:tcPr>
+                </a:tc>
+                <a:tc>
+                  <a:txBody>
+                    <a:bodyPr/>
+                    <a:lstStyle/>
+                    <a:p>
+                      <a:pPr algn="r" fontAlgn="ctr"/>
+                      <a:r>
+                        <a:rPr lang="en-US" sz="800" b="0" i="0" u="none" strike="noStrike">
+                          <a:solidFill>
+                            <a:srgbClr val="000000"/>
+                          </a:solidFill>
+                          <a:effectLst/>
+                          <a:latin typeface="Calibri" panose="020F0502020204030204" pitchFamily="34" charset="0"/>
+                        </a:rPr>
+                        <a:t>0</a:t>
+                      </a:r>
+                    </a:p>
+                  </a:txBody>
+                  <a:tcPr marL="6576" marR="6576" marT="6576" marB="0" anchor="ctr">
+                    <a:lnL>
+                      <a:noFill/>
+                    </a:lnL>
+                    <a:lnR>
+                      <a:noFill/>
+                    </a:lnR>
+                    <a:lnT>
+                      <a:noFill/>
+                    </a:lnT>
+                    <a:lnB>
+                      <a:noFill/>
+                    </a:lnB>
+                  </a:tcPr>
+                </a:tc>
+                <a:tc>
+                  <a:txBody>
+                    <a:bodyPr/>
+                    <a:lstStyle/>
+                    <a:p>
+                      <a:pPr algn="r" fontAlgn="ctr"/>
+                      <a:r>
+                        <a:rPr lang="en-US" sz="800" b="0" i="0" u="none" strike="noStrike">
+                          <a:solidFill>
+                            <a:srgbClr val="000000"/>
+                          </a:solidFill>
+                          <a:effectLst/>
+                          <a:latin typeface="Calibri" panose="020F0502020204030204" pitchFamily="34" charset="0"/>
+                        </a:rPr>
+                        <a:t>1</a:t>
+                      </a:r>
+                    </a:p>
+                  </a:txBody>
+                  <a:tcPr marL="6576" marR="6576" marT="6576" marB="0" anchor="ctr">
+                    <a:lnL>
+                      <a:noFill/>
+                    </a:lnL>
+                    <a:lnR>
+                      <a:noFill/>
+                    </a:lnR>
+                    <a:lnT>
+                      <a:noFill/>
+                    </a:lnT>
+                    <a:lnB>
+                      <a:noFill/>
+                    </a:lnB>
+                  </a:tcPr>
+                </a:tc>
+              </a:tr>
+              <a:tr h="131527">
+                <a:tc>
+                  <a:txBody>
+                    <a:bodyPr/>
+                    <a:lstStyle/>
+                    <a:p>
+                      <a:pPr algn="l" fontAlgn="b"/>
+                      <a:r>
+                        <a:rPr lang="en-US" sz="800" b="0" i="0" u="none" strike="noStrike">
+                          <a:solidFill>
+                            <a:srgbClr val="000000"/>
+                          </a:solidFill>
+                          <a:effectLst/>
+                          <a:latin typeface="Calibri" panose="020F0502020204030204" pitchFamily="34" charset="0"/>
+                        </a:rPr>
+                        <a:t>C7</a:t>
+                      </a:r>
+                    </a:p>
+                  </a:txBody>
+                  <a:tcPr marL="6576" marR="6576" marT="6576" marB="0" anchor="b">
+                    <a:lnL>
+                      <a:noFill/>
+                    </a:lnL>
+                    <a:lnR>
+                      <a:noFill/>
+                    </a:lnR>
+                    <a:lnT>
+                      <a:noFill/>
+                    </a:lnT>
+                    <a:lnB>
+                      <a:noFill/>
+                    </a:lnB>
+                  </a:tcPr>
+                </a:tc>
+                <a:tc>
+                  <a:txBody>
+                    <a:bodyPr/>
+                    <a:lstStyle/>
+                    <a:p>
+                      <a:pPr algn="l" fontAlgn="ctr"/>
+                      <a:r>
+                        <a:rPr lang="en-US" sz="800" b="0" i="0" u="none" strike="noStrike">
+                          <a:solidFill>
+                            <a:srgbClr val="000000"/>
+                          </a:solidFill>
+                          <a:effectLst/>
+                          <a:latin typeface="Calibri" panose="020F0502020204030204" pitchFamily="34" charset="0"/>
+                        </a:rPr>
+                        <a:t>Sapadin</a:t>
+                      </a:r>
+                    </a:p>
+                  </a:txBody>
+                  <a:tcPr marL="6576" marR="6576" marT="6576" marB="0" anchor="ctr">
+                    <a:lnL>
+                      <a:noFill/>
+                    </a:lnL>
+                    <a:lnR>
+                      <a:noFill/>
+                    </a:lnR>
+                    <a:lnT>
+                      <a:noFill/>
+                    </a:lnT>
+                    <a:lnB>
+                      <a:noFill/>
+                    </a:lnB>
+                    <a:solidFill>
+                      <a:srgbClr val="D9D9D9"/>
+                    </a:solidFill>
+                  </a:tcPr>
+                </a:tc>
+                <a:tc>
+                  <a:txBody>
+                    <a:bodyPr/>
+                    <a:lstStyle/>
+                    <a:p>
+                      <a:pPr algn="l" fontAlgn="ctr"/>
+                      <a:r>
+                        <a:rPr lang="en-US" sz="800" b="0" i="0" u="none" strike="noStrike">
+                          <a:solidFill>
+                            <a:srgbClr val="000000"/>
+                          </a:solidFill>
+                          <a:effectLst/>
+                          <a:latin typeface="Calibri" panose="020F0502020204030204" pitchFamily="34" charset="0"/>
+                        </a:rPr>
+                        <a:t>Helen</a:t>
+                      </a:r>
+                    </a:p>
+                  </a:txBody>
+                  <a:tcPr marL="6576" marR="6576" marT="6576" marB="0" anchor="ctr">
+                    <a:lnL>
+                      <a:noFill/>
+                    </a:lnL>
+                    <a:lnR>
+                      <a:noFill/>
+                    </a:lnR>
+                    <a:lnT>
+                      <a:noFill/>
+                    </a:lnT>
+                    <a:lnB>
+                      <a:noFill/>
+                    </a:lnB>
+                    <a:solidFill>
+                      <a:srgbClr val="D9D9D9"/>
+                    </a:solidFill>
+                  </a:tcPr>
+                </a:tc>
+                <a:tc>
+                  <a:txBody>
+                    <a:bodyPr/>
+                    <a:lstStyle/>
+                    <a:p>
+                      <a:pPr algn="r" fontAlgn="ctr"/>
+                      <a:r>
+                        <a:rPr lang="en-US" sz="800" b="0" i="0" u="none" strike="noStrike">
+                          <a:solidFill>
+                            <a:srgbClr val="000000"/>
+                          </a:solidFill>
+                          <a:effectLst/>
+                          <a:latin typeface="Calibri" panose="020F0502020204030204" pitchFamily="34" charset="0"/>
+                        </a:rPr>
+                        <a:t>315</a:t>
+                      </a:r>
+                    </a:p>
+                  </a:txBody>
+                  <a:tcPr marL="6576" marR="6576" marT="6576" marB="0" anchor="ctr">
+                    <a:lnL>
+                      <a:noFill/>
+                    </a:lnL>
+                    <a:lnR>
+                      <a:noFill/>
+                    </a:lnR>
+                    <a:lnT>
+                      <a:noFill/>
+                    </a:lnT>
+                    <a:lnB>
+                      <a:noFill/>
+                    </a:lnB>
+                    <a:solidFill>
+                      <a:srgbClr val="D9D9D9"/>
+                    </a:solidFill>
+                  </a:tcPr>
+                </a:tc>
+                <a:tc>
+                  <a:txBody>
+                    <a:bodyPr/>
+                    <a:lstStyle/>
+                    <a:p>
+                      <a:pPr algn="r" fontAlgn="ctr"/>
+                      <a:r>
+                        <a:rPr lang="en-US" sz="800" b="0" i="0" u="none" strike="noStrike">
+                          <a:solidFill>
+                            <a:srgbClr val="000000"/>
+                          </a:solidFill>
+                          <a:effectLst/>
+                          <a:latin typeface="Calibri" panose="020F0502020204030204" pitchFamily="34" charset="0"/>
+                        </a:rPr>
+                        <a:t>2</a:t>
+                      </a:r>
+                    </a:p>
+                  </a:txBody>
+                  <a:tcPr marL="6576" marR="6576" marT="6576" marB="0" anchor="ctr">
+                    <a:lnL>
+                      <a:noFill/>
+                    </a:lnL>
+                    <a:lnR>
+                      <a:noFill/>
+                    </a:lnR>
+                    <a:lnT>
+                      <a:noFill/>
+                    </a:lnT>
+                    <a:lnB>
+                      <a:noFill/>
+                    </a:lnB>
+                    <a:solidFill>
+                      <a:srgbClr val="D9D9D9"/>
+                    </a:solidFill>
+                  </a:tcPr>
+                </a:tc>
+              </a:tr>
+              <a:tr h="131527">
+                <a:tc>
+                  <a:txBody>
+                    <a:bodyPr/>
+                    <a:lstStyle/>
+                    <a:p>
+                      <a:pPr algn="l" fontAlgn="b"/>
+                      <a:r>
+                        <a:rPr lang="en-US" sz="800" b="0" i="0" u="none" strike="noStrike">
+                          <a:solidFill>
+                            <a:srgbClr val="000000"/>
+                          </a:solidFill>
+                          <a:effectLst/>
+                          <a:latin typeface="Calibri" panose="020F0502020204030204" pitchFamily="34" charset="0"/>
+                        </a:rPr>
+                        <a:t>C8</a:t>
+                      </a:r>
+                    </a:p>
+                  </a:txBody>
+                  <a:tcPr marL="6576" marR="6576" marT="6576" marB="0" anchor="b">
+                    <a:lnL>
+                      <a:noFill/>
+                    </a:lnL>
+                    <a:lnR>
+                      <a:noFill/>
+                    </a:lnR>
+                    <a:lnT>
+                      <a:noFill/>
+                    </a:lnT>
+                    <a:lnB>
+                      <a:noFill/>
+                    </a:lnB>
+                  </a:tcPr>
+                </a:tc>
+                <a:tc>
+                  <a:txBody>
+                    <a:bodyPr/>
+                    <a:lstStyle/>
+                    <a:p>
+                      <a:pPr algn="l" fontAlgn="ctr"/>
+                      <a:r>
+                        <a:rPr lang="en-US" sz="800" b="0" i="0" u="none" strike="noStrike">
+                          <a:solidFill>
+                            <a:srgbClr val="000000"/>
+                          </a:solidFill>
+                          <a:effectLst/>
+                          <a:latin typeface="Calibri" panose="020F0502020204030204" pitchFamily="34" charset="0"/>
+                        </a:rPr>
+                        <a:t>Gholston</a:t>
+                      </a:r>
+                    </a:p>
+                  </a:txBody>
+                  <a:tcPr marL="6576" marR="6576" marT="6576" marB="0" anchor="ctr">
+                    <a:lnL>
+                      <a:noFill/>
+                    </a:lnL>
+                    <a:lnR>
+                      <a:noFill/>
+                    </a:lnR>
+                    <a:lnT>
+                      <a:noFill/>
+                    </a:lnT>
+                    <a:lnB>
+                      <a:noFill/>
+                    </a:lnB>
+                  </a:tcPr>
+                </a:tc>
+                <a:tc>
+                  <a:txBody>
+                    <a:bodyPr/>
+                    <a:lstStyle/>
+                    <a:p>
+                      <a:pPr algn="l" fontAlgn="ctr"/>
+                      <a:r>
+                        <a:rPr lang="en-US" sz="800" b="0" i="0" u="none" strike="noStrike">
+                          <a:solidFill>
+                            <a:srgbClr val="000000"/>
+                          </a:solidFill>
+                          <a:effectLst/>
+                          <a:latin typeface="Calibri" panose="020F0502020204030204" pitchFamily="34" charset="0"/>
+                        </a:rPr>
+                        <a:t>Carmen</a:t>
+                      </a:r>
+                    </a:p>
+                  </a:txBody>
+                  <a:tcPr marL="6576" marR="6576" marT="6576" marB="0" anchor="ctr">
+                    <a:lnL>
+                      <a:noFill/>
+                    </a:lnL>
+                    <a:lnR>
+                      <a:noFill/>
+                    </a:lnR>
+                    <a:lnT>
+                      <a:noFill/>
+                    </a:lnT>
+                    <a:lnB>
+                      <a:noFill/>
+                    </a:lnB>
+                  </a:tcPr>
+                </a:tc>
+                <a:tc>
+                  <a:txBody>
+                    <a:bodyPr/>
+                    <a:lstStyle/>
+                    <a:p>
+                      <a:pPr algn="r" fontAlgn="ctr"/>
+                      <a:r>
+                        <a:rPr lang="en-US" sz="800" b="0" i="0" u="none" strike="noStrike">
+                          <a:solidFill>
+                            <a:srgbClr val="000000"/>
+                          </a:solidFill>
+                          <a:effectLst/>
+                          <a:latin typeface="Calibri" panose="020F0502020204030204" pitchFamily="34" charset="0"/>
+                        </a:rPr>
+                        <a:t>220</a:t>
+                      </a:r>
+                    </a:p>
+                  </a:txBody>
+                  <a:tcPr marL="6576" marR="6576" marT="6576" marB="0" anchor="ctr">
+                    <a:lnL>
+                      <a:noFill/>
+                    </a:lnL>
+                    <a:lnR>
+                      <a:noFill/>
+                    </a:lnR>
+                    <a:lnT>
+                      <a:noFill/>
+                    </a:lnT>
+                    <a:lnB>
+                      <a:noFill/>
+                    </a:lnB>
+                  </a:tcPr>
+                </a:tc>
+                <a:tc>
+                  <a:txBody>
+                    <a:bodyPr/>
+                    <a:lstStyle/>
+                    <a:p>
+                      <a:pPr algn="r" fontAlgn="ctr"/>
+                      <a:r>
+                        <a:rPr lang="en-US" sz="800" b="0" i="0" u="none" strike="noStrike">
+                          <a:solidFill>
+                            <a:srgbClr val="000000"/>
+                          </a:solidFill>
+                          <a:effectLst/>
+                          <a:latin typeface="Calibri" panose="020F0502020204030204" pitchFamily="34" charset="0"/>
+                        </a:rPr>
+                        <a:t>2</a:t>
+                      </a:r>
+                    </a:p>
+                  </a:txBody>
+                  <a:tcPr marL="6576" marR="6576" marT="6576" marB="0" anchor="ctr">
+                    <a:lnL>
+                      <a:noFill/>
+                    </a:lnL>
+                    <a:lnR>
+                      <a:noFill/>
+                    </a:lnR>
+                    <a:lnT>
+                      <a:noFill/>
+                    </a:lnT>
+                    <a:lnB>
+                      <a:noFill/>
+                    </a:lnB>
+                  </a:tcPr>
+                </a:tc>
+              </a:tr>
+              <a:tr h="131527">
+                <a:tc>
+                  <a:txBody>
+                    <a:bodyPr/>
+                    <a:lstStyle/>
+                    <a:p>
+                      <a:pPr algn="l" fontAlgn="b"/>
+                      <a:r>
+                        <a:rPr lang="en-US" sz="800" b="0" i="0" u="none" strike="noStrike">
+                          <a:solidFill>
+                            <a:srgbClr val="000000"/>
+                          </a:solidFill>
+                          <a:effectLst/>
+                          <a:latin typeface="Calibri" panose="020F0502020204030204" pitchFamily="34" charset="0"/>
+                        </a:rPr>
+                        <a:t>C9</a:t>
+                      </a:r>
+                    </a:p>
+                  </a:txBody>
+                  <a:tcPr marL="6576" marR="6576" marT="6576" marB="0" anchor="b">
+                    <a:lnL>
+                      <a:noFill/>
+                    </a:lnL>
+                    <a:lnR>
+                      <a:noFill/>
+                    </a:lnR>
+                    <a:lnT>
+                      <a:noFill/>
+                    </a:lnT>
+                    <a:lnB>
+                      <a:noFill/>
+                    </a:lnB>
+                  </a:tcPr>
+                </a:tc>
+                <a:tc>
+                  <a:txBody>
+                    <a:bodyPr/>
+                    <a:lstStyle/>
+                    <a:p>
+                      <a:pPr algn="l" fontAlgn="ctr"/>
+                      <a:r>
+                        <a:rPr lang="en-US" sz="800" b="0" i="0" u="none" strike="noStrike">
+                          <a:solidFill>
+                            <a:srgbClr val="000000"/>
+                          </a:solidFill>
+                          <a:effectLst/>
+                          <a:latin typeface="Calibri" panose="020F0502020204030204" pitchFamily="34" charset="0"/>
+                        </a:rPr>
+                        <a:t>Berry</a:t>
+                      </a:r>
+                    </a:p>
+                  </a:txBody>
+                  <a:tcPr marL="6576" marR="6576" marT="6576" marB="0" anchor="ctr">
+                    <a:lnL>
+                      <a:noFill/>
+                    </a:lnL>
+                    <a:lnR>
+                      <a:noFill/>
+                    </a:lnR>
+                    <a:lnT>
+                      <a:noFill/>
+                    </a:lnT>
+                    <a:lnB>
+                      <a:noFill/>
+                    </a:lnB>
+                    <a:solidFill>
+                      <a:srgbClr val="D9D9D9"/>
+                    </a:solidFill>
+                  </a:tcPr>
+                </a:tc>
+                <a:tc>
+                  <a:txBody>
+                    <a:bodyPr/>
+                    <a:lstStyle/>
+                    <a:p>
+                      <a:pPr algn="l" fontAlgn="ctr"/>
+                      <a:r>
+                        <a:rPr lang="en-US" sz="800" b="0" i="0" u="none" strike="noStrike">
+                          <a:solidFill>
+                            <a:srgbClr val="000000"/>
+                          </a:solidFill>
+                          <a:effectLst/>
+                          <a:latin typeface="Calibri" panose="020F0502020204030204" pitchFamily="34" charset="0"/>
+                        </a:rPr>
+                        <a:t>Elana</a:t>
+                      </a:r>
+                    </a:p>
+                  </a:txBody>
+                  <a:tcPr marL="6576" marR="6576" marT="6576" marB="0" anchor="ctr">
+                    <a:lnL>
+                      <a:noFill/>
+                    </a:lnL>
+                    <a:lnR>
+                      <a:noFill/>
+                    </a:lnR>
+                    <a:lnT>
+                      <a:noFill/>
+                    </a:lnT>
+                    <a:lnB>
+                      <a:noFill/>
+                    </a:lnB>
+                    <a:solidFill>
+                      <a:srgbClr val="D9D9D9"/>
+                    </a:solidFill>
+                  </a:tcPr>
+                </a:tc>
+                <a:tc>
+                  <a:txBody>
+                    <a:bodyPr/>
+                    <a:lstStyle/>
+                    <a:p>
+                      <a:pPr algn="r" fontAlgn="ctr"/>
+                      <a:r>
+                        <a:rPr lang="en-US" sz="800" b="0" i="0" u="none" strike="noStrike">
+                          <a:solidFill>
+                            <a:srgbClr val="000000"/>
+                          </a:solidFill>
+                          <a:effectLst/>
+                          <a:latin typeface="Calibri" panose="020F0502020204030204" pitchFamily="34" charset="0"/>
+                        </a:rPr>
+                        <a:t>160</a:t>
+                      </a:r>
+                    </a:p>
+                  </a:txBody>
+                  <a:tcPr marL="6576" marR="6576" marT="6576" marB="0" anchor="ctr">
+                    <a:lnL>
+                      <a:noFill/>
+                    </a:lnL>
+                    <a:lnR>
+                      <a:noFill/>
+                    </a:lnR>
+                    <a:lnT>
+                      <a:noFill/>
+                    </a:lnT>
+                    <a:lnB>
+                      <a:noFill/>
+                    </a:lnB>
+                    <a:solidFill>
+                      <a:srgbClr val="D9D9D9"/>
+                    </a:solidFill>
+                  </a:tcPr>
+                </a:tc>
+                <a:tc>
+                  <a:txBody>
+                    <a:bodyPr/>
+                    <a:lstStyle/>
+                    <a:p>
+                      <a:pPr algn="r" fontAlgn="ctr"/>
+                      <a:r>
+                        <a:rPr lang="en-US" sz="800" b="0" i="0" u="none" strike="noStrike">
+                          <a:solidFill>
+                            <a:srgbClr val="000000"/>
+                          </a:solidFill>
+                          <a:effectLst/>
+                          <a:latin typeface="Calibri" panose="020F0502020204030204" pitchFamily="34" charset="0"/>
+                        </a:rPr>
+                        <a:t>2</a:t>
+                      </a:r>
+                    </a:p>
+                  </a:txBody>
+                  <a:tcPr marL="6576" marR="6576" marT="6576" marB="0" anchor="ctr">
+                    <a:lnL>
+                      <a:noFill/>
+                    </a:lnL>
+                    <a:lnR>
+                      <a:noFill/>
+                    </a:lnR>
+                    <a:lnT>
+                      <a:noFill/>
+                    </a:lnT>
+                    <a:lnB>
+                      <a:noFill/>
+                    </a:lnB>
+                    <a:solidFill>
+                      <a:srgbClr val="D9D9D9"/>
+                    </a:solidFill>
+                  </a:tcPr>
+                </a:tc>
+              </a:tr>
+              <a:tr h="131527">
+                <a:tc>
+                  <a:txBody>
+                    <a:bodyPr/>
+                    <a:lstStyle/>
+                    <a:p>
+                      <a:pPr algn="l" fontAlgn="b"/>
+                      <a:r>
+                        <a:rPr lang="en-US" sz="800" b="0" i="0" u="none" strike="noStrike">
+                          <a:solidFill>
+                            <a:srgbClr val="000000"/>
+                          </a:solidFill>
+                          <a:effectLst/>
+                          <a:latin typeface="Calibri" panose="020F0502020204030204" pitchFamily="34" charset="0"/>
+                        </a:rPr>
+                        <a:t>C10</a:t>
+                      </a:r>
+                    </a:p>
+                  </a:txBody>
+                  <a:tcPr marL="6576" marR="6576" marT="6576" marB="0" anchor="b">
+                    <a:lnL>
+                      <a:noFill/>
+                    </a:lnL>
+                    <a:lnR>
+                      <a:noFill/>
+                    </a:lnR>
+                    <a:lnT>
+                      <a:noFill/>
+                    </a:lnT>
+                    <a:lnB>
+                      <a:noFill/>
+                    </a:lnB>
+                  </a:tcPr>
+                </a:tc>
+                <a:tc>
+                  <a:txBody>
+                    <a:bodyPr/>
+                    <a:lstStyle/>
+                    <a:p>
+                      <a:pPr algn="l" fontAlgn="ctr"/>
+                      <a:r>
+                        <a:rPr lang="en-US" sz="800" b="0" i="0" u="none" strike="noStrike">
+                          <a:solidFill>
+                            <a:srgbClr val="000000"/>
+                          </a:solidFill>
+                          <a:effectLst/>
+                          <a:latin typeface="Calibri" panose="020F0502020204030204" pitchFamily="34" charset="0"/>
+                        </a:rPr>
+                        <a:t>Hacker</a:t>
+                      </a:r>
+                    </a:p>
+                  </a:txBody>
+                  <a:tcPr marL="6576" marR="6576" marT="6576" marB="0" anchor="ctr">
+                    <a:lnL>
+                      <a:noFill/>
+                    </a:lnL>
+                    <a:lnR>
+                      <a:noFill/>
+                    </a:lnR>
+                    <a:lnT>
+                      <a:noFill/>
+                    </a:lnT>
+                    <a:lnB>
+                      <a:noFill/>
+                    </a:lnB>
+                  </a:tcPr>
+                </a:tc>
+                <a:tc>
+                  <a:txBody>
+                    <a:bodyPr/>
+                    <a:lstStyle/>
+                    <a:p>
+                      <a:pPr algn="l" fontAlgn="ctr"/>
+                      <a:r>
+                        <a:rPr lang="en-US" sz="800" b="0" i="0" u="none" strike="noStrike">
+                          <a:solidFill>
+                            <a:srgbClr val="000000"/>
+                          </a:solidFill>
+                          <a:effectLst/>
+                          <a:latin typeface="Calibri" panose="020F0502020204030204" pitchFamily="34" charset="0"/>
+                        </a:rPr>
+                        <a:t>Don</a:t>
+                      </a:r>
+                    </a:p>
+                  </a:txBody>
+                  <a:tcPr marL="6576" marR="6576" marT="6576" marB="0" anchor="ctr">
+                    <a:lnL>
+                      <a:noFill/>
+                    </a:lnL>
+                    <a:lnR>
+                      <a:noFill/>
+                    </a:lnR>
+                    <a:lnT>
+                      <a:noFill/>
+                    </a:lnT>
+                    <a:lnB>
+                      <a:noFill/>
+                    </a:lnB>
+                  </a:tcPr>
+                </a:tc>
+                <a:tc>
+                  <a:txBody>
+                    <a:bodyPr/>
+                    <a:lstStyle/>
+                    <a:p>
+                      <a:pPr algn="r" fontAlgn="ctr"/>
+                      <a:r>
+                        <a:rPr lang="en-US" sz="800" b="0" i="0" u="none" strike="noStrike">
+                          <a:solidFill>
+                            <a:srgbClr val="000000"/>
+                          </a:solidFill>
+                          <a:effectLst/>
+                          <a:latin typeface="Calibri" panose="020F0502020204030204" pitchFamily="34" charset="0"/>
+                        </a:rPr>
+                        <a:t>133.5</a:t>
+                      </a:r>
+                    </a:p>
+                  </a:txBody>
+                  <a:tcPr marL="6576" marR="6576" marT="6576" marB="0" anchor="ctr">
+                    <a:lnL>
+                      <a:noFill/>
+                    </a:lnL>
+                    <a:lnR>
+                      <a:noFill/>
+                    </a:lnR>
+                    <a:lnT>
+                      <a:noFill/>
+                    </a:lnT>
+                    <a:lnB>
+                      <a:noFill/>
+                    </a:lnB>
+                  </a:tcPr>
+                </a:tc>
+                <a:tc>
+                  <a:txBody>
+                    <a:bodyPr/>
+                    <a:lstStyle/>
+                    <a:p>
+                      <a:pPr algn="r" fontAlgn="ctr"/>
+                      <a:r>
+                        <a:rPr lang="en-US" sz="800" b="0" i="0" u="none" strike="noStrike">
+                          <a:solidFill>
+                            <a:srgbClr val="000000"/>
+                          </a:solidFill>
+                          <a:effectLst/>
+                          <a:latin typeface="Calibri" panose="020F0502020204030204" pitchFamily="34" charset="0"/>
+                        </a:rPr>
+                        <a:t>2</a:t>
+                      </a:r>
+                    </a:p>
+                  </a:txBody>
+                  <a:tcPr marL="6576" marR="6576" marT="6576" marB="0" anchor="ctr">
+                    <a:lnL>
+                      <a:noFill/>
+                    </a:lnL>
+                    <a:lnR>
+                      <a:noFill/>
+                    </a:lnR>
+                    <a:lnT>
+                      <a:noFill/>
+                    </a:lnT>
+                    <a:lnB>
+                      <a:noFill/>
+                    </a:lnB>
+                  </a:tcPr>
+                </a:tc>
+              </a:tr>
+              <a:tr h="131527">
+                <a:tc>
+                  <a:txBody>
+                    <a:bodyPr/>
+                    <a:lstStyle/>
+                    <a:p>
+                      <a:pPr algn="l" fontAlgn="b"/>
+                      <a:r>
+                        <a:rPr lang="en-US" sz="800" b="0" i="0" u="none" strike="noStrike">
+                          <a:solidFill>
+                            <a:srgbClr val="000000"/>
+                          </a:solidFill>
+                          <a:effectLst/>
+                          <a:latin typeface="Calibri" panose="020F0502020204030204" pitchFamily="34" charset="0"/>
+                        </a:rPr>
+                        <a:t>C11</a:t>
+                      </a:r>
+                    </a:p>
+                  </a:txBody>
+                  <a:tcPr marL="6576" marR="6576" marT="6576" marB="0" anchor="b">
+                    <a:lnL>
+                      <a:noFill/>
+                    </a:lnL>
+                    <a:lnR>
+                      <a:noFill/>
+                    </a:lnR>
+                    <a:lnT>
+                      <a:noFill/>
+                    </a:lnT>
+                    <a:lnB>
+                      <a:noFill/>
+                    </a:lnB>
+                  </a:tcPr>
+                </a:tc>
+                <a:tc>
+                  <a:txBody>
+                    <a:bodyPr/>
+                    <a:lstStyle/>
+                    <a:p>
+                      <a:pPr algn="l" fontAlgn="ctr"/>
+                      <a:r>
+                        <a:rPr lang="en-US" sz="800" b="0" i="0" u="none" strike="noStrike">
+                          <a:solidFill>
+                            <a:srgbClr val="000000"/>
+                          </a:solidFill>
+                          <a:effectLst/>
+                          <a:latin typeface="Calibri" panose="020F0502020204030204" pitchFamily="34" charset="0"/>
+                        </a:rPr>
+                        <a:t>Mullen</a:t>
+                      </a:r>
+                    </a:p>
+                  </a:txBody>
+                  <a:tcPr marL="6576" marR="6576" marT="6576" marB="0" anchor="ctr">
+                    <a:lnL>
+                      <a:noFill/>
+                    </a:lnL>
+                    <a:lnR>
+                      <a:noFill/>
+                    </a:lnR>
+                    <a:lnT>
+                      <a:noFill/>
+                    </a:lnT>
+                    <a:lnB>
+                      <a:noFill/>
+                    </a:lnB>
+                    <a:solidFill>
+                      <a:srgbClr val="D9D9D9"/>
+                    </a:solidFill>
+                  </a:tcPr>
+                </a:tc>
+                <a:tc>
+                  <a:txBody>
+                    <a:bodyPr/>
+                    <a:lstStyle/>
+                    <a:p>
+                      <a:pPr algn="l" fontAlgn="ctr"/>
+                      <a:r>
+                        <a:rPr lang="en-US" sz="800" b="0" i="0" u="none" strike="noStrike">
+                          <a:solidFill>
+                            <a:srgbClr val="000000"/>
+                          </a:solidFill>
+                          <a:effectLst/>
+                          <a:latin typeface="Calibri" panose="020F0502020204030204" pitchFamily="34" charset="0"/>
+                        </a:rPr>
+                        <a:t>Kathy</a:t>
+                      </a:r>
+                    </a:p>
+                  </a:txBody>
+                  <a:tcPr marL="6576" marR="6576" marT="6576" marB="0" anchor="ctr">
+                    <a:lnL>
+                      <a:noFill/>
+                    </a:lnL>
+                    <a:lnR>
+                      <a:noFill/>
+                    </a:lnR>
+                    <a:lnT>
+                      <a:noFill/>
+                    </a:lnT>
+                    <a:lnB>
+                      <a:noFill/>
+                    </a:lnB>
+                    <a:solidFill>
+                      <a:srgbClr val="D9D9D9"/>
+                    </a:solidFill>
+                  </a:tcPr>
+                </a:tc>
+                <a:tc>
+                  <a:txBody>
+                    <a:bodyPr/>
+                    <a:lstStyle/>
+                    <a:p>
+                      <a:pPr algn="r" fontAlgn="ctr"/>
+                      <a:r>
+                        <a:rPr lang="en-US" sz="800" b="0" i="0" u="none" strike="noStrike">
+                          <a:solidFill>
+                            <a:srgbClr val="000000"/>
+                          </a:solidFill>
+                          <a:effectLst/>
+                          <a:latin typeface="Calibri" panose="020F0502020204030204" pitchFamily="34" charset="0"/>
+                        </a:rPr>
+                        <a:t>87.48</a:t>
+                      </a:r>
+                    </a:p>
+                  </a:txBody>
+                  <a:tcPr marL="6576" marR="6576" marT="6576" marB="0" anchor="ctr">
+                    <a:lnL>
+                      <a:noFill/>
+                    </a:lnL>
+                    <a:lnR>
+                      <a:noFill/>
+                    </a:lnR>
+                    <a:lnT>
+                      <a:noFill/>
+                    </a:lnT>
+                    <a:lnB>
+                      <a:noFill/>
+                    </a:lnB>
+                    <a:solidFill>
+                      <a:srgbClr val="D9D9D9"/>
+                    </a:solidFill>
+                  </a:tcPr>
+                </a:tc>
+                <a:tc>
+                  <a:txBody>
+                    <a:bodyPr/>
+                    <a:lstStyle/>
+                    <a:p>
+                      <a:pPr algn="r" fontAlgn="ctr"/>
+                      <a:r>
+                        <a:rPr lang="en-US" sz="800" b="0" i="0" u="none" strike="noStrike">
+                          <a:solidFill>
+                            <a:srgbClr val="000000"/>
+                          </a:solidFill>
+                          <a:effectLst/>
+                          <a:latin typeface="Calibri" panose="020F0502020204030204" pitchFamily="34" charset="0"/>
+                        </a:rPr>
+                        <a:t>2</a:t>
+                      </a:r>
+                    </a:p>
+                  </a:txBody>
+                  <a:tcPr marL="6576" marR="6576" marT="6576" marB="0" anchor="ctr">
+                    <a:lnL>
+                      <a:noFill/>
+                    </a:lnL>
+                    <a:lnR>
+                      <a:noFill/>
+                    </a:lnR>
+                    <a:lnT>
+                      <a:noFill/>
+                    </a:lnT>
+                    <a:lnB>
+                      <a:noFill/>
+                    </a:lnB>
+                    <a:solidFill>
+                      <a:srgbClr val="D9D9D9"/>
+                    </a:solidFill>
+                  </a:tcPr>
+                </a:tc>
+              </a:tr>
+              <a:tr h="131527">
+                <a:tc>
+                  <a:txBody>
+                    <a:bodyPr/>
+                    <a:lstStyle/>
+                    <a:p>
+                      <a:pPr algn="l" fontAlgn="b"/>
+                      <a:r>
+                        <a:rPr lang="en-US" sz="800" b="0" i="0" u="none" strike="noStrike">
+                          <a:solidFill>
+                            <a:srgbClr val="000000"/>
+                          </a:solidFill>
+                          <a:effectLst/>
+                          <a:latin typeface="Calibri" panose="020F0502020204030204" pitchFamily="34" charset="0"/>
+                        </a:rPr>
+                        <a:t>C12</a:t>
+                      </a:r>
+                    </a:p>
+                  </a:txBody>
+                  <a:tcPr marL="6576" marR="6576" marT="6576" marB="0" anchor="b">
+                    <a:lnL>
+                      <a:noFill/>
+                    </a:lnL>
+                    <a:lnR>
+                      <a:noFill/>
+                    </a:lnR>
+                    <a:lnT>
+                      <a:noFill/>
+                    </a:lnT>
+                    <a:lnB>
+                      <a:noFill/>
+                    </a:lnB>
+                  </a:tcPr>
+                </a:tc>
+                <a:tc>
+                  <a:txBody>
+                    <a:bodyPr/>
+                    <a:lstStyle/>
+                    <a:p>
+                      <a:pPr algn="l" fontAlgn="ctr"/>
+                      <a:r>
+                        <a:rPr lang="en-US" sz="800" b="0" i="0" u="none" strike="noStrike">
+                          <a:solidFill>
+                            <a:srgbClr val="000000"/>
+                          </a:solidFill>
+                          <a:effectLst/>
+                          <a:latin typeface="Calibri" panose="020F0502020204030204" pitchFamily="34" charset="0"/>
+                        </a:rPr>
+                        <a:t>Tarter</a:t>
+                      </a:r>
+                    </a:p>
+                  </a:txBody>
+                  <a:tcPr marL="6576" marR="6576" marT="6576" marB="0" anchor="ctr">
+                    <a:lnL>
+                      <a:noFill/>
+                    </a:lnL>
+                    <a:lnR>
+                      <a:noFill/>
+                    </a:lnR>
+                    <a:lnT>
+                      <a:noFill/>
+                    </a:lnT>
+                    <a:lnB>
+                      <a:noFill/>
+                    </a:lnB>
+                  </a:tcPr>
+                </a:tc>
+                <a:tc>
+                  <a:txBody>
+                    <a:bodyPr/>
+                    <a:lstStyle/>
+                    <a:p>
+                      <a:pPr algn="l" fontAlgn="ctr"/>
+                      <a:r>
+                        <a:rPr lang="en-US" sz="800" b="0" i="0" u="none" strike="noStrike">
+                          <a:solidFill>
+                            <a:srgbClr val="000000"/>
+                          </a:solidFill>
+                          <a:effectLst/>
+                          <a:latin typeface="Calibri" panose="020F0502020204030204" pitchFamily="34" charset="0"/>
+                        </a:rPr>
+                        <a:t>Denny</a:t>
+                      </a:r>
+                    </a:p>
+                  </a:txBody>
+                  <a:tcPr marL="6576" marR="6576" marT="6576" marB="0" anchor="ctr">
+                    <a:lnL>
+                      <a:noFill/>
+                    </a:lnL>
+                    <a:lnR>
+                      <a:noFill/>
+                    </a:lnR>
+                    <a:lnT>
+                      <a:noFill/>
+                    </a:lnT>
+                    <a:lnB>
+                      <a:noFill/>
+                    </a:lnB>
+                  </a:tcPr>
+                </a:tc>
+                <a:tc>
+                  <a:txBody>
+                    <a:bodyPr/>
+                    <a:lstStyle/>
+                    <a:p>
+                      <a:pPr algn="r" fontAlgn="ctr"/>
+                      <a:r>
+                        <a:rPr lang="en-US" sz="800" b="0" i="0" u="none" strike="noStrike">
+                          <a:solidFill>
+                            <a:srgbClr val="000000"/>
+                          </a:solidFill>
+                          <a:effectLst/>
+                          <a:latin typeface="Calibri" panose="020F0502020204030204" pitchFamily="34" charset="0"/>
+                        </a:rPr>
+                        <a:t>181.95</a:t>
+                      </a:r>
+                    </a:p>
+                  </a:txBody>
+                  <a:tcPr marL="6576" marR="6576" marT="6576" marB="0" anchor="ctr">
+                    <a:lnL>
+                      <a:noFill/>
+                    </a:lnL>
+                    <a:lnR>
+                      <a:noFill/>
+                    </a:lnR>
+                    <a:lnT>
+                      <a:noFill/>
+                    </a:lnT>
+                    <a:lnB>
+                      <a:noFill/>
+                    </a:lnB>
+                  </a:tcPr>
+                </a:tc>
+                <a:tc>
+                  <a:txBody>
+                    <a:bodyPr/>
+                    <a:lstStyle/>
+                    <a:p>
+                      <a:pPr algn="r" fontAlgn="ctr"/>
+                      <a:r>
+                        <a:rPr lang="en-US" sz="800" b="0" i="0" u="none" strike="noStrike">
+                          <a:solidFill>
+                            <a:srgbClr val="000000"/>
+                          </a:solidFill>
+                          <a:effectLst/>
+                          <a:latin typeface="Calibri" panose="020F0502020204030204" pitchFamily="34" charset="0"/>
+                        </a:rPr>
+                        <a:t>3</a:t>
+                      </a:r>
+                    </a:p>
+                  </a:txBody>
+                  <a:tcPr marL="6576" marR="6576" marT="6576" marB="0" anchor="ctr">
+                    <a:lnL>
+                      <a:noFill/>
+                    </a:lnL>
+                    <a:lnR>
+                      <a:noFill/>
+                    </a:lnR>
+                    <a:lnT>
+                      <a:noFill/>
+                    </a:lnT>
+                    <a:lnB>
+                      <a:noFill/>
+                    </a:lnB>
+                  </a:tcPr>
+                </a:tc>
+              </a:tr>
+              <a:tr h="131527">
+                <a:tc>
+                  <a:txBody>
+                    <a:bodyPr/>
+                    <a:lstStyle/>
+                    <a:p>
+                      <a:pPr algn="l" fontAlgn="b"/>
+                      <a:r>
+                        <a:rPr lang="en-US" sz="800" b="0" i="0" u="none" strike="noStrike">
+                          <a:solidFill>
+                            <a:srgbClr val="000000"/>
+                          </a:solidFill>
+                          <a:effectLst/>
+                          <a:latin typeface="Calibri" panose="020F0502020204030204" pitchFamily="34" charset="0"/>
+                        </a:rPr>
+                        <a:t>C13</a:t>
+                      </a:r>
+                    </a:p>
+                  </a:txBody>
+                  <a:tcPr marL="6576" marR="6576" marT="6576" marB="0" anchor="b">
+                    <a:lnL>
+                      <a:noFill/>
+                    </a:lnL>
+                    <a:lnR>
+                      <a:noFill/>
+                    </a:lnR>
+                    <a:lnT>
+                      <a:noFill/>
+                    </a:lnT>
+                    <a:lnB>
+                      <a:noFill/>
+                    </a:lnB>
+                  </a:tcPr>
+                </a:tc>
+                <a:tc>
+                  <a:txBody>
+                    <a:bodyPr/>
+                    <a:lstStyle/>
+                    <a:p>
+                      <a:pPr algn="l" fontAlgn="ctr"/>
+                      <a:r>
+                        <a:rPr lang="en-US" sz="800" b="0" i="0" u="none" strike="noStrike">
+                          <a:solidFill>
+                            <a:srgbClr val="000000"/>
+                          </a:solidFill>
+                          <a:effectLst/>
+                          <a:latin typeface="Calibri" panose="020F0502020204030204" pitchFamily="34" charset="0"/>
+                        </a:rPr>
+                        <a:t>Broach</a:t>
+                      </a:r>
+                    </a:p>
+                  </a:txBody>
+                  <a:tcPr marL="6576" marR="6576" marT="6576" marB="0" anchor="ctr">
+                    <a:lnL>
+                      <a:noFill/>
+                    </a:lnL>
+                    <a:lnR>
+                      <a:noFill/>
+                    </a:lnR>
+                    <a:lnT>
+                      <a:noFill/>
+                    </a:lnT>
+                    <a:lnB>
+                      <a:noFill/>
+                    </a:lnB>
+                    <a:solidFill>
+                      <a:srgbClr val="D9D9D9"/>
+                    </a:solidFill>
+                  </a:tcPr>
+                </a:tc>
+                <a:tc>
+                  <a:txBody>
+                    <a:bodyPr/>
+                    <a:lstStyle/>
+                    <a:p>
+                      <a:pPr algn="l" fontAlgn="ctr"/>
+                      <a:r>
+                        <a:rPr lang="en-US" sz="800" b="0" i="0" u="none" strike="noStrike">
+                          <a:solidFill>
+                            <a:srgbClr val="000000"/>
+                          </a:solidFill>
+                          <a:effectLst/>
+                          <a:latin typeface="Calibri" panose="020F0502020204030204" pitchFamily="34" charset="0"/>
+                        </a:rPr>
+                        <a:t>Michael</a:t>
+                      </a:r>
+                    </a:p>
+                  </a:txBody>
+                  <a:tcPr marL="6576" marR="6576" marT="6576" marB="0" anchor="ctr">
+                    <a:lnL>
+                      <a:noFill/>
+                    </a:lnL>
+                    <a:lnR>
+                      <a:noFill/>
+                    </a:lnR>
+                    <a:lnT>
+                      <a:noFill/>
+                    </a:lnT>
+                    <a:lnB>
+                      <a:noFill/>
+                    </a:lnB>
+                    <a:solidFill>
+                      <a:srgbClr val="D9D9D9"/>
+                    </a:solidFill>
+                  </a:tcPr>
+                </a:tc>
+                <a:tc>
+                  <a:txBody>
+                    <a:bodyPr/>
+                    <a:lstStyle/>
+                    <a:p>
+                      <a:pPr algn="r" fontAlgn="ctr"/>
+                      <a:r>
+                        <a:rPr lang="en-US" sz="800" b="0" i="0" u="none" strike="noStrike">
+                          <a:solidFill>
+                            <a:srgbClr val="000000"/>
+                          </a:solidFill>
+                          <a:effectLst/>
+                          <a:latin typeface="Calibri" panose="020F0502020204030204" pitchFamily="34" charset="0"/>
+                        </a:rPr>
+                        <a:t>27.95</a:t>
+                      </a:r>
+                    </a:p>
+                  </a:txBody>
+                  <a:tcPr marL="6576" marR="6576" marT="6576" marB="0" anchor="ctr">
+                    <a:lnL>
+                      <a:noFill/>
+                    </a:lnL>
+                    <a:lnR>
+                      <a:noFill/>
+                    </a:lnR>
+                    <a:lnT>
+                      <a:noFill/>
+                    </a:lnT>
+                    <a:lnB>
+                      <a:noFill/>
+                    </a:lnB>
+                    <a:solidFill>
+                      <a:srgbClr val="D9D9D9"/>
+                    </a:solidFill>
+                  </a:tcPr>
+                </a:tc>
+                <a:tc>
+                  <a:txBody>
+                    <a:bodyPr/>
+                    <a:lstStyle/>
+                    <a:p>
+                      <a:pPr algn="r" fontAlgn="ctr"/>
+                      <a:r>
+                        <a:rPr lang="en-US" sz="800" b="0" i="0" u="none" strike="noStrike">
+                          <a:solidFill>
+                            <a:srgbClr val="000000"/>
+                          </a:solidFill>
+                          <a:effectLst/>
+                          <a:latin typeface="Calibri" panose="020F0502020204030204" pitchFamily="34" charset="0"/>
+                        </a:rPr>
+                        <a:t>3</a:t>
+                      </a:r>
+                    </a:p>
+                  </a:txBody>
+                  <a:tcPr marL="6576" marR="6576" marT="6576" marB="0" anchor="ctr">
+                    <a:lnL>
+                      <a:noFill/>
+                    </a:lnL>
+                    <a:lnR>
+                      <a:noFill/>
+                    </a:lnR>
+                    <a:lnT>
+                      <a:noFill/>
+                    </a:lnT>
+                    <a:lnB>
+                      <a:noFill/>
+                    </a:lnB>
+                    <a:solidFill>
+                      <a:srgbClr val="D9D9D9"/>
+                    </a:solidFill>
+                  </a:tcPr>
+                </a:tc>
+              </a:tr>
+              <a:tr h="131527">
+                <a:tc>
+                  <a:txBody>
+                    <a:bodyPr/>
+                    <a:lstStyle/>
+                    <a:p>
+                      <a:pPr algn="l" fontAlgn="b"/>
+                      <a:r>
+                        <a:rPr lang="en-US" sz="800" b="0" i="0" u="none" strike="noStrike">
+                          <a:solidFill>
+                            <a:srgbClr val="000000"/>
+                          </a:solidFill>
+                          <a:effectLst/>
+                          <a:latin typeface="Calibri" panose="020F0502020204030204" pitchFamily="34" charset="0"/>
+                        </a:rPr>
+                        <a:t>C14</a:t>
+                      </a:r>
+                    </a:p>
+                  </a:txBody>
+                  <a:tcPr marL="6576" marR="6576" marT="6576" marB="0" anchor="b">
+                    <a:lnL>
+                      <a:noFill/>
+                    </a:lnL>
+                    <a:lnR>
+                      <a:noFill/>
+                    </a:lnR>
+                    <a:lnT>
+                      <a:noFill/>
+                    </a:lnT>
+                    <a:lnB>
+                      <a:noFill/>
+                    </a:lnB>
+                  </a:tcPr>
+                </a:tc>
+                <a:tc>
+                  <a:txBody>
+                    <a:bodyPr/>
+                    <a:lstStyle/>
+                    <a:p>
+                      <a:pPr algn="l" fontAlgn="ctr"/>
+                      <a:r>
+                        <a:rPr lang="en-US" sz="800" b="0" i="0" u="none" strike="noStrike">
+                          <a:solidFill>
+                            <a:srgbClr val="000000"/>
+                          </a:solidFill>
+                          <a:effectLst/>
+                          <a:latin typeface="Calibri" panose="020F0502020204030204" pitchFamily="34" charset="0"/>
+                        </a:rPr>
+                        <a:t>Messink</a:t>
+                      </a:r>
+                    </a:p>
+                  </a:txBody>
+                  <a:tcPr marL="6576" marR="6576" marT="6576" marB="0" anchor="ctr">
+                    <a:lnL>
+                      <a:noFill/>
+                    </a:lnL>
+                    <a:lnR>
+                      <a:noFill/>
+                    </a:lnR>
+                    <a:lnT>
+                      <a:noFill/>
+                    </a:lnT>
+                    <a:lnB>
+                      <a:noFill/>
+                    </a:lnB>
+                  </a:tcPr>
+                </a:tc>
+                <a:tc>
+                  <a:txBody>
+                    <a:bodyPr/>
+                    <a:lstStyle/>
+                    <a:p>
+                      <a:pPr algn="l" fontAlgn="ctr"/>
+                      <a:r>
+                        <a:rPr lang="en-US" sz="800" b="0" i="0" u="none" strike="noStrike">
+                          <a:solidFill>
+                            <a:srgbClr val="000000"/>
+                          </a:solidFill>
+                          <a:effectLst/>
+                          <a:latin typeface="Calibri" panose="020F0502020204030204" pitchFamily="34" charset="0"/>
+                        </a:rPr>
+                        <a:t>Carol</a:t>
+                      </a:r>
+                    </a:p>
+                  </a:txBody>
+                  <a:tcPr marL="6576" marR="6576" marT="6576" marB="0" anchor="ctr">
+                    <a:lnL>
+                      <a:noFill/>
+                    </a:lnL>
+                    <a:lnR>
+                      <a:noFill/>
+                    </a:lnR>
+                    <a:lnT>
+                      <a:noFill/>
+                    </a:lnT>
+                    <a:lnB>
+                      <a:noFill/>
+                    </a:lnB>
+                  </a:tcPr>
+                </a:tc>
+                <a:tc>
+                  <a:txBody>
+                    <a:bodyPr/>
+                    <a:lstStyle/>
+                    <a:p>
+                      <a:pPr algn="r" fontAlgn="ctr"/>
+                      <a:r>
+                        <a:rPr lang="en-US" sz="800" b="0" i="0" u="none" strike="noStrike">
+                          <a:solidFill>
+                            <a:srgbClr val="000000"/>
+                          </a:solidFill>
+                          <a:effectLst/>
+                          <a:latin typeface="Calibri" panose="020F0502020204030204" pitchFamily="34" charset="0"/>
+                        </a:rPr>
+                        <a:t>5702.56</a:t>
+                      </a:r>
+                    </a:p>
+                  </a:txBody>
+                  <a:tcPr marL="6576" marR="6576" marT="6576" marB="0" anchor="ctr">
+                    <a:lnL>
+                      <a:noFill/>
+                    </a:lnL>
+                    <a:lnR>
+                      <a:noFill/>
+                    </a:lnR>
+                    <a:lnT>
+                      <a:noFill/>
+                    </a:lnT>
+                    <a:lnB>
+                      <a:noFill/>
+                    </a:lnB>
+                  </a:tcPr>
+                </a:tc>
+                <a:tc>
+                  <a:txBody>
+                    <a:bodyPr/>
+                    <a:lstStyle/>
+                    <a:p>
+                      <a:pPr algn="r" fontAlgn="ctr"/>
+                      <a:r>
+                        <a:rPr lang="en-US" sz="800" b="0" i="0" u="none" strike="noStrike">
+                          <a:solidFill>
+                            <a:srgbClr val="000000"/>
+                          </a:solidFill>
+                          <a:effectLst/>
+                          <a:latin typeface="Calibri" panose="020F0502020204030204" pitchFamily="34" charset="0"/>
+                        </a:rPr>
+                        <a:t>4</a:t>
+                      </a:r>
+                    </a:p>
+                  </a:txBody>
+                  <a:tcPr marL="6576" marR="6576" marT="6576" marB="0" anchor="ctr">
+                    <a:lnL>
+                      <a:noFill/>
+                    </a:lnL>
+                    <a:lnR>
+                      <a:noFill/>
+                    </a:lnR>
+                    <a:lnT>
+                      <a:noFill/>
+                    </a:lnT>
+                    <a:lnB>
+                      <a:noFill/>
+                    </a:lnB>
+                  </a:tcPr>
+                </a:tc>
+              </a:tr>
+              <a:tr h="131527">
+                <a:tc>
+                  <a:txBody>
+                    <a:bodyPr/>
+                    <a:lstStyle/>
+                    <a:p>
+                      <a:pPr algn="l" fontAlgn="b"/>
+                      <a:r>
+                        <a:rPr lang="en-US" sz="800" b="0" i="0" u="none" strike="noStrike">
+                          <a:solidFill>
+                            <a:srgbClr val="000000"/>
+                          </a:solidFill>
+                          <a:effectLst/>
+                          <a:latin typeface="Calibri" panose="020F0502020204030204" pitchFamily="34" charset="0"/>
+                        </a:rPr>
+                        <a:t>C15</a:t>
+                      </a:r>
+                    </a:p>
+                  </a:txBody>
+                  <a:tcPr marL="6576" marR="6576" marT="6576" marB="0" anchor="b">
+                    <a:lnL>
+                      <a:noFill/>
+                    </a:lnL>
+                    <a:lnR>
+                      <a:noFill/>
+                    </a:lnR>
+                    <a:lnT>
+                      <a:noFill/>
+                    </a:lnT>
+                    <a:lnB>
+                      <a:noFill/>
+                    </a:lnB>
+                  </a:tcPr>
+                </a:tc>
+                <a:tc>
+                  <a:txBody>
+                    <a:bodyPr/>
+                    <a:lstStyle/>
+                    <a:p>
+                      <a:pPr algn="l" fontAlgn="ctr"/>
+                      <a:r>
+                        <a:rPr lang="en-US" sz="800" b="0" i="0" u="none" strike="noStrike">
+                          <a:solidFill>
+                            <a:srgbClr val="000000"/>
+                          </a:solidFill>
+                          <a:effectLst/>
+                          <a:latin typeface="Calibri" panose="020F0502020204030204" pitchFamily="34" charset="0"/>
+                        </a:rPr>
+                        <a:t>Gorman</a:t>
+                      </a:r>
+                    </a:p>
+                  </a:txBody>
+                  <a:tcPr marL="6576" marR="6576" marT="6576" marB="0" anchor="ctr">
+                    <a:lnL>
+                      <a:noFill/>
+                    </a:lnL>
+                    <a:lnR>
+                      <a:noFill/>
+                    </a:lnR>
+                    <a:lnT>
+                      <a:noFill/>
+                    </a:lnT>
+                    <a:lnB>
+                      <a:noFill/>
+                    </a:lnB>
+                    <a:solidFill>
+                      <a:srgbClr val="D9D9D9"/>
+                    </a:solidFill>
+                  </a:tcPr>
+                </a:tc>
+                <a:tc>
+                  <a:txBody>
+                    <a:bodyPr/>
+                    <a:lstStyle/>
+                    <a:p>
+                      <a:pPr algn="l" fontAlgn="ctr"/>
+                      <a:r>
+                        <a:rPr lang="en-US" sz="800" b="0" i="0" u="none" strike="noStrike">
+                          <a:solidFill>
+                            <a:srgbClr val="000000"/>
+                          </a:solidFill>
+                          <a:effectLst/>
+                          <a:latin typeface="Calibri" panose="020F0502020204030204" pitchFamily="34" charset="0"/>
+                        </a:rPr>
+                        <a:t>Donna</a:t>
+                      </a:r>
+                    </a:p>
+                  </a:txBody>
+                  <a:tcPr marL="6576" marR="6576" marT="6576" marB="0" anchor="ctr">
+                    <a:lnL>
+                      <a:noFill/>
+                    </a:lnL>
+                    <a:lnR>
+                      <a:noFill/>
+                    </a:lnR>
+                    <a:lnT>
+                      <a:noFill/>
+                    </a:lnT>
+                    <a:lnB>
+                      <a:noFill/>
+                    </a:lnB>
+                    <a:solidFill>
+                      <a:srgbClr val="D9D9D9"/>
+                    </a:solidFill>
+                  </a:tcPr>
+                </a:tc>
+                <a:tc>
+                  <a:txBody>
+                    <a:bodyPr/>
+                    <a:lstStyle/>
+                    <a:p>
+                      <a:pPr algn="r" fontAlgn="ctr"/>
+                      <a:r>
+                        <a:rPr lang="en-US" sz="800" b="0" i="0" u="none" strike="noStrike">
+                          <a:solidFill>
+                            <a:srgbClr val="000000"/>
+                          </a:solidFill>
+                          <a:effectLst/>
+                          <a:latin typeface="Calibri" panose="020F0502020204030204" pitchFamily="34" charset="0"/>
+                        </a:rPr>
+                        <a:t>1504.92</a:t>
+                      </a:r>
+                    </a:p>
+                  </a:txBody>
+                  <a:tcPr marL="6576" marR="6576" marT="6576" marB="0" anchor="ctr">
+                    <a:lnL>
+                      <a:noFill/>
+                    </a:lnL>
+                    <a:lnR>
+                      <a:noFill/>
+                    </a:lnR>
+                    <a:lnT>
+                      <a:noFill/>
+                    </a:lnT>
+                    <a:lnB>
+                      <a:noFill/>
+                    </a:lnB>
+                    <a:solidFill>
+                      <a:srgbClr val="D9D9D9"/>
+                    </a:solidFill>
+                  </a:tcPr>
+                </a:tc>
+                <a:tc>
+                  <a:txBody>
+                    <a:bodyPr/>
+                    <a:lstStyle/>
+                    <a:p>
+                      <a:pPr algn="r" fontAlgn="ctr"/>
+                      <a:r>
+                        <a:rPr lang="en-US" sz="800" b="0" i="0" u="none" strike="noStrike">
+                          <a:solidFill>
+                            <a:srgbClr val="000000"/>
+                          </a:solidFill>
+                          <a:effectLst/>
+                          <a:latin typeface="Calibri" panose="020F0502020204030204" pitchFamily="34" charset="0"/>
+                        </a:rPr>
+                        <a:t>5</a:t>
+                      </a:r>
+                    </a:p>
+                  </a:txBody>
+                  <a:tcPr marL="6576" marR="6576" marT="6576" marB="0" anchor="ctr">
+                    <a:lnL>
+                      <a:noFill/>
+                    </a:lnL>
+                    <a:lnR>
+                      <a:noFill/>
+                    </a:lnR>
+                    <a:lnT>
+                      <a:noFill/>
+                    </a:lnT>
+                    <a:lnB>
+                      <a:noFill/>
+                    </a:lnB>
+                    <a:solidFill>
+                      <a:srgbClr val="D9D9D9"/>
+                    </a:solidFill>
+                  </a:tcPr>
+                </a:tc>
+              </a:tr>
+              <a:tr h="131527">
+                <a:tc>
+                  <a:txBody>
+                    <a:bodyPr/>
+                    <a:lstStyle/>
+                    <a:p>
+                      <a:pPr algn="l" fontAlgn="b"/>
+                      <a:r>
+                        <a:rPr lang="en-US" sz="800" b="0" i="0" u="none" strike="noStrike">
+                          <a:solidFill>
+                            <a:srgbClr val="000000"/>
+                          </a:solidFill>
+                          <a:effectLst/>
+                          <a:latin typeface="Calibri" panose="020F0502020204030204" pitchFamily="34" charset="0"/>
+                        </a:rPr>
+                        <a:t>C16</a:t>
+                      </a:r>
+                    </a:p>
+                  </a:txBody>
+                  <a:tcPr marL="6576" marR="6576" marT="6576" marB="0" anchor="b">
+                    <a:lnL>
+                      <a:noFill/>
+                    </a:lnL>
+                    <a:lnR>
+                      <a:noFill/>
+                    </a:lnR>
+                    <a:lnT>
+                      <a:noFill/>
+                    </a:lnT>
+                    <a:lnB>
+                      <a:noFill/>
+                    </a:lnB>
+                  </a:tcPr>
+                </a:tc>
+                <a:tc>
+                  <a:txBody>
+                    <a:bodyPr/>
+                    <a:lstStyle/>
+                    <a:p>
+                      <a:pPr algn="l" fontAlgn="ctr"/>
+                      <a:r>
+                        <a:rPr lang="en-US" sz="800" b="0" i="0" u="none" strike="noStrike">
+                          <a:solidFill>
+                            <a:srgbClr val="000000"/>
+                          </a:solidFill>
+                          <a:effectLst/>
+                          <a:latin typeface="Calibri" panose="020F0502020204030204" pitchFamily="34" charset="0"/>
+                        </a:rPr>
+                        <a:t>Cobbins</a:t>
+                      </a:r>
+                    </a:p>
+                  </a:txBody>
+                  <a:tcPr marL="6576" marR="6576" marT="6576" marB="0" anchor="ctr">
+                    <a:lnL>
+                      <a:noFill/>
+                    </a:lnL>
+                    <a:lnR>
+                      <a:noFill/>
+                    </a:lnR>
+                    <a:lnT>
+                      <a:noFill/>
+                    </a:lnT>
+                    <a:lnB>
+                      <a:noFill/>
+                    </a:lnB>
+                  </a:tcPr>
+                </a:tc>
+                <a:tc>
+                  <a:txBody>
+                    <a:bodyPr/>
+                    <a:lstStyle/>
+                    <a:p>
+                      <a:pPr algn="l" fontAlgn="ctr"/>
+                      <a:r>
+                        <a:rPr lang="en-US" sz="800" b="0" i="0" u="none" strike="noStrike">
+                          <a:solidFill>
+                            <a:srgbClr val="000000"/>
+                          </a:solidFill>
+                          <a:effectLst/>
+                          <a:latin typeface="Calibri" panose="020F0502020204030204" pitchFamily="34" charset="0"/>
+                        </a:rPr>
+                        <a:t>Steve</a:t>
+                      </a:r>
+                    </a:p>
+                  </a:txBody>
+                  <a:tcPr marL="6576" marR="6576" marT="6576" marB="0" anchor="ctr">
+                    <a:lnL>
+                      <a:noFill/>
+                    </a:lnL>
+                    <a:lnR>
+                      <a:noFill/>
+                    </a:lnR>
+                    <a:lnT>
+                      <a:noFill/>
+                    </a:lnT>
+                    <a:lnB>
+                      <a:noFill/>
+                    </a:lnB>
+                  </a:tcPr>
+                </a:tc>
+                <a:tc>
+                  <a:txBody>
+                    <a:bodyPr/>
+                    <a:lstStyle/>
+                    <a:p>
+                      <a:pPr algn="r" fontAlgn="ctr"/>
+                      <a:r>
+                        <a:rPr lang="en-US" sz="800" b="0" i="0" u="none" strike="noStrike">
+                          <a:solidFill>
+                            <a:srgbClr val="000000"/>
+                          </a:solidFill>
+                          <a:effectLst/>
+                          <a:latin typeface="Calibri" panose="020F0502020204030204" pitchFamily="34" charset="0"/>
+                        </a:rPr>
+                        <a:t>1174.54</a:t>
+                      </a:r>
+                    </a:p>
+                  </a:txBody>
+                  <a:tcPr marL="6576" marR="6576" marT="6576" marB="0" anchor="ctr">
+                    <a:lnL>
+                      <a:noFill/>
+                    </a:lnL>
+                    <a:lnR>
+                      <a:noFill/>
+                    </a:lnR>
+                    <a:lnT>
+                      <a:noFill/>
+                    </a:lnT>
+                    <a:lnB>
+                      <a:noFill/>
+                    </a:lnB>
+                  </a:tcPr>
+                </a:tc>
+                <a:tc>
+                  <a:txBody>
+                    <a:bodyPr/>
+                    <a:lstStyle/>
+                    <a:p>
+                      <a:pPr algn="r" fontAlgn="ctr"/>
+                      <a:r>
+                        <a:rPr lang="en-US" sz="800" b="0" i="0" u="none" strike="noStrike">
+                          <a:solidFill>
+                            <a:srgbClr val="000000"/>
+                          </a:solidFill>
+                          <a:effectLst/>
+                          <a:latin typeface="Calibri" panose="020F0502020204030204" pitchFamily="34" charset="0"/>
+                        </a:rPr>
+                        <a:t>5</a:t>
+                      </a:r>
+                    </a:p>
+                  </a:txBody>
+                  <a:tcPr marL="6576" marR="6576" marT="6576" marB="0" anchor="ctr">
+                    <a:lnL>
+                      <a:noFill/>
+                    </a:lnL>
+                    <a:lnR>
+                      <a:noFill/>
+                    </a:lnR>
+                    <a:lnT>
+                      <a:noFill/>
+                    </a:lnT>
+                    <a:lnB>
+                      <a:noFill/>
+                    </a:lnB>
+                  </a:tcPr>
+                </a:tc>
+              </a:tr>
+              <a:tr h="131527">
+                <a:tc>
+                  <a:txBody>
+                    <a:bodyPr/>
+                    <a:lstStyle/>
+                    <a:p>
+                      <a:pPr algn="l" fontAlgn="b"/>
+                      <a:r>
+                        <a:rPr lang="en-US" sz="800" b="0" i="0" u="none" strike="noStrike">
+                          <a:solidFill>
+                            <a:srgbClr val="000000"/>
+                          </a:solidFill>
+                          <a:effectLst/>
+                          <a:latin typeface="Calibri" panose="020F0502020204030204" pitchFamily="34" charset="0"/>
+                        </a:rPr>
+                        <a:t>C17</a:t>
+                      </a:r>
+                    </a:p>
+                  </a:txBody>
+                  <a:tcPr marL="6576" marR="6576" marT="6576" marB="0" anchor="b">
+                    <a:lnL>
+                      <a:noFill/>
+                    </a:lnL>
+                    <a:lnR>
+                      <a:noFill/>
+                    </a:lnR>
+                    <a:lnT>
+                      <a:noFill/>
+                    </a:lnT>
+                    <a:lnB>
+                      <a:noFill/>
+                    </a:lnB>
+                  </a:tcPr>
+                </a:tc>
+                <a:tc>
+                  <a:txBody>
+                    <a:bodyPr/>
+                    <a:lstStyle/>
+                    <a:p>
+                      <a:pPr algn="l" fontAlgn="ctr"/>
+                      <a:r>
+                        <a:rPr lang="en-US" sz="800" b="0" i="0" u="none" strike="noStrike">
+                          <a:solidFill>
+                            <a:srgbClr val="000000"/>
+                          </a:solidFill>
+                          <a:effectLst/>
+                          <a:latin typeface="Calibri" panose="020F0502020204030204" pitchFamily="34" charset="0"/>
+                        </a:rPr>
+                        <a:t>Turner</a:t>
+                      </a:r>
+                    </a:p>
+                  </a:txBody>
+                  <a:tcPr marL="6576" marR="6576" marT="6576" marB="0" anchor="ctr">
+                    <a:lnL>
+                      <a:noFill/>
+                    </a:lnL>
+                    <a:lnR>
+                      <a:noFill/>
+                    </a:lnR>
+                    <a:lnT>
+                      <a:noFill/>
+                    </a:lnT>
+                    <a:lnB>
+                      <a:noFill/>
+                    </a:lnB>
+                    <a:solidFill>
+                      <a:srgbClr val="FFCC00"/>
+                    </a:solidFill>
+                  </a:tcPr>
+                </a:tc>
+                <a:tc>
+                  <a:txBody>
+                    <a:bodyPr/>
+                    <a:lstStyle/>
+                    <a:p>
+                      <a:pPr algn="l" fontAlgn="ctr"/>
+                      <a:r>
+                        <a:rPr lang="en-US" sz="800" b="0" i="0" u="none" strike="noStrike">
+                          <a:solidFill>
+                            <a:srgbClr val="000000"/>
+                          </a:solidFill>
+                          <a:effectLst/>
+                          <a:latin typeface="Calibri" panose="020F0502020204030204" pitchFamily="34" charset="0"/>
+                        </a:rPr>
+                        <a:t>Perry</a:t>
+                      </a:r>
+                    </a:p>
+                  </a:txBody>
+                  <a:tcPr marL="6576" marR="6576" marT="6576" marB="0" anchor="ctr">
+                    <a:lnL>
+                      <a:noFill/>
+                    </a:lnL>
+                    <a:lnR>
+                      <a:noFill/>
+                    </a:lnR>
+                    <a:lnT>
+                      <a:noFill/>
+                    </a:lnT>
+                    <a:lnB>
+                      <a:noFill/>
+                    </a:lnB>
+                    <a:solidFill>
+                      <a:srgbClr val="FFCC00"/>
+                    </a:solidFill>
+                  </a:tcPr>
+                </a:tc>
+                <a:tc>
+                  <a:txBody>
+                    <a:bodyPr/>
+                    <a:lstStyle/>
+                    <a:p>
+                      <a:pPr algn="r" fontAlgn="ctr"/>
+                      <a:r>
+                        <a:rPr lang="en-US" sz="800" b="0" i="0" u="none" strike="noStrike">
+                          <a:solidFill>
+                            <a:srgbClr val="000000"/>
+                          </a:solidFill>
+                          <a:effectLst/>
+                          <a:latin typeface="Calibri" panose="020F0502020204030204" pitchFamily="34" charset="0"/>
+                        </a:rPr>
+                        <a:t>552.5</a:t>
+                      </a:r>
+                    </a:p>
+                  </a:txBody>
+                  <a:tcPr marL="6576" marR="6576" marT="6576" marB="0" anchor="ctr">
+                    <a:lnL>
+                      <a:noFill/>
+                    </a:lnL>
+                    <a:lnR>
+                      <a:noFill/>
+                    </a:lnR>
+                    <a:lnT>
+                      <a:noFill/>
+                    </a:lnT>
+                    <a:lnB>
+                      <a:noFill/>
+                    </a:lnB>
+                    <a:solidFill>
+                      <a:srgbClr val="FFCC00"/>
+                    </a:solidFill>
+                  </a:tcPr>
+                </a:tc>
+                <a:tc>
+                  <a:txBody>
+                    <a:bodyPr/>
+                    <a:lstStyle/>
+                    <a:p>
+                      <a:pPr algn="r" fontAlgn="ctr"/>
+                      <a:r>
+                        <a:rPr lang="en-US" sz="800" b="0" i="0" u="none" strike="noStrike">
+                          <a:solidFill>
+                            <a:srgbClr val="000000"/>
+                          </a:solidFill>
+                          <a:effectLst/>
+                          <a:latin typeface="Calibri" panose="020F0502020204030204" pitchFamily="34" charset="0"/>
+                        </a:rPr>
+                        <a:t>5</a:t>
+                      </a:r>
+                    </a:p>
+                  </a:txBody>
+                  <a:tcPr marL="6576" marR="6576" marT="6576" marB="0" anchor="ctr">
+                    <a:lnL>
+                      <a:noFill/>
+                    </a:lnL>
+                    <a:lnR>
+                      <a:noFill/>
+                    </a:lnR>
+                    <a:lnT>
+                      <a:noFill/>
+                    </a:lnT>
+                    <a:lnB>
+                      <a:noFill/>
+                    </a:lnB>
+                    <a:solidFill>
+                      <a:srgbClr val="FFCC00"/>
+                    </a:solidFill>
+                  </a:tcPr>
+                </a:tc>
+              </a:tr>
+              <a:tr h="131527">
+                <a:tc>
+                  <a:txBody>
+                    <a:bodyPr/>
+                    <a:lstStyle/>
+                    <a:p>
+                      <a:pPr algn="l" fontAlgn="b"/>
+                      <a:r>
+                        <a:rPr lang="en-US" sz="800" b="0" i="0" u="none" strike="noStrike">
+                          <a:solidFill>
+                            <a:srgbClr val="000000"/>
+                          </a:solidFill>
+                          <a:effectLst/>
+                          <a:latin typeface="Calibri" panose="020F0502020204030204" pitchFamily="34" charset="0"/>
+                        </a:rPr>
+                        <a:t>C18</a:t>
+                      </a:r>
+                    </a:p>
+                  </a:txBody>
+                  <a:tcPr marL="6576" marR="6576" marT="6576" marB="0" anchor="b">
+                    <a:lnL>
+                      <a:noFill/>
+                    </a:lnL>
+                    <a:lnR>
+                      <a:noFill/>
+                    </a:lnR>
+                    <a:lnT>
+                      <a:noFill/>
+                    </a:lnT>
+                    <a:lnB>
+                      <a:noFill/>
+                    </a:lnB>
+                  </a:tcPr>
+                </a:tc>
+                <a:tc>
+                  <a:txBody>
+                    <a:bodyPr/>
+                    <a:lstStyle/>
+                    <a:p>
+                      <a:pPr algn="l" fontAlgn="ctr"/>
+                      <a:r>
+                        <a:rPr lang="en-US" sz="800" b="0" i="0" u="none" strike="noStrike">
+                          <a:solidFill>
+                            <a:srgbClr val="000000"/>
+                          </a:solidFill>
+                          <a:effectLst/>
+                          <a:latin typeface="Calibri" panose="020F0502020204030204" pitchFamily="34" charset="0"/>
+                        </a:rPr>
+                        <a:t>Barrett</a:t>
+                      </a:r>
+                    </a:p>
+                  </a:txBody>
+                  <a:tcPr marL="6576" marR="6576" marT="6576" marB="0" anchor="ctr">
+                    <a:lnL>
+                      <a:noFill/>
+                    </a:lnL>
+                    <a:lnR>
+                      <a:noFill/>
+                    </a:lnR>
+                    <a:lnT>
+                      <a:noFill/>
+                    </a:lnT>
+                    <a:lnB>
+                      <a:noFill/>
+                    </a:lnB>
+                  </a:tcPr>
+                </a:tc>
+                <a:tc>
+                  <a:txBody>
+                    <a:bodyPr/>
+                    <a:lstStyle/>
+                    <a:p>
+                      <a:pPr algn="l" fontAlgn="ctr"/>
+                      <a:r>
+                        <a:rPr lang="en-US" sz="800" b="0" i="0" u="none" strike="noStrike">
+                          <a:solidFill>
+                            <a:srgbClr val="000000"/>
+                          </a:solidFill>
+                          <a:effectLst/>
+                          <a:latin typeface="Calibri" panose="020F0502020204030204" pitchFamily="34" charset="0"/>
+                        </a:rPr>
+                        <a:t>Bernard</a:t>
+                      </a:r>
+                    </a:p>
+                  </a:txBody>
+                  <a:tcPr marL="6576" marR="6576" marT="6576" marB="0" anchor="ctr">
+                    <a:lnL>
+                      <a:noFill/>
+                    </a:lnL>
+                    <a:lnR>
+                      <a:noFill/>
+                    </a:lnR>
+                    <a:lnT>
+                      <a:noFill/>
+                    </a:lnT>
+                    <a:lnB>
+                      <a:noFill/>
+                    </a:lnB>
+                  </a:tcPr>
+                </a:tc>
+                <a:tc>
+                  <a:txBody>
+                    <a:bodyPr/>
+                    <a:lstStyle/>
+                    <a:p>
+                      <a:pPr algn="r" fontAlgn="ctr"/>
+                      <a:r>
+                        <a:rPr lang="en-US" sz="800" b="0" i="0" u="none" strike="noStrike">
+                          <a:solidFill>
+                            <a:srgbClr val="000000"/>
+                          </a:solidFill>
+                          <a:effectLst/>
+                          <a:latin typeface="Calibri" panose="020F0502020204030204" pitchFamily="34" charset="0"/>
+                        </a:rPr>
+                        <a:t>5105.11</a:t>
+                      </a:r>
+                    </a:p>
+                  </a:txBody>
+                  <a:tcPr marL="6576" marR="6576" marT="6576" marB="0" anchor="ctr">
+                    <a:lnL>
+                      <a:noFill/>
+                    </a:lnL>
+                    <a:lnR>
+                      <a:noFill/>
+                    </a:lnR>
+                    <a:lnT>
+                      <a:noFill/>
+                    </a:lnT>
+                    <a:lnB>
+                      <a:noFill/>
+                    </a:lnB>
+                  </a:tcPr>
+                </a:tc>
+                <a:tc>
+                  <a:txBody>
+                    <a:bodyPr/>
+                    <a:lstStyle/>
+                    <a:p>
+                      <a:pPr algn="r" fontAlgn="ctr"/>
+                      <a:r>
+                        <a:rPr lang="en-US" sz="800" b="0" i="0" u="none" strike="noStrike">
+                          <a:solidFill>
+                            <a:srgbClr val="000000"/>
+                          </a:solidFill>
+                          <a:effectLst/>
+                          <a:latin typeface="Calibri" panose="020F0502020204030204" pitchFamily="34" charset="0"/>
+                        </a:rPr>
+                        <a:t>6</a:t>
+                      </a:r>
+                    </a:p>
+                  </a:txBody>
+                  <a:tcPr marL="6576" marR="6576" marT="6576" marB="0" anchor="ctr">
+                    <a:lnL>
+                      <a:noFill/>
+                    </a:lnL>
+                    <a:lnR>
+                      <a:noFill/>
+                    </a:lnR>
+                    <a:lnT>
+                      <a:noFill/>
+                    </a:lnT>
+                    <a:lnB>
+                      <a:noFill/>
+                    </a:lnB>
+                  </a:tcPr>
+                </a:tc>
+              </a:tr>
+              <a:tr h="131527">
+                <a:tc>
+                  <a:txBody>
+                    <a:bodyPr/>
+                    <a:lstStyle/>
+                    <a:p>
+                      <a:pPr algn="l" fontAlgn="b"/>
+                      <a:r>
+                        <a:rPr lang="en-US" sz="800" b="0" i="0" u="none" strike="noStrike">
+                          <a:solidFill>
+                            <a:srgbClr val="000000"/>
+                          </a:solidFill>
+                          <a:effectLst/>
+                          <a:latin typeface="Calibri" panose="020F0502020204030204" pitchFamily="34" charset="0"/>
+                        </a:rPr>
+                        <a:t>C19</a:t>
+                      </a:r>
+                    </a:p>
+                  </a:txBody>
+                  <a:tcPr marL="6576" marR="6576" marT="6576" marB="0" anchor="b">
+                    <a:lnL>
+                      <a:noFill/>
+                    </a:lnL>
+                    <a:lnR>
+                      <a:noFill/>
+                    </a:lnR>
+                    <a:lnT>
+                      <a:noFill/>
+                    </a:lnT>
+                    <a:lnB>
+                      <a:noFill/>
+                    </a:lnB>
+                  </a:tcPr>
+                </a:tc>
+                <a:tc>
+                  <a:txBody>
+                    <a:bodyPr/>
+                    <a:lstStyle/>
+                    <a:p>
+                      <a:pPr algn="l" fontAlgn="ctr"/>
+                      <a:r>
+                        <a:rPr lang="en-US" sz="800" b="0" i="0" u="none" strike="noStrike">
+                          <a:solidFill>
+                            <a:srgbClr val="000000"/>
+                          </a:solidFill>
+                          <a:effectLst/>
+                          <a:latin typeface="Calibri" panose="020F0502020204030204" pitchFamily="34" charset="0"/>
+                        </a:rPr>
+                        <a:t>Hodge</a:t>
+                      </a:r>
+                    </a:p>
+                  </a:txBody>
+                  <a:tcPr marL="6576" marR="6576" marT="6576" marB="0" anchor="ctr">
+                    <a:lnL>
+                      <a:noFill/>
+                    </a:lnL>
+                    <a:lnR>
+                      <a:noFill/>
+                    </a:lnR>
+                    <a:lnT>
+                      <a:noFill/>
+                    </a:lnT>
+                    <a:lnB>
+                      <a:noFill/>
+                    </a:lnB>
+                    <a:solidFill>
+                      <a:srgbClr val="D9D9D9"/>
+                    </a:solidFill>
+                  </a:tcPr>
+                </a:tc>
+                <a:tc>
+                  <a:txBody>
+                    <a:bodyPr/>
+                    <a:lstStyle/>
+                    <a:p>
+                      <a:pPr algn="l" fontAlgn="ctr"/>
+                      <a:r>
+                        <a:rPr lang="en-US" sz="800" b="0" i="0" u="none" strike="noStrike">
+                          <a:solidFill>
+                            <a:srgbClr val="000000"/>
+                          </a:solidFill>
+                          <a:effectLst/>
+                          <a:latin typeface="Calibri" panose="020F0502020204030204" pitchFamily="34" charset="0"/>
+                        </a:rPr>
+                        <a:t>Bruce</a:t>
+                      </a:r>
+                    </a:p>
+                  </a:txBody>
+                  <a:tcPr marL="6576" marR="6576" marT="6576" marB="0" anchor="ctr">
+                    <a:lnL>
+                      <a:noFill/>
+                    </a:lnL>
+                    <a:lnR>
+                      <a:noFill/>
+                    </a:lnR>
+                    <a:lnT>
+                      <a:noFill/>
+                    </a:lnT>
+                    <a:lnB>
+                      <a:noFill/>
+                    </a:lnB>
+                    <a:solidFill>
+                      <a:srgbClr val="D9D9D9"/>
+                    </a:solidFill>
+                  </a:tcPr>
+                </a:tc>
+                <a:tc>
+                  <a:txBody>
+                    <a:bodyPr/>
+                    <a:lstStyle/>
+                    <a:p>
+                      <a:pPr algn="r" fontAlgn="ctr"/>
+                      <a:r>
+                        <a:rPr lang="en-US" sz="800" b="0" i="0" u="none" strike="noStrike">
+                          <a:solidFill>
+                            <a:srgbClr val="000000"/>
+                          </a:solidFill>
+                          <a:effectLst/>
+                          <a:latin typeface="Calibri" panose="020F0502020204030204" pitchFamily="34" charset="0"/>
+                        </a:rPr>
+                        <a:t>1031</a:t>
+                      </a:r>
+                    </a:p>
+                  </a:txBody>
+                  <a:tcPr marL="6576" marR="6576" marT="6576" marB="0" anchor="ctr">
+                    <a:lnL>
+                      <a:noFill/>
+                    </a:lnL>
+                    <a:lnR>
+                      <a:noFill/>
+                    </a:lnR>
+                    <a:lnT>
+                      <a:noFill/>
+                    </a:lnT>
+                    <a:lnB>
+                      <a:noFill/>
+                    </a:lnB>
+                    <a:solidFill>
+                      <a:srgbClr val="D9D9D9"/>
+                    </a:solidFill>
+                  </a:tcPr>
+                </a:tc>
+                <a:tc>
+                  <a:txBody>
+                    <a:bodyPr/>
+                    <a:lstStyle/>
+                    <a:p>
+                      <a:pPr algn="r" fontAlgn="ctr"/>
+                      <a:r>
+                        <a:rPr lang="en-US" sz="800" b="0" i="0" u="none" strike="noStrike">
+                          <a:solidFill>
+                            <a:srgbClr val="000000"/>
+                          </a:solidFill>
+                          <a:effectLst/>
+                          <a:latin typeface="Calibri" panose="020F0502020204030204" pitchFamily="34" charset="0"/>
+                        </a:rPr>
+                        <a:t>6</a:t>
+                      </a:r>
+                    </a:p>
+                  </a:txBody>
+                  <a:tcPr marL="6576" marR="6576" marT="6576" marB="0" anchor="ctr">
+                    <a:lnL>
+                      <a:noFill/>
+                    </a:lnL>
+                    <a:lnR>
+                      <a:noFill/>
+                    </a:lnR>
+                    <a:lnT>
+                      <a:noFill/>
+                    </a:lnT>
+                    <a:lnB>
+                      <a:noFill/>
+                    </a:lnB>
+                    <a:solidFill>
+                      <a:srgbClr val="D9D9D9"/>
+                    </a:solidFill>
+                  </a:tcPr>
+                </a:tc>
+              </a:tr>
+              <a:tr h="131527">
+                <a:tc>
+                  <a:txBody>
+                    <a:bodyPr/>
+                    <a:lstStyle/>
+                    <a:p>
+                      <a:pPr algn="l" fontAlgn="b"/>
+                      <a:r>
+                        <a:rPr lang="en-US" sz="800" b="0" i="0" u="none" strike="noStrike">
+                          <a:solidFill>
+                            <a:srgbClr val="000000"/>
+                          </a:solidFill>
+                          <a:effectLst/>
+                          <a:latin typeface="Calibri" panose="020F0502020204030204" pitchFamily="34" charset="0"/>
+                        </a:rPr>
+                        <a:t>C20</a:t>
+                      </a:r>
+                    </a:p>
+                  </a:txBody>
+                  <a:tcPr marL="6576" marR="6576" marT="6576" marB="0" anchor="b">
+                    <a:lnL>
+                      <a:noFill/>
+                    </a:lnL>
+                    <a:lnR>
+                      <a:noFill/>
+                    </a:lnR>
+                    <a:lnT>
+                      <a:noFill/>
+                    </a:lnT>
+                    <a:lnB>
+                      <a:noFill/>
+                    </a:lnB>
+                  </a:tcPr>
+                </a:tc>
+                <a:tc>
+                  <a:txBody>
+                    <a:bodyPr/>
+                    <a:lstStyle/>
+                    <a:p>
+                      <a:pPr algn="l" fontAlgn="ctr"/>
+                      <a:r>
+                        <a:rPr lang="en-US" sz="800" b="0" i="0" u="none" strike="noStrike">
+                          <a:solidFill>
+                            <a:srgbClr val="000000"/>
+                          </a:solidFill>
+                          <a:effectLst/>
+                          <a:latin typeface="Calibri" panose="020F0502020204030204" pitchFamily="34" charset="0"/>
+                        </a:rPr>
+                        <a:t>Stobbe</a:t>
+                      </a:r>
+                    </a:p>
+                  </a:txBody>
+                  <a:tcPr marL="6576" marR="6576" marT="6576" marB="0" anchor="ctr">
+                    <a:lnL>
+                      <a:noFill/>
+                    </a:lnL>
+                    <a:lnR>
+                      <a:noFill/>
+                    </a:lnR>
+                    <a:lnT>
+                      <a:noFill/>
+                    </a:lnT>
+                    <a:lnB>
+                      <a:noFill/>
+                    </a:lnB>
+                  </a:tcPr>
+                </a:tc>
+                <a:tc>
+                  <a:txBody>
+                    <a:bodyPr/>
+                    <a:lstStyle/>
+                    <a:p>
+                      <a:pPr algn="l" fontAlgn="ctr"/>
+                      <a:r>
+                        <a:rPr lang="en-US" sz="800" b="0" i="0" u="none" strike="noStrike">
+                          <a:solidFill>
+                            <a:srgbClr val="000000"/>
+                          </a:solidFill>
+                          <a:effectLst/>
+                          <a:latin typeface="Calibri" panose="020F0502020204030204" pitchFamily="34" charset="0"/>
+                        </a:rPr>
+                        <a:t>Travis</a:t>
+                      </a:r>
+                    </a:p>
+                  </a:txBody>
+                  <a:tcPr marL="6576" marR="6576" marT="6576" marB="0" anchor="ctr">
+                    <a:lnL>
+                      <a:noFill/>
+                    </a:lnL>
+                    <a:lnR>
+                      <a:noFill/>
+                    </a:lnR>
+                    <a:lnT>
+                      <a:noFill/>
+                    </a:lnT>
+                    <a:lnB>
+                      <a:noFill/>
+                    </a:lnB>
+                  </a:tcPr>
+                </a:tc>
+                <a:tc>
+                  <a:txBody>
+                    <a:bodyPr/>
+                    <a:lstStyle/>
+                    <a:p>
+                      <a:pPr algn="r" fontAlgn="ctr"/>
+                      <a:r>
+                        <a:rPr lang="en-US" sz="800" b="0" i="0" u="none" strike="noStrike">
+                          <a:solidFill>
+                            <a:srgbClr val="000000"/>
+                          </a:solidFill>
+                          <a:effectLst/>
+                          <a:latin typeface="Calibri" panose="020F0502020204030204" pitchFamily="34" charset="0"/>
+                        </a:rPr>
+                        <a:t>1149.5</a:t>
+                      </a:r>
+                    </a:p>
+                  </a:txBody>
+                  <a:tcPr marL="6576" marR="6576" marT="6576" marB="0" anchor="ctr">
+                    <a:lnL>
+                      <a:noFill/>
+                    </a:lnL>
+                    <a:lnR>
+                      <a:noFill/>
+                    </a:lnR>
+                    <a:lnT>
+                      <a:noFill/>
+                    </a:lnT>
+                    <a:lnB>
+                      <a:noFill/>
+                    </a:lnB>
+                  </a:tcPr>
+                </a:tc>
+                <a:tc>
+                  <a:txBody>
+                    <a:bodyPr/>
+                    <a:lstStyle/>
+                    <a:p>
+                      <a:pPr algn="r" fontAlgn="ctr"/>
+                      <a:r>
+                        <a:rPr lang="en-US" sz="800" b="0" i="0" u="none" strike="noStrike">
+                          <a:solidFill>
+                            <a:srgbClr val="000000"/>
+                          </a:solidFill>
+                          <a:effectLst/>
+                          <a:latin typeface="Calibri" panose="020F0502020204030204" pitchFamily="34" charset="0"/>
+                        </a:rPr>
+                        <a:t>7</a:t>
+                      </a:r>
+                    </a:p>
+                  </a:txBody>
+                  <a:tcPr marL="6576" marR="6576" marT="6576" marB="0" anchor="ctr">
+                    <a:lnL>
+                      <a:noFill/>
+                    </a:lnL>
+                    <a:lnR>
+                      <a:noFill/>
+                    </a:lnR>
+                    <a:lnT>
+                      <a:noFill/>
+                    </a:lnT>
+                    <a:lnB>
+                      <a:noFill/>
+                    </a:lnB>
+                  </a:tcPr>
+                </a:tc>
+              </a:tr>
+              <a:tr h="131527">
+                <a:tc>
+                  <a:txBody>
+                    <a:bodyPr/>
+                    <a:lstStyle/>
+                    <a:p>
+                      <a:pPr algn="l" fontAlgn="b"/>
+                      <a:r>
+                        <a:rPr lang="en-US" sz="800" b="0" i="0" u="none" strike="noStrike">
+                          <a:solidFill>
+                            <a:srgbClr val="000000"/>
+                          </a:solidFill>
+                          <a:effectLst/>
+                          <a:latin typeface="Calibri" panose="020F0502020204030204" pitchFamily="34" charset="0"/>
+                        </a:rPr>
+                        <a:t>C21</a:t>
+                      </a:r>
+                    </a:p>
+                  </a:txBody>
+                  <a:tcPr marL="6576" marR="6576" marT="6576" marB="0" anchor="b">
+                    <a:lnL>
+                      <a:noFill/>
+                    </a:lnL>
+                    <a:lnR>
+                      <a:noFill/>
+                    </a:lnR>
+                    <a:lnT>
+                      <a:noFill/>
+                    </a:lnT>
+                    <a:lnB>
+                      <a:noFill/>
+                    </a:lnB>
+                  </a:tcPr>
+                </a:tc>
+                <a:tc>
+                  <a:txBody>
+                    <a:bodyPr/>
+                    <a:lstStyle/>
+                    <a:p>
+                      <a:pPr algn="l" fontAlgn="ctr"/>
+                      <a:r>
+                        <a:rPr lang="en-US" sz="800" b="0" i="0" u="none" strike="noStrike">
+                          <a:solidFill>
+                            <a:srgbClr val="000000"/>
+                          </a:solidFill>
+                          <a:effectLst/>
+                          <a:latin typeface="Calibri" panose="020F0502020204030204" pitchFamily="34" charset="0"/>
+                        </a:rPr>
+                        <a:t>Sanders</a:t>
+                      </a:r>
+                    </a:p>
+                  </a:txBody>
+                  <a:tcPr marL="6576" marR="6576" marT="6576" marB="0" anchor="ctr">
+                    <a:lnL>
+                      <a:noFill/>
+                    </a:lnL>
+                    <a:lnR>
+                      <a:noFill/>
+                    </a:lnR>
+                    <a:lnT>
+                      <a:noFill/>
+                    </a:lnT>
+                    <a:lnB>
+                      <a:noFill/>
+                    </a:lnB>
+                    <a:solidFill>
+                      <a:srgbClr val="D9D9D9"/>
+                    </a:solidFill>
+                  </a:tcPr>
+                </a:tc>
+                <a:tc>
+                  <a:txBody>
+                    <a:bodyPr/>
+                    <a:lstStyle/>
+                    <a:p>
+                      <a:pPr algn="l" fontAlgn="ctr"/>
+                      <a:r>
+                        <a:rPr lang="en-US" sz="800" b="0" i="0" u="none" strike="noStrike">
+                          <a:solidFill>
+                            <a:srgbClr val="000000"/>
+                          </a:solidFill>
+                          <a:effectLst/>
+                          <a:latin typeface="Calibri" panose="020F0502020204030204" pitchFamily="34" charset="0"/>
+                        </a:rPr>
+                        <a:t>Jill</a:t>
+                      </a:r>
+                    </a:p>
+                  </a:txBody>
+                  <a:tcPr marL="6576" marR="6576" marT="6576" marB="0" anchor="ctr">
+                    <a:lnL>
+                      <a:noFill/>
+                    </a:lnL>
+                    <a:lnR>
+                      <a:noFill/>
+                    </a:lnR>
+                    <a:lnT>
+                      <a:noFill/>
+                    </a:lnT>
+                    <a:lnB>
+                      <a:noFill/>
+                    </a:lnB>
+                    <a:solidFill>
+                      <a:srgbClr val="D9D9D9"/>
+                    </a:solidFill>
+                  </a:tcPr>
+                </a:tc>
+                <a:tc>
+                  <a:txBody>
+                    <a:bodyPr/>
+                    <a:lstStyle/>
+                    <a:p>
+                      <a:pPr algn="r" fontAlgn="ctr"/>
+                      <a:r>
+                        <a:rPr lang="en-US" sz="800" b="0" i="0" u="none" strike="noStrike">
+                          <a:solidFill>
+                            <a:srgbClr val="000000"/>
+                          </a:solidFill>
+                          <a:effectLst/>
+                          <a:latin typeface="Calibri" panose="020F0502020204030204" pitchFamily="34" charset="0"/>
+                        </a:rPr>
+                        <a:t>1126.81</a:t>
+                      </a:r>
+                    </a:p>
+                  </a:txBody>
+                  <a:tcPr marL="6576" marR="6576" marT="6576" marB="0" anchor="ctr">
+                    <a:lnL>
+                      <a:noFill/>
+                    </a:lnL>
+                    <a:lnR>
+                      <a:noFill/>
+                    </a:lnR>
+                    <a:lnT>
+                      <a:noFill/>
+                    </a:lnT>
+                    <a:lnB>
+                      <a:noFill/>
+                    </a:lnB>
+                    <a:solidFill>
+                      <a:srgbClr val="D9D9D9"/>
+                    </a:solidFill>
+                  </a:tcPr>
+                </a:tc>
+                <a:tc>
+                  <a:txBody>
+                    <a:bodyPr/>
+                    <a:lstStyle/>
+                    <a:p>
+                      <a:pPr algn="r" fontAlgn="ctr"/>
+                      <a:r>
+                        <a:rPr lang="en-US" sz="800" b="0" i="0" u="none" strike="noStrike">
+                          <a:solidFill>
+                            <a:srgbClr val="000000"/>
+                          </a:solidFill>
+                          <a:effectLst/>
+                          <a:latin typeface="Calibri" panose="020F0502020204030204" pitchFamily="34" charset="0"/>
+                        </a:rPr>
+                        <a:t>7</a:t>
+                      </a:r>
+                    </a:p>
+                  </a:txBody>
+                  <a:tcPr marL="6576" marR="6576" marT="6576" marB="0" anchor="ctr">
+                    <a:lnL>
+                      <a:noFill/>
+                    </a:lnL>
+                    <a:lnR>
+                      <a:noFill/>
+                    </a:lnR>
+                    <a:lnT>
+                      <a:noFill/>
+                    </a:lnT>
+                    <a:lnB>
+                      <a:noFill/>
+                    </a:lnB>
+                    <a:solidFill>
+                      <a:srgbClr val="D9D9D9"/>
+                    </a:solidFill>
+                  </a:tcPr>
+                </a:tc>
+              </a:tr>
+              <a:tr h="131527">
+                <a:tc>
+                  <a:txBody>
+                    <a:bodyPr/>
+                    <a:lstStyle/>
+                    <a:p>
+                      <a:pPr algn="l" fontAlgn="b"/>
+                      <a:r>
+                        <a:rPr lang="en-US" sz="800" b="0" i="0" u="none" strike="noStrike">
+                          <a:solidFill>
+                            <a:srgbClr val="000000"/>
+                          </a:solidFill>
+                          <a:effectLst/>
+                          <a:latin typeface="Calibri" panose="020F0502020204030204" pitchFamily="34" charset="0"/>
+                        </a:rPr>
+                        <a:t>C22</a:t>
+                      </a:r>
+                    </a:p>
+                  </a:txBody>
+                  <a:tcPr marL="6576" marR="6576" marT="6576" marB="0" anchor="b">
+                    <a:lnL>
+                      <a:noFill/>
+                    </a:lnL>
+                    <a:lnR>
+                      <a:noFill/>
+                    </a:lnR>
+                    <a:lnT>
+                      <a:noFill/>
+                    </a:lnT>
+                    <a:lnB>
+                      <a:noFill/>
+                    </a:lnB>
+                  </a:tcPr>
+                </a:tc>
+                <a:tc>
+                  <a:txBody>
+                    <a:bodyPr/>
+                    <a:lstStyle/>
+                    <a:p>
+                      <a:pPr algn="l" fontAlgn="ctr"/>
+                      <a:r>
+                        <a:rPr lang="en-US" sz="800" b="0" i="0" u="none" strike="noStrike">
+                          <a:solidFill>
+                            <a:srgbClr val="000000"/>
+                          </a:solidFill>
+                          <a:effectLst/>
+                          <a:latin typeface="Calibri" panose="020F0502020204030204" pitchFamily="34" charset="0"/>
+                        </a:rPr>
+                        <a:t>Miller</a:t>
+                      </a:r>
+                    </a:p>
+                  </a:txBody>
+                  <a:tcPr marL="6576" marR="6576" marT="6576" marB="0" anchor="ctr">
+                    <a:lnL>
+                      <a:noFill/>
+                    </a:lnL>
+                    <a:lnR>
+                      <a:noFill/>
+                    </a:lnR>
+                    <a:lnT>
+                      <a:noFill/>
+                    </a:lnT>
+                    <a:lnB>
+                      <a:noFill/>
+                    </a:lnB>
+                  </a:tcPr>
+                </a:tc>
+                <a:tc>
+                  <a:txBody>
+                    <a:bodyPr/>
+                    <a:lstStyle/>
+                    <a:p>
+                      <a:pPr algn="l" fontAlgn="ctr"/>
+                      <a:r>
+                        <a:rPr lang="en-US" sz="800" b="0" i="0" u="none" strike="noStrike">
+                          <a:solidFill>
+                            <a:srgbClr val="000000"/>
+                          </a:solidFill>
+                          <a:effectLst/>
+                          <a:latin typeface="Calibri" panose="020F0502020204030204" pitchFamily="34" charset="0"/>
+                        </a:rPr>
+                        <a:t>Larry</a:t>
+                      </a:r>
+                    </a:p>
+                  </a:txBody>
+                  <a:tcPr marL="6576" marR="6576" marT="6576" marB="0" anchor="ctr">
+                    <a:lnL>
+                      <a:noFill/>
+                    </a:lnL>
+                    <a:lnR>
+                      <a:noFill/>
+                    </a:lnR>
+                    <a:lnT>
+                      <a:noFill/>
+                    </a:lnT>
+                    <a:lnB>
+                      <a:noFill/>
+                    </a:lnB>
+                  </a:tcPr>
+                </a:tc>
+                <a:tc>
+                  <a:txBody>
+                    <a:bodyPr/>
+                    <a:lstStyle/>
+                    <a:p>
+                      <a:pPr algn="r" fontAlgn="ctr"/>
+                      <a:r>
+                        <a:rPr lang="en-US" sz="800" b="0" i="0" u="none" strike="noStrike">
+                          <a:solidFill>
+                            <a:srgbClr val="000000"/>
+                          </a:solidFill>
+                          <a:effectLst/>
+                          <a:latin typeface="Calibri" panose="020F0502020204030204" pitchFamily="34" charset="0"/>
+                        </a:rPr>
+                        <a:t>983.96</a:t>
+                      </a:r>
+                    </a:p>
+                  </a:txBody>
+                  <a:tcPr marL="6576" marR="6576" marT="6576" marB="0" anchor="ctr">
+                    <a:lnL>
+                      <a:noFill/>
+                    </a:lnL>
+                    <a:lnR>
+                      <a:noFill/>
+                    </a:lnR>
+                    <a:lnT>
+                      <a:noFill/>
+                    </a:lnT>
+                    <a:lnB>
+                      <a:noFill/>
+                    </a:lnB>
+                  </a:tcPr>
+                </a:tc>
+                <a:tc>
+                  <a:txBody>
+                    <a:bodyPr/>
+                    <a:lstStyle/>
+                    <a:p>
+                      <a:pPr algn="r" fontAlgn="ctr"/>
+                      <a:r>
+                        <a:rPr lang="en-US" sz="800" b="0" i="0" u="none" strike="noStrike">
+                          <a:solidFill>
+                            <a:srgbClr val="000000"/>
+                          </a:solidFill>
+                          <a:effectLst/>
+                          <a:latin typeface="Calibri" panose="020F0502020204030204" pitchFamily="34" charset="0"/>
+                        </a:rPr>
+                        <a:t>9</a:t>
+                      </a:r>
+                    </a:p>
+                  </a:txBody>
+                  <a:tcPr marL="6576" marR="6576" marT="6576" marB="0" anchor="ctr">
+                    <a:lnL>
+                      <a:noFill/>
+                    </a:lnL>
+                    <a:lnR>
+                      <a:noFill/>
+                    </a:lnR>
+                    <a:lnT>
+                      <a:noFill/>
+                    </a:lnT>
+                    <a:lnB>
+                      <a:noFill/>
+                    </a:lnB>
+                  </a:tcPr>
+                </a:tc>
+              </a:tr>
+              <a:tr h="131527">
+                <a:tc>
+                  <a:txBody>
+                    <a:bodyPr/>
+                    <a:lstStyle/>
+                    <a:p>
+                      <a:pPr algn="l" fontAlgn="b"/>
+                      <a:r>
+                        <a:rPr lang="en-US" sz="800" b="0" i="0" u="none" strike="noStrike">
+                          <a:solidFill>
+                            <a:srgbClr val="000000"/>
+                          </a:solidFill>
+                          <a:effectLst/>
+                          <a:latin typeface="Calibri" panose="020F0502020204030204" pitchFamily="34" charset="0"/>
+                        </a:rPr>
+                        <a:t>C23</a:t>
+                      </a:r>
+                    </a:p>
+                  </a:txBody>
+                  <a:tcPr marL="6576" marR="6576" marT="6576" marB="0" anchor="b">
+                    <a:lnL>
+                      <a:noFill/>
+                    </a:lnL>
+                    <a:lnR>
+                      <a:noFill/>
+                    </a:lnR>
+                    <a:lnT>
+                      <a:noFill/>
+                    </a:lnT>
+                    <a:lnB>
+                      <a:noFill/>
+                    </a:lnB>
+                  </a:tcPr>
+                </a:tc>
+                <a:tc>
+                  <a:txBody>
+                    <a:bodyPr/>
+                    <a:lstStyle/>
+                    <a:p>
+                      <a:pPr algn="l" fontAlgn="ctr"/>
+                      <a:r>
+                        <a:rPr lang="en-US" sz="800" b="0" i="0" u="none" strike="noStrike">
+                          <a:solidFill>
+                            <a:srgbClr val="000000"/>
+                          </a:solidFill>
+                          <a:effectLst/>
+                          <a:latin typeface="Calibri" panose="020F0502020204030204" pitchFamily="34" charset="0"/>
+                        </a:rPr>
+                        <a:t>Hinson</a:t>
+                      </a:r>
+                    </a:p>
+                  </a:txBody>
+                  <a:tcPr marL="6576" marR="6576" marT="6576" marB="0" anchor="ctr">
+                    <a:lnL>
+                      <a:noFill/>
+                    </a:lnL>
+                    <a:lnR>
+                      <a:noFill/>
+                    </a:lnR>
+                    <a:lnT>
+                      <a:noFill/>
+                    </a:lnT>
+                    <a:lnB>
+                      <a:noFill/>
+                    </a:lnB>
+                    <a:solidFill>
+                      <a:srgbClr val="D9D9D9"/>
+                    </a:solidFill>
+                  </a:tcPr>
+                </a:tc>
+                <a:tc>
+                  <a:txBody>
+                    <a:bodyPr/>
+                    <a:lstStyle/>
+                    <a:p>
+                      <a:pPr algn="l" fontAlgn="ctr"/>
+                      <a:r>
+                        <a:rPr lang="en-US" sz="800" b="0" i="0" u="none" strike="noStrike">
+                          <a:solidFill>
+                            <a:srgbClr val="000000"/>
+                          </a:solidFill>
+                          <a:effectLst/>
+                          <a:latin typeface="Calibri" panose="020F0502020204030204" pitchFamily="34" charset="0"/>
+                        </a:rPr>
+                        <a:t>Daphne</a:t>
+                      </a:r>
+                    </a:p>
+                  </a:txBody>
+                  <a:tcPr marL="6576" marR="6576" marT="6576" marB="0" anchor="ctr">
+                    <a:lnL>
+                      <a:noFill/>
+                    </a:lnL>
+                    <a:lnR>
+                      <a:noFill/>
+                    </a:lnR>
+                    <a:lnT>
+                      <a:noFill/>
+                    </a:lnT>
+                    <a:lnB>
+                      <a:noFill/>
+                    </a:lnB>
+                    <a:solidFill>
+                      <a:srgbClr val="D9D9D9"/>
+                    </a:solidFill>
+                  </a:tcPr>
+                </a:tc>
+                <a:tc>
+                  <a:txBody>
+                    <a:bodyPr/>
+                    <a:lstStyle/>
+                    <a:p>
+                      <a:pPr algn="r" fontAlgn="ctr"/>
+                      <a:r>
+                        <a:rPr lang="en-US" sz="800" b="0" i="0" u="none" strike="noStrike">
+                          <a:solidFill>
+                            <a:srgbClr val="000000"/>
+                          </a:solidFill>
+                          <a:effectLst/>
+                          <a:latin typeface="Calibri" panose="020F0502020204030204" pitchFamily="34" charset="0"/>
+                        </a:rPr>
+                        <a:t>1163.05</a:t>
+                      </a:r>
+                    </a:p>
+                  </a:txBody>
+                  <a:tcPr marL="6576" marR="6576" marT="6576" marB="0" anchor="ctr">
+                    <a:lnL>
+                      <a:noFill/>
+                    </a:lnL>
+                    <a:lnR>
+                      <a:noFill/>
+                    </a:lnR>
+                    <a:lnT>
+                      <a:noFill/>
+                    </a:lnT>
+                    <a:lnB>
+                      <a:noFill/>
+                    </a:lnB>
+                    <a:solidFill>
+                      <a:srgbClr val="D9D9D9"/>
+                    </a:solidFill>
+                  </a:tcPr>
+                </a:tc>
+                <a:tc>
+                  <a:txBody>
+                    <a:bodyPr/>
+                    <a:lstStyle/>
+                    <a:p>
+                      <a:pPr algn="r" fontAlgn="ctr"/>
+                      <a:r>
+                        <a:rPr lang="en-US" sz="800" b="0" i="0" u="none" strike="noStrike">
+                          <a:solidFill>
+                            <a:srgbClr val="000000"/>
+                          </a:solidFill>
+                          <a:effectLst/>
+                          <a:latin typeface="Calibri" panose="020F0502020204030204" pitchFamily="34" charset="0"/>
+                        </a:rPr>
+                        <a:t>11</a:t>
+                      </a:r>
+                    </a:p>
+                  </a:txBody>
+                  <a:tcPr marL="6576" marR="6576" marT="6576" marB="0" anchor="ctr">
+                    <a:lnL>
+                      <a:noFill/>
+                    </a:lnL>
+                    <a:lnR>
+                      <a:noFill/>
+                    </a:lnR>
+                    <a:lnT>
+                      <a:noFill/>
+                    </a:lnT>
+                    <a:lnB>
+                      <a:noFill/>
+                    </a:lnB>
+                    <a:solidFill>
+                      <a:srgbClr val="D9D9D9"/>
+                    </a:solidFill>
+                  </a:tcPr>
+                </a:tc>
+              </a:tr>
+              <a:tr h="131527">
+                <a:tc>
+                  <a:txBody>
+                    <a:bodyPr/>
+                    <a:lstStyle/>
+                    <a:p>
+                      <a:pPr algn="l" fontAlgn="b"/>
+                      <a:r>
+                        <a:rPr lang="en-US" sz="800" b="0" i="0" u="none" strike="noStrike">
+                          <a:solidFill>
+                            <a:srgbClr val="000000"/>
+                          </a:solidFill>
+                          <a:effectLst/>
+                          <a:latin typeface="Calibri" panose="020F0502020204030204" pitchFamily="34" charset="0"/>
+                        </a:rPr>
+                        <a:t>C24</a:t>
+                      </a:r>
+                    </a:p>
+                  </a:txBody>
+                  <a:tcPr marL="6576" marR="6576" marT="6576" marB="0" anchor="b">
+                    <a:lnL>
+                      <a:noFill/>
+                    </a:lnL>
+                    <a:lnR>
+                      <a:noFill/>
+                    </a:lnR>
+                    <a:lnT>
+                      <a:noFill/>
+                    </a:lnT>
+                    <a:lnB>
+                      <a:noFill/>
+                    </a:lnB>
+                  </a:tcPr>
+                </a:tc>
+                <a:tc>
+                  <a:txBody>
+                    <a:bodyPr/>
+                    <a:lstStyle/>
+                    <a:p>
+                      <a:pPr algn="l" fontAlgn="ctr"/>
+                      <a:r>
+                        <a:rPr lang="en-US" sz="800" b="0" i="0" u="none" strike="noStrike">
+                          <a:solidFill>
+                            <a:srgbClr val="000000"/>
+                          </a:solidFill>
+                          <a:effectLst/>
+                          <a:latin typeface="Calibri" panose="020F0502020204030204" pitchFamily="34" charset="0"/>
+                        </a:rPr>
+                        <a:t>Hite</a:t>
+                      </a:r>
+                    </a:p>
+                  </a:txBody>
+                  <a:tcPr marL="6576" marR="6576" marT="6576" marB="0" anchor="ctr">
+                    <a:lnL>
+                      <a:noFill/>
+                    </a:lnL>
+                    <a:lnR>
+                      <a:noFill/>
+                    </a:lnR>
+                    <a:lnT>
+                      <a:noFill/>
+                    </a:lnT>
+                    <a:lnB>
+                      <a:noFill/>
+                    </a:lnB>
+                  </a:tcPr>
+                </a:tc>
+                <a:tc>
+                  <a:txBody>
+                    <a:bodyPr/>
+                    <a:lstStyle/>
+                    <a:p>
+                      <a:pPr algn="l" fontAlgn="ctr"/>
+                      <a:r>
+                        <a:rPr lang="en-US" sz="800" b="0" i="0" u="none" strike="noStrike">
+                          <a:solidFill>
+                            <a:srgbClr val="000000"/>
+                          </a:solidFill>
+                          <a:effectLst/>
+                          <a:latin typeface="Calibri" panose="020F0502020204030204" pitchFamily="34" charset="0"/>
+                        </a:rPr>
+                        <a:t>Joanne</a:t>
+                      </a:r>
+                    </a:p>
+                  </a:txBody>
+                  <a:tcPr marL="6576" marR="6576" marT="6576" marB="0" anchor="ctr">
+                    <a:lnL>
+                      <a:noFill/>
+                    </a:lnL>
+                    <a:lnR>
+                      <a:noFill/>
+                    </a:lnR>
+                    <a:lnT>
+                      <a:noFill/>
+                    </a:lnT>
+                    <a:lnB>
+                      <a:noFill/>
+                    </a:lnB>
+                  </a:tcPr>
+                </a:tc>
+                <a:tc>
+                  <a:txBody>
+                    <a:bodyPr/>
+                    <a:lstStyle/>
+                    <a:p>
+                      <a:pPr algn="r" fontAlgn="ctr"/>
+                      <a:r>
+                        <a:rPr lang="en-US" sz="800" b="0" i="0" u="none" strike="noStrike">
+                          <a:solidFill>
+                            <a:srgbClr val="000000"/>
+                          </a:solidFill>
+                          <a:effectLst/>
+                          <a:latin typeface="Calibri" panose="020F0502020204030204" pitchFamily="34" charset="0"/>
+                        </a:rPr>
+                        <a:t>1435.8</a:t>
+                      </a:r>
+                    </a:p>
+                  </a:txBody>
+                  <a:tcPr marL="6576" marR="6576" marT="6576" marB="0" anchor="ctr">
+                    <a:lnL>
+                      <a:noFill/>
+                    </a:lnL>
+                    <a:lnR>
+                      <a:noFill/>
+                    </a:lnR>
+                    <a:lnT>
+                      <a:noFill/>
+                    </a:lnT>
+                    <a:lnB>
+                      <a:noFill/>
+                    </a:lnB>
+                  </a:tcPr>
+                </a:tc>
+                <a:tc>
+                  <a:txBody>
+                    <a:bodyPr/>
+                    <a:lstStyle/>
+                    <a:p>
+                      <a:pPr algn="r" fontAlgn="ctr"/>
+                      <a:r>
+                        <a:rPr lang="en-US" sz="800" b="0" i="0" u="none" strike="noStrike">
+                          <a:solidFill>
+                            <a:srgbClr val="000000"/>
+                          </a:solidFill>
+                          <a:effectLst/>
+                          <a:latin typeface="Calibri" panose="020F0502020204030204" pitchFamily="34" charset="0"/>
+                        </a:rPr>
+                        <a:t>12</a:t>
+                      </a:r>
+                    </a:p>
+                  </a:txBody>
+                  <a:tcPr marL="6576" marR="6576" marT="6576" marB="0" anchor="ctr">
+                    <a:lnL>
+                      <a:noFill/>
+                    </a:lnL>
+                    <a:lnR>
+                      <a:noFill/>
+                    </a:lnR>
+                    <a:lnT>
+                      <a:noFill/>
+                    </a:lnT>
+                    <a:lnB>
+                      <a:noFill/>
+                    </a:lnB>
+                  </a:tcPr>
+                </a:tc>
+              </a:tr>
+              <a:tr h="131527">
+                <a:tc>
+                  <a:txBody>
+                    <a:bodyPr/>
+                    <a:lstStyle/>
+                    <a:p>
+                      <a:pPr algn="l" fontAlgn="b"/>
+                      <a:r>
+                        <a:rPr lang="en-US" sz="800" b="0" i="0" u="none" strike="noStrike">
+                          <a:solidFill>
+                            <a:srgbClr val="000000"/>
+                          </a:solidFill>
+                          <a:effectLst/>
+                          <a:latin typeface="Calibri" panose="020F0502020204030204" pitchFamily="34" charset="0"/>
+                        </a:rPr>
+                        <a:t>C25</a:t>
+                      </a:r>
+                    </a:p>
+                  </a:txBody>
+                  <a:tcPr marL="6576" marR="6576" marT="6576" marB="0" anchor="b">
+                    <a:lnL>
+                      <a:noFill/>
+                    </a:lnL>
+                    <a:lnR>
+                      <a:noFill/>
+                    </a:lnR>
+                    <a:lnT>
+                      <a:noFill/>
+                    </a:lnT>
+                    <a:lnB>
+                      <a:noFill/>
+                    </a:lnB>
+                  </a:tcPr>
+                </a:tc>
+                <a:tc>
+                  <a:txBody>
+                    <a:bodyPr/>
+                    <a:lstStyle/>
+                    <a:p>
+                      <a:pPr algn="l" fontAlgn="ctr"/>
+                      <a:r>
+                        <a:rPr lang="en-US" sz="800" b="0" i="0" u="none" strike="noStrike">
+                          <a:solidFill>
+                            <a:srgbClr val="000000"/>
+                          </a:solidFill>
+                          <a:effectLst/>
+                          <a:latin typeface="Calibri" panose="020F0502020204030204" pitchFamily="34" charset="0"/>
+                        </a:rPr>
+                        <a:t>Merida</a:t>
+                      </a:r>
+                    </a:p>
+                  </a:txBody>
+                  <a:tcPr marL="6576" marR="6576" marT="6576" marB="0" anchor="ctr">
+                    <a:lnL>
+                      <a:noFill/>
+                    </a:lnL>
+                    <a:lnR>
+                      <a:noFill/>
+                    </a:lnR>
+                    <a:lnT>
+                      <a:noFill/>
+                    </a:lnT>
+                    <a:lnB>
+                      <a:noFill/>
+                    </a:lnB>
+                    <a:solidFill>
+                      <a:srgbClr val="D9D9D9"/>
+                    </a:solidFill>
+                  </a:tcPr>
+                </a:tc>
+                <a:tc>
+                  <a:txBody>
+                    <a:bodyPr/>
+                    <a:lstStyle/>
+                    <a:p>
+                      <a:pPr algn="l" fontAlgn="ctr"/>
+                      <a:r>
+                        <a:rPr lang="en-US" sz="800" b="0" i="0" u="none" strike="noStrike">
+                          <a:solidFill>
+                            <a:srgbClr val="000000"/>
+                          </a:solidFill>
+                          <a:effectLst/>
+                          <a:latin typeface="Calibri" panose="020F0502020204030204" pitchFamily="34" charset="0"/>
+                        </a:rPr>
+                        <a:t>Billie</a:t>
+                      </a:r>
+                    </a:p>
+                  </a:txBody>
+                  <a:tcPr marL="6576" marR="6576" marT="6576" marB="0" anchor="ctr">
+                    <a:lnL>
+                      <a:noFill/>
+                    </a:lnL>
+                    <a:lnR>
+                      <a:noFill/>
+                    </a:lnR>
+                    <a:lnT>
+                      <a:noFill/>
+                    </a:lnT>
+                    <a:lnB>
+                      <a:noFill/>
+                    </a:lnB>
+                    <a:solidFill>
+                      <a:srgbClr val="D9D9D9"/>
+                    </a:solidFill>
+                  </a:tcPr>
+                </a:tc>
+                <a:tc>
+                  <a:txBody>
+                    <a:bodyPr/>
+                    <a:lstStyle/>
+                    <a:p>
+                      <a:pPr algn="r" fontAlgn="ctr"/>
+                      <a:r>
+                        <a:rPr lang="en-US" sz="800" b="0" i="0" u="none" strike="noStrike">
+                          <a:solidFill>
+                            <a:srgbClr val="000000"/>
+                          </a:solidFill>
+                          <a:effectLst/>
+                          <a:latin typeface="Calibri" panose="020F0502020204030204" pitchFamily="34" charset="0"/>
+                        </a:rPr>
+                        <a:t>420.65</a:t>
+                      </a:r>
+                    </a:p>
+                  </a:txBody>
+                  <a:tcPr marL="6576" marR="6576" marT="6576" marB="0" anchor="ctr">
+                    <a:lnL>
+                      <a:noFill/>
+                    </a:lnL>
+                    <a:lnR>
+                      <a:noFill/>
+                    </a:lnR>
+                    <a:lnT>
+                      <a:noFill/>
+                    </a:lnT>
+                    <a:lnB>
+                      <a:noFill/>
+                    </a:lnB>
+                    <a:solidFill>
+                      <a:srgbClr val="D9D9D9"/>
+                    </a:solidFill>
+                  </a:tcPr>
+                </a:tc>
+                <a:tc>
+                  <a:txBody>
+                    <a:bodyPr/>
+                    <a:lstStyle/>
+                    <a:p>
+                      <a:pPr algn="r" fontAlgn="ctr"/>
+                      <a:r>
+                        <a:rPr lang="en-US" sz="800" b="0" i="0" u="none" strike="noStrike">
+                          <a:solidFill>
+                            <a:srgbClr val="000000"/>
+                          </a:solidFill>
+                          <a:effectLst/>
+                          <a:latin typeface="Calibri" panose="020F0502020204030204" pitchFamily="34" charset="0"/>
+                        </a:rPr>
+                        <a:t>14</a:t>
+                      </a:r>
+                    </a:p>
+                  </a:txBody>
+                  <a:tcPr marL="6576" marR="6576" marT="6576" marB="0" anchor="ctr">
+                    <a:lnL>
+                      <a:noFill/>
+                    </a:lnL>
+                    <a:lnR>
+                      <a:noFill/>
+                    </a:lnR>
+                    <a:lnT>
+                      <a:noFill/>
+                    </a:lnT>
+                    <a:lnB>
+                      <a:noFill/>
+                    </a:lnB>
+                    <a:solidFill>
+                      <a:srgbClr val="D9D9D9"/>
+                    </a:solidFill>
+                  </a:tcPr>
+                </a:tc>
+              </a:tr>
+              <a:tr h="131527">
+                <a:tc>
+                  <a:txBody>
+                    <a:bodyPr/>
+                    <a:lstStyle/>
+                    <a:p>
+                      <a:pPr algn="l" fontAlgn="b"/>
+                      <a:r>
+                        <a:rPr lang="en-US" sz="800" b="0" i="0" u="none" strike="noStrike">
+                          <a:solidFill>
+                            <a:srgbClr val="000000"/>
+                          </a:solidFill>
+                          <a:effectLst/>
+                          <a:latin typeface="Calibri" panose="020F0502020204030204" pitchFamily="34" charset="0"/>
+                        </a:rPr>
+                        <a:t>C26</a:t>
+                      </a:r>
+                    </a:p>
+                  </a:txBody>
+                  <a:tcPr marL="6576" marR="6576" marT="6576" marB="0" anchor="b">
+                    <a:lnL>
+                      <a:noFill/>
+                    </a:lnL>
+                    <a:lnR>
+                      <a:noFill/>
+                    </a:lnR>
+                    <a:lnT>
+                      <a:noFill/>
+                    </a:lnT>
+                    <a:lnB>
+                      <a:noFill/>
+                    </a:lnB>
+                  </a:tcPr>
+                </a:tc>
+                <a:tc>
+                  <a:txBody>
+                    <a:bodyPr/>
+                    <a:lstStyle/>
+                    <a:p>
+                      <a:pPr algn="l" fontAlgn="ctr"/>
+                      <a:r>
+                        <a:rPr lang="en-US" sz="800" b="0" i="0" u="none" strike="noStrike">
+                          <a:solidFill>
+                            <a:srgbClr val="000000"/>
+                          </a:solidFill>
+                          <a:effectLst/>
+                          <a:latin typeface="Calibri" panose="020F0502020204030204" pitchFamily="34" charset="0"/>
+                        </a:rPr>
+                        <a:t>Bryant</a:t>
+                      </a:r>
+                    </a:p>
+                  </a:txBody>
+                  <a:tcPr marL="6576" marR="6576" marT="6576" marB="0" anchor="ctr">
+                    <a:lnL>
+                      <a:noFill/>
+                    </a:lnL>
+                    <a:lnR>
+                      <a:noFill/>
+                    </a:lnR>
+                    <a:lnT>
+                      <a:noFill/>
+                    </a:lnT>
+                    <a:lnB w="12700" cap="flat" cmpd="sng" algn="ctr">
+                      <a:solidFill>
+                        <a:srgbClr val="000000"/>
+                      </a:solidFill>
+                      <a:prstDash val="solid"/>
+                      <a:round/>
+                      <a:headEnd type="none" w="med" len="med"/>
+                      <a:tailEnd type="none" w="med" len="med"/>
+                    </a:lnB>
+                  </a:tcPr>
+                </a:tc>
+                <a:tc>
+                  <a:txBody>
+                    <a:bodyPr/>
+                    <a:lstStyle/>
+                    <a:p>
+                      <a:pPr algn="l" fontAlgn="ctr"/>
+                      <a:r>
+                        <a:rPr lang="en-US" sz="800" b="0" i="0" u="none" strike="noStrike">
+                          <a:solidFill>
+                            <a:srgbClr val="000000"/>
+                          </a:solidFill>
+                          <a:effectLst/>
+                          <a:latin typeface="Calibri" panose="020F0502020204030204" pitchFamily="34" charset="0"/>
+                        </a:rPr>
+                        <a:t>Marie</a:t>
+                      </a:r>
+                    </a:p>
+                  </a:txBody>
+                  <a:tcPr marL="6576" marR="6576" marT="6576" marB="0" anchor="ctr">
+                    <a:lnL>
+                      <a:noFill/>
+                    </a:lnL>
+                    <a:lnR>
+                      <a:noFill/>
+                    </a:lnR>
+                    <a:lnT>
+                      <a:noFill/>
+                    </a:lnT>
+                    <a:lnB w="12700" cap="flat" cmpd="sng" algn="ctr">
+                      <a:solidFill>
+                        <a:srgbClr val="000000"/>
+                      </a:solidFill>
+                      <a:prstDash val="solid"/>
+                      <a:round/>
+                      <a:headEnd type="none" w="med" len="med"/>
+                      <a:tailEnd type="none" w="med" len="med"/>
+                    </a:lnB>
+                  </a:tcPr>
+                </a:tc>
+                <a:tc>
+                  <a:txBody>
+                    <a:bodyPr/>
+                    <a:lstStyle/>
+                    <a:p>
+                      <a:pPr algn="r" fontAlgn="ctr"/>
+                      <a:r>
+                        <a:rPr lang="en-US" sz="800" b="0" i="0" u="none" strike="noStrike">
+                          <a:solidFill>
+                            <a:srgbClr val="000000"/>
+                          </a:solidFill>
+                          <a:effectLst/>
+                          <a:latin typeface="Calibri" panose="020F0502020204030204" pitchFamily="34" charset="0"/>
+                        </a:rPr>
+                        <a:t>4136.66</a:t>
+                      </a:r>
+                    </a:p>
+                  </a:txBody>
+                  <a:tcPr marL="6576" marR="6576" marT="6576" marB="0" anchor="ctr">
+                    <a:lnL>
+                      <a:noFill/>
+                    </a:lnL>
+                    <a:lnR>
+                      <a:noFill/>
+                    </a:lnR>
+                    <a:lnT>
+                      <a:noFill/>
+                    </a:lnT>
+                    <a:lnB w="12700" cap="flat" cmpd="sng" algn="ctr">
+                      <a:solidFill>
+                        <a:srgbClr val="000000"/>
+                      </a:solidFill>
+                      <a:prstDash val="solid"/>
+                      <a:round/>
+                      <a:headEnd type="none" w="med" len="med"/>
+                      <a:tailEnd type="none" w="med" len="med"/>
+                    </a:lnB>
+                  </a:tcPr>
+                </a:tc>
+                <a:tc>
+                  <a:txBody>
+                    <a:bodyPr/>
+                    <a:lstStyle/>
+                    <a:p>
+                      <a:pPr algn="r" fontAlgn="ctr"/>
+                      <a:r>
+                        <a:rPr lang="en-US" sz="800" b="0" i="0" u="none" strike="noStrike">
+                          <a:solidFill>
+                            <a:srgbClr val="000000"/>
+                          </a:solidFill>
+                          <a:effectLst/>
+                          <a:latin typeface="Calibri" panose="020F0502020204030204" pitchFamily="34" charset="0"/>
+                        </a:rPr>
+                        <a:t>19</a:t>
+                      </a:r>
+                    </a:p>
+                  </a:txBody>
+                  <a:tcPr marL="6576" marR="6576" marT="6576" marB="0" anchor="ctr">
+                    <a:lnL>
+                      <a:noFill/>
+                    </a:lnL>
+                    <a:lnR>
+                      <a:noFill/>
+                    </a:lnR>
+                    <a:lnT>
+                      <a:noFill/>
+                    </a:lnT>
+                    <a:lnB w="12700" cap="flat" cmpd="sng" algn="ctr">
+                      <a:solidFill>
+                        <a:srgbClr val="000000"/>
+                      </a:solidFill>
+                      <a:prstDash val="solid"/>
+                      <a:round/>
+                      <a:headEnd type="none" w="med" len="med"/>
+                      <a:tailEnd type="none" w="med" len="med"/>
+                    </a:lnB>
+                  </a:tcPr>
+                </a:tc>
+              </a:tr>
+            </a:tbl>
+          </a:graphicData>
+        </a:graphic>
+      </p:graphicFrame>
+      <p:sp>
+        <p:nvSpPr>
+          <p:cNvPr id="6" name="Rectangle 5"/>
+          <p:cNvSpPr/>
+          <p:nvPr/>
+        </p:nvSpPr>
+        <p:spPr>
+          <a:xfrm>
+            <a:off x="152400" y="3276600"/>
+            <a:ext cx="4572000" cy="369332"/>
+          </a:xfrm>
+          <a:prstGeom prst="rect">
+            <a:avLst/>
+          </a:prstGeom>
+        </p:spPr>
+        <p:txBody>
+          <a:bodyPr>
+            <a:spAutoFit/>
+          </a:bodyPr>
+          <a:lstStyle/>
+          <a:p>
+            <a:r>
+              <a:rPr lang="en-US" smtClean="0"/>
+              <a:t>Ordered </a:t>
+            </a:r>
+            <a:r>
+              <a:rPr lang="en-US"/>
+              <a:t>by </a:t>
+            </a:r>
+            <a:r>
+              <a:rPr lang="en-US"/>
+              <a:t>total </a:t>
+            </a:r>
+            <a:r>
+              <a:rPr lang="en-US" smtClean="0"/>
+              <a:t>items purchased.</a:t>
+            </a:r>
+            <a:endParaRPr lang="en-US" dirty="0"/>
+          </a:p>
+        </p:txBody>
+      </p:sp>
+    </p:spTree>
+    <p:extLst>
+      <p:ext uri="{BB962C8B-B14F-4D97-AF65-F5344CB8AC3E}">
+        <p14:creationId xmlns:p14="http://schemas.microsoft.com/office/powerpoint/2010/main" val="2803620173"/>
+      </p:ext>
+    </p:extLst>
+  </p:cSld>
+  <p:clrMapOvr>
+    <a:masterClrMapping/>
+  </p:clrMapOvr>
+  <p:timing>
+    <p:tnLst>
+      <p:par>
+        <p:cTn id="1" dur="indefinite" restart="never" nodeType="tmRoot"/>
+      </p:par>
+    </p:tnLst>
+  </p:timing>
+</p:sld>
+</file>
+
+<file path=ppt/slides/slide18.xml><?xml version="1.0" encoding="utf-8"?>
 <p:sld xmlns:a="http://schemas.openxmlformats.org/drawingml/2006/main" xmlns:r="http://schemas.openxmlformats.org/officeDocument/2006/relationships" xmlns:p="http://schemas.openxmlformats.org/presentationml/2006/main">
   <p:cSld>
     <p:spTree>
@@ -21604,10 +26789,17 @@
   <p:clrMapOvr>
     <a:masterClrMapping/>
   </p:clrMapOvr>
+  <p:timing>
+    <p:tnLst>
+      <p:par>
+        <p:cTn id="1" dur="indefinite" restart="never" nodeType="tmRoot"/>
+      </p:par>
+    </p:tnLst>
+  </p:timing>
 </p:sld>
 </file>
 
-<file path=ppt/slides/slide17.xml><?xml version="1.0" encoding="utf-8"?>
+<file path=ppt/slides/slide19.xml><?xml version="1.0" encoding="utf-8"?>
 <p:sld xmlns:a="http://schemas.openxmlformats.org/drawingml/2006/main" xmlns:r="http://schemas.openxmlformats.org/officeDocument/2006/relationships" xmlns:p="http://schemas.openxmlformats.org/presentationml/2006/main">
   <p:cSld>
     <p:spTree>
@@ -21624,30 +26816,6 @@
           <a:chExt cx="0" cy="0"/>
         </a:xfrm>
       </p:grpSpPr>
-      <p:pic>
-        <p:nvPicPr>
-          <p:cNvPr id="3" name="Picture 2"/>
-          <p:cNvPicPr>
-            <a:picLocks noChangeAspect="1"/>
-          </p:cNvPicPr>
-          <p:nvPr/>
-        </p:nvPicPr>
-        <p:blipFill>
-          <a:blip r:embed="rId2"/>
-          <a:stretch>
-            <a:fillRect/>
-          </a:stretch>
-        </p:blipFill>
-        <p:spPr>
-          <a:xfrm>
-            <a:off x="3581400" y="3733800"/>
-            <a:ext cx="5467350" cy="2933700"/>
-          </a:xfrm>
-          <a:prstGeom prst="rect">
-            <a:avLst/>
-          </a:prstGeom>
-        </p:spPr>
-      </p:pic>
       <p:sp>
         <p:nvSpPr>
           <p:cNvPr id="28674" name="Title 1"/>
@@ -21669,209 +26837,61 @@
           <a:lstStyle/>
           <a:p>
             <a:r>
-              <a:rPr lang="en-US" altLang="en-US" dirty="0" smtClean="0"/>
-              <a:t>References</a:t>
+              <a:rPr lang="en-US" altLang="en-US" smtClean="0"/>
+              <a:t>Tools</a:t>
             </a:r>
+            <a:endParaRPr lang="en-US" altLang="en-US" dirty="0" smtClean="0"/>
           </a:p>
         </p:txBody>
       </p:sp>
-      <p:sp>
-        <p:nvSpPr>
-          <p:cNvPr id="28675" name="Content Placeholder 2"/>
-          <p:cNvSpPr>
-            <a:spLocks noGrp="1"/>
-          </p:cNvSpPr>
-          <p:nvPr>
-            <p:ph idx="1"/>
-          </p:nvPr>
-        </p:nvSpPr>
+      <p:pic>
+        <p:nvPicPr>
+          <p:cNvPr id="3" name="Picture 2"/>
+          <p:cNvPicPr>
+            <a:picLocks noChangeAspect="1"/>
+          </p:cNvPicPr>
+          <p:nvPr/>
+        </p:nvPicPr>
+        <p:blipFill>
+          <a:blip r:embed="rId2"/>
+          <a:stretch>
+            <a:fillRect/>
+          </a:stretch>
+        </p:blipFill>
         <p:spPr>
           <a:xfrm>
-            <a:off x="457200" y="1705194"/>
-            <a:ext cx="7848600" cy="2028606"/>
+            <a:off x="304800" y="1828800"/>
+            <a:ext cx="5467350" cy="2933700"/>
           </a:xfrm>
+          <a:prstGeom prst="rect">
+            <a:avLst/>
+          </a:prstGeom>
         </p:spPr>
-        <p:txBody>
-          <a:bodyPr/>
-          <a:lstStyle/>
-          <a:p>
-            <a:pPr marL="0" indent="0">
-              <a:buFontTx/>
-              <a:buNone/>
-            </a:pPr>
-            <a:r>
-              <a:rPr lang="en-US" altLang="en-US" sz="1200" dirty="0" smtClean="0"/>
-              <a:t>[1] Search.Dilbert.com</a:t>
-            </a:r>
-          </a:p>
-          <a:p>
-            <a:pPr marL="0" indent="0">
-              <a:buNone/>
-            </a:pPr>
-            <a:r>
-              <a:rPr lang="en-US" altLang="en-US" sz="1200" dirty="0" smtClean="0"/>
-              <a:t>[2] </a:t>
-            </a:r>
-            <a:r>
-              <a:rPr lang="en-US" sz="1200" dirty="0" smtClean="0"/>
-              <a:t>Page, Lawrence, et al. "The PageRank citation ranking: bringing order to the web." (1999).</a:t>
-            </a:r>
-          </a:p>
-          <a:p>
-            <a:pPr marL="0" indent="0">
-              <a:buNone/>
-            </a:pPr>
-            <a:r>
-              <a:rPr lang="en-US" sz="1200" dirty="0"/>
-              <a:t>[3] </a:t>
-            </a:r>
-            <a:r>
-              <a:rPr lang="en-US" sz="1200" dirty="0">
-                <a:hlinkClick r:id="rId3"/>
-              </a:rPr>
-              <a:t>http://</a:t>
-            </a:r>
-            <a:r>
-              <a:rPr lang="en-US" sz="1200" dirty="0" smtClean="0">
-                <a:hlinkClick r:id="rId3"/>
-              </a:rPr>
-              <a:t>www.ams.org/samplings/feature-column/fcarc-pagerank</a:t>
-            </a:r>
-            <a:endParaRPr lang="en-US" sz="1200" dirty="0" smtClean="0"/>
-          </a:p>
-          <a:p>
-            <a:pPr marL="0" indent="0">
-              <a:buNone/>
-            </a:pPr>
-            <a:r>
-              <a:rPr lang="en-US" sz="1200" dirty="0"/>
-              <a:t>[4] </a:t>
-            </a:r>
-            <a:r>
-              <a:rPr lang="en-US" sz="1200" dirty="0">
-                <a:hlinkClick r:id="rId4"/>
-              </a:rPr>
-              <a:t>https://</a:t>
-            </a:r>
-            <a:r>
-              <a:rPr lang="en-US" sz="1200" dirty="0" smtClean="0">
-                <a:hlinkClick r:id="rId4"/>
-              </a:rPr>
-              <a:t>en.wikipedia.org/wiki/PageRank</a:t>
-            </a:r>
-            <a:endParaRPr lang="en-US" sz="1200" dirty="0" smtClean="0"/>
-          </a:p>
-          <a:p>
-            <a:pPr marL="0" indent="0">
-              <a:buNone/>
-            </a:pPr>
-            <a:r>
-              <a:rPr lang="en-US" sz="1200" dirty="0" smtClean="0"/>
-              <a:t>[4] YouTube.com</a:t>
-            </a:r>
-          </a:p>
-          <a:p>
-            <a:pPr marL="0" indent="0">
-              <a:buNone/>
-            </a:pPr>
-            <a:r>
-              <a:rPr lang="en-US" sz="1200" dirty="0" smtClean="0"/>
-              <a:t>[5] </a:t>
-            </a:r>
-            <a:r>
-              <a:rPr lang="en-US" sz="1200" dirty="0" smtClean="0">
-                <a:hlinkClick r:id="rId5"/>
-              </a:rPr>
-              <a:t>www.beanstalkim.com\</a:t>
-            </a:r>
-            <a:endParaRPr lang="en-US" sz="1200" dirty="0" smtClean="0"/>
-          </a:p>
-          <a:p>
-            <a:pPr marL="0" indent="0">
-              <a:buNone/>
-            </a:pPr>
-            <a:r>
-              <a:rPr lang="en-US" sz="1200" dirty="0"/>
-              <a:t>[6] "MS&amp;E 233 Lecture 8: Applications of PageRank to Recommendation Systems." </a:t>
-            </a:r>
-            <a:r>
-              <a:rPr lang="en-US" sz="1200" i="1" dirty="0"/>
-              <a:t>MS&amp;E 233 Lecture 8: Applications of PageRank to Recommendation Systems</a:t>
-            </a:r>
-            <a:r>
-              <a:rPr lang="en-US" sz="1200" dirty="0"/>
-              <a:t>. Ed. Ashish </a:t>
-            </a:r>
-            <a:r>
-              <a:rPr lang="en-US" sz="1200" dirty="0"/>
-              <a:t>Goel</a:t>
-            </a:r>
-            <a:r>
-              <a:rPr lang="en-US" sz="1200" dirty="0"/>
-              <a:t>. Stanford University. Web. 13 Apr. 2016. </a:t>
-            </a:r>
-            <a:endParaRPr lang="en-US" sz="1200" dirty="0" smtClean="0"/>
-          </a:p>
-          <a:p>
-            <a:pPr marL="0" indent="0">
-              <a:buNone/>
-            </a:pPr>
-            <a:r>
-              <a:rPr lang="en-US" sz="1200" dirty="0" smtClean="0"/>
-              <a:t>[7] Google.com</a:t>
-            </a:r>
-          </a:p>
-          <a:p>
-            <a:pPr marL="0" indent="0">
-              <a:buNone/>
-            </a:pPr>
-            <a:endParaRPr lang="en-US" sz="1200" dirty="0"/>
-          </a:p>
-          <a:p>
-            <a:pPr marL="0" indent="0">
-              <a:buNone/>
-            </a:pPr>
-            <a:endParaRPr lang="en-US" sz="1200" dirty="0"/>
-          </a:p>
-          <a:p>
-            <a:pPr marL="0" indent="0">
-              <a:buNone/>
-            </a:pPr>
-            <a:endParaRPr lang="en-US" sz="1200" dirty="0" smtClean="0"/>
-          </a:p>
-          <a:p>
-            <a:pPr marL="0" indent="0">
-              <a:buNone/>
-            </a:pPr>
-            <a:endParaRPr lang="en-US" sz="1200" dirty="0"/>
-          </a:p>
-          <a:p>
-            <a:pPr marL="0" indent="0">
-              <a:buNone/>
-            </a:pPr>
-            <a:endParaRPr lang="en-US" sz="1200" dirty="0" smtClean="0"/>
-          </a:p>
-          <a:p>
-            <a:pPr marL="0" indent="0">
-              <a:buNone/>
-            </a:pPr>
-            <a:endParaRPr lang="en-US" sz="1200" dirty="0"/>
-          </a:p>
-          <a:p>
-            <a:pPr marL="0" indent="0">
-              <a:buNone/>
-            </a:pPr>
-            <a:endParaRPr lang="en-US" sz="1200" dirty="0" smtClean="0"/>
-          </a:p>
-          <a:p>
-            <a:pPr marL="0" indent="0">
-              <a:buFontTx/>
-              <a:buNone/>
-            </a:pPr>
-            <a:endParaRPr lang="en-US" altLang="en-US" sz="1200" dirty="0" smtClean="0"/>
-          </a:p>
-        </p:txBody>
-      </p:sp>
+      </p:pic>
+      <p:pic>
+        <p:nvPicPr>
+          <p:cNvPr id="5" name="Picture 4"/>
+          <p:cNvPicPr>
+            <a:picLocks noChangeAspect="1"/>
+          </p:cNvPicPr>
+          <p:nvPr/>
+        </p:nvPicPr>
+        <p:blipFill>
+          <a:blip r:embed="rId3"/>
+          <a:stretch>
+            <a:fillRect/>
+          </a:stretch>
+        </p:blipFill>
+        <p:spPr>
+          <a:xfrm>
+            <a:off x="5638800" y="1607135"/>
+            <a:ext cx="3133725" cy="4476750"/>
+          </a:xfrm>
+          <a:prstGeom prst="rect">
+            <a:avLst/>
+          </a:prstGeom>
+        </p:spPr>
+      </p:pic>
       <p:sp>
         <p:nvSpPr>
           <p:cNvPr id="4" name="Rectangle 3"/>
@@ -21937,6 +26957,13 @@
   <p:clrMapOvr>
     <a:masterClrMapping/>
   </p:clrMapOvr>
+  <p:timing>
+    <p:tnLst>
+      <p:par>
+        <p:cTn id="1" dur="indefinite" restart="never" nodeType="tmRoot"/>
+      </p:par>
+    </p:tnLst>
+  </p:timing>
 </p:sld>
 </file>
 
@@ -22086,6 +27113,369 @@
     <p:extLst>
       <p:ext uri="{BB962C8B-B14F-4D97-AF65-F5344CB8AC3E}">
         <p14:creationId xmlns:p14="http://schemas.microsoft.com/office/powerpoint/2010/main" val="3405273954"/>
+      </p:ext>
+    </p:extLst>
+  </p:cSld>
+  <p:clrMapOvr>
+    <a:masterClrMapping/>
+  </p:clrMapOvr>
+  <p:timing>
+    <p:tnLst>
+      <p:par>
+        <p:cTn id="1" dur="indefinite" restart="never" nodeType="tmRoot"/>
+      </p:par>
+    </p:tnLst>
+  </p:timing>
+</p:sld>
+</file>
+
+<file path=ppt/slides/slide20.xml><?xml version="1.0" encoding="utf-8"?>
+<p:sld xmlns:a="http://schemas.openxmlformats.org/drawingml/2006/main" xmlns:r="http://schemas.openxmlformats.org/officeDocument/2006/relationships" xmlns:p="http://schemas.openxmlformats.org/presentationml/2006/main">
+  <p:cSld>
+    <p:spTree>
+      <p:nvGrpSpPr>
+        <p:cNvPr id="1" name=""/>
+        <p:cNvGrpSpPr/>
+        <p:nvPr/>
+      </p:nvGrpSpPr>
+      <p:grpSpPr>
+        <a:xfrm>
+          <a:off x="0" y="0"/>
+          <a:ext cx="0" cy="0"/>
+          <a:chOff x="0" y="0"/>
+          <a:chExt cx="0" cy="0"/>
+        </a:xfrm>
+      </p:grpSpPr>
+      <p:sp>
+        <p:nvSpPr>
+          <p:cNvPr id="28674" name="Title 1"/>
+          <p:cNvSpPr>
+            <a:spLocks noGrp="1"/>
+          </p:cNvSpPr>
+          <p:nvPr>
+            <p:ph type="title"/>
+          </p:nvPr>
+        </p:nvSpPr>
+        <p:spPr>
+          <a:xfrm>
+            <a:off x="685800" y="914400"/>
+            <a:ext cx="7848600" cy="762000"/>
+          </a:xfrm>
+        </p:spPr>
+        <p:txBody>
+          <a:bodyPr/>
+          <a:lstStyle/>
+          <a:p>
+            <a:r>
+              <a:rPr lang="en-US" altLang="en-US" dirty="0" smtClean="0"/>
+              <a:t>References</a:t>
+            </a:r>
+          </a:p>
+        </p:txBody>
+      </p:sp>
+      <p:sp>
+        <p:nvSpPr>
+          <p:cNvPr id="28675" name="Content Placeholder 2"/>
+          <p:cNvSpPr>
+            <a:spLocks noGrp="1"/>
+          </p:cNvSpPr>
+          <p:nvPr>
+            <p:ph idx="1"/>
+          </p:nvPr>
+        </p:nvSpPr>
+        <p:spPr>
+          <a:xfrm>
+            <a:off x="457200" y="1705194"/>
+            <a:ext cx="7848600" cy="2028606"/>
+          </a:xfrm>
+        </p:spPr>
+        <p:txBody>
+          <a:bodyPr/>
+          <a:lstStyle/>
+          <a:p>
+            <a:pPr marL="0" indent="0">
+              <a:buFontTx/>
+              <a:buNone/>
+            </a:pPr>
+            <a:r>
+              <a:rPr lang="en-US" altLang="en-US" sz="1200" dirty="0" smtClean="0"/>
+              <a:t>[1] Search.Dilbert.com</a:t>
+            </a:r>
+          </a:p>
+          <a:p>
+            <a:pPr marL="0" indent="0">
+              <a:buNone/>
+            </a:pPr>
+            <a:r>
+              <a:rPr lang="en-US" altLang="en-US" sz="1200" dirty="0" smtClean="0"/>
+              <a:t>[2] </a:t>
+            </a:r>
+            <a:r>
+              <a:rPr lang="en-US" sz="1200" dirty="0" smtClean="0"/>
+              <a:t>Page, Lawrence, et al. "The PageRank citation ranking: bringing order to the web." (1999).</a:t>
+            </a:r>
+          </a:p>
+          <a:p>
+            <a:pPr marL="0" indent="0">
+              <a:buNone/>
+            </a:pPr>
+            <a:r>
+              <a:rPr lang="en-US" sz="1200" dirty="0"/>
+              <a:t>[3] </a:t>
+            </a:r>
+            <a:r>
+              <a:rPr lang="en-US" sz="1200" dirty="0">
+                <a:hlinkClick r:id="rId2"/>
+              </a:rPr>
+              <a:t>http://</a:t>
+            </a:r>
+            <a:r>
+              <a:rPr lang="en-US" sz="1200" dirty="0" smtClean="0">
+                <a:hlinkClick r:id="rId2"/>
+              </a:rPr>
+              <a:t>www.ams.org/samplings/feature-column/fcarc-pagerank</a:t>
+            </a:r>
+            <a:endParaRPr lang="en-US" sz="1200" dirty="0" smtClean="0"/>
+          </a:p>
+          <a:p>
+            <a:pPr marL="0" indent="0">
+              <a:buNone/>
+            </a:pPr>
+            <a:r>
+              <a:rPr lang="en-US" sz="1200" dirty="0"/>
+              <a:t>[4] </a:t>
+            </a:r>
+            <a:r>
+              <a:rPr lang="en-US" sz="1200" dirty="0">
+                <a:hlinkClick r:id="rId3"/>
+              </a:rPr>
+              <a:t>https://</a:t>
+            </a:r>
+            <a:r>
+              <a:rPr lang="en-US" sz="1200" dirty="0" smtClean="0">
+                <a:hlinkClick r:id="rId3"/>
+              </a:rPr>
+              <a:t>en.wikipedia.org/wiki/PageRank</a:t>
+            </a:r>
+            <a:endParaRPr lang="en-US" sz="1200" dirty="0" smtClean="0"/>
+          </a:p>
+          <a:p>
+            <a:pPr marL="0" indent="0">
+              <a:buNone/>
+            </a:pPr>
+            <a:r>
+              <a:rPr lang="en-US" sz="1200" dirty="0" smtClean="0"/>
+              <a:t>[4] YouTube.com</a:t>
+            </a:r>
+          </a:p>
+          <a:p>
+            <a:pPr marL="0" indent="0">
+              <a:buNone/>
+            </a:pPr>
+            <a:r>
+              <a:rPr lang="en-US" sz="1200" dirty="0" smtClean="0"/>
+              <a:t>[5] </a:t>
+            </a:r>
+            <a:r>
+              <a:rPr lang="en-US" sz="1200" dirty="0" smtClean="0">
+                <a:hlinkClick r:id="rId4"/>
+              </a:rPr>
+              <a:t>www.beanstalkim.com\</a:t>
+            </a:r>
+            <a:endParaRPr lang="en-US" sz="1200" dirty="0" smtClean="0"/>
+          </a:p>
+          <a:p>
+            <a:pPr marL="0" indent="0">
+              <a:buNone/>
+            </a:pPr>
+            <a:r>
+              <a:rPr lang="en-US" sz="1200" dirty="0"/>
+              <a:t>[6] "MS&amp;E 233 Lecture 8: Applications of PageRank to Recommendation Systems." </a:t>
+            </a:r>
+            <a:r>
+              <a:rPr lang="en-US" sz="1200" i="1" dirty="0"/>
+              <a:t>MS&amp;E 233 Lecture 8: Applications of PageRank to Recommendation Systems</a:t>
+            </a:r>
+            <a:r>
+              <a:rPr lang="en-US" sz="1200" dirty="0"/>
+              <a:t>. Ed. Ashish </a:t>
+            </a:r>
+            <a:r>
+              <a:rPr lang="en-US" sz="1200" dirty="0"/>
+              <a:t>Goel</a:t>
+            </a:r>
+            <a:r>
+              <a:rPr lang="en-US" sz="1200" dirty="0"/>
+              <a:t>. Stanford University. Web. 13 Apr. 2016. </a:t>
+            </a:r>
+            <a:endParaRPr lang="en-US" sz="1200" dirty="0" smtClean="0"/>
+          </a:p>
+          <a:p>
+            <a:pPr marL="0" indent="0">
+              <a:buNone/>
+            </a:pPr>
+            <a:r>
+              <a:rPr lang="en-US" sz="1200" dirty="0" smtClean="0"/>
+              <a:t>[7</a:t>
+            </a:r>
+            <a:r>
+              <a:rPr lang="en-US" sz="1200" smtClean="0"/>
+              <a:t>] </a:t>
+            </a:r>
+            <a:r>
+              <a:rPr lang="en-US" sz="1200" smtClean="0"/>
+              <a:t>Google.com</a:t>
+            </a:r>
+          </a:p>
+          <a:p>
+            <a:pPr marL="0" indent="0">
+              <a:buNone/>
+            </a:pPr>
+            <a:r>
+              <a:rPr lang="en-US" sz="1200"/>
+              <a:t>[8] https://www.google.com/maps/uv?hl=en&amp;pb=!1s0x884053a2f4f6d27b:0x1f562855bf86f422!2m5!2m2!1i80!2i80!3m1!2i100!3m1!7e115!4s/maps/place/michael%2Bcalico%2Bjeweler/@39.2347543,-84.3766656,3a,75y,266.11h,90t/data%3D*213m4*211e1*213m2*211sNDikPhdOG_APjUXjirrC3A*212e0*214m2*213m1*211s0x0:0x1f562855bf86f422!5smichael+calico+jeweler+-+Google+Search&amp;imagekey=!1e2!2sNDikPhdOG_APjUXjirrC3A&amp;sa=X&amp;ved=0ahUKEwi4hbDMyJDMAhXJ2xoKHeO0CUYQpx8IfjAO</a:t>
+            </a:r>
+            <a:endParaRPr lang="en-US" sz="1200" dirty="0" smtClean="0"/>
+          </a:p>
+          <a:p>
+            <a:pPr marL="0" indent="0">
+              <a:buNone/>
+            </a:pPr>
+            <a:endParaRPr lang="en-US" sz="1200" dirty="0"/>
+          </a:p>
+          <a:p>
+            <a:pPr marL="0" indent="0">
+              <a:buNone/>
+            </a:pPr>
+            <a:endParaRPr lang="en-US" sz="1200" dirty="0"/>
+          </a:p>
+          <a:p>
+            <a:pPr marL="0" indent="0">
+              <a:buNone/>
+            </a:pPr>
+            <a:endParaRPr lang="en-US" sz="1200" dirty="0" smtClean="0"/>
+          </a:p>
+          <a:p>
+            <a:pPr marL="0" indent="0">
+              <a:buNone/>
+            </a:pPr>
+            <a:endParaRPr lang="en-US" sz="1200" dirty="0"/>
+          </a:p>
+          <a:p>
+            <a:pPr marL="0" indent="0">
+              <a:buNone/>
+            </a:pPr>
+            <a:endParaRPr lang="en-US" sz="1200" dirty="0" smtClean="0"/>
+          </a:p>
+          <a:p>
+            <a:pPr marL="0" indent="0">
+              <a:buNone/>
+            </a:pPr>
+            <a:endParaRPr lang="en-US" sz="1200" dirty="0"/>
+          </a:p>
+          <a:p>
+            <a:pPr marL="0" indent="0">
+              <a:buNone/>
+            </a:pPr>
+            <a:endParaRPr lang="en-US" sz="1200" dirty="0" smtClean="0"/>
+          </a:p>
+          <a:p>
+            <a:pPr marL="0" indent="0">
+              <a:buFontTx/>
+              <a:buNone/>
+            </a:pPr>
+            <a:endParaRPr lang="en-US" altLang="en-US" sz="1200" dirty="0" smtClean="0"/>
+          </a:p>
+        </p:txBody>
+      </p:sp>
+      <p:pic>
+        <p:nvPicPr>
+          <p:cNvPr id="3" name="Picture 2"/>
+          <p:cNvPicPr>
+            <a:picLocks noChangeAspect="1"/>
+          </p:cNvPicPr>
+          <p:nvPr/>
+        </p:nvPicPr>
+        <p:blipFill>
+          <a:blip r:embed="rId5"/>
+          <a:stretch>
+            <a:fillRect/>
+          </a:stretch>
+        </p:blipFill>
+        <p:spPr>
+          <a:xfrm>
+            <a:off x="3581400" y="3733800"/>
+            <a:ext cx="5467350" cy="2933700"/>
+          </a:xfrm>
+          <a:prstGeom prst="rect">
+            <a:avLst/>
+          </a:prstGeom>
+        </p:spPr>
+      </p:pic>
+      <p:sp>
+        <p:nvSpPr>
+          <p:cNvPr id="4" name="Rectangle 3"/>
+          <p:cNvSpPr/>
+          <p:nvPr/>
+        </p:nvSpPr>
+        <p:spPr>
+          <a:xfrm>
+            <a:off x="228600" y="5410200"/>
+            <a:ext cx="7315200" cy="646331"/>
+          </a:xfrm>
+          <a:prstGeom prst="rect">
+            <a:avLst/>
+          </a:prstGeom>
+          <a:gradFill>
+            <a:gsLst>
+              <a:gs pos="0">
+                <a:schemeClr val="accent1">
+                  <a:lumMod val="5000"/>
+                  <a:lumOff val="95000"/>
+                </a:schemeClr>
+              </a:gs>
+              <a:gs pos="74000">
+                <a:schemeClr val="accent1">
+                  <a:lumMod val="45000"/>
+                  <a:lumOff val="55000"/>
+                </a:schemeClr>
+              </a:gs>
+              <a:gs pos="83000">
+                <a:schemeClr val="accent1">
+                  <a:lumMod val="45000"/>
+                  <a:lumOff val="55000"/>
+                </a:schemeClr>
+              </a:gs>
+              <a:gs pos="100000">
+                <a:schemeClr val="accent1">
+                  <a:lumMod val="30000"/>
+                  <a:lumOff val="70000"/>
+                </a:schemeClr>
+              </a:gs>
+            </a:gsLst>
+            <a:lin ang="5400000" scaled="1"/>
+          </a:gradFill>
+        </p:spPr>
+        <p:txBody>
+          <a:bodyPr wrap="square">
+            <a:spAutoFit/>
+          </a:bodyPr>
+          <a:lstStyle/>
+          <a:p>
+            <a:pPr marL="0" indent="0">
+              <a:buNone/>
+            </a:pPr>
+            <a:r>
+              <a:rPr lang="en-US" dirty="0"/>
+              <a:t>Code and presentation available at https://github.com/nicomp42/CS7081Spring2016Group01FinalProject</a:t>
+            </a:r>
+          </a:p>
+        </p:txBody>
+      </p:sp>
+    </p:spTree>
+    <p:extLst>
+      <p:ext uri="{BB962C8B-B14F-4D97-AF65-F5344CB8AC3E}">
+        <p14:creationId xmlns:p14="http://schemas.microsoft.com/office/powerpoint/2010/main" val="4116736388"/>
       </p:ext>
     </p:extLst>
   </p:cSld>
@@ -33644,8 +39034,8 @@
         </p:nvSpPr>
         <p:spPr>
           <a:xfrm>
-            <a:off x="609600" y="762000"/>
-            <a:ext cx="7848600" cy="1143000"/>
+            <a:off x="228600" y="762000"/>
+            <a:ext cx="8229600" cy="1143000"/>
           </a:xfrm>
         </p:spPr>
         <p:txBody>
@@ -33653,17 +39043,25 @@
           <a:lstStyle/>
           <a:p>
             <a:r>
-              <a:rPr lang="en-US" sz="3200" dirty="0" smtClean="0"/>
-              <a:t>We need directed edges </a:t>
+              <a:rPr lang="en-US" sz="2800" smtClean="0"/>
+              <a:t>For Page Rank to work: </a:t>
+            </a:r>
+            <a:r>
+              <a:rPr lang="en-US" sz="2800" smtClean="0"/>
+              <a:t>we </a:t>
+            </a:r>
+            <a:r>
+              <a:rPr lang="en-US" sz="2800" dirty="0" smtClean="0"/>
+              <a:t>need directed edges </a:t>
             </a:r>
             <a:br>
-              <a:rPr lang="en-US" sz="3200" dirty="0" smtClean="0"/>
+              <a:rPr lang="en-US" sz="2800" dirty="0" smtClean="0"/>
             </a:br>
             <a:r>
-              <a:rPr lang="en-US" sz="3200" dirty="0" smtClean="0"/>
+              <a:rPr lang="en-US" sz="2800" dirty="0" smtClean="0"/>
               <a:t>from Items to Clients</a:t>
             </a:r>
-            <a:endParaRPr lang="en-US" sz="3200" dirty="0"/>
+            <a:endParaRPr lang="en-US" sz="2800" dirty="0"/>
           </a:p>
         </p:txBody>
       </p:sp>
@@ -33762,6 +39160,36 @@
           </a:prstGeom>
         </p:spPr>
       </p:pic>
+      <p:sp>
+        <p:nvSpPr>
+          <p:cNvPr id="5" name="TextBox 4"/>
+          <p:cNvSpPr txBox="1"/>
+          <p:nvPr/>
+        </p:nvSpPr>
+        <p:spPr>
+          <a:xfrm>
+            <a:off x="5397345" y="4572000"/>
+            <a:ext cx="441146" cy="1200329"/>
+          </a:xfrm>
+          <a:prstGeom prst="rect">
+            <a:avLst/>
+          </a:prstGeom>
+          <a:noFill/>
+        </p:spPr>
+        <p:txBody>
+          <a:bodyPr wrap="none" rtlCol="0">
+            <a:spAutoFit/>
+          </a:bodyPr>
+          <a:lstStyle/>
+          <a:p>
+            <a:r>
+              <a:rPr lang="en-US" sz="7200" smtClean="0"/>
+              <a:t>!</a:t>
+            </a:r>
+            <a:endParaRPr lang="en-US" sz="7200"/>
+          </a:p>
+        </p:txBody>
+      </p:sp>
     </p:spTree>
     <p:extLst>
       <p:ext uri="{BB962C8B-B14F-4D97-AF65-F5344CB8AC3E}">
@@ -33772,6 +39200,13 @@
   <p:clrMapOvr>
     <a:masterClrMapping/>
   </p:clrMapOvr>
+  <p:timing>
+    <p:tnLst>
+      <p:par>
+        <p:cTn id="1" dur="indefinite" restart="never" nodeType="tmRoot"/>
+      </p:par>
+    </p:tnLst>
+  </p:timing>
 </p:sld>
 </file>
 
